--- a/Slides/Lesson 8.5 Searching in a Graph.pptx
+++ b/Slides/Lesson 8.5 Searching in a Graph.pptx
@@ -5,7 +5,7 @@
     <p:sldMasterId id="2147483660" r:id="rId1"/>
   </p:sldMasterIdLst>
   <p:notesMasterIdLst>
-    <p:notesMasterId r:id="rId36"/>
+    <p:notesMasterId r:id="rId45"/>
   </p:notesMasterIdLst>
   <p:sldIdLst>
     <p:sldId id="374" r:id="rId2"/>
@@ -22,31 +22,40 @@
     <p:sldId id="385" r:id="rId13"/>
     <p:sldId id="411" r:id="rId14"/>
     <p:sldId id="412" r:id="rId15"/>
-    <p:sldId id="390" r:id="rId16"/>
-    <p:sldId id="391" r:id="rId17"/>
-    <p:sldId id="392" r:id="rId18"/>
-    <p:sldId id="393" r:id="rId19"/>
-    <p:sldId id="394" r:id="rId20"/>
-    <p:sldId id="395" r:id="rId21"/>
-    <p:sldId id="396" r:id="rId22"/>
-    <p:sldId id="397" r:id="rId23"/>
-    <p:sldId id="398" r:id="rId24"/>
-    <p:sldId id="399" r:id="rId25"/>
-    <p:sldId id="400" r:id="rId26"/>
-    <p:sldId id="402" r:id="rId27"/>
-    <p:sldId id="403" r:id="rId28"/>
-    <p:sldId id="404" r:id="rId29"/>
-    <p:sldId id="405" r:id="rId30"/>
-    <p:sldId id="406" r:id="rId31"/>
-    <p:sldId id="407" r:id="rId32"/>
-    <p:sldId id="408" r:id="rId33"/>
-    <p:sldId id="409" r:id="rId34"/>
-    <p:sldId id="410" r:id="rId35"/>
+    <p:sldId id="413" r:id="rId16"/>
+    <p:sldId id="390" r:id="rId17"/>
+    <p:sldId id="391" r:id="rId18"/>
+    <p:sldId id="414" r:id="rId19"/>
+    <p:sldId id="415" r:id="rId20"/>
+    <p:sldId id="416" r:id="rId21"/>
+    <p:sldId id="417" r:id="rId22"/>
+    <p:sldId id="393" r:id="rId23"/>
+    <p:sldId id="394" r:id="rId24"/>
+    <p:sldId id="395" r:id="rId25"/>
+    <p:sldId id="396" r:id="rId26"/>
+    <p:sldId id="422" r:id="rId27"/>
+    <p:sldId id="418" r:id="rId28"/>
+    <p:sldId id="419" r:id="rId29"/>
+    <p:sldId id="397" r:id="rId30"/>
+    <p:sldId id="420" r:id="rId31"/>
+    <p:sldId id="421" r:id="rId32"/>
+    <p:sldId id="398" r:id="rId33"/>
+    <p:sldId id="399" r:id="rId34"/>
+    <p:sldId id="400" r:id="rId35"/>
+    <p:sldId id="402" r:id="rId36"/>
+    <p:sldId id="403" r:id="rId37"/>
+    <p:sldId id="404" r:id="rId38"/>
+    <p:sldId id="405" r:id="rId39"/>
+    <p:sldId id="406" r:id="rId40"/>
+    <p:sldId id="407" r:id="rId41"/>
+    <p:sldId id="408" r:id="rId42"/>
+    <p:sldId id="409" r:id="rId43"/>
+    <p:sldId id="410" r:id="rId44"/>
   </p:sldIdLst>
   <p:sldSz cx="9144000" cy="6858000" type="screen4x3"/>
   <p:notesSz cx="6858000" cy="9144000"/>
   <p:custDataLst>
-    <p:tags r:id="rId37"/>
+    <p:tags r:id="rId46"/>
   </p:custDataLst>
   <p:defaultTextStyle>
     <a:defPPr>
@@ -259,7 +268,7 @@
             <a:fld id="{CF8F25F6-E1EF-4065-8525-42EDEBD9BD22}" type="datetimeFigureOut">
               <a:rPr lang="en-US" smtClean="0"/>
               <a:pPr/>
-              <a:t>10/23/2016</a:t>
+              <a:t>10/24/2016</a:t>
             </a:fld>
             <a:endParaRPr lang="en-US"/>
           </a:p>
@@ -1305,7 +1314,7 @@
           <a:p>
             <a:fld id="{2F1F79F5-7BEC-496A-AFC7-876E38F64D71}" type="datetime1">
               <a:rPr lang="en-US" smtClean="0"/>
-              <a:t>10/23/2016</a:t>
+              <a:t>10/24/2016</a:t>
             </a:fld>
             <a:endParaRPr lang="en-US"/>
           </a:p>
@@ -1400,7 +1409,7 @@
           <a:p>
             <a:fld id="{0A05703A-7669-4FEA-9056-25299B4D29D4}" type="datetime1">
               <a:rPr lang="en-US" smtClean="0"/>
-              <a:t>10/23/2016</a:t>
+              <a:t>10/24/2016</a:t>
             </a:fld>
             <a:endParaRPr lang="en-US"/>
           </a:p>
@@ -1675,7 +1684,7 @@
           <a:p>
             <a:fld id="{6E5077B5-BB57-49DB-88CA-226A139E5C01}" type="datetime1">
               <a:rPr lang="en-US" smtClean="0"/>
-              <a:t>10/23/2016</a:t>
+              <a:t>10/24/2016</a:t>
             </a:fld>
             <a:endParaRPr lang="en-US"/>
           </a:p>
@@ -1927,7 +1936,7 @@
           <a:p>
             <a:fld id="{C48D9447-CBD6-49A1-89FD-8512A8CF8999}" type="datetime1">
               <a:rPr lang="en-US" smtClean="0"/>
-              <a:t>10/23/2016</a:t>
+              <a:t>10/24/2016</a:t>
             </a:fld>
             <a:endParaRPr lang="en-US"/>
           </a:p>
@@ -2095,7 +2104,7 @@
           <a:p>
             <a:fld id="{A3639A2A-823D-48B7-9ACE-7FAF42870BA9}" type="datetime1">
               <a:rPr lang="en-US" smtClean="0"/>
-              <a:t>10/23/2016</a:t>
+              <a:t>10/24/2016</a:t>
             </a:fld>
             <a:endParaRPr lang="en-US"/>
           </a:p>
@@ -2273,7 +2282,7 @@
           <a:p>
             <a:fld id="{ED1B6996-82E9-463C-972C-7B56056E426C}" type="datetime1">
               <a:rPr lang="en-US" smtClean="0"/>
-              <a:t>10/23/2016</a:t>
+              <a:t>10/24/2016</a:t>
             </a:fld>
             <a:endParaRPr lang="en-US"/>
           </a:p>
@@ -2447,7 +2456,7 @@
           <a:p>
             <a:fld id="{E22ED4DA-448D-4BB1-B935-CC112220207B}" type="datetime1">
               <a:rPr lang="en-US" smtClean="0"/>
-              <a:t>10/23/2016</a:t>
+              <a:t>10/24/2016</a:t>
             </a:fld>
             <a:endParaRPr lang="en-US"/>
           </a:p>
@@ -2620,7 +2629,7 @@
           <a:p>
             <a:fld id="{E22ED4DA-448D-4BB1-B935-CC112220207B}" type="datetime1">
               <a:rPr lang="en-US" smtClean="0"/>
-              <a:t>10/23/2016</a:t>
+              <a:t>10/24/2016</a:t>
             </a:fld>
             <a:endParaRPr lang="en-US"/>
           </a:p>
@@ -2880,7 +2889,7 @@
           <a:p>
             <a:fld id="{FF5D65A6-AB94-4435-B0B7-3743215FA46C}" type="datetime1">
               <a:rPr lang="en-US" smtClean="0"/>
-              <a:t>10/23/2016</a:t>
+              <a:t>10/24/2016</a:t>
             </a:fld>
             <a:endParaRPr lang="en-US"/>
           </a:p>
@@ -3056,7 +3065,7 @@
           <a:p>
             <a:fld id="{FF5D65A6-AB94-4435-B0B7-3743215FA46C}" type="datetime1">
               <a:rPr lang="en-US" smtClean="0"/>
-              <a:t>10/23/2016</a:t>
+              <a:t>10/24/2016</a:t>
             </a:fld>
             <a:endParaRPr lang="en-US"/>
           </a:p>
@@ -3350,7 +3359,7 @@
           <a:p>
             <a:fld id="{7C193DC4-6EF0-48C9-B29C-616106A645E1}" type="datetime1">
               <a:rPr lang="en-US" smtClean="0"/>
-              <a:t>10/23/2016</a:t>
+              <a:t>10/24/2016</a:t>
             </a:fld>
             <a:endParaRPr lang="en-US"/>
           </a:p>
@@ -3635,7 +3644,7 @@
           <a:p>
             <a:fld id="{5D1846AD-9252-4647-9435-4C2AC365653A}" type="datetime1">
               <a:rPr lang="en-US" smtClean="0"/>
-              <a:t>10/23/2016</a:t>
+              <a:t>10/24/2016</a:t>
             </a:fld>
             <a:endParaRPr lang="en-US"/>
           </a:p>
@@ -4054,7 +4063,7 @@
           <a:p>
             <a:fld id="{CE56DC10-3561-4063-A6AF-C1CC7A41040A}" type="datetime1">
               <a:rPr lang="en-US" smtClean="0"/>
-              <a:t>10/23/2016</a:t>
+              <a:t>10/24/2016</a:t>
             </a:fld>
             <a:endParaRPr lang="en-US"/>
           </a:p>
@@ -4171,7 +4180,7 @@
           <a:p>
             <a:fld id="{2F7B77F5-1464-4F6B-92A8-64FC8A508293}" type="datetime1">
               <a:rPr lang="en-US" smtClean="0"/>
-              <a:t>10/23/2016</a:t>
+              <a:t>10/24/2016</a:t>
             </a:fld>
             <a:endParaRPr lang="en-US"/>
           </a:p>
@@ -4394,7 +4403,7 @@
           <a:p>
             <a:fld id="{02B3F677-983B-48DB-ADFD-63FE6CBC7FB2}" type="datetime1">
               <a:rPr lang="en-US" smtClean="0"/>
-              <a:t>10/23/2016</a:t>
+              <a:t>10/24/2016</a:t>
             </a:fld>
             <a:endParaRPr lang="en-US"/>
           </a:p>
@@ -6317,7 +6326,7 @@
           <a:p>
             <a:r>
               <a:rPr lang="en-US" dirty="0"/>
-              <a:t>  Graph </a:t>
+              <a:t>  </a:t>
             </a:r>
             <a:r>
               <a:rPr lang="en-US" dirty="0" err="1"/>
@@ -6325,7 +6334,7 @@
             </a:r>
             <a:r>
               <a:rPr lang="en-US" dirty="0"/>
-              <a:t> -&gt; </a:t>
+              <a:t> Graph -&gt; </a:t>
             </a:r>
             <a:r>
               <a:rPr lang="en-US" dirty="0" err="1"/>
@@ -6336,13 +6345,13 @@
           <a:p>
             <a:r>
               <a:rPr lang="en-US" dirty="0"/>
-              <a:t>GIVEN: a graph and a set of nodes</a:t>
+              <a:t>GIVEN: a set of nodes in a finite graph</a:t>
             </a:r>
           </a:p>
           <a:p>
             <a:r>
               <a:rPr lang="en-US" dirty="0"/>
-              <a:t>RETURNS: the set of nodes that is reachable from the given set of nodes</a:t>
+              <a:t>RETURNS: the set of nodes that is reachable in the graph from the given set of nodes</a:t>
             </a:r>
           </a:p>
         </p:txBody>
@@ -6443,7 +6452,15 @@
             </a:pPr>
             <a:r>
               <a:rPr lang="en-US" dirty="0"/>
-              <a:t>A node t is reachable from a node s </a:t>
+              <a:t>A node t is </a:t>
+            </a:r>
+            <a:r>
+              <a:rPr lang="en-US" i="1" dirty="0"/>
+              <a:t>reachable</a:t>
+            </a:r>
+            <a:r>
+              <a:rPr lang="en-US" dirty="0"/>
+              <a:t> from a node s </a:t>
             </a:r>
             <a:r>
               <a:rPr lang="en-US" dirty="0" err="1"/>
@@ -6481,7 +6498,7 @@
             </a:pPr>
             <a:r>
               <a:rPr lang="en-US" dirty="0"/>
-              <a:t>s' is a successor of s</a:t>
+              <a:t>s' is reachable from s, and</a:t>
             </a:r>
           </a:p>
           <a:p>
@@ -6491,7 +6508,7 @@
             </a:pPr>
             <a:r>
               <a:rPr lang="en-US" dirty="0"/>
-              <a:t>t is reachable from s'</a:t>
+              <a:t>t is a successor of s'.</a:t>
             </a:r>
           </a:p>
         </p:txBody>
@@ -6572,8 +6589,8 @@
           </a:p>
         </p:txBody>
       </p:sp>
-      <mc:AlternateContent xmlns:mc="http://schemas.openxmlformats.org/markup-compatibility/2006">
-        <mc:Choice xmlns:a14="http://schemas.microsoft.com/office/drawing/2010/main" Requires="a14">
+      <mc:AlternateContent xmlns:mc="http://schemas.openxmlformats.org/markup-compatibility/2006" xmlns:a14="http://schemas.microsoft.com/office/drawing/2010/main">
+        <mc:Choice Requires="a14">
           <p:sp>
             <p:nvSpPr>
               <p:cNvPr id="3" name="Content Placeholder 2"/>
@@ -6587,19 +6604,47 @@
             <p:spPr/>
             <p:txBody>
               <a:bodyPr>
-                <a:normAutofit fontScale="92500" lnSpcReduction="20000"/>
+                <a:normAutofit fontScale="92500" lnSpcReduction="10000"/>
               </a:bodyPr>
               <a:lstStyle/>
               <a:p>
                 <a:r>
                   <a:rPr lang="en-US" dirty="0"/>
-                  <a:t>Let S be a set of nodes in our graph.</a:t>
+                  <a:t>Let </a:t>
+                </a:r>
+                <a14:m>
+                  <m:oMath xmlns:m="http://schemas.openxmlformats.org/officeDocument/2006/math">
+                    <m:r>
+                      <a:rPr lang="en-US" i="1" dirty="0" smtClean="0">
+                        <a:latin typeface="Cambria Math" panose="02040503050406030204" pitchFamily="18" charset="0"/>
+                      </a:rPr>
+                      <m:t>𝑆</m:t>
+                    </m:r>
+                  </m:oMath>
+                </a14:m>
+                <a:r>
+                  <a:rPr lang="en-US" dirty="0"/>
+                  <a:t> be a set of nodes in our graph.</a:t>
                 </a:r>
               </a:p>
               <a:p>
                 <a:r>
                   <a:rPr lang="en-US" dirty="0"/>
-                  <a:t>Want to find the set of nodes reachable from S.</a:t>
+                  <a:t>Want to find the set of nodes reachable from </a:t>
+                </a:r>
+                <a14:m>
+                  <m:oMath xmlns:m="http://schemas.openxmlformats.org/officeDocument/2006/math">
+                    <m:r>
+                      <a:rPr lang="en-US" i="1" dirty="0" smtClean="0">
+                        <a:latin typeface="Cambria Math" panose="02040503050406030204" pitchFamily="18" charset="0"/>
+                      </a:rPr>
+                      <m:t>𝑆</m:t>
+                    </m:r>
+                  </m:oMath>
+                </a14:m>
+                <a:r>
+                  <a:rPr lang="en-US" dirty="0"/>
+                  <a:t>.</a:t>
                 </a:r>
               </a:p>
               <a:p>
@@ -6645,7 +6690,19 @@
                       <a:rPr lang="en-US" b="0" i="1" smtClean="0">
                         <a:latin typeface="Cambria Math" panose="02040503050406030204" pitchFamily="18" charset="0"/>
                       </a:rPr>
-                      <m:t>=</m:t>
+                      <m:t>(</m:t>
+                    </m:r>
+                    <m:r>
+                      <a:rPr lang="en-US" b="0" i="1" smtClean="0">
+                        <a:latin typeface="Cambria Math" panose="02040503050406030204" pitchFamily="18" charset="0"/>
+                      </a:rPr>
+                      <m:t>𝑆</m:t>
+                    </m:r>
+                    <m:r>
+                      <a:rPr lang="en-US" b="0" i="1" smtClean="0">
+                        <a:latin typeface="Cambria Math" panose="02040503050406030204" pitchFamily="18" charset="0"/>
+                      </a:rPr>
+                      <m:t>)=</m:t>
                     </m:r>
                     <m:r>
                       <a:rPr lang="en-US" b="0" i="1" smtClean="0">
@@ -6706,7 +6763,19 @@
                       <a:rPr lang="en-US" b="0" i="1" smtClean="0">
                         <a:latin typeface="Cambria Math" panose="02040503050406030204" pitchFamily="18" charset="0"/>
                       </a:rPr>
-                      <m:t>=</m:t>
+                      <m:t>(</m:t>
+                    </m:r>
+                    <m:r>
+                      <a:rPr lang="en-US" b="0" i="1" smtClean="0">
+                        <a:latin typeface="Cambria Math" panose="02040503050406030204" pitchFamily="18" charset="0"/>
+                      </a:rPr>
+                      <m:t>𝑆</m:t>
+                    </m:r>
+                    <m:r>
+                      <a:rPr lang="en-US" b="0" i="1" smtClean="0">
+                        <a:latin typeface="Cambria Math" panose="02040503050406030204" pitchFamily="18" charset="0"/>
+                      </a:rPr>
+                      <m:t>)=</m:t>
                     </m:r>
                     <m:sSub>
                       <m:sSubPr>
@@ -6737,14 +6806,19 @@
                       <a:rPr lang="en-US" b="0" i="1" smtClean="0">
                         <a:latin typeface="Cambria Math" panose="02040503050406030204" pitchFamily="18" charset="0"/>
                       </a:rPr>
-                      <m:t> </m:t>
+                      <m:t>(</m:t>
                     </m:r>
                     <m:r>
                       <a:rPr lang="en-US" b="0" i="1" smtClean="0">
                         <a:latin typeface="Cambria Math" panose="02040503050406030204" pitchFamily="18" charset="0"/>
-                        <a:ea typeface="Cambria Math" panose="02040503050406030204" pitchFamily="18" charset="0"/>
                       </a:rPr>
-                      <m:t>∪(</m:t>
+                      <m:t>𝑆</m:t>
+                    </m:r>
+                    <m:r>
+                      <a:rPr lang="en-US" b="0" i="1" smtClean="0">
+                        <a:latin typeface="Cambria Math" panose="02040503050406030204" pitchFamily="18" charset="0"/>
+                      </a:rPr>
+                      <m:t>) ∪(</m:t>
                     </m:r>
                     <m:r>
                       <a:rPr lang="en-US" b="0" i="1" smtClean="0">
@@ -6788,8 +6862,27 @@
                         </m:r>
                       </m:sub>
                     </m:sSub>
+                    <m:d>
+                      <m:dPr>
+                        <m:ctrlPr>
+                          <a:rPr lang="en-US" b="0" i="1" smtClean="0">
+                            <a:latin typeface="Cambria Math" panose="02040503050406030204" pitchFamily="18" charset="0"/>
+                            <a:ea typeface="Cambria Math" panose="02040503050406030204" pitchFamily="18" charset="0"/>
+                          </a:rPr>
+                        </m:ctrlPr>
+                      </m:dPr>
+                      <m:e>
+                        <m:r>
+                          <a:rPr lang="en-US" b="0" i="1" smtClean="0">
+                            <a:latin typeface="Cambria Math" panose="02040503050406030204" pitchFamily="18" charset="0"/>
+                            <a:ea typeface="Cambria Math" panose="02040503050406030204" pitchFamily="18" charset="0"/>
+                          </a:rPr>
+                          <m:t>𝑆</m:t>
+                        </m:r>
+                      </m:e>
+                    </m:d>
                     <m:r>
-                      <a:rPr lang="en-US" b="0" i="1" smtClean="0">
+                      <a:rPr lang="en-US" b="0" i="0" smtClean="0">
                         <a:latin typeface="Cambria Math" panose="02040503050406030204" pitchFamily="18" charset="0"/>
                         <a:ea typeface="Cambria Math" panose="02040503050406030204" pitchFamily="18" charset="0"/>
                       </a:rPr>
@@ -6800,19 +6893,24 @@
                 <a:endParaRPr lang="en-US" dirty="0"/>
               </a:p>
               <a:p>
+                <a:pPr lvl="1"/>
+                <a:r>
+                  <a:rPr lang="en-US" dirty="0"/>
+                  <a:t>If </a:t>
+                </a:r>
                 <a14:m>
                   <m:oMath xmlns:m="http://schemas.openxmlformats.org/officeDocument/2006/math">
                     <m:sSub>
                       <m:sSubPr>
                         <m:ctrlPr>
-                          <a:rPr lang="en-US" b="0" i="1" smtClean="0">
+                          <a:rPr lang="en-US" i="1">
                             <a:latin typeface="Cambria Math" panose="02040503050406030204" pitchFamily="18" charset="0"/>
                           </a:rPr>
                         </m:ctrlPr>
                       </m:sSubPr>
                       <m:e>
                         <m:r>
-                          <a:rPr lang="en-US" b="0" i="1" smtClean="0">
+                          <a:rPr lang="en-US" i="1">
                             <a:latin typeface="Cambria Math" panose="02040503050406030204" pitchFamily="18" charset="0"/>
                           </a:rPr>
                           <m:t>𝑅</m:t>
@@ -6820,58 +6918,99 @@
                       </m:e>
                       <m:sub>
                         <m:r>
-                          <a:rPr lang="en-US" b="0" i="1" smtClean="0">
+                          <a:rPr lang="en-US" i="1">
+                            <a:latin typeface="Cambria Math" panose="02040503050406030204" pitchFamily="18" charset="0"/>
+                          </a:rPr>
+                          <m:t>𝑛</m:t>
+                        </m:r>
+                        <m:r>
+                          <a:rPr lang="en-US" i="1">
+                            <a:latin typeface="Cambria Math" panose="02040503050406030204" pitchFamily="18" charset="0"/>
+                          </a:rPr>
+                          <m:t>+1</m:t>
+                        </m:r>
+                      </m:sub>
+                    </m:sSub>
+                    <m:d>
+                      <m:dPr>
+                        <m:ctrlPr>
+                          <a:rPr lang="en-US" i="1">
+                            <a:latin typeface="Cambria Math" panose="02040503050406030204" pitchFamily="18" charset="0"/>
+                          </a:rPr>
+                        </m:ctrlPr>
+                      </m:dPr>
+                      <m:e>
+                        <m:r>
+                          <a:rPr lang="en-US" i="1">
+                            <a:latin typeface="Cambria Math" panose="02040503050406030204" pitchFamily="18" charset="0"/>
+                          </a:rPr>
+                          <m:t>𝑆</m:t>
+                        </m:r>
+                      </m:e>
+                    </m:d>
+                    <m:r>
+                      <a:rPr lang="en-US" i="1">
+                        <a:latin typeface="Cambria Math" panose="02040503050406030204" pitchFamily="18" charset="0"/>
+                      </a:rPr>
+                      <m:t>=</m:t>
+                    </m:r>
+                    <m:sSub>
+                      <m:sSubPr>
+                        <m:ctrlPr>
+                          <a:rPr lang="en-US" i="1">
+                            <a:latin typeface="Cambria Math" panose="02040503050406030204" pitchFamily="18" charset="0"/>
+                          </a:rPr>
+                        </m:ctrlPr>
+                      </m:sSubPr>
+                      <m:e>
+                        <m:r>
+                          <a:rPr lang="en-US" i="1">
+                            <a:latin typeface="Cambria Math" panose="02040503050406030204" pitchFamily="18" charset="0"/>
+                          </a:rPr>
+                          <m:t>𝑅</m:t>
+                        </m:r>
+                      </m:e>
+                      <m:sub>
+                        <m:r>
+                          <a:rPr lang="en-US" i="1">
                             <a:latin typeface="Cambria Math" panose="02040503050406030204" pitchFamily="18" charset="0"/>
                           </a:rPr>
                           <m:t>𝑛</m:t>
                         </m:r>
                       </m:sub>
                     </m:sSub>
-                    <m:r>
-                      <a:rPr lang="en-US" b="0" i="1" smtClean="0">
-                        <a:latin typeface="Cambria Math" panose="02040503050406030204" pitchFamily="18" charset="0"/>
-                      </a:rPr>
-                      <m:t> </m:t>
-                    </m:r>
+                    <m:d>
+                      <m:dPr>
+                        <m:ctrlPr>
+                          <a:rPr lang="en-US" i="1">
+                            <a:latin typeface="Cambria Math" panose="02040503050406030204" pitchFamily="18" charset="0"/>
+                          </a:rPr>
+                        </m:ctrlPr>
+                      </m:dPr>
+                      <m:e>
+                        <m:r>
+                          <a:rPr lang="en-US" i="1">
+                            <a:latin typeface="Cambria Math" panose="02040503050406030204" pitchFamily="18" charset="0"/>
+                          </a:rPr>
+                          <m:t>𝑆</m:t>
+                        </m:r>
+                      </m:e>
+                    </m:d>
                   </m:oMath>
                 </a14:m>
                 <a:r>
                   <a:rPr lang="en-US" dirty="0"/>
-                  <a:t>is the set of nodes reachable from </a:t>
-                </a:r>
-                <a14:m>
-                  <m:oMath xmlns:m="http://schemas.openxmlformats.org/officeDocument/2006/math">
-                    <m:r>
-                      <a:rPr lang="en-US" i="1" dirty="0" smtClean="0">
-                        <a:latin typeface="Cambria Math" panose="02040503050406030204" pitchFamily="18" charset="0"/>
-                      </a:rPr>
-                      <m:t>𝑆</m:t>
-                    </m:r>
-                  </m:oMath>
-                </a14:m>
-                <a:r>
-                  <a:rPr lang="en-US" dirty="0"/>
-                  <a:t> in at most </a:t>
-                </a:r>
-                <a14:m>
-                  <m:oMath xmlns:m="http://schemas.openxmlformats.org/officeDocument/2006/math">
-                    <m:r>
-                      <a:rPr lang="en-US" i="1" dirty="0" smtClean="0">
-                        <a:latin typeface="Cambria Math" panose="02040503050406030204" pitchFamily="18" charset="0"/>
-                      </a:rPr>
-                      <m:t>𝑛</m:t>
-                    </m:r>
-                  </m:oMath>
-                </a14:m>
-                <a:r>
-                  <a:rPr lang="en-US" dirty="0"/>
-                  <a:t> steps.</a:t>
+                  <a:t> then halt.</a:t>
                 </a:r>
               </a:p>
               <a:p>
                 <a:r>
+                  <a:rPr lang="en-US"/>
+                  <a:t>If </a:t>
+                </a:r>
+                <a:r>
                   <a:rPr lang="en-US" dirty="0"/>
-                  <a:t>If we ever have </a:t>
+                  <a:t>we ever have </a:t>
                 </a:r>
                 <a14:m>
                   <m:oMath xmlns:m="http://schemas.openxmlformats.org/officeDocument/2006/math">
@@ -6910,7 +7049,19 @@
                       <a:rPr lang="en-US" b="0" i="1" smtClean="0">
                         <a:latin typeface="Cambria Math" panose="02040503050406030204" pitchFamily="18" charset="0"/>
                       </a:rPr>
-                      <m:t>=</m:t>
+                      <m:t>(</m:t>
+                    </m:r>
+                    <m:r>
+                      <a:rPr lang="en-US" b="0" i="1" smtClean="0">
+                        <a:latin typeface="Cambria Math" panose="02040503050406030204" pitchFamily="18" charset="0"/>
+                      </a:rPr>
+                      <m:t>𝑆</m:t>
+                    </m:r>
+                    <m:r>
+                      <a:rPr lang="en-US" b="0" i="1" smtClean="0">
+                        <a:latin typeface="Cambria Math" panose="02040503050406030204" pitchFamily="18" charset="0"/>
+                      </a:rPr>
+                      <m:t>)=</m:t>
                     </m:r>
                     <m:sSub>
                       <m:sSubPr>
@@ -6937,6 +7088,24 @@
                         </m:r>
                       </m:sub>
                     </m:sSub>
+                    <m:r>
+                      <a:rPr lang="en-US" b="0" i="1" smtClean="0">
+                        <a:latin typeface="Cambria Math" panose="02040503050406030204" pitchFamily="18" charset="0"/>
+                      </a:rPr>
+                      <m:t>(</m:t>
+                    </m:r>
+                    <m:r>
+                      <a:rPr lang="en-US" b="0" i="1" smtClean="0">
+                        <a:latin typeface="Cambria Math" panose="02040503050406030204" pitchFamily="18" charset="0"/>
+                      </a:rPr>
+                      <m:t>𝑆</m:t>
+                    </m:r>
+                    <m:r>
+                      <a:rPr lang="en-US" b="0" i="1" smtClean="0">
+                        <a:latin typeface="Cambria Math" panose="02040503050406030204" pitchFamily="18" charset="0"/>
+                      </a:rPr>
+                      <m:t>)</m:t>
+                    </m:r>
                   </m:oMath>
                 </a14:m>
                 <a:r>
@@ -6974,7 +7143,19 @@
                       <a:rPr lang="en-US" b="0" i="1" smtClean="0">
                         <a:latin typeface="Cambria Math" panose="02040503050406030204" pitchFamily="18" charset="0"/>
                       </a:rPr>
-                      <m:t>=</m:t>
+                      <m:t>(</m:t>
+                    </m:r>
+                    <m:r>
+                      <a:rPr lang="en-US" b="0" i="1" smtClean="0">
+                        <a:latin typeface="Cambria Math" panose="02040503050406030204" pitchFamily="18" charset="0"/>
+                      </a:rPr>
+                      <m:t>𝑆</m:t>
+                    </m:r>
+                    <m:r>
+                      <a:rPr lang="en-US" b="0" i="1" smtClean="0">
+                        <a:latin typeface="Cambria Math" panose="02040503050406030204" pitchFamily="18" charset="0"/>
+                      </a:rPr>
+                      <m:t>)=</m:t>
                     </m:r>
                     <m:sSub>
                       <m:sSubPr>
@@ -7001,6 +7182,24 @@
                         </m:r>
                       </m:sub>
                     </m:sSub>
+                    <m:r>
+                      <a:rPr lang="en-US" b="0" i="1" smtClean="0">
+                        <a:latin typeface="Cambria Math" panose="02040503050406030204" pitchFamily="18" charset="0"/>
+                      </a:rPr>
+                      <m:t>(</m:t>
+                    </m:r>
+                    <m:r>
+                      <a:rPr lang="en-US" b="0" i="1" smtClean="0">
+                        <a:latin typeface="Cambria Math" panose="02040503050406030204" pitchFamily="18" charset="0"/>
+                      </a:rPr>
+                      <m:t>𝑆</m:t>
+                    </m:r>
+                    <m:r>
+                      <a:rPr lang="en-US" b="0" i="1" smtClean="0">
+                        <a:latin typeface="Cambria Math" panose="02040503050406030204" pitchFamily="18" charset="0"/>
+                      </a:rPr>
+                      <m:t>)</m:t>
+                    </m:r>
                   </m:oMath>
                 </a14:m>
                 <a:r>
@@ -7060,17 +7259,49 @@
                         </m:r>
                       </m:sub>
                     </m:sSub>
+                    <m:r>
+                      <a:rPr lang="en-US" b="0" i="1" smtClean="0">
+                        <a:latin typeface="Cambria Math" panose="02040503050406030204" pitchFamily="18" charset="0"/>
+                      </a:rPr>
+                      <m:t>(</m:t>
+                    </m:r>
+                    <m:r>
+                      <a:rPr lang="en-US" b="0" i="1" smtClean="0">
+                        <a:latin typeface="Cambria Math" panose="02040503050406030204" pitchFamily="18" charset="0"/>
+                      </a:rPr>
+                      <m:t>𝑆</m:t>
+                    </m:r>
+                    <m:r>
+                      <a:rPr lang="en-US" b="0" i="1" smtClean="0">
+                        <a:latin typeface="Cambria Math" panose="02040503050406030204" pitchFamily="18" charset="0"/>
+                      </a:rPr>
+                      <m:t>)</m:t>
+                    </m:r>
                   </m:oMath>
                 </a14:m>
                 <a:r>
                   <a:rPr lang="en-US" dirty="0"/>
-                  <a:t> is the set of all nodes reachable from S.</a:t>
+                  <a:t> is the set of all nodes reachable from </a:t>
+                </a:r>
+                <a14:m>
+                  <m:oMath xmlns:m="http://schemas.openxmlformats.org/officeDocument/2006/math">
+                    <m:r>
+                      <a:rPr lang="en-US" i="1" dirty="0" smtClean="0">
+                        <a:latin typeface="Cambria Math" panose="02040503050406030204" pitchFamily="18" charset="0"/>
+                      </a:rPr>
+                      <m:t>𝑆</m:t>
+                    </m:r>
+                  </m:oMath>
+                </a14:m>
+                <a:r>
+                  <a:rPr lang="en-US" dirty="0"/>
+                  <a:t>.</a:t>
                 </a:r>
               </a:p>
             </p:txBody>
           </p:sp>
         </mc:Choice>
-        <mc:Fallback>
+        <mc:Fallback xmlns="">
           <p:sp>
             <p:nvSpPr>
               <p:cNvPr id="3" name="Content Placeholder 2"/>
@@ -7085,7 +7316,7 @@
               <a:blipFill>
                 <a:blip r:embed="rId2"/>
                 <a:stretch>
-                  <a:fillRect l="-1481" t="-3504" r="-2667"/>
+                  <a:fillRect l="-1481" t="-2695"/>
                 </a:stretch>
               </a:blipFill>
             </p:spPr>
@@ -10554,8 +10785,8 @@
             </p:nvSpPr>
             <p:spPr>
               <a:xfrm>
-                <a:off x="759006" y="4112169"/>
-                <a:ext cx="1055545" cy="307777"/>
+                <a:off x="759006" y="4272980"/>
+                <a:ext cx="1408399" cy="307777"/>
               </a:xfrm>
               <a:prstGeom prst="rect">
                 <a:avLst/>
@@ -10604,7 +10835,19 @@
                         <a:rPr lang="en-US" sz="2000" b="0" i="1" smtClean="0">
                           <a:latin typeface="Cambria Math" panose="02040503050406030204" pitchFamily="18" charset="0"/>
                         </a:rPr>
-                        <m:t>={</m:t>
+                        <m:t>(</m:t>
+                      </m:r>
+                      <m:r>
+                        <a:rPr lang="en-US" sz="2000" b="0" i="1" smtClean="0">
+                          <a:latin typeface="Cambria Math" panose="02040503050406030204" pitchFamily="18" charset="0"/>
+                        </a:rPr>
+                        <m:t>𝑆</m:t>
+                      </m:r>
+                      <m:r>
+                        <a:rPr lang="en-US" sz="2000" b="0" i="1" smtClean="0">
+                          <a:latin typeface="Cambria Math" panose="02040503050406030204" pitchFamily="18" charset="0"/>
+                        </a:rPr>
+                        <m:t>)={</m:t>
                       </m:r>
                       <m:r>
                         <a:rPr lang="en-US" sz="2000" b="0" i="1" smtClean="0">
@@ -10637,8 +10880,8 @@
             </p:nvSpPr>
             <p:spPr>
               <a:xfrm>
-                <a:off x="759006" y="4112169"/>
-                <a:ext cx="1055545" cy="307777"/>
+                <a:off x="759006" y="4272980"/>
+                <a:ext cx="1408399" cy="307777"/>
               </a:xfrm>
               <a:prstGeom prst="rect">
                 <a:avLst/>
@@ -10646,7 +10889,7 @@
               <a:blipFill>
                 <a:blip r:embed="rId2"/>
                 <a:stretch>
-                  <a:fillRect l="-5780" t="-4000" r="-8092" b="-36000"/>
+                  <a:fillRect l="-3896" t="-2000" r="-6061" b="-36000"/>
                 </a:stretch>
               </a:blipFill>
             </p:spPr>
@@ -10675,8 +10918,8 @@
             </p:nvSpPr>
             <p:spPr>
               <a:xfrm>
-                <a:off x="2496111" y="4112169"/>
-                <a:ext cx="1571584" cy="307777"/>
+                <a:off x="2417707" y="4282309"/>
+                <a:ext cx="1924438" cy="307777"/>
               </a:xfrm>
               <a:prstGeom prst="rect">
                 <a:avLst/>
@@ -10689,6 +10932,7 @@
               </a:bodyPr>
               <a:lstStyle/>
               <a:p>
+                <a:pPr/>
                 <a14:m>
                   <m:oMathPara xmlns:m="http://schemas.openxmlformats.org/officeDocument/2006/math">
                     <m:oMathParaPr>
@@ -10724,7 +10968,19 @@
                         <a:rPr lang="en-US" sz="2000" b="0" i="1" smtClean="0">
                           <a:latin typeface="Cambria Math" panose="02040503050406030204" pitchFamily="18" charset="0"/>
                         </a:rPr>
-                        <m:t>={</m:t>
+                        <m:t>(</m:t>
+                      </m:r>
+                      <m:r>
+                        <a:rPr lang="en-US" sz="2000" b="0" i="1" smtClean="0">
+                          <a:latin typeface="Cambria Math" panose="02040503050406030204" pitchFamily="18" charset="0"/>
+                        </a:rPr>
+                        <m:t>𝑆</m:t>
+                      </m:r>
+                      <m:r>
+                        <a:rPr lang="en-US" sz="2000" b="0" i="1" smtClean="0">
+                          <a:latin typeface="Cambria Math" panose="02040503050406030204" pitchFamily="18" charset="0"/>
+                        </a:rPr>
+                        <m:t>)={</m:t>
                       </m:r>
                       <m:r>
                         <a:rPr lang="en-US" sz="2000" b="0" i="1" smtClean="0">
@@ -10781,8 +11037,8 @@
             </p:nvSpPr>
             <p:spPr>
               <a:xfrm>
-                <a:off x="2496111" y="4112169"/>
-                <a:ext cx="1571584" cy="307777"/>
+                <a:off x="2417707" y="4282309"/>
+                <a:ext cx="1924438" cy="307777"/>
               </a:xfrm>
               <a:prstGeom prst="rect">
                 <a:avLst/>
@@ -10790,7 +11046,7 @@
               <a:blipFill>
                 <a:blip r:embed="rId3"/>
                 <a:stretch>
-                  <a:fillRect l="-3101" t="-4000" r="-5426" b="-36000"/>
+                  <a:fillRect l="-2857" t="-1961" r="-4444" b="-33333"/>
                 </a:stretch>
               </a:blipFill>
             </p:spPr>
@@ -10819,8 +11075,8 @@
             </p:nvSpPr>
             <p:spPr>
               <a:xfrm>
-                <a:off x="4181050" y="4124646"/>
-                <a:ext cx="2112373" cy="307777"/>
+                <a:off x="4520268" y="4247021"/>
+                <a:ext cx="2465227" cy="307777"/>
               </a:xfrm>
               <a:prstGeom prst="rect">
                 <a:avLst/>
@@ -10833,6 +11089,7 @@
               </a:bodyPr>
               <a:lstStyle/>
               <a:p>
+                <a:pPr/>
                 <a14:m>
                   <m:oMathPara xmlns:m="http://schemas.openxmlformats.org/officeDocument/2006/math">
                     <m:oMathParaPr>
@@ -10868,7 +11125,19 @@
                         <a:rPr lang="en-US" sz="2000" b="0" i="1" smtClean="0">
                           <a:latin typeface="Cambria Math" panose="02040503050406030204" pitchFamily="18" charset="0"/>
                         </a:rPr>
-                        <m:t>={</m:t>
+                        <m:t>(</m:t>
+                      </m:r>
+                      <m:r>
+                        <a:rPr lang="en-US" sz="2000" b="0" i="1" smtClean="0">
+                          <a:latin typeface="Cambria Math" panose="02040503050406030204" pitchFamily="18" charset="0"/>
+                        </a:rPr>
+                        <m:t>𝑆</m:t>
+                      </m:r>
+                      <m:r>
+                        <a:rPr lang="en-US" sz="2000" b="0" i="1" smtClean="0">
+                          <a:latin typeface="Cambria Math" panose="02040503050406030204" pitchFamily="18" charset="0"/>
+                        </a:rPr>
+                        <m:t>)={</m:t>
                       </m:r>
                       <m:r>
                         <a:rPr lang="en-US" sz="2000" b="0" i="1" smtClean="0">
@@ -10949,8 +11218,8 @@
             </p:nvSpPr>
             <p:spPr>
               <a:xfrm>
-                <a:off x="4181050" y="4124646"/>
-                <a:ext cx="2112373" cy="307777"/>
+                <a:off x="4520268" y="4247021"/>
+                <a:ext cx="2465227" cy="307777"/>
               </a:xfrm>
               <a:prstGeom prst="rect">
                 <a:avLst/>
@@ -10958,7 +11227,7 @@
               <a:blipFill>
                 <a:blip r:embed="rId4"/>
                 <a:stretch>
-                  <a:fillRect l="-2601" t="-4000" r="-4046" b="-36000"/>
+                  <a:fillRect l="-1980" t="-4000" r="-3218" b="-36000"/>
                 </a:stretch>
               </a:blipFill>
             </p:spPr>
@@ -10987,8 +11256,8 @@
             </p:nvSpPr>
             <p:spPr>
               <a:xfrm>
-                <a:off x="6303583" y="4138360"/>
-                <a:ext cx="2383217" cy="307777"/>
+                <a:off x="5922560" y="4678695"/>
+                <a:ext cx="2736070" cy="307777"/>
               </a:xfrm>
               <a:prstGeom prst="rect">
                 <a:avLst/>
@@ -11001,6 +11270,7 @@
               </a:bodyPr>
               <a:lstStyle/>
               <a:p>
+                <a:pPr/>
                 <a14:m>
                   <m:oMathPara xmlns:m="http://schemas.openxmlformats.org/officeDocument/2006/math">
                     <m:oMathParaPr>
@@ -11036,7 +11306,19 @@
                         <a:rPr lang="en-US" sz="2000" b="0" i="1" smtClean="0">
                           <a:latin typeface="Cambria Math" panose="02040503050406030204" pitchFamily="18" charset="0"/>
                         </a:rPr>
-                        <m:t>={</m:t>
+                        <m:t>(</m:t>
+                      </m:r>
+                      <m:r>
+                        <a:rPr lang="en-US" sz="2000" b="0" i="1" smtClean="0">
+                          <a:latin typeface="Cambria Math" panose="02040503050406030204" pitchFamily="18" charset="0"/>
+                        </a:rPr>
+                        <m:t>𝑆</m:t>
+                      </m:r>
+                      <m:r>
+                        <a:rPr lang="en-US" sz="2000" b="0" i="1" smtClean="0">
+                          <a:latin typeface="Cambria Math" panose="02040503050406030204" pitchFamily="18" charset="0"/>
+                        </a:rPr>
+                        <m:t>)={</m:t>
                       </m:r>
                       <m:r>
                         <a:rPr lang="en-US" sz="2000" b="0" i="1" smtClean="0">
@@ -11129,8 +11411,8 @@
             </p:nvSpPr>
             <p:spPr>
               <a:xfrm>
-                <a:off x="6303583" y="4138360"/>
-                <a:ext cx="2383217" cy="307777"/>
+                <a:off x="5922560" y="4678695"/>
+                <a:ext cx="2736070" cy="307777"/>
               </a:xfrm>
               <a:prstGeom prst="rect">
                 <a:avLst/>
@@ -11138,7 +11420,7 @@
               <a:blipFill>
                 <a:blip r:embed="rId5"/>
                 <a:stretch>
-                  <a:fillRect l="-1790" t="-2000" r="-3325" b="-36000"/>
+                  <a:fillRect l="-1786" t="-4000" r="-3125" b="-36000"/>
                 </a:stretch>
               </a:blipFill>
             </p:spPr>
@@ -11167,8 +11449,8 @@
             </p:nvSpPr>
             <p:spPr>
               <a:xfrm>
-                <a:off x="3005438" y="4774857"/>
-                <a:ext cx="2450093" cy="307777"/>
+                <a:off x="5922560" y="5094846"/>
+                <a:ext cx="2736070" cy="307777"/>
               </a:xfrm>
               <a:prstGeom prst="rect">
                 <a:avLst/>
@@ -11181,6 +11463,7 @@
               </a:bodyPr>
               <a:lstStyle/>
               <a:p>
+                <a:pPr/>
                 <a14:m>
                   <m:oMathPara xmlns:m="http://schemas.openxmlformats.org/officeDocument/2006/math">
                     <m:oMathParaPr>
@@ -11216,7 +11499,19 @@
                         <a:rPr lang="en-US" sz="2000" b="0" i="1" smtClean="0">
                           <a:latin typeface="Cambria Math" panose="02040503050406030204" pitchFamily="18" charset="0"/>
                         </a:rPr>
-                        <m:t>={</m:t>
+                        <m:t>(</m:t>
+                      </m:r>
+                      <m:r>
+                        <a:rPr lang="en-US" sz="2000" b="0" i="1" smtClean="0">
+                          <a:latin typeface="Cambria Math" panose="02040503050406030204" pitchFamily="18" charset="0"/>
+                        </a:rPr>
+                        <m:t>𝑆</m:t>
+                      </m:r>
+                      <m:r>
+                        <a:rPr lang="en-US" sz="2000" b="0" i="1" smtClean="0">
+                          <a:latin typeface="Cambria Math" panose="02040503050406030204" pitchFamily="18" charset="0"/>
+                        </a:rPr>
+                        <m:t>)={</m:t>
                       </m:r>
                       <m:r>
                         <a:rPr lang="en-US" sz="2000" b="0" i="1" smtClean="0">
@@ -11309,8 +11604,8 @@
             </p:nvSpPr>
             <p:spPr>
               <a:xfrm>
-                <a:off x="3005438" y="4774857"/>
-                <a:ext cx="2450093" cy="307777"/>
+                <a:off x="5922560" y="5094846"/>
+                <a:ext cx="2736070" cy="307777"/>
               </a:xfrm>
               <a:prstGeom prst="rect">
                 <a:avLst/>
@@ -11318,7 +11613,7 @@
               <a:blipFill>
                 <a:blip r:embed="rId6"/>
                 <a:stretch>
-                  <a:fillRect l="-498" t="-1961" r="-1990" b="-33333"/>
+                  <a:fillRect l="-1786" t="-2000" r="-3125" b="-36000"/>
                 </a:stretch>
               </a:blipFill>
             </p:spPr>
@@ -11347,8 +11642,8 @@
             </p:nvSpPr>
             <p:spPr>
               <a:xfrm>
-                <a:off x="1859196" y="5211570"/>
-                <a:ext cx="4742576" cy="307777"/>
+                <a:off x="4919307" y="5517523"/>
+                <a:ext cx="4742576" cy="615553"/>
               </a:xfrm>
               <a:prstGeom prst="rect">
                 <a:avLst/>
@@ -11361,6 +11656,7 @@
               </a:bodyPr>
               <a:lstStyle/>
               <a:p>
+                <a:pPr/>
                 <a14:m>
                   <m:oMathPara xmlns:m="http://schemas.openxmlformats.org/officeDocument/2006/math">
                     <m:oMathParaPr>
@@ -11412,7 +11708,19 @@
                         <a:rPr lang="en-US" sz="2000" b="0" i="1" smtClean="0">
                           <a:latin typeface="Cambria Math" panose="02040503050406030204" pitchFamily="18" charset="0"/>
                         </a:rPr>
-                        <m:t>=</m:t>
+                        <m:t>(</m:t>
+                      </m:r>
+                      <m:r>
+                        <a:rPr lang="en-US" sz="2000" b="0" i="1" smtClean="0">
+                          <a:latin typeface="Cambria Math" panose="02040503050406030204" pitchFamily="18" charset="0"/>
+                        </a:rPr>
+                        <m:t>𝑆</m:t>
+                      </m:r>
+                      <m:r>
+                        <a:rPr lang="en-US" sz="2000" b="0" i="1" smtClean="0">
+                          <a:latin typeface="Cambria Math" panose="02040503050406030204" pitchFamily="18" charset="0"/>
+                        </a:rPr>
+                        <m:t>)=</m:t>
                       </m:r>
                       <m:d>
                         <m:dPr>
@@ -11499,6 +11807,21 @@
                         </a:rPr>
                         <m:t> </m:t>
                       </m:r>
+                    </m:oMath>
+                  </m:oMathPara>
+                </a14:m>
+                <a:endParaRPr lang="en-US" sz="2000" b="0" i="1" dirty="0">
+                  <a:latin typeface="Cambria Math" panose="02040503050406030204" pitchFamily="18" charset="0"/>
+                </a:endParaRPr>
+              </a:p>
+              <a:p>
+                <a:pPr/>
+                <a14:m>
+                  <m:oMathPara xmlns:m="http://schemas.openxmlformats.org/officeDocument/2006/math">
+                    <m:oMathParaPr>
+                      <m:jc m:val="centerGroup"/>
+                    </m:oMathParaPr>
+                    <m:oMath xmlns:m="http://schemas.openxmlformats.org/officeDocument/2006/math">
                       <m:r>
                         <m:rPr>
                           <m:nor/>
@@ -11546,8 +11869,8 @@
             </p:nvSpPr>
             <p:spPr>
               <a:xfrm>
-                <a:off x="1859196" y="5211570"/>
-                <a:ext cx="4742576" cy="307777"/>
+                <a:off x="4919307" y="5517523"/>
+                <a:ext cx="4742576" cy="615553"/>
               </a:xfrm>
               <a:prstGeom prst="rect">
                 <a:avLst/>
@@ -11555,7 +11878,168 @@
               <a:blipFill>
                 <a:blip r:embed="rId7"/>
                 <a:stretch>
-                  <a:fillRect b="-14000"/>
+                  <a:fillRect b="-5941"/>
+                </a:stretch>
+              </a:blipFill>
+            </p:spPr>
+            <p:txBody>
+              <a:bodyPr/>
+              <a:lstStyle/>
+              <a:p>
+                <a:r>
+                  <a:rPr lang="en-US">
+                    <a:noFill/>
+                  </a:rPr>
+                  <a:t> </a:t>
+                </a:r>
+              </a:p>
+            </p:txBody>
+          </p:sp>
+        </mc:Fallback>
+      </mc:AlternateContent>
+      <p:sp>
+        <p:nvSpPr>
+          <p:cNvPr id="26" name="Rectangle 25"/>
+          <p:cNvSpPr/>
+          <p:nvPr/>
+        </p:nvSpPr>
+        <p:spPr>
+          <a:xfrm>
+            <a:off x="484695" y="5192572"/>
+            <a:ext cx="3464988" cy="914400"/>
+          </a:xfrm>
+          <a:prstGeom prst="rect">
+            <a:avLst/>
+          </a:prstGeom>
+          <a:solidFill>
+            <a:schemeClr val="accent1">
+              <a:lumMod val="20000"/>
+              <a:lumOff val="80000"/>
+            </a:schemeClr>
+          </a:solidFill>
+          <a:ln>
+            <a:noFill/>
+          </a:ln>
+        </p:spPr>
+        <p:style>
+          <a:lnRef idx="2">
+            <a:schemeClr val="accent1"/>
+          </a:lnRef>
+          <a:fillRef idx="1">
+            <a:schemeClr val="lt1"/>
+          </a:fillRef>
+          <a:effectRef idx="0">
+            <a:schemeClr val="accent1"/>
+          </a:effectRef>
+          <a:fontRef idx="minor">
+            <a:schemeClr val="dk1"/>
+          </a:fontRef>
+        </p:style>
+        <p:txBody>
+          <a:bodyPr rot="0" spcFirstLastPara="0" vertOverflow="overflow" horzOverflow="overflow" vert="horz" wrap="square" lIns="91440" tIns="45720" rIns="91440" bIns="45720" numCol="1" spcCol="0" rtlCol="0" fromWordArt="0" anchor="ctr" anchorCtr="0" forceAA="0" compatLnSpc="1">
+            <a:prstTxWarp prst="textNoShape">
+              <a:avLst/>
+            </a:prstTxWarp>
+            <a:noAutofit/>
+          </a:bodyPr>
+          <a:lstStyle/>
+          <a:p>
+            <a:pPr algn="ctr"/>
+            <a:r>
+              <a:rPr lang="en-US" dirty="0">
+                <a:solidFill>
+                  <a:schemeClr val="tx1"/>
+                </a:solidFill>
+              </a:rPr>
+              <a:t>This only works if the graph is finite.  If the graph is infinite, this might run forever.</a:t>
+            </a:r>
+          </a:p>
+        </p:txBody>
+      </p:sp>
+      <mc:AlternateContent xmlns:mc="http://schemas.openxmlformats.org/markup-compatibility/2006">
+        <mc:Choice xmlns:a14="http://schemas.microsoft.com/office/drawing/2010/main" Requires="a14">
+          <p:sp>
+            <p:nvSpPr>
+              <p:cNvPr id="95" name="TextBox 94"/>
+              <p:cNvSpPr txBox="1"/>
+              <p:nvPr/>
+            </p:nvSpPr>
+            <p:spPr>
+              <a:xfrm>
+                <a:off x="761170" y="3863493"/>
+                <a:ext cx="918007" cy="307777"/>
+              </a:xfrm>
+              <a:prstGeom prst="rect">
+                <a:avLst/>
+              </a:prstGeom>
+              <a:noFill/>
+            </p:spPr>
+            <p:txBody>
+              <a:bodyPr wrap="none" lIns="0" tIns="0" rIns="0" bIns="0" rtlCol="0">
+                <a:spAutoFit/>
+              </a:bodyPr>
+              <a:lstStyle/>
+              <a:p>
+                <a:pPr/>
+                <a14:m>
+                  <m:oMathPara xmlns:m="http://schemas.openxmlformats.org/officeDocument/2006/math">
+                    <m:oMathParaPr>
+                      <m:jc m:val="center"/>
+                    </m:oMathParaPr>
+                    <m:oMath xmlns:m="http://schemas.openxmlformats.org/officeDocument/2006/math">
+                      <m:r>
+                        <a:rPr lang="en-US" sz="2000" b="0" i="1" smtClean="0">
+                          <a:latin typeface="Cambria Math" panose="02040503050406030204" pitchFamily="18" charset="0"/>
+                        </a:rPr>
+                        <m:t>𝑆</m:t>
+                      </m:r>
+                      <m:r>
+                        <a:rPr lang="en-US" sz="2000" b="0" i="1" smtClean="0">
+                          <a:latin typeface="Cambria Math" panose="02040503050406030204" pitchFamily="18" charset="0"/>
+                        </a:rPr>
+                        <m:t>={</m:t>
+                      </m:r>
+                      <m:r>
+                        <a:rPr lang="en-US" sz="2000" b="0" i="1" smtClean="0">
+                          <a:latin typeface="Cambria Math" panose="02040503050406030204" pitchFamily="18" charset="0"/>
+                        </a:rPr>
+                        <m:t>𝐷</m:t>
+                      </m:r>
+                      <m:r>
+                        <a:rPr lang="en-US" sz="2000" b="0" i="1" smtClean="0">
+                          <a:latin typeface="Cambria Math" panose="02040503050406030204" pitchFamily="18" charset="0"/>
+                        </a:rPr>
+                        <m:t>}</m:t>
+                      </m:r>
+                    </m:oMath>
+                  </m:oMathPara>
+                </a14:m>
+                <a:endParaRPr lang="en-US" sz="2000" dirty="0"/>
+              </a:p>
+            </p:txBody>
+          </p:sp>
+        </mc:Choice>
+        <mc:Fallback>
+          <p:sp>
+            <p:nvSpPr>
+              <p:cNvPr id="95" name="TextBox 94"/>
+              <p:cNvSpPr txBox="1">
+                <a:spLocks noRot="1" noChangeAspect="1" noMove="1" noResize="1" noEditPoints="1" noAdjustHandles="1" noChangeArrowheads="1" noChangeShapeType="1" noTextEdit="1"/>
+              </p:cNvSpPr>
+              <p:nvPr/>
+            </p:nvSpPr>
+            <p:spPr>
+              <a:xfrm>
+                <a:off x="761170" y="3863493"/>
+                <a:ext cx="918007" cy="307777"/>
+              </a:xfrm>
+              <a:prstGeom prst="rect">
+                <a:avLst/>
+              </a:prstGeom>
+              <a:blipFill>
+                <a:blip r:embed="rId8"/>
+                <a:stretch>
+                  <a:fillRect l="-6667" t="-2000" r="-10000" b="-36000"/>
                 </a:stretch>
               </a:blipFill>
             </p:spPr>
@@ -11621,7 +12105,7 @@
           <a:p>
             <a:r>
               <a:rPr lang="en-US" dirty="0"/>
-              <a:t>Closure problems</a:t>
+              <a:t>Termination Reasoning</a:t>
             </a:r>
           </a:p>
         </p:txBody>
@@ -11643,24 +12127,25 @@
           <a:p>
             <a:r>
               <a:rPr lang="en-US" dirty="0"/>
-              <a:t>This is called a "closure problem": we want to find the smallest set R which contains our starting set S and which is closed under some operation</a:t>
+              <a:t>Halting measure: the number of white nodes</a:t>
             </a:r>
           </a:p>
           <a:p>
             <a:r>
               <a:rPr lang="en-US" dirty="0"/>
-              <a:t>In this case, we want to find the smallest set that contains our starting set of nodes, and which is closed under </a:t>
-            </a:r>
-            <a:r>
-              <a:rPr lang="en-US" b="1" dirty="0">
-                <a:latin typeface="Consolas" pitchFamily="49" charset="0"/>
-                <a:cs typeface="Consolas" pitchFamily="49" charset="0"/>
-              </a:rPr>
-              <a:t>all-successors</a:t>
-            </a:r>
+              <a:t>This is always a non-negative integer</a:t>
+            </a:r>
+          </a:p>
+          <a:p>
             <a:r>
               <a:rPr lang="en-US" dirty="0"/>
-              <a:t>.</a:t>
+              <a:t>Every step takes a white node and colors it green, so the number of white nodes decreases.</a:t>
+            </a:r>
+          </a:p>
+          <a:p>
+            <a:r>
+              <a:rPr lang="en-US" dirty="0"/>
+              <a:t>If there is no such node, the algorithm halts.</a:t>
             </a:r>
           </a:p>
         </p:txBody>
@@ -11680,19 +12165,89 @@
           <a:bodyPr/>
           <a:lstStyle/>
           <a:p>
-            <a:fld id="{9F4492BD-6A9C-48FC-AC76-0B4FE11194A1}" type="slidenum">
+            <a:fld id="{2AF3B5EA-18B6-4040-9F78-6052AF49C681}" type="slidenum">
               <a:rPr lang="en-US" smtClean="0"/>
-              <a:pPr/>
               <a:t>15</a:t>
             </a:fld>
             <a:endParaRPr lang="en-US"/>
+          </a:p>
+        </p:txBody>
+      </p:sp>
+      <p:sp>
+        <p:nvSpPr>
+          <p:cNvPr id="5" name="Rectangle 4"/>
+          <p:cNvSpPr/>
+          <p:nvPr/>
+        </p:nvSpPr>
+        <p:spPr>
+          <a:xfrm>
+            <a:off x="1371600" y="4876800"/>
+            <a:ext cx="6400800" cy="1844675"/>
+          </a:xfrm>
+          <a:prstGeom prst="rect">
+            <a:avLst/>
+          </a:prstGeom>
+          <a:solidFill>
+            <a:schemeClr val="accent1">
+              <a:lumMod val="20000"/>
+              <a:lumOff val="80000"/>
+            </a:schemeClr>
+          </a:solidFill>
+          <a:ln>
+            <a:noFill/>
+          </a:ln>
+        </p:spPr>
+        <p:style>
+          <a:lnRef idx="2">
+            <a:schemeClr val="accent1"/>
+          </a:lnRef>
+          <a:fillRef idx="1">
+            <a:schemeClr val="lt1"/>
+          </a:fillRef>
+          <a:effectRef idx="0">
+            <a:schemeClr val="accent1"/>
+          </a:effectRef>
+          <a:fontRef idx="minor">
+            <a:schemeClr val="dk1"/>
+          </a:fontRef>
+        </p:style>
+        <p:txBody>
+          <a:bodyPr rot="0" spcFirstLastPara="0" vertOverflow="overflow" horzOverflow="overflow" vert="horz" wrap="square" lIns="91440" tIns="45720" rIns="91440" bIns="45720" numCol="1" spcCol="0" rtlCol="0" fromWordArt="0" anchor="ctr" anchorCtr="0" forceAA="0" compatLnSpc="1">
+            <a:prstTxWarp prst="textNoShape">
+              <a:avLst/>
+            </a:prstTxWarp>
+            <a:noAutofit/>
+          </a:bodyPr>
+          <a:lstStyle/>
+          <a:p>
+            <a:r>
+              <a:rPr lang="en-US" sz="2400" b="1" dirty="0">
+                <a:solidFill>
+                  <a:srgbClr val="FF0000"/>
+                </a:solidFill>
+              </a:rPr>
+              <a:t>This assumes the graph is finite!! </a:t>
+            </a:r>
+            <a:r>
+              <a:rPr lang="en-US" sz="2400" dirty="0">
+                <a:solidFill>
+                  <a:schemeClr val="tx1"/>
+                </a:solidFill>
+              </a:rPr>
+              <a:t>If the graph is infinite, the algorithm might not halt.  The termination reasoning here wouldn't apply in an infinite graph, because the number of white nodes in an infinite graph is not an integer.</a:t>
+            </a:r>
+            <a:endParaRPr lang="en-US" sz="2400" b="1" dirty="0">
+              <a:solidFill>
+                <a:srgbClr val="FF0000"/>
+              </a:solidFill>
+            </a:endParaRPr>
           </a:p>
         </p:txBody>
       </p:sp>
     </p:spTree>
     <p:extLst>
       <p:ext uri="{BB962C8B-B14F-4D97-AF65-F5344CB8AC3E}">
-        <p14:creationId xmlns:p14="http://schemas.microsoft.com/office/powerpoint/2010/main" val="3198736314"/>
+        <p14:creationId xmlns:p14="http://schemas.microsoft.com/office/powerpoint/2010/main" val="1590258910"/>
       </p:ext>
     </p:extLst>
   </p:cSld>
@@ -11736,14 +12291,14 @@
           <a:p>
             <a:r>
               <a:rPr lang="en-US" dirty="0"/>
-              <a:t>Assumptions</a:t>
+              <a:t>Closure problems</a:t>
             </a:r>
           </a:p>
         </p:txBody>
       </p:sp>
       <p:sp>
         <p:nvSpPr>
-          <p:cNvPr id="3" name="Content Placeholder 2"/>
+          <p:cNvPr id="4" name="Content Placeholder 3"/>
           <p:cNvSpPr>
             <a:spLocks noGrp="1"/>
           </p:cNvSpPr>
@@ -11758,124 +12313,31 @@
           <a:p>
             <a:r>
               <a:rPr lang="en-US" dirty="0"/>
-              <a:t>We assume we've got data definitions for Node and Graph, and functions</a:t>
-            </a:r>
-          </a:p>
-          <a:p>
-            <a:pPr lvl="1"/>
+              <a:t>This is called a "closure problem": we want to find the smallest set R which contains our starting set S and which is closed under some operation</a:t>
+            </a:r>
+          </a:p>
+          <a:p>
+            <a:r>
+              <a:rPr lang="en-US" dirty="0"/>
+              <a:t>In this case, we want to find the smallest set that contains our starting set of nodes, and which is closed under </a:t>
+            </a:r>
             <a:r>
               <a:rPr lang="en-US" b="1" dirty="0">
-                <a:latin typeface="Consolas" panose="020B0609020204030204" pitchFamily="49" charset="0"/>
-                <a:cs typeface="Consolas" panose="020B0609020204030204" pitchFamily="49" charset="0"/>
+                <a:latin typeface="Consolas" pitchFamily="49" charset="0"/>
+                <a:cs typeface="Consolas" pitchFamily="49" charset="0"/>
               </a:rPr>
-              <a:t>node=? : Node </a:t>
-            </a:r>
-            <a:r>
-              <a:rPr lang="en-US" b="1" dirty="0" err="1">
-                <a:latin typeface="Consolas" panose="020B0609020204030204" pitchFamily="49" charset="0"/>
-                <a:cs typeface="Consolas" panose="020B0609020204030204" pitchFamily="49" charset="0"/>
-              </a:rPr>
-              <a:t>Node</a:t>
-            </a:r>
-            <a:r>
-              <a:rPr lang="en-US" b="1" dirty="0">
-                <a:latin typeface="Consolas" panose="020B0609020204030204" pitchFamily="49" charset="0"/>
-                <a:cs typeface="Consolas" panose="020B0609020204030204" pitchFamily="49" charset="0"/>
-              </a:rPr>
-              <a:t> -&gt; Boolean</a:t>
-            </a:r>
-          </a:p>
-          <a:p>
-            <a:pPr lvl="1"/>
-            <a:r>
-              <a:rPr lang="en-US" b="1" dirty="0">
-                <a:latin typeface="Consolas" panose="020B0609020204030204" pitchFamily="49" charset="0"/>
-                <a:cs typeface="Consolas" panose="020B0609020204030204" pitchFamily="49" charset="0"/>
-              </a:rPr>
-              <a:t>successors : </a:t>
-            </a:r>
-          </a:p>
-          <a:p>
-            <a:pPr marL="457200" lvl="1" indent="0">
-              <a:buNone/>
-            </a:pPr>
-            <a:r>
-              <a:rPr lang="en-US" b="1" dirty="0">
-                <a:latin typeface="Consolas" panose="020B0609020204030204" pitchFamily="49" charset="0"/>
-                <a:cs typeface="Consolas" panose="020B0609020204030204" pitchFamily="49" charset="0"/>
-              </a:rPr>
-              <a:t>    Node Graph -&gt; </a:t>
-            </a:r>
-            <a:r>
-              <a:rPr lang="en-US" b="1" dirty="0" err="1">
-                <a:latin typeface="Consolas" panose="020B0609020204030204" pitchFamily="49" charset="0"/>
-                <a:cs typeface="Consolas" panose="020B0609020204030204" pitchFamily="49" charset="0"/>
-              </a:rPr>
-              <a:t>SetOfNode</a:t>
-            </a:r>
-            <a:endParaRPr lang="en-US" b="1" dirty="0">
-              <a:latin typeface="Consolas" panose="020B0609020204030204" pitchFamily="49" charset="0"/>
-              <a:cs typeface="Consolas" panose="020B0609020204030204" pitchFamily="49" charset="0"/>
-            </a:endParaRPr>
-          </a:p>
-          <a:p>
-            <a:pPr lvl="1"/>
-            <a:r>
-              <a:rPr lang="en-US" b="1" dirty="0">
-                <a:latin typeface="Consolas" panose="020B0609020204030204" pitchFamily="49" charset="0"/>
-                <a:cs typeface="Consolas" panose="020B0609020204030204" pitchFamily="49" charset="0"/>
-              </a:rPr>
-              <a:t>all-successors : </a:t>
-            </a:r>
-          </a:p>
-          <a:p>
-            <a:pPr marL="457200" lvl="1" indent="0">
-              <a:buNone/>
-            </a:pPr>
-            <a:r>
-              <a:rPr lang="en-US" b="1" dirty="0">
-                <a:latin typeface="Consolas" panose="020B0609020204030204" pitchFamily="49" charset="0"/>
-                <a:cs typeface="Consolas" panose="020B0609020204030204" pitchFamily="49" charset="0"/>
-              </a:rPr>
-              <a:t>    </a:t>
-            </a:r>
-            <a:r>
-              <a:rPr lang="en-US" b="1" dirty="0" err="1">
-                <a:latin typeface="Consolas" panose="020B0609020204030204" pitchFamily="49" charset="0"/>
-                <a:cs typeface="Consolas" panose="020B0609020204030204" pitchFamily="49" charset="0"/>
-              </a:rPr>
-              <a:t>SetOfNode</a:t>
-            </a:r>
-            <a:r>
-              <a:rPr lang="en-US" b="1" dirty="0">
-                <a:latin typeface="Consolas" panose="020B0609020204030204" pitchFamily="49" charset="0"/>
-                <a:cs typeface="Consolas" panose="020B0609020204030204" pitchFamily="49" charset="0"/>
-              </a:rPr>
-              <a:t> Graph -&gt; </a:t>
-            </a:r>
-            <a:r>
-              <a:rPr lang="en-US" b="1" dirty="0" err="1">
-                <a:latin typeface="Consolas" panose="020B0609020204030204" pitchFamily="49" charset="0"/>
-                <a:cs typeface="Consolas" panose="020B0609020204030204" pitchFamily="49" charset="0"/>
-              </a:rPr>
-              <a:t>SetOfNode</a:t>
-            </a:r>
-            <a:endParaRPr lang="en-US" b="1" dirty="0">
-              <a:latin typeface="Consolas" panose="020B0609020204030204" pitchFamily="49" charset="0"/>
-              <a:cs typeface="Consolas" panose="020B0609020204030204" pitchFamily="49" charset="0"/>
-            </a:endParaRPr>
-          </a:p>
-          <a:p>
+              <a:t>all-successors</a:t>
+            </a:r>
             <a:r>
               <a:rPr lang="en-US" dirty="0"/>
-              <a:t>We also assume that our graph is finite.</a:t>
+              <a:t>.</a:t>
             </a:r>
           </a:p>
         </p:txBody>
       </p:sp>
       <p:sp>
         <p:nvSpPr>
-          <p:cNvPr id="4" name="Slide Number Placeholder 3"/>
+          <p:cNvPr id="3" name="Slide Number Placeholder 2"/>
           <p:cNvSpPr>
             <a:spLocks noGrp="1"/>
           </p:cNvSpPr>
@@ -11900,7 +12362,7 @@
     </p:spTree>
     <p:extLst>
       <p:ext uri="{BB962C8B-B14F-4D97-AF65-F5344CB8AC3E}">
-        <p14:creationId xmlns:p14="http://schemas.microsoft.com/office/powerpoint/2010/main" val="1301171958"/>
+        <p14:creationId xmlns:p14="http://schemas.microsoft.com/office/powerpoint/2010/main" val="3198736314"/>
       </p:ext>
     </p:extLst>
   </p:cSld>
@@ -11944,7 +12406,7 @@
           <a:p>
             <a:r>
               <a:rPr lang="en-US" dirty="0"/>
-              <a:t>Initial Solution</a:t>
+              <a:t>Assumptions</a:t>
             </a:r>
           </a:p>
         </p:txBody>
@@ -11961,141 +12423,129 @@
         </p:nvSpPr>
         <p:spPr/>
         <p:txBody>
-          <a:bodyPr>
-            <a:normAutofit fontScale="55000" lnSpcReduction="20000"/>
-          </a:bodyPr>
+          <a:bodyPr/>
           <a:lstStyle/>
           <a:p>
             <a:r>
               <a:rPr lang="en-US" dirty="0"/>
-              <a:t>;; </a:t>
-            </a:r>
-            <a:r>
-              <a:rPr lang="en-US" dirty="0" err="1"/>
-              <a:t>reachables</a:t>
-            </a:r>
+              <a:t>We assume we've got data definitions for Node and Graph, and functions</a:t>
+            </a:r>
+          </a:p>
+          <a:p>
+            <a:pPr lvl="1"/>
+            <a:r>
+              <a:rPr lang="en-US" b="1" dirty="0">
+                <a:latin typeface="Consolas" panose="020B0609020204030204" pitchFamily="49" charset="0"/>
+                <a:cs typeface="Consolas" panose="020B0609020204030204" pitchFamily="49" charset="0"/>
+              </a:rPr>
+              <a:t>node=? : Node </a:t>
+            </a:r>
+            <a:r>
+              <a:rPr lang="en-US" b="1" dirty="0" err="1">
+                <a:latin typeface="Consolas" panose="020B0609020204030204" pitchFamily="49" charset="0"/>
+                <a:cs typeface="Consolas" panose="020B0609020204030204" pitchFamily="49" charset="0"/>
+              </a:rPr>
+              <a:t>Node</a:t>
+            </a:r>
+            <a:r>
+              <a:rPr lang="en-US" b="1" dirty="0">
+                <a:latin typeface="Consolas" panose="020B0609020204030204" pitchFamily="49" charset="0"/>
+                <a:cs typeface="Consolas" panose="020B0609020204030204" pitchFamily="49" charset="0"/>
+              </a:rPr>
+              <a:t> -&gt; Boolean</a:t>
+            </a:r>
+          </a:p>
+          <a:p>
+            <a:pPr lvl="1"/>
+            <a:r>
+              <a:rPr lang="en-US" b="1" dirty="0">
+                <a:latin typeface="Consolas" panose="020B0609020204030204" pitchFamily="49" charset="0"/>
+                <a:cs typeface="Consolas" panose="020B0609020204030204" pitchFamily="49" charset="0"/>
+              </a:rPr>
+              <a:t>successors : </a:t>
+            </a:r>
+          </a:p>
+          <a:p>
+            <a:pPr marL="457200" lvl="1" indent="0">
+              <a:buNone/>
+            </a:pPr>
+            <a:r>
+              <a:rPr lang="en-US" b="1" dirty="0">
+                <a:latin typeface="Consolas" panose="020B0609020204030204" pitchFamily="49" charset="0"/>
+                <a:cs typeface="Consolas" panose="020B0609020204030204" pitchFamily="49" charset="0"/>
+              </a:rPr>
+              <a:t>    Node Graph -&gt; </a:t>
+            </a:r>
+            <a:r>
+              <a:rPr lang="en-US" b="1" dirty="0" err="1">
+                <a:latin typeface="Consolas" panose="020B0609020204030204" pitchFamily="49" charset="0"/>
+                <a:cs typeface="Consolas" panose="020B0609020204030204" pitchFamily="49" charset="0"/>
+              </a:rPr>
+              <a:t>SetOfNode</a:t>
+            </a:r>
+            <a:endParaRPr lang="en-US" b="1" dirty="0">
+              <a:latin typeface="Consolas" panose="020B0609020204030204" pitchFamily="49" charset="0"/>
+              <a:cs typeface="Consolas" panose="020B0609020204030204" pitchFamily="49" charset="0"/>
+            </a:endParaRPr>
+          </a:p>
+          <a:p>
+            <a:pPr lvl="1"/>
+            <a:r>
+              <a:rPr lang="en-US" b="1" dirty="0">
+                <a:latin typeface="Consolas" panose="020B0609020204030204" pitchFamily="49" charset="0"/>
+                <a:cs typeface="Consolas" panose="020B0609020204030204" pitchFamily="49" charset="0"/>
+              </a:rPr>
+              <a:t>all-successors : </a:t>
+            </a:r>
+          </a:p>
+          <a:p>
+            <a:pPr marL="457200" lvl="1" indent="0">
+              <a:buNone/>
+            </a:pPr>
+            <a:r>
+              <a:rPr lang="en-US" b="1" dirty="0">
+                <a:latin typeface="Consolas" panose="020B0609020204030204" pitchFamily="49" charset="0"/>
+                <a:cs typeface="Consolas" panose="020B0609020204030204" pitchFamily="49" charset="0"/>
+              </a:rPr>
+              <a:t>    </a:t>
+            </a:r>
+            <a:r>
+              <a:rPr lang="en-US" b="1" dirty="0" err="1">
+                <a:latin typeface="Consolas" panose="020B0609020204030204" pitchFamily="49" charset="0"/>
+                <a:cs typeface="Consolas" panose="020B0609020204030204" pitchFamily="49" charset="0"/>
+              </a:rPr>
+              <a:t>SetOfNode</a:t>
+            </a:r>
+            <a:r>
+              <a:rPr lang="en-US" b="1" dirty="0">
+                <a:latin typeface="Consolas" panose="020B0609020204030204" pitchFamily="49" charset="0"/>
+                <a:cs typeface="Consolas" panose="020B0609020204030204" pitchFamily="49" charset="0"/>
+              </a:rPr>
+              <a:t> Graph -&gt; </a:t>
+            </a:r>
+            <a:r>
+              <a:rPr lang="en-US" b="1" dirty="0" err="1">
+                <a:latin typeface="Consolas" panose="020B0609020204030204" pitchFamily="49" charset="0"/>
+                <a:cs typeface="Consolas" panose="020B0609020204030204" pitchFamily="49" charset="0"/>
+              </a:rPr>
+              <a:t>SetOfNode</a:t>
+            </a:r>
+            <a:endParaRPr lang="en-US" b="1" dirty="0">
+              <a:latin typeface="Consolas" panose="020B0609020204030204" pitchFamily="49" charset="0"/>
+              <a:cs typeface="Consolas" panose="020B0609020204030204" pitchFamily="49" charset="0"/>
+            </a:endParaRPr>
+          </a:p>
+          <a:p>
             <a:r>
               <a:rPr lang="en-US" dirty="0"/>
-              <a:t>: </a:t>
-            </a:r>
-            <a:r>
-              <a:rPr lang="en-US" dirty="0" err="1"/>
-              <a:t>SetOfNode</a:t>
-            </a:r>
-            <a:r>
-              <a:rPr lang="en-US" dirty="0"/>
-              <a:t> Graph -&gt; </a:t>
-            </a:r>
-            <a:r>
-              <a:rPr lang="en-US" dirty="0" err="1"/>
-              <a:t>SetOfNode</a:t>
-            </a:r>
-            <a:endParaRPr lang="en-US" dirty="0"/>
-          </a:p>
-          <a:p>
-            <a:r>
-              <a:rPr lang="en-US" dirty="0"/>
-              <a:t>;; GIVEN: A set of nodes in a graph</a:t>
-            </a:r>
-          </a:p>
-          <a:p>
-            <a:r>
-              <a:rPr lang="en-US" dirty="0"/>
-              <a:t>;; RETURNS: the set of nodes reachable from the starting nodes</a:t>
-            </a:r>
-          </a:p>
-          <a:p>
-            <a:r>
-              <a:rPr lang="en-US" dirty="0"/>
-              <a:t>;; STRATEGY: recur on (nodes U their immediate successors)</a:t>
-            </a:r>
-          </a:p>
-          <a:p>
-            <a:r>
-              <a:rPr lang="en-US" dirty="0"/>
-              <a:t>;; HALTING MEASURE: </a:t>
-            </a:r>
-          </a:p>
-          <a:p>
-            <a:r>
-              <a:rPr lang="en-US" dirty="0"/>
-              <a:t>;;   # of nodes in the graph that are NOT in the set 'nodes'.</a:t>
-            </a:r>
-          </a:p>
-          <a:p>
-            <a:r>
-              <a:rPr lang="en-US" dirty="0"/>
-              <a:t>(define (</a:t>
-            </a:r>
-            <a:r>
-              <a:rPr lang="en-US" dirty="0" err="1"/>
-              <a:t>reachables</a:t>
-            </a:r>
-            <a:r>
-              <a:rPr lang="en-US" dirty="0"/>
-              <a:t> nodes graph)</a:t>
-            </a:r>
-          </a:p>
-          <a:p>
-            <a:r>
-              <a:rPr lang="en-US" dirty="0"/>
-              <a:t>  (local</a:t>
-            </a:r>
-          </a:p>
-          <a:p>
-            <a:r>
-              <a:rPr lang="en-US" dirty="0"/>
-              <a:t>    ((define candidates (all-successors nodes graph)))</a:t>
-            </a:r>
-          </a:p>
-          <a:p>
-            <a:r>
-              <a:rPr lang="en-US" dirty="0"/>
-              <a:t>    (</a:t>
-            </a:r>
-            <a:r>
-              <a:rPr lang="en-US" dirty="0" err="1"/>
-              <a:t>cond</a:t>
-            </a:r>
-            <a:endParaRPr lang="en-US" dirty="0"/>
-          </a:p>
-          <a:p>
-            <a:r>
-              <a:rPr lang="en-US" dirty="0"/>
-              <a:t>      [(subset? candidates nodes) nodes]</a:t>
-            </a:r>
-          </a:p>
-          <a:p>
-            <a:r>
-              <a:rPr lang="en-US" dirty="0"/>
-              <a:t>      [else (</a:t>
-            </a:r>
-            <a:r>
-              <a:rPr lang="en-US" dirty="0" err="1"/>
-              <a:t>reachables</a:t>
-            </a:r>
-            <a:endParaRPr lang="en-US" dirty="0"/>
-          </a:p>
-          <a:p>
-            <a:r>
-              <a:rPr lang="en-US" dirty="0"/>
-              <a:t>              (set-union candidates nodes)</a:t>
-            </a:r>
-          </a:p>
-          <a:p>
-            <a:r>
-              <a:rPr lang="en-US" dirty="0"/>
-              <a:t>              graph)])))</a:t>
-            </a:r>
-          </a:p>
-          <a:p>
-            <a:endParaRPr lang="en-US" dirty="0"/>
+              <a:t>We also assume that our graph is finite.</a:t>
+            </a:r>
           </a:p>
         </p:txBody>
       </p:sp>
       <p:sp>
         <p:nvSpPr>
-          <p:cNvPr id="7" name="Slide Number Placeholder 6"/>
+          <p:cNvPr id="4" name="Slide Number Placeholder 3"/>
           <p:cNvSpPr>
             <a:spLocks noGrp="1"/>
           </p:cNvSpPr>
@@ -12117,264 +12567,10 @@
           </a:p>
         </p:txBody>
       </p:sp>
-      <p:sp>
-        <p:nvSpPr>
-          <p:cNvPr id="4" name="TextBox 3"/>
-          <p:cNvSpPr txBox="1"/>
-          <p:nvPr/>
-        </p:nvSpPr>
-        <p:spPr>
-          <a:xfrm>
-            <a:off x="5943601" y="4114800"/>
-            <a:ext cx="3200400" cy="1200329"/>
-          </a:xfrm>
-          <a:prstGeom prst="rect">
-            <a:avLst/>
-          </a:prstGeom>
-        </p:spPr>
-        <p:style>
-          <a:lnRef idx="2">
-            <a:schemeClr val="accent1"/>
-          </a:lnRef>
-          <a:fillRef idx="1">
-            <a:schemeClr val="lt1"/>
-          </a:fillRef>
-          <a:effectRef idx="0">
-            <a:schemeClr val="accent1"/>
-          </a:effectRef>
-          <a:fontRef idx="minor">
-            <a:schemeClr val="dk1"/>
-          </a:fontRef>
-        </p:style>
-        <p:txBody>
-          <a:bodyPr wrap="square" rtlCol="0">
-            <a:spAutoFit/>
-          </a:bodyPr>
-          <a:lstStyle/>
-          <a:p>
-            <a:r>
-              <a:rPr lang="en-US" sz="2400" dirty="0"/>
-              <a:t>if 'nodes' is closed under all-successors, then we're done</a:t>
-            </a:r>
-          </a:p>
-        </p:txBody>
-      </p:sp>
-      <p:sp>
-        <p:nvSpPr>
-          <p:cNvPr id="5" name="TextBox 4"/>
-          <p:cNvSpPr txBox="1"/>
-          <p:nvPr/>
-        </p:nvSpPr>
-        <p:spPr>
-          <a:xfrm>
-            <a:off x="861657" y="6100465"/>
-            <a:ext cx="7420686" cy="461665"/>
-          </a:xfrm>
-          <a:prstGeom prst="rect">
-            <a:avLst/>
-          </a:prstGeom>
-        </p:spPr>
-        <p:style>
-          <a:lnRef idx="2">
-            <a:schemeClr val="accent1"/>
-          </a:lnRef>
-          <a:fillRef idx="1">
-            <a:schemeClr val="lt1"/>
-          </a:fillRef>
-          <a:effectRef idx="0">
-            <a:schemeClr val="accent1"/>
-          </a:effectRef>
-          <a:fontRef idx="minor">
-            <a:schemeClr val="dk1"/>
-          </a:fontRef>
-        </p:style>
-        <p:txBody>
-          <a:bodyPr wrap="none" rtlCol="0">
-            <a:spAutoFit/>
-          </a:bodyPr>
-          <a:lstStyle/>
-          <a:p>
-            <a:r>
-              <a:rPr lang="en-US" sz="2400" dirty="0"/>
-              <a:t>Otherwise, add the candidates to the nodes, and try again</a:t>
-            </a:r>
-          </a:p>
-        </p:txBody>
-      </p:sp>
-      <p:sp>
-        <p:nvSpPr>
-          <p:cNvPr id="6" name="Freeform 5"/>
-          <p:cNvSpPr/>
-          <p:nvPr/>
-        </p:nvSpPr>
-        <p:spPr>
-          <a:xfrm>
-            <a:off x="5656217" y="4160350"/>
-            <a:ext cx="287383" cy="312072"/>
-          </a:xfrm>
-          <a:custGeom>
-            <a:avLst/>
-            <a:gdLst>
-              <a:gd name="connsiteX0" fmla="*/ 287383 w 287383"/>
-              <a:gd name="connsiteY0" fmla="*/ 111204 h 312072"/>
-              <a:gd name="connsiteX1" fmla="*/ 52252 w 287383"/>
-              <a:gd name="connsiteY1" fmla="*/ 6701 h 312072"/>
-              <a:gd name="connsiteX2" fmla="*/ 156754 w 287383"/>
-              <a:gd name="connsiteY2" fmla="*/ 281021 h 312072"/>
-              <a:gd name="connsiteX3" fmla="*/ 0 w 287383"/>
-              <a:gd name="connsiteY3" fmla="*/ 294084 h 312072"/>
-            </a:gdLst>
-            <a:ahLst/>
-            <a:cxnLst>
-              <a:cxn ang="0">
-                <a:pos x="connsiteX0" y="connsiteY0"/>
-              </a:cxn>
-              <a:cxn ang="0">
-                <a:pos x="connsiteX1" y="connsiteY1"/>
-              </a:cxn>
-              <a:cxn ang="0">
-                <a:pos x="connsiteX2" y="connsiteY2"/>
-              </a:cxn>
-              <a:cxn ang="0">
-                <a:pos x="connsiteX3" y="connsiteY3"/>
-              </a:cxn>
-            </a:cxnLst>
-            <a:rect l="l" t="t" r="r" b="b"/>
-            <a:pathLst>
-              <a:path w="287383" h="312072">
-                <a:moveTo>
-                  <a:pt x="287383" y="111204"/>
-                </a:moveTo>
-                <a:cubicBezTo>
-                  <a:pt x="180703" y="44801"/>
-                  <a:pt x="74023" y="-21602"/>
-                  <a:pt x="52252" y="6701"/>
-                </a:cubicBezTo>
-                <a:cubicBezTo>
-                  <a:pt x="30481" y="35004"/>
-                  <a:pt x="165463" y="233124"/>
-                  <a:pt x="156754" y="281021"/>
-                </a:cubicBezTo>
-                <a:cubicBezTo>
-                  <a:pt x="148045" y="328918"/>
-                  <a:pt x="74022" y="311501"/>
-                  <a:pt x="0" y="294084"/>
-                </a:cubicBezTo>
-              </a:path>
-            </a:pathLst>
-          </a:custGeom>
-          <a:noFill/>
-          <a:ln>
-            <a:tailEnd type="stealth" w="lg" len="lg"/>
-          </a:ln>
-        </p:spPr>
-        <p:style>
-          <a:lnRef idx="2">
-            <a:schemeClr val="dk1"/>
-          </a:lnRef>
-          <a:fillRef idx="1">
-            <a:schemeClr val="lt1"/>
-          </a:fillRef>
-          <a:effectRef idx="0">
-            <a:schemeClr val="dk1"/>
-          </a:effectRef>
-          <a:fontRef idx="minor">
-            <a:schemeClr val="dk1"/>
-          </a:fontRef>
-        </p:style>
-        <p:txBody>
-          <a:bodyPr rtlCol="0" anchor="ctr"/>
-          <a:lstStyle/>
-          <a:p>
-            <a:pPr algn="ctr"/>
-            <a:endParaRPr lang="en-US"/>
-          </a:p>
-        </p:txBody>
-      </p:sp>
-      <p:sp>
-        <p:nvSpPr>
-          <p:cNvPr id="8" name="Freeform 7"/>
-          <p:cNvSpPr/>
-          <p:nvPr/>
-        </p:nvSpPr>
-        <p:spPr>
-          <a:xfrm>
-            <a:off x="1443608" y="5058697"/>
-            <a:ext cx="724405" cy="1047135"/>
-          </a:xfrm>
-          <a:custGeom>
-            <a:avLst/>
-            <a:gdLst>
-              <a:gd name="connsiteX0" fmla="*/ 562173 w 724405"/>
-              <a:gd name="connsiteY0" fmla="*/ 1047135 h 1047135"/>
-              <a:gd name="connsiteX1" fmla="*/ 1734 w 724405"/>
-              <a:gd name="connsiteY1" fmla="*/ 353961 h 1047135"/>
-              <a:gd name="connsiteX2" fmla="*/ 724405 w 724405"/>
-              <a:gd name="connsiteY2" fmla="*/ 0 h 1047135"/>
-            </a:gdLst>
-            <a:ahLst/>
-            <a:cxnLst>
-              <a:cxn ang="0">
-                <a:pos x="connsiteX0" y="connsiteY0"/>
-              </a:cxn>
-              <a:cxn ang="0">
-                <a:pos x="connsiteX1" y="connsiteY1"/>
-              </a:cxn>
-              <a:cxn ang="0">
-                <a:pos x="connsiteX2" y="connsiteY2"/>
-              </a:cxn>
-            </a:cxnLst>
-            <a:rect l="l" t="t" r="r" b="b"/>
-            <a:pathLst>
-              <a:path w="724405" h="1047135">
-                <a:moveTo>
-                  <a:pt x="562173" y="1047135"/>
-                </a:moveTo>
-                <a:cubicBezTo>
-                  <a:pt x="268434" y="787809"/>
-                  <a:pt x="-25305" y="528483"/>
-                  <a:pt x="1734" y="353961"/>
-                </a:cubicBezTo>
-                <a:cubicBezTo>
-                  <a:pt x="28773" y="179439"/>
-                  <a:pt x="376589" y="89719"/>
-                  <a:pt x="724405" y="0"/>
-                </a:cubicBezTo>
-              </a:path>
-            </a:pathLst>
-          </a:custGeom>
-          <a:noFill/>
-          <a:ln>
-            <a:tailEnd type="stealth" w="lg" len="lg"/>
-          </a:ln>
-        </p:spPr>
-        <p:style>
-          <a:lnRef idx="2">
-            <a:schemeClr val="dk1"/>
-          </a:lnRef>
-          <a:fillRef idx="1">
-            <a:schemeClr val="lt1"/>
-          </a:fillRef>
-          <a:effectRef idx="0">
-            <a:schemeClr val="dk1"/>
-          </a:effectRef>
-          <a:fontRef idx="minor">
-            <a:schemeClr val="dk1"/>
-          </a:fontRef>
-        </p:style>
-        <p:txBody>
-          <a:bodyPr rtlCol="0" anchor="ctr"/>
-          <a:lstStyle/>
-          <a:p>
-            <a:pPr algn="ctr"/>
-            <a:endParaRPr lang="en-US"/>
-          </a:p>
-        </p:txBody>
-      </p:sp>
     </p:spTree>
     <p:extLst>
       <p:ext uri="{BB962C8B-B14F-4D97-AF65-F5344CB8AC3E}">
-        <p14:creationId xmlns:p14="http://schemas.microsoft.com/office/powerpoint/2010/main" val="118208098"/>
+        <p14:creationId xmlns:p14="http://schemas.microsoft.com/office/powerpoint/2010/main" val="1301171958"/>
       </p:ext>
     </p:extLst>
   </p:cSld>
@@ -12385,6 +12581,207 @@
 </file>
 
 <file path=ppt/slides/slide18.xml><?xml version="1.0" encoding="utf-8"?>
+<p:sld xmlns:a="http://schemas.openxmlformats.org/drawingml/2006/main" xmlns:r="http://schemas.openxmlformats.org/officeDocument/2006/relationships" xmlns:p="http://schemas.openxmlformats.org/presentationml/2006/main">
+  <p:cSld>
+    <p:spTree>
+      <p:nvGrpSpPr>
+        <p:cNvPr id="1" name=""/>
+        <p:cNvGrpSpPr/>
+        <p:nvPr/>
+      </p:nvGrpSpPr>
+      <p:grpSpPr>
+        <a:xfrm>
+          <a:off x="0" y="0"/>
+          <a:ext cx="0" cy="0"/>
+          <a:chOff x="0" y="0"/>
+          <a:chExt cx="0" cy="0"/>
+        </a:xfrm>
+      </p:grpSpPr>
+      <p:sp>
+        <p:nvSpPr>
+          <p:cNvPr id="5" name="Title 4"/>
+          <p:cNvSpPr>
+            <a:spLocks noGrp="1"/>
+          </p:cNvSpPr>
+          <p:nvPr>
+            <p:ph type="title"/>
+          </p:nvPr>
+        </p:nvSpPr>
+        <p:spPr/>
+        <p:txBody>
+          <a:bodyPr/>
+          <a:lstStyle/>
+          <a:p>
+            <a:r>
+              <a:rPr lang="en-US" dirty="0"/>
+              <a:t>Writing this as a function</a:t>
+            </a:r>
+          </a:p>
+        </p:txBody>
+      </p:sp>
+      <p:sp>
+        <p:nvSpPr>
+          <p:cNvPr id="6" name="Content Placeholder 5"/>
+          <p:cNvSpPr>
+            <a:spLocks noGrp="1"/>
+          </p:cNvSpPr>
+          <p:nvPr>
+            <p:ph idx="1"/>
+          </p:nvPr>
+        </p:nvSpPr>
+        <p:spPr/>
+        <p:txBody>
+          <a:bodyPr>
+            <a:normAutofit fontScale="92500" lnSpcReduction="20000"/>
+          </a:bodyPr>
+          <a:lstStyle/>
+          <a:p>
+            <a:r>
+              <a:rPr lang="en-US" sz="2600" dirty="0"/>
+              <a:t>;; reachables.v1 : </a:t>
+            </a:r>
+            <a:r>
+              <a:rPr lang="en-US" sz="2600" dirty="0" err="1"/>
+              <a:t>SetOfNode</a:t>
+            </a:r>
+            <a:r>
+              <a:rPr lang="en-US" sz="2600" dirty="0"/>
+              <a:t> Graph -&gt; </a:t>
+            </a:r>
+            <a:r>
+              <a:rPr lang="en-US" sz="2600" dirty="0" err="1"/>
+              <a:t>SetOfNode</a:t>
+            </a:r>
+            <a:endParaRPr lang="en-US" sz="2600" dirty="0"/>
+          </a:p>
+          <a:p>
+            <a:r>
+              <a:rPr lang="en-US" sz="2600" dirty="0"/>
+              <a:t>;; GIVEN: A set of nodes in a finite graph</a:t>
+            </a:r>
+          </a:p>
+          <a:p>
+            <a:r>
+              <a:rPr lang="en-US" sz="2600" dirty="0">
+                <a:solidFill>
+                  <a:srgbClr val="FF0000"/>
+                </a:solidFill>
+              </a:rPr>
+              <a:t>;; WHERE: </a:t>
+            </a:r>
+          </a:p>
+          <a:p>
+            <a:r>
+              <a:rPr lang="en-US" sz="2600" dirty="0">
+                <a:solidFill>
+                  <a:srgbClr val="FF0000"/>
+                </a:solidFill>
+              </a:rPr>
+              <a:t>;;   reached = the set of nodes reachable in</a:t>
+            </a:r>
+          </a:p>
+          <a:p>
+            <a:r>
+              <a:rPr lang="en-US" sz="2600" dirty="0">
+                <a:solidFill>
+                  <a:srgbClr val="FF0000"/>
+                </a:solidFill>
+              </a:rPr>
+              <a:t>;;             graph g in at most steps from a</a:t>
+            </a:r>
+          </a:p>
+          <a:p>
+            <a:r>
+              <a:rPr lang="en-US" sz="2600" dirty="0">
+                <a:solidFill>
+                  <a:srgbClr val="FF0000"/>
+                </a:solidFill>
+              </a:rPr>
+              <a:t>;;             set of nodes S, for some n and</a:t>
+            </a:r>
+          </a:p>
+          <a:p>
+            <a:r>
+              <a:rPr lang="en-US" sz="2600" dirty="0">
+                <a:solidFill>
+                  <a:srgbClr val="FF0000"/>
+                </a:solidFill>
+              </a:rPr>
+              <a:t>;;             some set of nodes S.</a:t>
+            </a:r>
+          </a:p>
+          <a:p>
+            <a:r>
+              <a:rPr lang="en-US" sz="2600" dirty="0"/>
+              <a:t>;; RETURNS:  the set of nodes reachable from S.</a:t>
+            </a:r>
+          </a:p>
+          <a:p>
+            <a:r>
+              <a:rPr lang="en-US" sz="2600" dirty="0"/>
+              <a:t>;; STRATEGY: recur on reached + their immediate</a:t>
+            </a:r>
+          </a:p>
+          <a:p>
+            <a:r>
+              <a:rPr lang="en-US" sz="2600" dirty="0"/>
+              <a:t>;;           successors</a:t>
+            </a:r>
+          </a:p>
+          <a:p>
+            <a:r>
+              <a:rPr lang="en-US" sz="2600" dirty="0"/>
+              <a:t>;; HALTING MEASURE: the number of nodes in g</a:t>
+            </a:r>
+          </a:p>
+          <a:p>
+            <a:r>
+              <a:rPr lang="en-US" sz="2600" dirty="0"/>
+              <a:t>;;           NOT in reached.</a:t>
+            </a:r>
+          </a:p>
+          <a:p>
+            <a:endParaRPr lang="en-US" dirty="0"/>
+          </a:p>
+        </p:txBody>
+      </p:sp>
+      <p:sp>
+        <p:nvSpPr>
+          <p:cNvPr id="4" name="Slide Number Placeholder 3"/>
+          <p:cNvSpPr>
+            <a:spLocks noGrp="1"/>
+          </p:cNvSpPr>
+          <p:nvPr>
+            <p:ph type="sldNum" sz="quarter" idx="12"/>
+          </p:nvPr>
+        </p:nvSpPr>
+        <p:spPr/>
+        <p:txBody>
+          <a:bodyPr/>
+          <a:lstStyle/>
+          <a:p>
+            <a:fld id="{2AF3B5EA-18B6-4040-9F78-6052AF49C681}" type="slidenum">
+              <a:rPr lang="en-US" smtClean="0"/>
+              <a:t>18</a:t>
+            </a:fld>
+            <a:endParaRPr lang="en-US"/>
+          </a:p>
+        </p:txBody>
+      </p:sp>
+    </p:spTree>
+    <p:extLst>
+      <p:ext uri="{BB962C8B-B14F-4D97-AF65-F5344CB8AC3E}">
+        <p14:creationId xmlns:p14="http://schemas.microsoft.com/office/powerpoint/2010/main" val="2201437900"/>
+      </p:ext>
+    </p:extLst>
+  </p:cSld>
+  <p:clrMapOvr>
+    <a:masterClrMapping/>
+  </p:clrMapOvr>
+</p:sld>
+</file>
+
+<file path=ppt/slides/slide19.xml><?xml version="1.0" encoding="utf-8"?>
 <p:sld xmlns:a="http://schemas.openxmlformats.org/drawingml/2006/main" xmlns:r="http://schemas.openxmlformats.org/officeDocument/2006/relationships" xmlns:p="http://schemas.openxmlformats.org/presentationml/2006/main">
   <p:cSld>
     <p:spTree>
@@ -12418,6 +12815,736 @@
           <a:p>
             <a:r>
               <a:rPr lang="en-US" dirty="0"/>
+              <a:t>Function Definition</a:t>
+            </a:r>
+          </a:p>
+        </p:txBody>
+      </p:sp>
+      <p:sp>
+        <p:nvSpPr>
+          <p:cNvPr id="3" name="Content Placeholder 2"/>
+          <p:cNvSpPr>
+            <a:spLocks noGrp="1"/>
+          </p:cNvSpPr>
+          <p:nvPr>
+            <p:ph idx="1"/>
+          </p:nvPr>
+        </p:nvSpPr>
+        <p:spPr/>
+        <p:txBody>
+          <a:bodyPr>
+            <a:normAutofit/>
+          </a:bodyPr>
+          <a:lstStyle/>
+          <a:p>
+            <a:pPr>
+              <a:spcBef>
+                <a:spcPts val="0"/>
+              </a:spcBef>
+            </a:pPr>
+            <a:r>
+              <a:rPr lang="en-US" sz="2400" dirty="0"/>
+              <a:t>(define (reachables.v1 reached g)</a:t>
+            </a:r>
+          </a:p>
+          <a:p>
+            <a:pPr>
+              <a:spcBef>
+                <a:spcPts val="0"/>
+              </a:spcBef>
+            </a:pPr>
+            <a:r>
+              <a:rPr lang="en-US" sz="2400" dirty="0"/>
+              <a:t>  (local</a:t>
+            </a:r>
+          </a:p>
+          <a:p>
+            <a:pPr>
+              <a:spcBef>
+                <a:spcPts val="0"/>
+              </a:spcBef>
+            </a:pPr>
+            <a:r>
+              <a:rPr lang="en-US" sz="2400" dirty="0"/>
+              <a:t>    ((define candidates </a:t>
+            </a:r>
+          </a:p>
+          <a:p>
+            <a:pPr>
+              <a:spcBef>
+                <a:spcPts val="0"/>
+              </a:spcBef>
+            </a:pPr>
+            <a:r>
+              <a:rPr lang="en-US" sz="2400" dirty="0"/>
+              <a:t>      (all-successors reached g)))</a:t>
+            </a:r>
+          </a:p>
+          <a:p>
+            <a:pPr>
+              <a:spcBef>
+                <a:spcPts val="0"/>
+              </a:spcBef>
+            </a:pPr>
+            <a:r>
+              <a:rPr lang="en-US" sz="2400" dirty="0"/>
+              <a:t>    (cond</a:t>
+            </a:r>
+          </a:p>
+          <a:p>
+            <a:pPr>
+              <a:spcBef>
+                <a:spcPts val="0"/>
+              </a:spcBef>
+            </a:pPr>
+            <a:r>
+              <a:rPr lang="en-US" sz="2400" dirty="0"/>
+              <a:t>      [(subset? candidates reached) reached]</a:t>
+            </a:r>
+          </a:p>
+          <a:p>
+            <a:pPr>
+              <a:spcBef>
+                <a:spcPts val="0"/>
+              </a:spcBef>
+            </a:pPr>
+            <a:r>
+              <a:rPr lang="en-US" sz="2400" dirty="0"/>
+              <a:t>      [else (reachables.v1</a:t>
+            </a:r>
+          </a:p>
+          <a:p>
+            <a:pPr>
+              <a:spcBef>
+                <a:spcPts val="0"/>
+              </a:spcBef>
+            </a:pPr>
+            <a:r>
+              <a:rPr lang="en-US" sz="2400" dirty="0"/>
+              <a:t>              (set-union candidates reached)</a:t>
+            </a:r>
+          </a:p>
+          <a:p>
+            <a:pPr>
+              <a:spcBef>
+                <a:spcPts val="0"/>
+              </a:spcBef>
+            </a:pPr>
+            <a:r>
+              <a:rPr lang="en-US" sz="2400" dirty="0"/>
+              <a:t>              g)])))</a:t>
+            </a:r>
+          </a:p>
+        </p:txBody>
+      </p:sp>
+      <p:sp>
+        <p:nvSpPr>
+          <p:cNvPr id="4" name="Slide Number Placeholder 3"/>
+          <p:cNvSpPr>
+            <a:spLocks noGrp="1"/>
+          </p:cNvSpPr>
+          <p:nvPr>
+            <p:ph type="sldNum" sz="quarter" idx="12"/>
+          </p:nvPr>
+        </p:nvSpPr>
+        <p:spPr/>
+        <p:txBody>
+          <a:bodyPr/>
+          <a:lstStyle/>
+          <a:p>
+            <a:fld id="{2AF3B5EA-18B6-4040-9F78-6052AF49C681}" type="slidenum">
+              <a:rPr lang="en-US" smtClean="0"/>
+              <a:t>19</a:t>
+            </a:fld>
+            <a:endParaRPr lang="en-US"/>
+          </a:p>
+        </p:txBody>
+      </p:sp>
+    </p:spTree>
+    <p:extLst>
+      <p:ext uri="{BB962C8B-B14F-4D97-AF65-F5344CB8AC3E}">
+        <p14:creationId xmlns:p14="http://schemas.microsoft.com/office/powerpoint/2010/main" val="325299986"/>
+      </p:ext>
+    </p:extLst>
+  </p:cSld>
+  <p:clrMapOvr>
+    <a:masterClrMapping/>
+  </p:clrMapOvr>
+</p:sld>
+</file>
+
+<file path=ppt/slides/slide2.xml><?xml version="1.0" encoding="utf-8"?>
+<p:sld xmlns:a="http://schemas.openxmlformats.org/drawingml/2006/main" xmlns:r="http://schemas.openxmlformats.org/officeDocument/2006/relationships" xmlns:p="http://schemas.openxmlformats.org/presentationml/2006/main">
+  <p:cSld>
+    <p:spTree>
+      <p:nvGrpSpPr>
+        <p:cNvPr id="1" name=""/>
+        <p:cNvGrpSpPr/>
+        <p:nvPr/>
+      </p:nvGrpSpPr>
+      <p:grpSpPr>
+        <a:xfrm>
+          <a:off x="0" y="0"/>
+          <a:ext cx="0" cy="0"/>
+          <a:chOff x="0" y="0"/>
+          <a:chExt cx="0" cy="0"/>
+        </a:xfrm>
+      </p:grpSpPr>
+      <p:sp>
+        <p:nvSpPr>
+          <p:cNvPr id="4" name="Title 3"/>
+          <p:cNvSpPr>
+            <a:spLocks noGrp="1"/>
+          </p:cNvSpPr>
+          <p:nvPr>
+            <p:ph type="title"/>
+          </p:nvPr>
+        </p:nvSpPr>
+        <p:spPr/>
+        <p:txBody>
+          <a:bodyPr/>
+          <a:lstStyle/>
+          <a:p>
+            <a:r>
+              <a:rPr lang="en-US" dirty="0"/>
+              <a:t>Introduction</a:t>
+            </a:r>
+          </a:p>
+        </p:txBody>
+      </p:sp>
+      <p:sp>
+        <p:nvSpPr>
+          <p:cNvPr id="3" name="Content Placeholder 2"/>
+          <p:cNvSpPr>
+            <a:spLocks noGrp="1"/>
+          </p:cNvSpPr>
+          <p:nvPr>
+            <p:ph idx="1"/>
+          </p:nvPr>
+        </p:nvSpPr>
+        <p:spPr/>
+        <p:txBody>
+          <a:bodyPr>
+            <a:normAutofit lnSpcReduction="10000"/>
+          </a:bodyPr>
+          <a:lstStyle/>
+          <a:p>
+            <a:r>
+              <a:rPr lang="en-US" dirty="0"/>
+              <a:t>Many problems in computer science involve directed graphs.</a:t>
+            </a:r>
+          </a:p>
+          <a:p>
+            <a:r>
+              <a:rPr lang="en-US" dirty="0"/>
+              <a:t>General recursion is an essential tool for computing on graphs.</a:t>
+            </a:r>
+          </a:p>
+          <a:p>
+            <a:r>
+              <a:rPr lang="en-US" dirty="0"/>
+              <a:t>In this lesson we will design a program for an important problem on graphs, using general recursion</a:t>
+            </a:r>
+          </a:p>
+          <a:p>
+            <a:r>
+              <a:rPr lang="en-US" dirty="0"/>
+              <a:t>The algorithm we will develop has many other applications.</a:t>
+            </a:r>
+          </a:p>
+        </p:txBody>
+      </p:sp>
+      <p:sp>
+        <p:nvSpPr>
+          <p:cNvPr id="2" name="Slide Number Placeholder 1"/>
+          <p:cNvSpPr>
+            <a:spLocks noGrp="1"/>
+          </p:cNvSpPr>
+          <p:nvPr>
+            <p:ph type="sldNum" sz="quarter" idx="12"/>
+          </p:nvPr>
+        </p:nvSpPr>
+        <p:spPr/>
+        <p:txBody>
+          <a:bodyPr/>
+          <a:lstStyle/>
+          <a:p>
+            <a:fld id="{9F4492BD-6A9C-48FC-AC76-0B4FE11194A1}" type="slidenum">
+              <a:rPr lang="en-US" smtClean="0"/>
+              <a:pPr/>
+              <a:t>2</a:t>
+            </a:fld>
+            <a:endParaRPr lang="en-US"/>
+          </a:p>
+        </p:txBody>
+      </p:sp>
+    </p:spTree>
+    <p:extLst>
+      <p:ext uri="{BB962C8B-B14F-4D97-AF65-F5344CB8AC3E}">
+        <p14:creationId xmlns:p14="http://schemas.microsoft.com/office/powerpoint/2010/main" val="396695000"/>
+      </p:ext>
+    </p:extLst>
+  </p:cSld>
+  <p:clrMapOvr>
+    <a:masterClrMapping/>
+  </p:clrMapOvr>
+</p:sld>
+</file>
+
+<file path=ppt/slides/slide20.xml><?xml version="1.0" encoding="utf-8"?>
+<p:sld xmlns:a="http://schemas.openxmlformats.org/drawingml/2006/main" xmlns:r="http://schemas.openxmlformats.org/officeDocument/2006/relationships" xmlns:p="http://schemas.openxmlformats.org/presentationml/2006/main">
+  <p:cSld>
+    <p:spTree>
+      <p:nvGrpSpPr>
+        <p:cNvPr id="1" name=""/>
+        <p:cNvGrpSpPr/>
+        <p:nvPr/>
+      </p:nvGrpSpPr>
+      <p:grpSpPr>
+        <a:xfrm>
+          <a:off x="0" y="0"/>
+          <a:ext cx="0" cy="0"/>
+          <a:chOff x="0" y="0"/>
+          <a:chExt cx="0" cy="0"/>
+        </a:xfrm>
+      </p:grpSpPr>
+      <p:sp>
+        <p:nvSpPr>
+          <p:cNvPr id="2" name="Title 1"/>
+          <p:cNvSpPr>
+            <a:spLocks noGrp="1"/>
+          </p:cNvSpPr>
+          <p:nvPr>
+            <p:ph type="title"/>
+          </p:nvPr>
+        </p:nvSpPr>
+        <p:spPr/>
+        <p:txBody>
+          <a:bodyPr/>
+          <a:lstStyle/>
+          <a:p>
+            <a:r>
+              <a:rPr lang="en-US" dirty="0"/>
+              <a:t>Correctness Reasoning</a:t>
+            </a:r>
+          </a:p>
+        </p:txBody>
+      </p:sp>
+      <mc:AlternateContent xmlns:mc="http://schemas.openxmlformats.org/markup-compatibility/2006">
+        <mc:Choice xmlns:a14="http://schemas.microsoft.com/office/drawing/2010/main" Requires="a14">
+          <p:sp>
+            <p:nvSpPr>
+              <p:cNvPr id="3" name="Content Placeholder 2"/>
+              <p:cNvSpPr>
+                <a:spLocks noGrp="1"/>
+              </p:cNvSpPr>
+              <p:nvPr>
+                <p:ph idx="1"/>
+              </p:nvPr>
+            </p:nvSpPr>
+            <p:spPr/>
+            <p:txBody>
+              <a:bodyPr>
+                <a:normAutofit lnSpcReduction="10000"/>
+              </a:bodyPr>
+              <a:lstStyle/>
+              <a:p>
+                <a:r>
+                  <a:rPr lang="en-US" dirty="0"/>
+                  <a:t>If </a:t>
+                </a:r>
+                <a:r>
+                  <a:rPr lang="en-US" b="1" dirty="0"/>
+                  <a:t>reached</a:t>
+                </a:r>
+                <a:r>
+                  <a:rPr lang="en-US" dirty="0"/>
+                  <a:t> is the set of nodes reachable from </a:t>
+                </a:r>
+                <a14:m>
+                  <m:oMath xmlns:m="http://schemas.openxmlformats.org/officeDocument/2006/math">
+                    <m:r>
+                      <a:rPr lang="en-US" i="1" dirty="0" smtClean="0">
+                        <a:latin typeface="Cambria Math" panose="02040503050406030204" pitchFamily="18" charset="0"/>
+                      </a:rPr>
+                      <m:t>𝑆</m:t>
+                    </m:r>
+                  </m:oMath>
+                </a14:m>
+                <a:r>
+                  <a:rPr lang="en-US" dirty="0"/>
+                  <a:t> in at most </a:t>
+                </a:r>
+                <a14:m>
+                  <m:oMath xmlns:m="http://schemas.openxmlformats.org/officeDocument/2006/math">
+                    <m:r>
+                      <a:rPr lang="en-US" i="1" dirty="0" smtClean="0">
+                        <a:latin typeface="Cambria Math" panose="02040503050406030204" pitchFamily="18" charset="0"/>
+                      </a:rPr>
+                      <m:t>𝑛</m:t>
+                    </m:r>
+                  </m:oMath>
+                </a14:m>
+                <a:r>
+                  <a:rPr lang="en-US" dirty="0"/>
+                  <a:t> steps, then </a:t>
+                </a:r>
+                <a:r>
+                  <a:rPr lang="en-US" b="1" dirty="0"/>
+                  <a:t>candidates</a:t>
+                </a:r>
+                <a:r>
+                  <a:rPr lang="en-US" dirty="0"/>
+                  <a:t> is the set of nodes reachable from </a:t>
+                </a:r>
+                <a14:m>
+                  <m:oMath xmlns:m="http://schemas.openxmlformats.org/officeDocument/2006/math">
+                    <m:r>
+                      <a:rPr lang="en-US" i="1" dirty="0" smtClean="0">
+                        <a:latin typeface="Cambria Math" panose="02040503050406030204" pitchFamily="18" charset="0"/>
+                      </a:rPr>
+                      <m:t>𝑆</m:t>
+                    </m:r>
+                  </m:oMath>
+                </a14:m>
+                <a:r>
+                  <a:rPr lang="en-US" dirty="0"/>
+                  <a:t> in at most </a:t>
+                </a:r>
+                <a14:m>
+                  <m:oMath xmlns:m="http://schemas.openxmlformats.org/officeDocument/2006/math">
+                    <m:r>
+                      <a:rPr lang="en-US" i="1" dirty="0" smtClean="0">
+                        <a:latin typeface="Cambria Math" panose="02040503050406030204" pitchFamily="18" charset="0"/>
+                      </a:rPr>
+                      <m:t>𝑛</m:t>
+                    </m:r>
+                    <m:r>
+                      <a:rPr lang="en-US" i="1" dirty="0" smtClean="0">
+                        <a:latin typeface="Cambria Math" panose="02040503050406030204" pitchFamily="18" charset="0"/>
+                      </a:rPr>
+                      <m:t>+1</m:t>
+                    </m:r>
+                  </m:oMath>
+                </a14:m>
+                <a:r>
+                  <a:rPr lang="en-US" dirty="0"/>
+                  <a:t> steps.  </a:t>
+                </a:r>
+              </a:p>
+              <a:p>
+                <a:r>
+                  <a:rPr lang="en-US" dirty="0"/>
+                  <a:t>If there are no more nodes reachable in </a:t>
+                </a:r>
+                <a14:m>
+                  <m:oMath xmlns:m="http://schemas.openxmlformats.org/officeDocument/2006/math">
+                    <m:r>
+                      <a:rPr lang="en-US" i="1" dirty="0" smtClean="0">
+                        <a:latin typeface="Cambria Math" panose="02040503050406030204" pitchFamily="18" charset="0"/>
+                      </a:rPr>
+                      <m:t>𝑛</m:t>
+                    </m:r>
+                    <m:r>
+                      <a:rPr lang="en-US" i="1" dirty="0" smtClean="0">
+                        <a:latin typeface="Cambria Math" panose="02040503050406030204" pitchFamily="18" charset="0"/>
+                      </a:rPr>
+                      <m:t>+1</m:t>
+                    </m:r>
+                  </m:oMath>
+                </a14:m>
+                <a:r>
+                  <a:rPr lang="en-US" dirty="0"/>
+                  <a:t> steps than there were in </a:t>
+                </a:r>
+                <a14:m>
+                  <m:oMath xmlns:m="http://schemas.openxmlformats.org/officeDocument/2006/math">
+                    <m:r>
+                      <a:rPr lang="en-US" i="1" dirty="0" smtClean="0">
+                        <a:latin typeface="Cambria Math" panose="02040503050406030204" pitchFamily="18" charset="0"/>
+                      </a:rPr>
+                      <m:t>𝑛</m:t>
+                    </m:r>
+                  </m:oMath>
+                </a14:m>
+                <a:r>
+                  <a:rPr lang="en-US" dirty="0"/>
+                  <a:t> steps, then we have found all the nodes reachable from </a:t>
+                </a:r>
+                <a14:m>
+                  <m:oMath xmlns:m="http://schemas.openxmlformats.org/officeDocument/2006/math">
+                    <m:r>
+                      <a:rPr lang="en-US" i="1" dirty="0" smtClean="0">
+                        <a:latin typeface="Cambria Math" panose="02040503050406030204" pitchFamily="18" charset="0"/>
+                      </a:rPr>
+                      <m:t>𝑆</m:t>
+                    </m:r>
+                  </m:oMath>
+                </a14:m>
+                <a:r>
+                  <a:rPr lang="en-US" dirty="0"/>
+                  <a:t>.</a:t>
+                </a:r>
+              </a:p>
+              <a:p>
+                <a:r>
+                  <a:rPr lang="en-US" dirty="0"/>
+                  <a:t>Otherwise, we recur.  The first bullet shows that passing </a:t>
+                </a:r>
+                <a:r>
+                  <a:rPr lang="en-US" b="1" dirty="0"/>
+                  <a:t>candidates</a:t>
+                </a:r>
+                <a:r>
+                  <a:rPr lang="en-US" dirty="0"/>
+                  <a:t> satisfies the invariant.</a:t>
+                </a:r>
+              </a:p>
+            </p:txBody>
+          </p:sp>
+        </mc:Choice>
+        <mc:Fallback>
+          <p:sp>
+            <p:nvSpPr>
+              <p:cNvPr id="3" name="Content Placeholder 2"/>
+              <p:cNvSpPr>
+                <a:spLocks noGrp="1" noRot="1" noChangeAspect="1" noMove="1" noResize="1" noEditPoints="1" noAdjustHandles="1" noChangeArrowheads="1" noChangeShapeType="1" noTextEdit="1"/>
+              </p:cNvSpPr>
+              <p:nvPr>
+                <p:ph idx="1"/>
+              </p:nvPr>
+            </p:nvSpPr>
+            <p:spPr>
+              <a:blipFill>
+                <a:blip r:embed="rId2"/>
+                <a:stretch>
+                  <a:fillRect l="-1704" t="-2695" r="-519"/>
+                </a:stretch>
+              </a:blipFill>
+            </p:spPr>
+            <p:txBody>
+              <a:bodyPr/>
+              <a:lstStyle/>
+              <a:p>
+                <a:r>
+                  <a:rPr lang="en-US">
+                    <a:noFill/>
+                  </a:rPr>
+                  <a:t> </a:t>
+                </a:r>
+              </a:p>
+            </p:txBody>
+          </p:sp>
+        </mc:Fallback>
+      </mc:AlternateContent>
+      <p:sp>
+        <p:nvSpPr>
+          <p:cNvPr id="4" name="Slide Number Placeholder 3"/>
+          <p:cNvSpPr>
+            <a:spLocks noGrp="1"/>
+          </p:cNvSpPr>
+          <p:nvPr>
+            <p:ph type="sldNum" sz="quarter" idx="12"/>
+          </p:nvPr>
+        </p:nvSpPr>
+        <p:spPr/>
+        <p:txBody>
+          <a:bodyPr/>
+          <a:lstStyle/>
+          <a:p>
+            <a:fld id="{2AF3B5EA-18B6-4040-9F78-6052AF49C681}" type="slidenum">
+              <a:rPr lang="en-US" smtClean="0"/>
+              <a:t>20</a:t>
+            </a:fld>
+            <a:endParaRPr lang="en-US"/>
+          </a:p>
+        </p:txBody>
+      </p:sp>
+    </p:spTree>
+    <p:extLst>
+      <p:ext uri="{BB962C8B-B14F-4D97-AF65-F5344CB8AC3E}">
+        <p14:creationId xmlns:p14="http://schemas.microsoft.com/office/powerpoint/2010/main" val="4118441538"/>
+      </p:ext>
+    </p:extLst>
+  </p:cSld>
+  <p:clrMapOvr>
+    <a:masterClrMapping/>
+  </p:clrMapOvr>
+</p:sld>
+</file>
+
+<file path=ppt/slides/slide21.xml><?xml version="1.0" encoding="utf-8"?>
+<p:sld xmlns:a="http://schemas.openxmlformats.org/drawingml/2006/main" xmlns:r="http://schemas.openxmlformats.org/officeDocument/2006/relationships" xmlns:p="http://schemas.openxmlformats.org/presentationml/2006/main">
+  <p:cSld>
+    <p:spTree>
+      <p:nvGrpSpPr>
+        <p:cNvPr id="1" name=""/>
+        <p:cNvGrpSpPr/>
+        <p:nvPr/>
+      </p:nvGrpSpPr>
+      <p:grpSpPr>
+        <a:xfrm>
+          <a:off x="0" y="0"/>
+          <a:ext cx="0" cy="0"/>
+          <a:chOff x="0" y="0"/>
+          <a:chExt cx="0" cy="0"/>
+        </a:xfrm>
+      </p:grpSpPr>
+      <p:sp>
+        <p:nvSpPr>
+          <p:cNvPr id="2" name="Title 1"/>
+          <p:cNvSpPr>
+            <a:spLocks noGrp="1"/>
+          </p:cNvSpPr>
+          <p:nvPr>
+            <p:ph type="title"/>
+          </p:nvPr>
+        </p:nvSpPr>
+        <p:spPr/>
+        <p:txBody>
+          <a:bodyPr/>
+          <a:lstStyle/>
+          <a:p>
+            <a:r>
+              <a:rPr lang="en-US" dirty="0"/>
+              <a:t>Termination Reasoning</a:t>
+            </a:r>
+          </a:p>
+        </p:txBody>
+      </p:sp>
+      <p:sp>
+        <p:nvSpPr>
+          <p:cNvPr id="3" name="Content Placeholder 2"/>
+          <p:cNvSpPr>
+            <a:spLocks noGrp="1"/>
+          </p:cNvSpPr>
+          <p:nvPr>
+            <p:ph idx="1"/>
+          </p:nvPr>
+        </p:nvSpPr>
+        <p:spPr/>
+        <p:txBody>
+          <a:bodyPr/>
+          <a:lstStyle/>
+          <a:p>
+            <a:r>
+              <a:rPr lang="en-US" dirty="0"/>
+              <a:t>At the recursive call, </a:t>
+            </a:r>
+            <a:r>
+              <a:rPr lang="en-US" b="1" dirty="0"/>
+              <a:t>candidates</a:t>
+            </a:r>
+            <a:r>
+              <a:rPr lang="en-US" dirty="0"/>
+              <a:t> contains at least one element that is not in </a:t>
+            </a:r>
+            <a:r>
+              <a:rPr lang="en-US" b="1" dirty="0"/>
+              <a:t>reached</a:t>
+            </a:r>
+            <a:r>
+              <a:rPr lang="en-US" dirty="0"/>
+              <a:t> (otherwise the </a:t>
+            </a:r>
+            <a:r>
+              <a:rPr lang="en-US" b="1" dirty="0"/>
+              <a:t>subset? </a:t>
+            </a:r>
+            <a:r>
+              <a:rPr lang="en-US" dirty="0"/>
+              <a:t>test would have returned true).  </a:t>
+            </a:r>
+          </a:p>
+          <a:p>
+            <a:r>
+              <a:rPr lang="en-US" dirty="0"/>
+              <a:t>Hence the result of the set-union is at least one element bigger than </a:t>
+            </a:r>
+            <a:r>
+              <a:rPr lang="en-US" b="1" dirty="0"/>
+              <a:t>reached</a:t>
+            </a:r>
+            <a:r>
+              <a:rPr lang="en-US" dirty="0"/>
+              <a:t>.  So the halting measure decreases. </a:t>
+            </a:r>
+          </a:p>
+          <a:p>
+            <a:endParaRPr lang="en-US" dirty="0"/>
+          </a:p>
+        </p:txBody>
+      </p:sp>
+      <p:sp>
+        <p:nvSpPr>
+          <p:cNvPr id="4" name="Slide Number Placeholder 3"/>
+          <p:cNvSpPr>
+            <a:spLocks noGrp="1"/>
+          </p:cNvSpPr>
+          <p:nvPr>
+            <p:ph type="sldNum" sz="quarter" idx="12"/>
+          </p:nvPr>
+        </p:nvSpPr>
+        <p:spPr/>
+        <p:txBody>
+          <a:bodyPr/>
+          <a:lstStyle/>
+          <a:p>
+            <a:fld id="{2AF3B5EA-18B6-4040-9F78-6052AF49C681}" type="slidenum">
+              <a:rPr lang="en-US" smtClean="0"/>
+              <a:t>21</a:t>
+            </a:fld>
+            <a:endParaRPr lang="en-US"/>
+          </a:p>
+        </p:txBody>
+      </p:sp>
+    </p:spTree>
+    <p:extLst>
+      <p:ext uri="{BB962C8B-B14F-4D97-AF65-F5344CB8AC3E}">
+        <p14:creationId xmlns:p14="http://schemas.microsoft.com/office/powerpoint/2010/main" val="144117591"/>
+      </p:ext>
+    </p:extLst>
+  </p:cSld>
+  <p:clrMapOvr>
+    <a:masterClrMapping/>
+  </p:clrMapOvr>
+</p:sld>
+</file>
+
+<file path=ppt/slides/slide22.xml><?xml version="1.0" encoding="utf-8"?>
+<p:sld xmlns:a="http://schemas.openxmlformats.org/drawingml/2006/main" xmlns:r="http://schemas.openxmlformats.org/officeDocument/2006/relationships" xmlns:p="http://schemas.openxmlformats.org/presentationml/2006/main">
+  <p:cSld>
+    <p:spTree>
+      <p:nvGrpSpPr>
+        <p:cNvPr id="1" name=""/>
+        <p:cNvGrpSpPr/>
+        <p:nvPr/>
+      </p:nvGrpSpPr>
+      <p:grpSpPr>
+        <a:xfrm>
+          <a:off x="0" y="0"/>
+          <a:ext cx="0" cy="0"/>
+          <a:chOff x="0" y="0"/>
+          <a:chExt cx="0" cy="0"/>
+        </a:xfrm>
+      </p:grpSpPr>
+      <p:sp>
+        <p:nvSpPr>
+          <p:cNvPr id="2" name="Title 1"/>
+          <p:cNvSpPr>
+            <a:spLocks noGrp="1"/>
+          </p:cNvSpPr>
+          <p:nvPr>
+            <p:ph type="title"/>
+          </p:nvPr>
+        </p:nvSpPr>
+        <p:spPr/>
+        <p:txBody>
+          <a:bodyPr/>
+          <a:lstStyle/>
+          <a:p>
+            <a:r>
+              <a:rPr lang="en-US" dirty="0"/>
               <a:t>Problem with this algorithm</a:t>
             </a:r>
           </a:p>
@@ -12454,7 +13581,7 @@
                 <a:latin typeface="Consolas" pitchFamily="49" charset="0"/>
                 <a:cs typeface="Consolas" pitchFamily="49" charset="0"/>
               </a:rPr>
-              <a:t>(all-successors nodes)</a:t>
+              <a:t>(all-successors reached)</a:t>
             </a:r>
             <a:r>
               <a:rPr lang="en-US" dirty="0"/>
@@ -12481,7 +13608,7 @@
             <a:fld id="{9F4492BD-6A9C-48FC-AC76-0B4FE11194A1}" type="slidenum">
               <a:rPr lang="en-US" smtClean="0"/>
               <a:pPr/>
-              <a:t>18</a:t>
+              <a:t>22</a:t>
             </a:fld>
             <a:endParaRPr lang="en-US"/>
           </a:p>
@@ -12500,7 +13627,7 @@
 </p:sld>
 </file>
 
-<file path=ppt/slides/slide19.xml><?xml version="1.0" encoding="utf-8"?>
+<file path=ppt/slides/slide23.xml><?xml version="1.0" encoding="utf-8"?>
 <p:sld xmlns:a="http://schemas.openxmlformats.org/drawingml/2006/main" xmlns:r="http://schemas.openxmlformats.org/officeDocument/2006/relationships" xmlns:p="http://schemas.openxmlformats.org/presentationml/2006/main">
   <p:cSld>
     <p:spTree>
@@ -12634,7 +13761,7 @@
           <a:p>
             <a:r>
               <a:rPr lang="en-US" dirty="0"/>
-              <a:t>A Better Idea: keep track of which nodes are new</a:t>
+              <a:t>A Better Idea: keep track of which nodes are newly found</a:t>
             </a:r>
           </a:p>
         </p:txBody>
@@ -12657,7 +13784,7 @@
             <a:fld id="{9F4492BD-6A9C-48FC-AC76-0B4FE11194A1}" type="slidenum">
               <a:rPr lang="en-US" smtClean="0"/>
               <a:pPr/>
-              <a:t>19</a:t>
+              <a:t>23</a:t>
             </a:fld>
             <a:endParaRPr lang="en-US"/>
           </a:p>
@@ -14320,125 +15447,7 @@
 </p:sld>
 </file>
 
-<file path=ppt/slides/slide2.xml><?xml version="1.0" encoding="utf-8"?>
-<p:sld xmlns:a="http://schemas.openxmlformats.org/drawingml/2006/main" xmlns:r="http://schemas.openxmlformats.org/officeDocument/2006/relationships" xmlns:p="http://schemas.openxmlformats.org/presentationml/2006/main">
-  <p:cSld>
-    <p:spTree>
-      <p:nvGrpSpPr>
-        <p:cNvPr id="1" name=""/>
-        <p:cNvGrpSpPr/>
-        <p:nvPr/>
-      </p:nvGrpSpPr>
-      <p:grpSpPr>
-        <a:xfrm>
-          <a:off x="0" y="0"/>
-          <a:ext cx="0" cy="0"/>
-          <a:chOff x="0" y="0"/>
-          <a:chExt cx="0" cy="0"/>
-        </a:xfrm>
-      </p:grpSpPr>
-      <p:sp>
-        <p:nvSpPr>
-          <p:cNvPr id="4" name="Title 3"/>
-          <p:cNvSpPr>
-            <a:spLocks noGrp="1"/>
-          </p:cNvSpPr>
-          <p:nvPr>
-            <p:ph type="title"/>
-          </p:nvPr>
-        </p:nvSpPr>
-        <p:spPr/>
-        <p:txBody>
-          <a:bodyPr/>
-          <a:lstStyle/>
-          <a:p>
-            <a:r>
-              <a:rPr lang="en-US" dirty="0"/>
-              <a:t>Introduction</a:t>
-            </a:r>
-          </a:p>
-        </p:txBody>
-      </p:sp>
-      <p:sp>
-        <p:nvSpPr>
-          <p:cNvPr id="3" name="Content Placeholder 2"/>
-          <p:cNvSpPr>
-            <a:spLocks noGrp="1"/>
-          </p:cNvSpPr>
-          <p:nvPr>
-            <p:ph idx="1"/>
-          </p:nvPr>
-        </p:nvSpPr>
-        <p:spPr/>
-        <p:txBody>
-          <a:bodyPr>
-            <a:normAutofit lnSpcReduction="10000"/>
-          </a:bodyPr>
-          <a:lstStyle/>
-          <a:p>
-            <a:r>
-              <a:rPr lang="en-US" dirty="0"/>
-              <a:t>Many problems in computer science involve directed graphs.</a:t>
-            </a:r>
-          </a:p>
-          <a:p>
-            <a:r>
-              <a:rPr lang="en-US" dirty="0"/>
-              <a:t>General recursion is an essential tool for computing on graphs.</a:t>
-            </a:r>
-          </a:p>
-          <a:p>
-            <a:r>
-              <a:rPr lang="en-US" dirty="0"/>
-              <a:t>In this lesson we will design a program for an important problem on graphs, using general recursion</a:t>
-            </a:r>
-          </a:p>
-          <a:p>
-            <a:r>
-              <a:rPr lang="en-US" dirty="0"/>
-              <a:t>The algorithm we will develop has many other applications.</a:t>
-            </a:r>
-          </a:p>
-        </p:txBody>
-      </p:sp>
-      <p:sp>
-        <p:nvSpPr>
-          <p:cNvPr id="2" name="Slide Number Placeholder 1"/>
-          <p:cNvSpPr>
-            <a:spLocks noGrp="1"/>
-          </p:cNvSpPr>
-          <p:nvPr>
-            <p:ph type="sldNum" sz="quarter" idx="12"/>
-          </p:nvPr>
-        </p:nvSpPr>
-        <p:spPr/>
-        <p:txBody>
-          <a:bodyPr/>
-          <a:lstStyle/>
-          <a:p>
-            <a:fld id="{9F4492BD-6A9C-48FC-AC76-0B4FE11194A1}" type="slidenum">
-              <a:rPr lang="en-US" smtClean="0"/>
-              <a:pPr/>
-              <a:t>2</a:t>
-            </a:fld>
-            <a:endParaRPr lang="en-US"/>
-          </a:p>
-        </p:txBody>
-      </p:sp>
-    </p:spTree>
-    <p:extLst>
-      <p:ext uri="{BB962C8B-B14F-4D97-AF65-F5344CB8AC3E}">
-        <p14:creationId xmlns:p14="http://schemas.microsoft.com/office/powerpoint/2010/main" val="396695000"/>
-      </p:ext>
-    </p:extLst>
-  </p:cSld>
-  <p:clrMapOvr>
-    <a:masterClrMapping/>
-  </p:clrMapOvr>
-</p:sld>
-</file>
-
-<file path=ppt/slides/slide20.xml><?xml version="1.0" encoding="utf-8"?>
+<file path=ppt/slides/slide24.xml><?xml version="1.0" encoding="utf-8"?>
 <p:sld xmlns:a="http://schemas.openxmlformats.org/drawingml/2006/main" xmlns:r="http://schemas.openxmlformats.org/officeDocument/2006/relationships" xmlns:p="http://schemas.openxmlformats.org/presentationml/2006/main">
   <p:cSld>
     <p:spTree>
@@ -14595,7 +15604,7 @@
             <a:fld id="{9F4492BD-6A9C-48FC-AC76-0B4FE11194A1}" type="slidenum">
               <a:rPr lang="en-US" smtClean="0"/>
               <a:pPr/>
-              <a:t>20</a:t>
+              <a:t>24</a:t>
             </a:fld>
             <a:endParaRPr lang="en-US"/>
           </a:p>
@@ -16131,8 +17140,8 @@
         </p:nvSpPr>
         <p:spPr>
           <a:xfrm rot="5400000">
-            <a:off x="3390219" y="2945269"/>
-            <a:ext cx="762000" cy="5170889"/>
+            <a:off x="2124707" y="3070537"/>
+            <a:ext cx="2365793" cy="3262411"/>
           </a:xfrm>
           <a:prstGeom prst="rightBrace">
             <a:avLst>
@@ -16177,8 +17186,8 @@
         </p:nvSpPr>
         <p:spPr>
           <a:xfrm>
-            <a:off x="3298975" y="6042148"/>
-            <a:ext cx="944489" cy="461665"/>
+            <a:off x="1928085" y="5869170"/>
+            <a:ext cx="2842337" cy="830997"/>
           </a:xfrm>
           <a:prstGeom prst="rect">
             <a:avLst/>
@@ -16202,15 +17211,20 @@
           </a:fontRef>
         </p:style>
         <p:txBody>
-          <a:bodyPr wrap="none" rtlCol="0">
+          <a:bodyPr wrap="square" rtlCol="0">
             <a:spAutoFit/>
           </a:bodyPr>
           <a:lstStyle/>
           <a:p>
             <a:r>
+              <a:rPr lang="en-US" sz="2400" b="1" dirty="0"/>
+              <a:t>reached</a:t>
+            </a:r>
+            <a:r>
               <a:rPr lang="en-US" sz="2400" dirty="0"/>
-              <a:t>nodes</a:t>
-            </a:r>
+              <a:t> = nodes reached in &lt; n steps</a:t>
+            </a:r>
+            <a:endParaRPr lang="en-US" sz="2400" b="1" dirty="0"/>
           </a:p>
         </p:txBody>
       </p:sp>
@@ -16253,8 +17267,12 @@
           <a:lstStyle/>
           <a:p>
             <a:r>
+              <a:rPr lang="en-US" sz="2400" b="1" dirty="0"/>
+              <a:t>recent</a:t>
+            </a:r>
+            <a:r>
               <a:rPr lang="en-US" sz="2400" dirty="0"/>
-              <a:t>newest = the most recently added elements of 'nodes'</a:t>
+              <a:t> = nodes reached in n steps but not in n-1 steps</a:t>
             </a:r>
           </a:p>
         </p:txBody>
@@ -16310,7 +17328,7 @@
 </p:sld>
 </file>
 
-<file path=ppt/slides/slide21.xml><?xml version="1.0" encoding="utf-8"?>
+<file path=ppt/slides/slide25.xml><?xml version="1.0" encoding="utf-8"?>
 <p:sld xmlns:a="http://schemas.openxmlformats.org/drawingml/2006/main" xmlns:r="http://schemas.openxmlformats.org/officeDocument/2006/relationships" xmlns:p="http://schemas.openxmlformats.org/presentationml/2006/main">
   <p:cSld>
     <p:spTree>
@@ -16368,7 +17386,7 @@
           <a:p>
             <a:r>
               <a:rPr lang="en-US" sz="1200" dirty="0"/>
-              <a:t>;; reachables1 : </a:t>
+              <a:t>;; reachables1: </a:t>
             </a:r>
             <a:r>
               <a:rPr lang="en-US" sz="1200" dirty="0" err="1"/>
@@ -16384,80 +17402,80 @@
             </a:r>
             <a:r>
               <a:rPr lang="en-US" sz="1200" dirty="0"/>
-              <a:t> Graph</a:t>
-            </a:r>
+              <a:t> Graph -&gt; </a:t>
+            </a:r>
+            <a:r>
+              <a:rPr lang="en-US" sz="1200" dirty="0" err="1"/>
+              <a:t>SetOfNode</a:t>
+            </a:r>
+            <a:endParaRPr lang="en-US" sz="1200" dirty="0"/>
           </a:p>
           <a:p>
             <a:r>
               <a:rPr lang="en-US" sz="1200" dirty="0"/>
-              <a:t>;; GIVEN: two sets of nodes, 'nodes' and 'newest' in a graph</a:t>
-            </a:r>
-          </a:p>
-          <a:p>
-            <a:r>
-              <a:rPr lang="en-US" sz="1200" dirty="0"/>
-              <a:t>;; </a:t>
-            </a:r>
+              <a:t>;; GIVEN: two sets of nodes and a finite graph g</a:t>
+            </a:r>
+          </a:p>
+          <a:p>
             <a:r>
               <a:rPr lang="en-US" sz="1200" dirty="0">
                 <a:solidFill>
                   <a:srgbClr val="FF0000"/>
                 </a:solidFill>
               </a:rPr>
-              <a:t>WHERE: newest is a subset of nodes</a:t>
-            </a:r>
-          </a:p>
-          <a:p>
-            <a:r>
-              <a:rPr lang="en-US" sz="1200" dirty="0"/>
-              <a:t>;;</a:t>
-            </a:r>
+              <a:t>;; WHERE:</a:t>
+            </a:r>
+          </a:p>
+          <a:p>
             <a:r>
               <a:rPr lang="en-US" sz="1200" dirty="0">
                 <a:solidFill>
                   <a:srgbClr val="FF0000"/>
                 </a:solidFill>
               </a:rPr>
-              <a:t> AND: newest is the most recently added set of nodes</a:t>
+              <a:t>;;  reached is the set of nodes reachable in graph g in fewer than n steps</a:t>
+            </a:r>
+          </a:p>
+          <a:p>
+            <a:r>
+              <a:rPr lang="en-US" sz="1200" dirty="0">
+                <a:solidFill>
+                  <a:srgbClr val="FF0000"/>
+                </a:solidFill>
+              </a:rPr>
+              <a:t>;;          from a set of nodes S, for some S and n</a:t>
+            </a:r>
+          </a:p>
+          <a:p>
+            <a:r>
+              <a:rPr lang="en-US" sz="1200" dirty="0">
+                <a:solidFill>
+                  <a:srgbClr val="FF0000"/>
+                </a:solidFill>
+              </a:rPr>
+              <a:t>;;  recent is the set of nodes reachable from S in n steps but</a:t>
+            </a:r>
+          </a:p>
+          <a:p>
+            <a:r>
+              <a:rPr lang="en-US" sz="1200" dirty="0">
+                <a:solidFill>
+                  <a:srgbClr val="FF0000"/>
+                </a:solidFill>
+              </a:rPr>
+              <a:t>;;         not in n-1 steps.</a:t>
             </a:r>
           </a:p>
           <a:p>
             <a:r>
               <a:rPr lang="en-US" sz="1200" dirty="0"/>
-              <a:t>;; RETURNS: the set of nodes reachable from 'nodes'.</a:t>
+              <a:t>;; RETURNS: the set of nodes reachable from S in g.</a:t>
             </a:r>
           </a:p>
           <a:p>
             <a:r>
               <a:rPr lang="en-US" sz="1200" dirty="0"/>
-              <a:t>;; STRATEGY: recur on successors of newest that are not already in nodes; </a:t>
-            </a:r>
-          </a:p>
-          <a:p>
-            <a:r>
-              <a:rPr lang="en-US" sz="1200" dirty="0"/>
-              <a:t>;;    halt when no more successors </a:t>
-            </a:r>
-          </a:p>
-          <a:p>
-            <a:r>
-              <a:rPr lang="en-US" sz="1200" dirty="0"/>
-              <a:t>;; HALTING MEASURE: </a:t>
-            </a:r>
-          </a:p>
-          <a:p>
-            <a:r>
-              <a:rPr lang="en-US" sz="1200" dirty="0"/>
-              <a:t>;;   # of nodes in the graph that are NOT in the set 'nodes'.</a:t>
-            </a:r>
-          </a:p>
-          <a:p>
-            <a:endParaRPr lang="en-US" sz="1200" dirty="0"/>
-          </a:p>
-          <a:p>
-            <a:r>
-              <a:rPr lang="en-US" sz="1200" dirty="0"/>
-              <a:t>(define (reachables1 nodes newest graph)</a:t>
+              <a:t>(define (reachables1 reached recent g)</a:t>
             </a:r>
           </a:p>
           <a:p>
@@ -16469,60 +17487,61 @@
           <a:p>
             <a:r>
               <a:rPr lang="en-US" sz="1200" dirty="0"/>
-              <a:t>    ((define candidates (set-diff </a:t>
+              <a:t>      ((define next</a:t>
             </a:r>
           </a:p>
           <a:p>
             <a:r>
               <a:rPr lang="en-US" sz="1200" dirty="0"/>
-              <a:t>                          (all-successors newest graph)</a:t>
+              <a:t>         (set-diff (all-successors recent g)</a:t>
             </a:r>
           </a:p>
           <a:p>
             <a:r>
               <a:rPr lang="en-US" sz="1200" dirty="0"/>
-              <a:t>                          nodes)))</a:t>
+              <a:t>                   reached)))</a:t>
             </a:r>
           </a:p>
           <a:p>
             <a:r>
               <a:rPr lang="en-US" sz="1200" dirty="0"/>
-              <a:t>    (</a:t>
-            </a:r>
-            <a:r>
-              <a:rPr lang="en-US" sz="1200" dirty="0" err="1"/>
-              <a:t>cond</a:t>
-            </a:r>
-            <a:endParaRPr lang="en-US" sz="1200" dirty="0"/>
+              <a:t>    (cond</a:t>
+            </a:r>
           </a:p>
           <a:p>
             <a:r>
               <a:rPr lang="en-US" sz="1200" dirty="0"/>
-              <a:t>      [(empty? candidates) nodes]</a:t>
+              <a:t>      [(empty? next) reached]</a:t>
             </a:r>
           </a:p>
           <a:p>
             <a:r>
               <a:rPr lang="en-US" sz="1200" dirty="0"/>
-              <a:t>      [else (reachables1</a:t>
+              <a:t>      [else</a:t>
             </a:r>
           </a:p>
           <a:p>
             <a:r>
               <a:rPr lang="en-US" sz="1200" dirty="0"/>
-              <a:t>              (append candidates nodes)</a:t>
+              <a:t>       (reachables1</a:t>
             </a:r>
           </a:p>
           <a:p>
             <a:r>
               <a:rPr lang="en-US" sz="1200" dirty="0"/>
-              <a:t>              candidates</a:t>
+              <a:t>        (append next reached)</a:t>
             </a:r>
           </a:p>
           <a:p>
             <a:r>
               <a:rPr lang="en-US" sz="1200" dirty="0"/>
-              <a:t>              graph)])))</a:t>
+              <a:t>        next</a:t>
+            </a:r>
+          </a:p>
+          <a:p>
+            <a:r>
+              <a:rPr lang="en-US" sz="1200" dirty="0"/>
+              <a:t>        g)])))</a:t>
             </a:r>
           </a:p>
         </p:txBody>
@@ -16545,7 +17564,7 @@
             <a:fld id="{9F4492BD-6A9C-48FC-AC76-0B4FE11194A1}" type="slidenum">
               <a:rPr lang="en-US" smtClean="0"/>
               <a:pPr/>
-              <a:t>21</a:t>
+              <a:t>25</a:t>
             </a:fld>
             <a:endParaRPr lang="en-US"/>
           </a:p>
@@ -16565,6 +17584,15 @@
           <a:prstGeom prst="rect">
             <a:avLst/>
           </a:prstGeom>
+          <a:solidFill>
+            <a:schemeClr val="accent1">
+              <a:lumMod val="20000"/>
+              <a:lumOff val="80000"/>
+            </a:schemeClr>
+          </a:solidFill>
+          <a:ln>
+            <a:noFill/>
+          </a:ln>
         </p:spPr>
         <p:style>
           <a:lnRef idx="2">
@@ -16588,13 +17616,29 @@
           <a:p>
             <a:r>
               <a:rPr lang="en-US" sz="2000" dirty="0"/>
-              <a:t>Since candidates is disjoint </a:t>
-            </a:r>
-          </a:p>
-          <a:p>
+              <a:t>Since </a:t>
+            </a:r>
+            <a:r>
+              <a:rPr lang="en-US" sz="2000" b="1" dirty="0"/>
+              <a:t>next</a:t>
+            </a:r>
             <a:r>
               <a:rPr lang="en-US" sz="2000" dirty="0"/>
-              <a:t>from nodes, we can replace the set-union with append.</a:t>
+              <a:t> is disjoint </a:t>
+            </a:r>
+          </a:p>
+          <a:p>
+            <a:r>
+              <a:rPr lang="en-US" sz="2000" dirty="0"/>
+              <a:t>from </a:t>
+            </a:r>
+            <a:r>
+              <a:rPr lang="en-US" sz="2000" b="1" dirty="0"/>
+              <a:t>reached</a:t>
+            </a:r>
+            <a:r>
+              <a:rPr lang="en-US" sz="2000" dirty="0"/>
+              <a:t>, we can replace the set-union with append.</a:t>
             </a:r>
           </a:p>
         </p:txBody>
@@ -16607,8 +17651,8 @@
         </p:nvSpPr>
         <p:spPr>
           <a:xfrm flipV="1">
-            <a:off x="3962400" y="5672636"/>
-            <a:ext cx="1356360" cy="45719"/>
+            <a:off x="3124199" y="5486400"/>
+            <a:ext cx="2194561" cy="140517"/>
           </a:xfrm>
           <a:custGeom>
             <a:avLst/>
@@ -16680,7 +17724,7 @@
 </p:sld>
 </file>
 
-<file path=ppt/slides/slide22.xml><?xml version="1.0" encoding="utf-8"?>
+<file path=ppt/slides/slide26.xml><?xml version="1.0" encoding="utf-8"?>
 <p:sld xmlns:a="http://schemas.openxmlformats.org/drawingml/2006/main" xmlns:r="http://schemas.openxmlformats.org/officeDocument/2006/relationships" xmlns:p="http://schemas.openxmlformats.org/presentationml/2006/main">
   <p:cSld>
     <p:spTree>
@@ -16714,7 +17758,4445 @@
           <a:p>
             <a:r>
               <a:rPr lang="en-US" dirty="0"/>
-              <a:t>Initializing the invariant</a:t>
+              <a:t>Example</a:t>
+            </a:r>
+          </a:p>
+        </p:txBody>
+      </p:sp>
+      <p:sp>
+        <p:nvSpPr>
+          <p:cNvPr id="4" name="Slide Number Placeholder 3"/>
+          <p:cNvSpPr>
+            <a:spLocks noGrp="1"/>
+          </p:cNvSpPr>
+          <p:nvPr>
+            <p:ph type="sldNum" sz="quarter" idx="12"/>
+          </p:nvPr>
+        </p:nvSpPr>
+        <p:spPr/>
+        <p:txBody>
+          <a:bodyPr/>
+          <a:lstStyle/>
+          <a:p>
+            <a:fld id="{2AF3B5EA-18B6-4040-9F78-6052AF49C681}" type="slidenum">
+              <a:rPr lang="en-US" smtClean="0"/>
+              <a:t>26</a:t>
+            </a:fld>
+            <a:endParaRPr lang="en-US"/>
+          </a:p>
+        </p:txBody>
+      </p:sp>
+      <p:grpSp>
+        <p:nvGrpSpPr>
+          <p:cNvPr id="5" name="Group 4"/>
+          <p:cNvGrpSpPr/>
+          <p:nvPr/>
+        </p:nvGrpSpPr>
+        <p:grpSpPr>
+          <a:xfrm>
+            <a:off x="609600" y="1681747"/>
+            <a:ext cx="1434726" cy="2133600"/>
+            <a:chOff x="4356474" y="1828800"/>
+            <a:chExt cx="2895600" cy="4343400"/>
+          </a:xfrm>
+        </p:grpSpPr>
+        <p:grpSp>
+          <p:nvGrpSpPr>
+            <p:cNvPr id="6" name="Group 5"/>
+            <p:cNvGrpSpPr/>
+            <p:nvPr/>
+          </p:nvGrpSpPr>
+          <p:grpSpPr>
+            <a:xfrm>
+              <a:off x="4356474" y="1828800"/>
+              <a:ext cx="2895600" cy="4343400"/>
+              <a:chOff x="3124200" y="1828800"/>
+              <a:chExt cx="2895600" cy="4343400"/>
+            </a:xfrm>
+          </p:grpSpPr>
+          <p:sp>
+            <p:nvSpPr>
+              <p:cNvPr id="8" name="Oval 7"/>
+              <p:cNvSpPr/>
+              <p:nvPr/>
+            </p:nvSpPr>
+            <p:spPr>
+              <a:xfrm>
+                <a:off x="4267200" y="1828800"/>
+                <a:ext cx="609600" cy="609600"/>
+              </a:xfrm>
+              <a:prstGeom prst="ellipse">
+                <a:avLst/>
+              </a:prstGeom>
+              <a:solidFill>
+                <a:schemeClr val="bg1"/>
+              </a:solidFill>
+              <a:ln w="12700">
+                <a:solidFill>
+                  <a:schemeClr val="tx1"/>
+                </a:solidFill>
+              </a:ln>
+            </p:spPr>
+            <p:style>
+              <a:lnRef idx="2">
+                <a:schemeClr val="accent1">
+                  <a:shade val="50000"/>
+                </a:schemeClr>
+              </a:lnRef>
+              <a:fillRef idx="1">
+                <a:schemeClr val="accent1"/>
+              </a:fillRef>
+              <a:effectRef idx="0">
+                <a:schemeClr val="accent1"/>
+              </a:effectRef>
+              <a:fontRef idx="minor">
+                <a:schemeClr val="lt1"/>
+              </a:fontRef>
+            </p:style>
+            <p:txBody>
+              <a:bodyPr rtlCol="0" anchor="ctr"/>
+              <a:lstStyle/>
+              <a:p>
+                <a:pPr algn="ctr"/>
+                <a:r>
+                  <a:rPr lang="en-US" sz="2400" dirty="0">
+                    <a:solidFill>
+                      <a:schemeClr val="tx1"/>
+                    </a:solidFill>
+                  </a:rPr>
+                  <a:t>A</a:t>
+                </a:r>
+              </a:p>
+            </p:txBody>
+          </p:sp>
+          <p:sp>
+            <p:nvSpPr>
+              <p:cNvPr id="9" name="Oval 8"/>
+              <p:cNvSpPr/>
+              <p:nvPr/>
+            </p:nvSpPr>
+            <p:spPr>
+              <a:xfrm>
+                <a:off x="4876800" y="5562600"/>
+                <a:ext cx="609600" cy="609600"/>
+              </a:xfrm>
+              <a:prstGeom prst="ellipse">
+                <a:avLst/>
+              </a:prstGeom>
+              <a:solidFill>
+                <a:schemeClr val="bg1"/>
+              </a:solidFill>
+              <a:ln w="12700">
+                <a:solidFill>
+                  <a:schemeClr val="tx1"/>
+                </a:solidFill>
+              </a:ln>
+            </p:spPr>
+            <p:style>
+              <a:lnRef idx="2">
+                <a:schemeClr val="accent1">
+                  <a:shade val="50000"/>
+                </a:schemeClr>
+              </a:lnRef>
+              <a:fillRef idx="1">
+                <a:schemeClr val="accent1"/>
+              </a:fillRef>
+              <a:effectRef idx="0">
+                <a:schemeClr val="accent1"/>
+              </a:effectRef>
+              <a:fontRef idx="minor">
+                <a:schemeClr val="lt1"/>
+              </a:fontRef>
+            </p:style>
+            <p:txBody>
+              <a:bodyPr rtlCol="0" anchor="ctr"/>
+              <a:lstStyle/>
+              <a:p>
+                <a:pPr algn="ctr"/>
+                <a:r>
+                  <a:rPr lang="en-US" sz="2400" dirty="0">
+                    <a:solidFill>
+                      <a:schemeClr val="tx1"/>
+                    </a:solidFill>
+                  </a:rPr>
+                  <a:t>G</a:t>
+                </a:r>
+              </a:p>
+            </p:txBody>
+          </p:sp>
+          <p:grpSp>
+            <p:nvGrpSpPr>
+              <p:cNvPr id="10" name="Group 9"/>
+              <p:cNvGrpSpPr/>
+              <p:nvPr/>
+            </p:nvGrpSpPr>
+            <p:grpSpPr>
+              <a:xfrm>
+                <a:off x="4267200" y="4318000"/>
+                <a:ext cx="1752600" cy="635000"/>
+                <a:chOff x="3962400" y="4419600"/>
+                <a:chExt cx="1752600" cy="635000"/>
+              </a:xfrm>
+            </p:grpSpPr>
+            <p:sp>
+              <p:nvSpPr>
+                <p:cNvPr id="24" name="Oval 23"/>
+                <p:cNvSpPr/>
+                <p:nvPr/>
+              </p:nvSpPr>
+              <p:spPr>
+                <a:xfrm>
+                  <a:off x="5105400" y="4419600"/>
+                  <a:ext cx="609600" cy="609600"/>
+                </a:xfrm>
+                <a:prstGeom prst="ellipse">
+                  <a:avLst/>
+                </a:prstGeom>
+                <a:solidFill>
+                  <a:schemeClr val="bg1"/>
+                </a:solidFill>
+                <a:ln w="12700">
+                  <a:solidFill>
+                    <a:schemeClr val="tx1"/>
+                  </a:solidFill>
+                </a:ln>
+              </p:spPr>
+              <p:style>
+                <a:lnRef idx="2">
+                  <a:schemeClr val="accent1">
+                    <a:shade val="50000"/>
+                  </a:schemeClr>
+                </a:lnRef>
+                <a:fillRef idx="1">
+                  <a:schemeClr val="accent1"/>
+                </a:fillRef>
+                <a:effectRef idx="0">
+                  <a:schemeClr val="accent1"/>
+                </a:effectRef>
+                <a:fontRef idx="minor">
+                  <a:schemeClr val="lt1"/>
+                </a:fontRef>
+              </p:style>
+              <p:txBody>
+                <a:bodyPr rtlCol="0" anchor="ctr"/>
+                <a:lstStyle/>
+                <a:p>
+                  <a:pPr algn="ctr"/>
+                  <a:r>
+                    <a:rPr lang="en-US" sz="2400" dirty="0">
+                      <a:solidFill>
+                        <a:schemeClr val="tx1"/>
+                      </a:solidFill>
+                    </a:rPr>
+                    <a:t>F</a:t>
+                  </a:r>
+                </a:p>
+              </p:txBody>
+            </p:sp>
+            <p:sp>
+              <p:nvSpPr>
+                <p:cNvPr id="25" name="Oval 24"/>
+                <p:cNvSpPr/>
+                <p:nvPr/>
+              </p:nvSpPr>
+              <p:spPr>
+                <a:xfrm>
+                  <a:off x="3962400" y="4445000"/>
+                  <a:ext cx="609600" cy="609600"/>
+                </a:xfrm>
+                <a:prstGeom prst="ellipse">
+                  <a:avLst/>
+                </a:prstGeom>
+                <a:solidFill>
+                  <a:schemeClr val="bg1"/>
+                </a:solidFill>
+                <a:ln w="12700">
+                  <a:solidFill>
+                    <a:schemeClr val="tx1"/>
+                  </a:solidFill>
+                </a:ln>
+              </p:spPr>
+              <p:style>
+                <a:lnRef idx="2">
+                  <a:schemeClr val="accent1">
+                    <a:shade val="50000"/>
+                  </a:schemeClr>
+                </a:lnRef>
+                <a:fillRef idx="1">
+                  <a:schemeClr val="accent1"/>
+                </a:fillRef>
+                <a:effectRef idx="0">
+                  <a:schemeClr val="accent1"/>
+                </a:effectRef>
+                <a:fontRef idx="minor">
+                  <a:schemeClr val="lt1"/>
+                </a:fontRef>
+              </p:style>
+              <p:txBody>
+                <a:bodyPr rtlCol="0" anchor="ctr"/>
+                <a:lstStyle/>
+                <a:p>
+                  <a:pPr algn="ctr"/>
+                  <a:r>
+                    <a:rPr lang="en-US" sz="2400" dirty="0">
+                      <a:solidFill>
+                        <a:schemeClr val="tx1"/>
+                      </a:solidFill>
+                    </a:rPr>
+                    <a:t>E</a:t>
+                  </a:r>
+                </a:p>
+              </p:txBody>
+            </p:sp>
+          </p:grpSp>
+          <p:grpSp>
+            <p:nvGrpSpPr>
+              <p:cNvPr id="11" name="Group 10"/>
+              <p:cNvGrpSpPr/>
+              <p:nvPr/>
+            </p:nvGrpSpPr>
+            <p:grpSpPr>
+              <a:xfrm>
+                <a:off x="3124200" y="3073400"/>
+                <a:ext cx="2895600" cy="609600"/>
+                <a:chOff x="3048000" y="3238500"/>
+                <a:chExt cx="2895600" cy="609600"/>
+              </a:xfrm>
+            </p:grpSpPr>
+            <p:sp>
+              <p:nvSpPr>
+                <p:cNvPr id="21" name="Oval 20"/>
+                <p:cNvSpPr/>
+                <p:nvPr/>
+              </p:nvSpPr>
+              <p:spPr>
+                <a:xfrm>
+                  <a:off x="5334000" y="3238500"/>
+                  <a:ext cx="609600" cy="609600"/>
+                </a:xfrm>
+                <a:prstGeom prst="ellipse">
+                  <a:avLst/>
+                </a:prstGeom>
+                <a:solidFill>
+                  <a:schemeClr val="accent3">
+                    <a:alpha val="98000"/>
+                  </a:schemeClr>
+                </a:solidFill>
+                <a:ln w="12700">
+                  <a:solidFill>
+                    <a:schemeClr val="tx1"/>
+                  </a:solidFill>
+                </a:ln>
+              </p:spPr>
+              <p:style>
+                <a:lnRef idx="2">
+                  <a:schemeClr val="accent1">
+                    <a:shade val="50000"/>
+                  </a:schemeClr>
+                </a:lnRef>
+                <a:fillRef idx="1">
+                  <a:schemeClr val="accent1"/>
+                </a:fillRef>
+                <a:effectRef idx="0">
+                  <a:schemeClr val="accent1"/>
+                </a:effectRef>
+                <a:fontRef idx="minor">
+                  <a:schemeClr val="lt1"/>
+                </a:fontRef>
+              </p:style>
+              <p:txBody>
+                <a:bodyPr rtlCol="0" anchor="ctr"/>
+                <a:lstStyle/>
+                <a:p>
+                  <a:pPr algn="ctr"/>
+                  <a:r>
+                    <a:rPr lang="en-US" sz="2400" dirty="0">
+                      <a:solidFill>
+                        <a:schemeClr val="tx1"/>
+                      </a:solidFill>
+                    </a:rPr>
+                    <a:t>D</a:t>
+                  </a:r>
+                </a:p>
+              </p:txBody>
+            </p:sp>
+            <p:sp>
+              <p:nvSpPr>
+                <p:cNvPr id="22" name="Oval 21"/>
+                <p:cNvSpPr/>
+                <p:nvPr/>
+              </p:nvSpPr>
+              <p:spPr>
+                <a:xfrm>
+                  <a:off x="4191000" y="3238500"/>
+                  <a:ext cx="609600" cy="609600"/>
+                </a:xfrm>
+                <a:prstGeom prst="ellipse">
+                  <a:avLst/>
+                </a:prstGeom>
+                <a:solidFill>
+                  <a:schemeClr val="bg1"/>
+                </a:solidFill>
+                <a:ln w="12700">
+                  <a:solidFill>
+                    <a:schemeClr val="tx1"/>
+                  </a:solidFill>
+                </a:ln>
+              </p:spPr>
+              <p:style>
+                <a:lnRef idx="2">
+                  <a:schemeClr val="accent1">
+                    <a:shade val="50000"/>
+                  </a:schemeClr>
+                </a:lnRef>
+                <a:fillRef idx="1">
+                  <a:schemeClr val="accent1"/>
+                </a:fillRef>
+                <a:effectRef idx="0">
+                  <a:schemeClr val="accent1"/>
+                </a:effectRef>
+                <a:fontRef idx="minor">
+                  <a:schemeClr val="lt1"/>
+                </a:fontRef>
+              </p:style>
+              <p:txBody>
+                <a:bodyPr rtlCol="0" anchor="ctr"/>
+                <a:lstStyle/>
+                <a:p>
+                  <a:pPr algn="ctr"/>
+                  <a:r>
+                    <a:rPr lang="en-US" sz="2400" dirty="0">
+                      <a:solidFill>
+                        <a:schemeClr val="tx1"/>
+                      </a:solidFill>
+                    </a:rPr>
+                    <a:t>C</a:t>
+                  </a:r>
+                </a:p>
+              </p:txBody>
+            </p:sp>
+            <p:sp>
+              <p:nvSpPr>
+                <p:cNvPr id="23" name="Oval 22"/>
+                <p:cNvSpPr/>
+                <p:nvPr/>
+              </p:nvSpPr>
+              <p:spPr>
+                <a:xfrm>
+                  <a:off x="3048000" y="3238500"/>
+                  <a:ext cx="609600" cy="609600"/>
+                </a:xfrm>
+                <a:prstGeom prst="ellipse">
+                  <a:avLst/>
+                </a:prstGeom>
+                <a:solidFill>
+                  <a:schemeClr val="bg1"/>
+                </a:solidFill>
+                <a:ln w="12700">
+                  <a:solidFill>
+                    <a:schemeClr val="tx1"/>
+                  </a:solidFill>
+                </a:ln>
+              </p:spPr>
+              <p:style>
+                <a:lnRef idx="2">
+                  <a:schemeClr val="accent1">
+                    <a:shade val="50000"/>
+                  </a:schemeClr>
+                </a:lnRef>
+                <a:fillRef idx="1">
+                  <a:schemeClr val="accent1"/>
+                </a:fillRef>
+                <a:effectRef idx="0">
+                  <a:schemeClr val="accent1"/>
+                </a:effectRef>
+                <a:fontRef idx="minor">
+                  <a:schemeClr val="lt1"/>
+                </a:fontRef>
+              </p:style>
+              <p:txBody>
+                <a:bodyPr rtlCol="0" anchor="ctr"/>
+                <a:lstStyle/>
+                <a:p>
+                  <a:pPr algn="ctr"/>
+                  <a:r>
+                    <a:rPr lang="en-US" sz="2400" dirty="0">
+                      <a:solidFill>
+                        <a:schemeClr val="tx1"/>
+                      </a:solidFill>
+                    </a:rPr>
+                    <a:t>B</a:t>
+                  </a:r>
+                </a:p>
+              </p:txBody>
+            </p:sp>
+          </p:grpSp>
+          <p:cxnSp>
+            <p:nvCxnSpPr>
+              <p:cNvPr id="12" name="Straight Arrow Connector 11"/>
+              <p:cNvCxnSpPr>
+                <a:stCxn id="8" idx="3"/>
+                <a:endCxn id="23" idx="7"/>
+              </p:cNvCxnSpPr>
+              <p:nvPr/>
+            </p:nvCxnSpPr>
+            <p:spPr>
+              <a:xfrm rot="5400000">
+                <a:off x="3593726" y="2399926"/>
+                <a:ext cx="813548" cy="711948"/>
+              </a:xfrm>
+              <a:prstGeom prst="straightConnector1">
+                <a:avLst/>
+              </a:prstGeom>
+              <a:ln w="12700">
+                <a:solidFill>
+                  <a:schemeClr val="tx1"/>
+                </a:solidFill>
+                <a:tailEnd type="arrow"/>
+              </a:ln>
+            </p:spPr>
+            <p:style>
+              <a:lnRef idx="1">
+                <a:schemeClr val="accent1"/>
+              </a:lnRef>
+              <a:fillRef idx="0">
+                <a:schemeClr val="accent1"/>
+              </a:fillRef>
+              <a:effectRef idx="0">
+                <a:schemeClr val="accent1"/>
+              </a:effectRef>
+              <a:fontRef idx="minor">
+                <a:schemeClr val="tx1"/>
+              </a:fontRef>
+            </p:style>
+          </p:cxnSp>
+          <p:cxnSp>
+            <p:nvCxnSpPr>
+              <p:cNvPr id="13" name="Straight Arrow Connector 12"/>
+              <p:cNvCxnSpPr>
+                <a:stCxn id="8" idx="5"/>
+                <a:endCxn id="21" idx="1"/>
+              </p:cNvCxnSpPr>
+              <p:nvPr/>
+            </p:nvCxnSpPr>
+            <p:spPr>
+              <a:xfrm rot="16200000" flipH="1">
+                <a:off x="4736726" y="2399926"/>
+                <a:ext cx="813548" cy="711948"/>
+              </a:xfrm>
+              <a:prstGeom prst="straightConnector1">
+                <a:avLst/>
+              </a:prstGeom>
+              <a:ln w="12700">
+                <a:solidFill>
+                  <a:schemeClr val="tx1"/>
+                </a:solidFill>
+                <a:tailEnd type="arrow"/>
+              </a:ln>
+            </p:spPr>
+            <p:style>
+              <a:lnRef idx="1">
+                <a:schemeClr val="accent1"/>
+              </a:lnRef>
+              <a:fillRef idx="0">
+                <a:schemeClr val="accent1"/>
+              </a:fillRef>
+              <a:effectRef idx="0">
+                <a:schemeClr val="accent1"/>
+              </a:effectRef>
+              <a:fontRef idx="minor">
+                <a:schemeClr val="tx1"/>
+              </a:fontRef>
+            </p:style>
+          </p:cxnSp>
+          <p:cxnSp>
+            <p:nvCxnSpPr>
+              <p:cNvPr id="14" name="Straight Arrow Connector 13"/>
+              <p:cNvCxnSpPr>
+                <a:stCxn id="8" idx="4"/>
+                <a:endCxn id="22" idx="0"/>
+              </p:cNvCxnSpPr>
+              <p:nvPr/>
+            </p:nvCxnSpPr>
+            <p:spPr>
+              <a:xfrm rot="5400000">
+                <a:off x="4254500" y="2755900"/>
+                <a:ext cx="635000" cy="1588"/>
+              </a:xfrm>
+              <a:prstGeom prst="straightConnector1">
+                <a:avLst/>
+              </a:prstGeom>
+              <a:ln w="12700">
+                <a:solidFill>
+                  <a:schemeClr val="tx1"/>
+                </a:solidFill>
+                <a:tailEnd type="arrow"/>
+              </a:ln>
+            </p:spPr>
+            <p:style>
+              <a:lnRef idx="1">
+                <a:schemeClr val="accent1"/>
+              </a:lnRef>
+              <a:fillRef idx="0">
+                <a:schemeClr val="accent1"/>
+              </a:fillRef>
+              <a:effectRef idx="0">
+                <a:schemeClr val="accent1"/>
+              </a:effectRef>
+              <a:fontRef idx="minor">
+                <a:schemeClr val="tx1"/>
+              </a:fontRef>
+            </p:style>
+          </p:cxnSp>
+          <p:cxnSp>
+            <p:nvCxnSpPr>
+              <p:cNvPr id="15" name="Straight Arrow Connector 14"/>
+              <p:cNvCxnSpPr>
+                <a:stCxn id="23" idx="6"/>
+                <a:endCxn id="22" idx="2"/>
+              </p:cNvCxnSpPr>
+              <p:nvPr/>
+            </p:nvCxnSpPr>
+            <p:spPr>
+              <a:xfrm>
+                <a:off x="3733800" y="3378200"/>
+                <a:ext cx="533400" cy="1588"/>
+              </a:xfrm>
+              <a:prstGeom prst="straightConnector1">
+                <a:avLst/>
+              </a:prstGeom>
+              <a:ln w="12700">
+                <a:solidFill>
+                  <a:schemeClr val="tx1"/>
+                </a:solidFill>
+                <a:tailEnd type="arrow"/>
+              </a:ln>
+            </p:spPr>
+            <p:style>
+              <a:lnRef idx="1">
+                <a:schemeClr val="accent1"/>
+              </a:lnRef>
+              <a:fillRef idx="0">
+                <a:schemeClr val="accent1"/>
+              </a:fillRef>
+              <a:effectRef idx="0">
+                <a:schemeClr val="accent1"/>
+              </a:effectRef>
+              <a:fontRef idx="minor">
+                <a:schemeClr val="tx1"/>
+              </a:fontRef>
+            </p:style>
+          </p:cxnSp>
+          <p:cxnSp>
+            <p:nvCxnSpPr>
+              <p:cNvPr id="16" name="Straight Arrow Connector 15"/>
+              <p:cNvCxnSpPr>
+                <a:stCxn id="21" idx="2"/>
+                <a:endCxn id="22" idx="6"/>
+              </p:cNvCxnSpPr>
+              <p:nvPr/>
+            </p:nvCxnSpPr>
+            <p:spPr>
+              <a:xfrm rot="10800000">
+                <a:off x="4876800" y="3378200"/>
+                <a:ext cx="533400" cy="1588"/>
+              </a:xfrm>
+              <a:prstGeom prst="straightConnector1">
+                <a:avLst/>
+              </a:prstGeom>
+              <a:ln w="12700">
+                <a:solidFill>
+                  <a:schemeClr val="tx1"/>
+                </a:solidFill>
+                <a:tailEnd type="arrow"/>
+              </a:ln>
+            </p:spPr>
+            <p:style>
+              <a:lnRef idx="1">
+                <a:schemeClr val="accent1"/>
+              </a:lnRef>
+              <a:fillRef idx="0">
+                <a:schemeClr val="accent1"/>
+              </a:fillRef>
+              <a:effectRef idx="0">
+                <a:schemeClr val="accent1"/>
+              </a:effectRef>
+              <a:fontRef idx="minor">
+                <a:schemeClr val="tx1"/>
+              </a:fontRef>
+            </p:style>
+          </p:cxnSp>
+          <p:cxnSp>
+            <p:nvCxnSpPr>
+              <p:cNvPr id="17" name="Straight Arrow Connector 16"/>
+              <p:cNvCxnSpPr>
+                <a:stCxn id="22" idx="4"/>
+                <a:endCxn id="25" idx="0"/>
+              </p:cNvCxnSpPr>
+              <p:nvPr/>
+            </p:nvCxnSpPr>
+            <p:spPr>
+              <a:xfrm rot="5400000">
+                <a:off x="4241800" y="4013200"/>
+                <a:ext cx="660400" cy="1588"/>
+              </a:xfrm>
+              <a:prstGeom prst="straightConnector1">
+                <a:avLst/>
+              </a:prstGeom>
+              <a:ln w="12700">
+                <a:solidFill>
+                  <a:schemeClr val="tx1"/>
+                </a:solidFill>
+                <a:tailEnd type="arrow"/>
+              </a:ln>
+            </p:spPr>
+            <p:style>
+              <a:lnRef idx="1">
+                <a:schemeClr val="accent1"/>
+              </a:lnRef>
+              <a:fillRef idx="0">
+                <a:schemeClr val="accent1"/>
+              </a:fillRef>
+              <a:effectRef idx="0">
+                <a:schemeClr val="accent1"/>
+              </a:effectRef>
+              <a:fontRef idx="minor">
+                <a:schemeClr val="tx1"/>
+              </a:fontRef>
+            </p:style>
+          </p:cxnSp>
+          <p:cxnSp>
+            <p:nvCxnSpPr>
+              <p:cNvPr id="18" name="Straight Arrow Connector 17"/>
+              <p:cNvCxnSpPr>
+                <a:stCxn id="21" idx="4"/>
+                <a:endCxn id="24" idx="0"/>
+              </p:cNvCxnSpPr>
+              <p:nvPr/>
+            </p:nvCxnSpPr>
+            <p:spPr>
+              <a:xfrm rot="5400000">
+                <a:off x="5397500" y="4000500"/>
+                <a:ext cx="635000" cy="1588"/>
+              </a:xfrm>
+              <a:prstGeom prst="straightConnector1">
+                <a:avLst/>
+              </a:prstGeom>
+              <a:ln w="12700">
+                <a:solidFill>
+                  <a:schemeClr val="tx1"/>
+                </a:solidFill>
+                <a:tailEnd type="arrow"/>
+              </a:ln>
+            </p:spPr>
+            <p:style>
+              <a:lnRef idx="1">
+                <a:schemeClr val="accent1"/>
+              </a:lnRef>
+              <a:fillRef idx="0">
+                <a:schemeClr val="accent1"/>
+              </a:fillRef>
+              <a:effectRef idx="0">
+                <a:schemeClr val="accent1"/>
+              </a:effectRef>
+              <a:fontRef idx="minor">
+                <a:schemeClr val="tx1"/>
+              </a:fontRef>
+            </p:style>
+          </p:cxnSp>
+          <p:cxnSp>
+            <p:nvCxnSpPr>
+              <p:cNvPr id="19" name="Straight Arrow Connector 18"/>
+              <p:cNvCxnSpPr>
+                <a:stCxn id="25" idx="4"/>
+                <a:endCxn id="9" idx="1"/>
+              </p:cNvCxnSpPr>
+              <p:nvPr/>
+            </p:nvCxnSpPr>
+            <p:spPr>
+              <a:xfrm rot="16200000" flipH="1">
+                <a:off x="4419600" y="5105400"/>
+                <a:ext cx="698874" cy="394074"/>
+              </a:xfrm>
+              <a:prstGeom prst="straightConnector1">
+                <a:avLst/>
+              </a:prstGeom>
+              <a:ln w="12700">
+                <a:solidFill>
+                  <a:schemeClr val="tx1"/>
+                </a:solidFill>
+                <a:tailEnd type="arrow"/>
+              </a:ln>
+            </p:spPr>
+            <p:style>
+              <a:lnRef idx="1">
+                <a:schemeClr val="accent1"/>
+              </a:lnRef>
+              <a:fillRef idx="0">
+                <a:schemeClr val="accent1"/>
+              </a:fillRef>
+              <a:effectRef idx="0">
+                <a:schemeClr val="accent1"/>
+              </a:effectRef>
+              <a:fontRef idx="minor">
+                <a:schemeClr val="tx1"/>
+              </a:fontRef>
+            </p:style>
+          </p:cxnSp>
+          <p:cxnSp>
+            <p:nvCxnSpPr>
+              <p:cNvPr id="20" name="Straight Arrow Connector 19"/>
+              <p:cNvCxnSpPr>
+                <a:stCxn id="24" idx="4"/>
+                <a:endCxn id="9" idx="7"/>
+              </p:cNvCxnSpPr>
+              <p:nvPr/>
+            </p:nvCxnSpPr>
+            <p:spPr>
+              <a:xfrm rot="5400000">
+                <a:off x="5193926" y="5130800"/>
+                <a:ext cx="724274" cy="317874"/>
+              </a:xfrm>
+              <a:prstGeom prst="straightConnector1">
+                <a:avLst/>
+              </a:prstGeom>
+              <a:ln w="12700">
+                <a:solidFill>
+                  <a:schemeClr val="tx1"/>
+                </a:solidFill>
+                <a:tailEnd type="arrow"/>
+              </a:ln>
+            </p:spPr>
+            <p:style>
+              <a:lnRef idx="1">
+                <a:schemeClr val="accent1"/>
+              </a:lnRef>
+              <a:fillRef idx="0">
+                <a:schemeClr val="accent1"/>
+              </a:fillRef>
+              <a:effectRef idx="0">
+                <a:schemeClr val="accent1"/>
+              </a:effectRef>
+              <a:fontRef idx="minor">
+                <a:schemeClr val="tx1"/>
+              </a:fontRef>
+            </p:style>
+          </p:cxnSp>
+        </p:grpSp>
+        <p:cxnSp>
+          <p:nvCxnSpPr>
+            <p:cNvPr id="7" name="Elbow Connector 6"/>
+            <p:cNvCxnSpPr>
+              <a:stCxn id="9" idx="2"/>
+              <a:endCxn id="23" idx="4"/>
+            </p:cNvCxnSpPr>
+            <p:nvPr/>
+          </p:nvCxnSpPr>
+          <p:spPr>
+            <a:xfrm rot="10800000">
+              <a:off x="4661274" y="3683000"/>
+              <a:ext cx="1447800" cy="2184400"/>
+            </a:xfrm>
+            <a:prstGeom prst="bentConnector2">
+              <a:avLst/>
+            </a:prstGeom>
+            <a:ln w="12700">
+              <a:solidFill>
+                <a:schemeClr val="tx1"/>
+              </a:solidFill>
+              <a:tailEnd type="arrow" w="lg" len="lg"/>
+            </a:ln>
+          </p:spPr>
+          <p:style>
+            <a:lnRef idx="1">
+              <a:schemeClr val="accent1"/>
+            </a:lnRef>
+            <a:fillRef idx="0">
+              <a:schemeClr val="accent1"/>
+            </a:fillRef>
+            <a:effectRef idx="0">
+              <a:schemeClr val="accent1"/>
+            </a:effectRef>
+            <a:fontRef idx="minor">
+              <a:schemeClr val="tx1"/>
+            </a:fontRef>
+          </p:style>
+        </p:cxnSp>
+      </p:grpSp>
+      <p:grpSp>
+        <p:nvGrpSpPr>
+          <p:cNvPr id="47" name="Group 46"/>
+          <p:cNvGrpSpPr/>
+          <p:nvPr/>
+        </p:nvGrpSpPr>
+        <p:grpSpPr>
+          <a:xfrm>
+            <a:off x="2564934" y="1681747"/>
+            <a:ext cx="1434726" cy="2133600"/>
+            <a:chOff x="4356474" y="1828800"/>
+            <a:chExt cx="2895600" cy="4343400"/>
+          </a:xfrm>
+        </p:grpSpPr>
+        <p:grpSp>
+          <p:nvGrpSpPr>
+            <p:cNvPr id="48" name="Group 47"/>
+            <p:cNvGrpSpPr/>
+            <p:nvPr/>
+          </p:nvGrpSpPr>
+          <p:grpSpPr>
+            <a:xfrm>
+              <a:off x="4356474" y="1828800"/>
+              <a:ext cx="2895600" cy="4343400"/>
+              <a:chOff x="3124200" y="1828800"/>
+              <a:chExt cx="2895600" cy="4343400"/>
+            </a:xfrm>
+          </p:grpSpPr>
+          <p:sp>
+            <p:nvSpPr>
+              <p:cNvPr id="50" name="Oval 49"/>
+              <p:cNvSpPr/>
+              <p:nvPr/>
+            </p:nvSpPr>
+            <p:spPr>
+              <a:xfrm>
+                <a:off x="4267200" y="1828800"/>
+                <a:ext cx="609600" cy="609600"/>
+              </a:xfrm>
+              <a:prstGeom prst="ellipse">
+                <a:avLst/>
+              </a:prstGeom>
+              <a:solidFill>
+                <a:schemeClr val="bg1"/>
+              </a:solidFill>
+              <a:ln w="12700">
+                <a:solidFill>
+                  <a:schemeClr val="tx1"/>
+                </a:solidFill>
+              </a:ln>
+            </p:spPr>
+            <p:style>
+              <a:lnRef idx="2">
+                <a:schemeClr val="accent1">
+                  <a:shade val="50000"/>
+                </a:schemeClr>
+              </a:lnRef>
+              <a:fillRef idx="1">
+                <a:schemeClr val="accent1"/>
+              </a:fillRef>
+              <a:effectRef idx="0">
+                <a:schemeClr val="accent1"/>
+              </a:effectRef>
+              <a:fontRef idx="minor">
+                <a:schemeClr val="lt1"/>
+              </a:fontRef>
+            </p:style>
+            <p:txBody>
+              <a:bodyPr rtlCol="0" anchor="ctr"/>
+              <a:lstStyle/>
+              <a:p>
+                <a:pPr algn="ctr"/>
+                <a:r>
+                  <a:rPr lang="en-US" sz="2400" dirty="0">
+                    <a:solidFill>
+                      <a:schemeClr val="tx1"/>
+                    </a:solidFill>
+                  </a:rPr>
+                  <a:t>A</a:t>
+                </a:r>
+              </a:p>
+            </p:txBody>
+          </p:sp>
+          <p:sp>
+            <p:nvSpPr>
+              <p:cNvPr id="51" name="Oval 50"/>
+              <p:cNvSpPr/>
+              <p:nvPr/>
+            </p:nvSpPr>
+            <p:spPr>
+              <a:xfrm>
+                <a:off x="4876800" y="5562600"/>
+                <a:ext cx="609600" cy="609600"/>
+              </a:xfrm>
+              <a:prstGeom prst="ellipse">
+                <a:avLst/>
+              </a:prstGeom>
+              <a:solidFill>
+                <a:schemeClr val="bg1"/>
+              </a:solidFill>
+              <a:ln w="12700">
+                <a:solidFill>
+                  <a:schemeClr val="tx1"/>
+                </a:solidFill>
+              </a:ln>
+            </p:spPr>
+            <p:style>
+              <a:lnRef idx="2">
+                <a:schemeClr val="accent1">
+                  <a:shade val="50000"/>
+                </a:schemeClr>
+              </a:lnRef>
+              <a:fillRef idx="1">
+                <a:schemeClr val="accent1"/>
+              </a:fillRef>
+              <a:effectRef idx="0">
+                <a:schemeClr val="accent1"/>
+              </a:effectRef>
+              <a:fontRef idx="minor">
+                <a:schemeClr val="lt1"/>
+              </a:fontRef>
+            </p:style>
+            <p:txBody>
+              <a:bodyPr rtlCol="0" anchor="ctr"/>
+              <a:lstStyle/>
+              <a:p>
+                <a:pPr algn="ctr"/>
+                <a:r>
+                  <a:rPr lang="en-US" sz="2400" dirty="0">
+                    <a:solidFill>
+                      <a:schemeClr val="tx1"/>
+                    </a:solidFill>
+                  </a:rPr>
+                  <a:t>G</a:t>
+                </a:r>
+              </a:p>
+            </p:txBody>
+          </p:sp>
+          <p:grpSp>
+            <p:nvGrpSpPr>
+              <p:cNvPr id="52" name="Group 51"/>
+              <p:cNvGrpSpPr/>
+              <p:nvPr/>
+            </p:nvGrpSpPr>
+            <p:grpSpPr>
+              <a:xfrm>
+                <a:off x="4267200" y="4318000"/>
+                <a:ext cx="1752600" cy="635000"/>
+                <a:chOff x="3962400" y="4419600"/>
+                <a:chExt cx="1752600" cy="635000"/>
+              </a:xfrm>
+            </p:grpSpPr>
+            <p:sp>
+              <p:nvSpPr>
+                <p:cNvPr id="66" name="Oval 65"/>
+                <p:cNvSpPr/>
+                <p:nvPr/>
+              </p:nvSpPr>
+              <p:spPr>
+                <a:xfrm>
+                  <a:off x="5105400" y="4419600"/>
+                  <a:ext cx="609600" cy="609600"/>
+                </a:xfrm>
+                <a:prstGeom prst="ellipse">
+                  <a:avLst/>
+                </a:prstGeom>
+                <a:solidFill>
+                  <a:schemeClr val="accent3"/>
+                </a:solidFill>
+                <a:ln w="12700">
+                  <a:solidFill>
+                    <a:schemeClr val="tx1"/>
+                  </a:solidFill>
+                </a:ln>
+              </p:spPr>
+              <p:style>
+                <a:lnRef idx="2">
+                  <a:schemeClr val="accent1">
+                    <a:shade val="50000"/>
+                  </a:schemeClr>
+                </a:lnRef>
+                <a:fillRef idx="1">
+                  <a:schemeClr val="accent1"/>
+                </a:fillRef>
+                <a:effectRef idx="0">
+                  <a:schemeClr val="accent1"/>
+                </a:effectRef>
+                <a:fontRef idx="minor">
+                  <a:schemeClr val="lt1"/>
+                </a:fontRef>
+              </p:style>
+              <p:txBody>
+                <a:bodyPr rtlCol="0" anchor="ctr"/>
+                <a:lstStyle/>
+                <a:p>
+                  <a:pPr algn="ctr"/>
+                  <a:r>
+                    <a:rPr lang="en-US" sz="2400" dirty="0">
+                      <a:solidFill>
+                        <a:schemeClr val="tx1"/>
+                      </a:solidFill>
+                    </a:rPr>
+                    <a:t>F</a:t>
+                  </a:r>
+                </a:p>
+              </p:txBody>
+            </p:sp>
+            <p:sp>
+              <p:nvSpPr>
+                <p:cNvPr id="67" name="Oval 66"/>
+                <p:cNvSpPr/>
+                <p:nvPr/>
+              </p:nvSpPr>
+              <p:spPr>
+                <a:xfrm>
+                  <a:off x="3962400" y="4445000"/>
+                  <a:ext cx="609600" cy="609600"/>
+                </a:xfrm>
+                <a:prstGeom prst="ellipse">
+                  <a:avLst/>
+                </a:prstGeom>
+                <a:solidFill>
+                  <a:schemeClr val="bg1"/>
+                </a:solidFill>
+                <a:ln w="12700">
+                  <a:solidFill>
+                    <a:schemeClr val="tx1"/>
+                  </a:solidFill>
+                </a:ln>
+              </p:spPr>
+              <p:style>
+                <a:lnRef idx="2">
+                  <a:schemeClr val="accent1">
+                    <a:shade val="50000"/>
+                  </a:schemeClr>
+                </a:lnRef>
+                <a:fillRef idx="1">
+                  <a:schemeClr val="accent1"/>
+                </a:fillRef>
+                <a:effectRef idx="0">
+                  <a:schemeClr val="accent1"/>
+                </a:effectRef>
+                <a:fontRef idx="minor">
+                  <a:schemeClr val="lt1"/>
+                </a:fontRef>
+              </p:style>
+              <p:txBody>
+                <a:bodyPr rtlCol="0" anchor="ctr"/>
+                <a:lstStyle/>
+                <a:p>
+                  <a:pPr algn="ctr"/>
+                  <a:r>
+                    <a:rPr lang="en-US" sz="2400" dirty="0">
+                      <a:solidFill>
+                        <a:schemeClr val="tx1"/>
+                      </a:solidFill>
+                    </a:rPr>
+                    <a:t>E</a:t>
+                  </a:r>
+                </a:p>
+              </p:txBody>
+            </p:sp>
+          </p:grpSp>
+          <p:grpSp>
+            <p:nvGrpSpPr>
+              <p:cNvPr id="53" name="Group 52"/>
+              <p:cNvGrpSpPr/>
+              <p:nvPr/>
+            </p:nvGrpSpPr>
+            <p:grpSpPr>
+              <a:xfrm>
+                <a:off x="3124200" y="3073400"/>
+                <a:ext cx="2895600" cy="609600"/>
+                <a:chOff x="3048000" y="3238500"/>
+                <a:chExt cx="2895600" cy="609600"/>
+              </a:xfrm>
+            </p:grpSpPr>
+            <p:sp>
+              <p:nvSpPr>
+                <p:cNvPr id="63" name="Oval 62"/>
+                <p:cNvSpPr/>
+                <p:nvPr/>
+              </p:nvSpPr>
+              <p:spPr>
+                <a:xfrm>
+                  <a:off x="5334000" y="3238500"/>
+                  <a:ext cx="609600" cy="609600"/>
+                </a:xfrm>
+                <a:prstGeom prst="ellipse">
+                  <a:avLst/>
+                </a:prstGeom>
+                <a:solidFill>
+                  <a:schemeClr val="accent2">
+                    <a:lumMod val="60000"/>
+                    <a:lumOff val="40000"/>
+                  </a:schemeClr>
+                </a:solidFill>
+                <a:ln w="12700">
+                  <a:solidFill>
+                    <a:schemeClr val="tx1"/>
+                  </a:solidFill>
+                </a:ln>
+              </p:spPr>
+              <p:style>
+                <a:lnRef idx="2">
+                  <a:schemeClr val="accent1">
+                    <a:shade val="50000"/>
+                  </a:schemeClr>
+                </a:lnRef>
+                <a:fillRef idx="1">
+                  <a:schemeClr val="accent1"/>
+                </a:fillRef>
+                <a:effectRef idx="0">
+                  <a:schemeClr val="accent1"/>
+                </a:effectRef>
+                <a:fontRef idx="minor">
+                  <a:schemeClr val="lt1"/>
+                </a:fontRef>
+              </p:style>
+              <p:txBody>
+                <a:bodyPr rtlCol="0" anchor="ctr"/>
+                <a:lstStyle/>
+                <a:p>
+                  <a:pPr algn="ctr"/>
+                  <a:r>
+                    <a:rPr lang="en-US" sz="2400" dirty="0">
+                      <a:solidFill>
+                        <a:schemeClr val="tx1"/>
+                      </a:solidFill>
+                    </a:rPr>
+                    <a:t>D</a:t>
+                  </a:r>
+                </a:p>
+              </p:txBody>
+            </p:sp>
+            <p:sp>
+              <p:nvSpPr>
+                <p:cNvPr id="64" name="Oval 63"/>
+                <p:cNvSpPr/>
+                <p:nvPr/>
+              </p:nvSpPr>
+              <p:spPr>
+                <a:xfrm>
+                  <a:off x="4191000" y="3238500"/>
+                  <a:ext cx="609600" cy="609600"/>
+                </a:xfrm>
+                <a:prstGeom prst="ellipse">
+                  <a:avLst/>
+                </a:prstGeom>
+                <a:solidFill>
+                  <a:schemeClr val="accent3"/>
+                </a:solidFill>
+                <a:ln w="12700">
+                  <a:solidFill>
+                    <a:schemeClr val="tx1"/>
+                  </a:solidFill>
+                </a:ln>
+              </p:spPr>
+              <p:style>
+                <a:lnRef idx="2">
+                  <a:schemeClr val="accent1">
+                    <a:shade val="50000"/>
+                  </a:schemeClr>
+                </a:lnRef>
+                <a:fillRef idx="1">
+                  <a:schemeClr val="accent1"/>
+                </a:fillRef>
+                <a:effectRef idx="0">
+                  <a:schemeClr val="accent1"/>
+                </a:effectRef>
+                <a:fontRef idx="minor">
+                  <a:schemeClr val="lt1"/>
+                </a:fontRef>
+              </p:style>
+              <p:txBody>
+                <a:bodyPr rtlCol="0" anchor="ctr"/>
+                <a:lstStyle/>
+                <a:p>
+                  <a:pPr algn="ctr"/>
+                  <a:r>
+                    <a:rPr lang="en-US" sz="2400" dirty="0">
+                      <a:solidFill>
+                        <a:schemeClr val="tx1"/>
+                      </a:solidFill>
+                    </a:rPr>
+                    <a:t>C</a:t>
+                  </a:r>
+                </a:p>
+              </p:txBody>
+            </p:sp>
+            <p:sp>
+              <p:nvSpPr>
+                <p:cNvPr id="65" name="Oval 64"/>
+                <p:cNvSpPr/>
+                <p:nvPr/>
+              </p:nvSpPr>
+              <p:spPr>
+                <a:xfrm>
+                  <a:off x="3048000" y="3238500"/>
+                  <a:ext cx="609600" cy="609600"/>
+                </a:xfrm>
+                <a:prstGeom prst="ellipse">
+                  <a:avLst/>
+                </a:prstGeom>
+                <a:solidFill>
+                  <a:schemeClr val="bg1"/>
+                </a:solidFill>
+                <a:ln w="12700">
+                  <a:solidFill>
+                    <a:schemeClr val="tx1"/>
+                  </a:solidFill>
+                </a:ln>
+              </p:spPr>
+              <p:style>
+                <a:lnRef idx="2">
+                  <a:schemeClr val="accent1">
+                    <a:shade val="50000"/>
+                  </a:schemeClr>
+                </a:lnRef>
+                <a:fillRef idx="1">
+                  <a:schemeClr val="accent1"/>
+                </a:fillRef>
+                <a:effectRef idx="0">
+                  <a:schemeClr val="accent1"/>
+                </a:effectRef>
+                <a:fontRef idx="minor">
+                  <a:schemeClr val="lt1"/>
+                </a:fontRef>
+              </p:style>
+              <p:txBody>
+                <a:bodyPr rtlCol="0" anchor="ctr"/>
+                <a:lstStyle/>
+                <a:p>
+                  <a:pPr algn="ctr"/>
+                  <a:r>
+                    <a:rPr lang="en-US" sz="2400" dirty="0">
+                      <a:solidFill>
+                        <a:schemeClr val="tx1"/>
+                      </a:solidFill>
+                    </a:rPr>
+                    <a:t>B</a:t>
+                  </a:r>
+                </a:p>
+              </p:txBody>
+            </p:sp>
+          </p:grpSp>
+          <p:cxnSp>
+            <p:nvCxnSpPr>
+              <p:cNvPr id="54" name="Straight Arrow Connector 53"/>
+              <p:cNvCxnSpPr>
+                <a:stCxn id="50" idx="3"/>
+                <a:endCxn id="65" idx="7"/>
+              </p:cNvCxnSpPr>
+              <p:nvPr/>
+            </p:nvCxnSpPr>
+            <p:spPr>
+              <a:xfrm rot="5400000">
+                <a:off x="3593726" y="2399926"/>
+                <a:ext cx="813548" cy="711948"/>
+              </a:xfrm>
+              <a:prstGeom prst="straightConnector1">
+                <a:avLst/>
+              </a:prstGeom>
+              <a:ln w="12700">
+                <a:solidFill>
+                  <a:schemeClr val="tx1"/>
+                </a:solidFill>
+                <a:tailEnd type="arrow"/>
+              </a:ln>
+            </p:spPr>
+            <p:style>
+              <a:lnRef idx="1">
+                <a:schemeClr val="accent1"/>
+              </a:lnRef>
+              <a:fillRef idx="0">
+                <a:schemeClr val="accent1"/>
+              </a:fillRef>
+              <a:effectRef idx="0">
+                <a:schemeClr val="accent1"/>
+              </a:effectRef>
+              <a:fontRef idx="minor">
+                <a:schemeClr val="tx1"/>
+              </a:fontRef>
+            </p:style>
+          </p:cxnSp>
+          <p:cxnSp>
+            <p:nvCxnSpPr>
+              <p:cNvPr id="55" name="Straight Arrow Connector 54"/>
+              <p:cNvCxnSpPr>
+                <a:stCxn id="50" idx="5"/>
+                <a:endCxn id="63" idx="1"/>
+              </p:cNvCxnSpPr>
+              <p:nvPr/>
+            </p:nvCxnSpPr>
+            <p:spPr>
+              <a:xfrm rot="16200000" flipH="1">
+                <a:off x="4736726" y="2399926"/>
+                <a:ext cx="813548" cy="711948"/>
+              </a:xfrm>
+              <a:prstGeom prst="straightConnector1">
+                <a:avLst/>
+              </a:prstGeom>
+              <a:ln w="12700">
+                <a:solidFill>
+                  <a:schemeClr val="tx1"/>
+                </a:solidFill>
+                <a:tailEnd type="arrow"/>
+              </a:ln>
+            </p:spPr>
+            <p:style>
+              <a:lnRef idx="1">
+                <a:schemeClr val="accent1"/>
+              </a:lnRef>
+              <a:fillRef idx="0">
+                <a:schemeClr val="accent1"/>
+              </a:fillRef>
+              <a:effectRef idx="0">
+                <a:schemeClr val="accent1"/>
+              </a:effectRef>
+              <a:fontRef idx="minor">
+                <a:schemeClr val="tx1"/>
+              </a:fontRef>
+            </p:style>
+          </p:cxnSp>
+          <p:cxnSp>
+            <p:nvCxnSpPr>
+              <p:cNvPr id="56" name="Straight Arrow Connector 55"/>
+              <p:cNvCxnSpPr>
+                <a:stCxn id="50" idx="4"/>
+                <a:endCxn id="64" idx="0"/>
+              </p:cNvCxnSpPr>
+              <p:nvPr/>
+            </p:nvCxnSpPr>
+            <p:spPr>
+              <a:xfrm rot="5400000">
+                <a:off x="4254500" y="2755900"/>
+                <a:ext cx="635000" cy="1588"/>
+              </a:xfrm>
+              <a:prstGeom prst="straightConnector1">
+                <a:avLst/>
+              </a:prstGeom>
+              <a:ln w="12700">
+                <a:solidFill>
+                  <a:schemeClr val="tx1"/>
+                </a:solidFill>
+                <a:tailEnd type="arrow"/>
+              </a:ln>
+            </p:spPr>
+            <p:style>
+              <a:lnRef idx="1">
+                <a:schemeClr val="accent1"/>
+              </a:lnRef>
+              <a:fillRef idx="0">
+                <a:schemeClr val="accent1"/>
+              </a:fillRef>
+              <a:effectRef idx="0">
+                <a:schemeClr val="accent1"/>
+              </a:effectRef>
+              <a:fontRef idx="minor">
+                <a:schemeClr val="tx1"/>
+              </a:fontRef>
+            </p:style>
+          </p:cxnSp>
+          <p:cxnSp>
+            <p:nvCxnSpPr>
+              <p:cNvPr id="57" name="Straight Arrow Connector 56"/>
+              <p:cNvCxnSpPr>
+                <a:stCxn id="65" idx="6"/>
+                <a:endCxn id="64" idx="2"/>
+              </p:cNvCxnSpPr>
+              <p:nvPr/>
+            </p:nvCxnSpPr>
+            <p:spPr>
+              <a:xfrm>
+                <a:off x="3733800" y="3378200"/>
+                <a:ext cx="533400" cy="1588"/>
+              </a:xfrm>
+              <a:prstGeom prst="straightConnector1">
+                <a:avLst/>
+              </a:prstGeom>
+              <a:ln w="12700">
+                <a:solidFill>
+                  <a:schemeClr val="tx1"/>
+                </a:solidFill>
+                <a:tailEnd type="arrow"/>
+              </a:ln>
+            </p:spPr>
+            <p:style>
+              <a:lnRef idx="1">
+                <a:schemeClr val="accent1"/>
+              </a:lnRef>
+              <a:fillRef idx="0">
+                <a:schemeClr val="accent1"/>
+              </a:fillRef>
+              <a:effectRef idx="0">
+                <a:schemeClr val="accent1"/>
+              </a:effectRef>
+              <a:fontRef idx="minor">
+                <a:schemeClr val="tx1"/>
+              </a:fontRef>
+            </p:style>
+          </p:cxnSp>
+          <p:cxnSp>
+            <p:nvCxnSpPr>
+              <p:cNvPr id="58" name="Straight Arrow Connector 57"/>
+              <p:cNvCxnSpPr>
+                <a:stCxn id="63" idx="2"/>
+                <a:endCxn id="64" idx="6"/>
+              </p:cNvCxnSpPr>
+              <p:nvPr/>
+            </p:nvCxnSpPr>
+            <p:spPr>
+              <a:xfrm rot="10800000">
+                <a:off x="4876800" y="3378200"/>
+                <a:ext cx="533400" cy="1588"/>
+              </a:xfrm>
+              <a:prstGeom prst="straightConnector1">
+                <a:avLst/>
+              </a:prstGeom>
+              <a:ln w="12700">
+                <a:solidFill>
+                  <a:schemeClr val="tx1"/>
+                </a:solidFill>
+                <a:tailEnd type="arrow"/>
+              </a:ln>
+            </p:spPr>
+            <p:style>
+              <a:lnRef idx="1">
+                <a:schemeClr val="accent1"/>
+              </a:lnRef>
+              <a:fillRef idx="0">
+                <a:schemeClr val="accent1"/>
+              </a:fillRef>
+              <a:effectRef idx="0">
+                <a:schemeClr val="accent1"/>
+              </a:effectRef>
+              <a:fontRef idx="minor">
+                <a:schemeClr val="tx1"/>
+              </a:fontRef>
+            </p:style>
+          </p:cxnSp>
+          <p:cxnSp>
+            <p:nvCxnSpPr>
+              <p:cNvPr id="59" name="Straight Arrow Connector 58"/>
+              <p:cNvCxnSpPr>
+                <a:stCxn id="64" idx="4"/>
+                <a:endCxn id="67" idx="0"/>
+              </p:cNvCxnSpPr>
+              <p:nvPr/>
+            </p:nvCxnSpPr>
+            <p:spPr>
+              <a:xfrm rot="5400000">
+                <a:off x="4241800" y="4013200"/>
+                <a:ext cx="660400" cy="1588"/>
+              </a:xfrm>
+              <a:prstGeom prst="straightConnector1">
+                <a:avLst/>
+              </a:prstGeom>
+              <a:ln w="12700">
+                <a:solidFill>
+                  <a:schemeClr val="tx1"/>
+                </a:solidFill>
+                <a:tailEnd type="arrow"/>
+              </a:ln>
+            </p:spPr>
+            <p:style>
+              <a:lnRef idx="1">
+                <a:schemeClr val="accent1"/>
+              </a:lnRef>
+              <a:fillRef idx="0">
+                <a:schemeClr val="accent1"/>
+              </a:fillRef>
+              <a:effectRef idx="0">
+                <a:schemeClr val="accent1"/>
+              </a:effectRef>
+              <a:fontRef idx="minor">
+                <a:schemeClr val="tx1"/>
+              </a:fontRef>
+            </p:style>
+          </p:cxnSp>
+          <p:cxnSp>
+            <p:nvCxnSpPr>
+              <p:cNvPr id="60" name="Straight Arrow Connector 59"/>
+              <p:cNvCxnSpPr>
+                <a:stCxn id="63" idx="4"/>
+                <a:endCxn id="66" idx="0"/>
+              </p:cNvCxnSpPr>
+              <p:nvPr/>
+            </p:nvCxnSpPr>
+            <p:spPr>
+              <a:xfrm rot="5400000">
+                <a:off x="5397500" y="4000500"/>
+                <a:ext cx="635000" cy="1588"/>
+              </a:xfrm>
+              <a:prstGeom prst="straightConnector1">
+                <a:avLst/>
+              </a:prstGeom>
+              <a:ln w="12700">
+                <a:solidFill>
+                  <a:schemeClr val="tx1"/>
+                </a:solidFill>
+                <a:tailEnd type="arrow"/>
+              </a:ln>
+            </p:spPr>
+            <p:style>
+              <a:lnRef idx="1">
+                <a:schemeClr val="accent1"/>
+              </a:lnRef>
+              <a:fillRef idx="0">
+                <a:schemeClr val="accent1"/>
+              </a:fillRef>
+              <a:effectRef idx="0">
+                <a:schemeClr val="accent1"/>
+              </a:effectRef>
+              <a:fontRef idx="minor">
+                <a:schemeClr val="tx1"/>
+              </a:fontRef>
+            </p:style>
+          </p:cxnSp>
+          <p:cxnSp>
+            <p:nvCxnSpPr>
+              <p:cNvPr id="61" name="Straight Arrow Connector 60"/>
+              <p:cNvCxnSpPr>
+                <a:stCxn id="67" idx="4"/>
+                <a:endCxn id="51" idx="1"/>
+              </p:cNvCxnSpPr>
+              <p:nvPr/>
+            </p:nvCxnSpPr>
+            <p:spPr>
+              <a:xfrm rot="16200000" flipH="1">
+                <a:off x="4419600" y="5105400"/>
+                <a:ext cx="698874" cy="394074"/>
+              </a:xfrm>
+              <a:prstGeom prst="straightConnector1">
+                <a:avLst/>
+              </a:prstGeom>
+              <a:ln w="12700">
+                <a:solidFill>
+                  <a:schemeClr val="tx1"/>
+                </a:solidFill>
+                <a:tailEnd type="arrow"/>
+              </a:ln>
+            </p:spPr>
+            <p:style>
+              <a:lnRef idx="1">
+                <a:schemeClr val="accent1"/>
+              </a:lnRef>
+              <a:fillRef idx="0">
+                <a:schemeClr val="accent1"/>
+              </a:fillRef>
+              <a:effectRef idx="0">
+                <a:schemeClr val="accent1"/>
+              </a:effectRef>
+              <a:fontRef idx="minor">
+                <a:schemeClr val="tx1"/>
+              </a:fontRef>
+            </p:style>
+          </p:cxnSp>
+          <p:cxnSp>
+            <p:nvCxnSpPr>
+              <p:cNvPr id="62" name="Straight Arrow Connector 61"/>
+              <p:cNvCxnSpPr>
+                <a:stCxn id="66" idx="4"/>
+                <a:endCxn id="51" idx="7"/>
+              </p:cNvCxnSpPr>
+              <p:nvPr/>
+            </p:nvCxnSpPr>
+            <p:spPr>
+              <a:xfrm rot="5400000">
+                <a:off x="5193926" y="5130800"/>
+                <a:ext cx="724274" cy="317874"/>
+              </a:xfrm>
+              <a:prstGeom prst="straightConnector1">
+                <a:avLst/>
+              </a:prstGeom>
+              <a:ln w="12700">
+                <a:solidFill>
+                  <a:schemeClr val="tx1"/>
+                </a:solidFill>
+                <a:tailEnd type="arrow"/>
+              </a:ln>
+            </p:spPr>
+            <p:style>
+              <a:lnRef idx="1">
+                <a:schemeClr val="accent1"/>
+              </a:lnRef>
+              <a:fillRef idx="0">
+                <a:schemeClr val="accent1"/>
+              </a:fillRef>
+              <a:effectRef idx="0">
+                <a:schemeClr val="accent1"/>
+              </a:effectRef>
+              <a:fontRef idx="minor">
+                <a:schemeClr val="tx1"/>
+              </a:fontRef>
+            </p:style>
+          </p:cxnSp>
+        </p:grpSp>
+        <p:cxnSp>
+          <p:nvCxnSpPr>
+            <p:cNvPr id="49" name="Elbow Connector 48"/>
+            <p:cNvCxnSpPr>
+              <a:stCxn id="51" idx="2"/>
+              <a:endCxn id="65" idx="4"/>
+            </p:cNvCxnSpPr>
+            <p:nvPr/>
+          </p:nvCxnSpPr>
+          <p:spPr>
+            <a:xfrm rot="10800000">
+              <a:off x="4661274" y="3683000"/>
+              <a:ext cx="1447800" cy="2184400"/>
+            </a:xfrm>
+            <a:prstGeom prst="bentConnector2">
+              <a:avLst/>
+            </a:prstGeom>
+            <a:ln w="12700">
+              <a:solidFill>
+                <a:schemeClr val="tx1"/>
+              </a:solidFill>
+              <a:tailEnd type="arrow" w="lg" len="lg"/>
+            </a:ln>
+          </p:spPr>
+          <p:style>
+            <a:lnRef idx="1">
+              <a:schemeClr val="accent1"/>
+            </a:lnRef>
+            <a:fillRef idx="0">
+              <a:schemeClr val="accent1"/>
+            </a:fillRef>
+            <a:effectRef idx="0">
+              <a:schemeClr val="accent1"/>
+            </a:effectRef>
+            <a:fontRef idx="minor">
+              <a:schemeClr val="tx1"/>
+            </a:fontRef>
+          </p:style>
+        </p:cxnSp>
+      </p:grpSp>
+      <p:grpSp>
+        <p:nvGrpSpPr>
+          <p:cNvPr id="110" name="Group 109"/>
+          <p:cNvGrpSpPr/>
+          <p:nvPr/>
+        </p:nvGrpSpPr>
+        <p:grpSpPr>
+          <a:xfrm>
+            <a:off x="4520268" y="1681747"/>
+            <a:ext cx="1434726" cy="2133600"/>
+            <a:chOff x="4356474" y="1828800"/>
+            <a:chExt cx="2895600" cy="4343400"/>
+          </a:xfrm>
+        </p:grpSpPr>
+        <p:grpSp>
+          <p:nvGrpSpPr>
+            <p:cNvPr id="111" name="Group 110"/>
+            <p:cNvGrpSpPr/>
+            <p:nvPr/>
+          </p:nvGrpSpPr>
+          <p:grpSpPr>
+            <a:xfrm>
+              <a:off x="4356474" y="1828800"/>
+              <a:ext cx="2895600" cy="4343400"/>
+              <a:chOff x="3124200" y="1828800"/>
+              <a:chExt cx="2895600" cy="4343400"/>
+            </a:xfrm>
+          </p:grpSpPr>
+          <p:sp>
+            <p:nvSpPr>
+              <p:cNvPr id="113" name="Oval 112"/>
+              <p:cNvSpPr/>
+              <p:nvPr/>
+            </p:nvSpPr>
+            <p:spPr>
+              <a:xfrm>
+                <a:off x="4267200" y="1828800"/>
+                <a:ext cx="609600" cy="609600"/>
+              </a:xfrm>
+              <a:prstGeom prst="ellipse">
+                <a:avLst/>
+              </a:prstGeom>
+              <a:solidFill>
+                <a:schemeClr val="bg1"/>
+              </a:solidFill>
+              <a:ln w="12700">
+                <a:solidFill>
+                  <a:schemeClr val="tx1"/>
+                </a:solidFill>
+              </a:ln>
+            </p:spPr>
+            <p:style>
+              <a:lnRef idx="2">
+                <a:schemeClr val="accent1">
+                  <a:shade val="50000"/>
+                </a:schemeClr>
+              </a:lnRef>
+              <a:fillRef idx="1">
+                <a:schemeClr val="accent1"/>
+              </a:fillRef>
+              <a:effectRef idx="0">
+                <a:schemeClr val="accent1"/>
+              </a:effectRef>
+              <a:fontRef idx="minor">
+                <a:schemeClr val="lt1"/>
+              </a:fontRef>
+            </p:style>
+            <p:txBody>
+              <a:bodyPr rtlCol="0" anchor="ctr"/>
+              <a:lstStyle/>
+              <a:p>
+                <a:pPr algn="ctr"/>
+                <a:r>
+                  <a:rPr lang="en-US" sz="2400" dirty="0">
+                    <a:solidFill>
+                      <a:schemeClr val="tx1"/>
+                    </a:solidFill>
+                  </a:rPr>
+                  <a:t>A</a:t>
+                </a:r>
+              </a:p>
+            </p:txBody>
+          </p:sp>
+          <p:sp>
+            <p:nvSpPr>
+              <p:cNvPr id="114" name="Oval 113"/>
+              <p:cNvSpPr/>
+              <p:nvPr/>
+            </p:nvSpPr>
+            <p:spPr>
+              <a:xfrm>
+                <a:off x="4876800" y="5562600"/>
+                <a:ext cx="609600" cy="609600"/>
+              </a:xfrm>
+              <a:prstGeom prst="ellipse">
+                <a:avLst/>
+              </a:prstGeom>
+              <a:solidFill>
+                <a:schemeClr val="accent3"/>
+              </a:solidFill>
+              <a:ln w="12700">
+                <a:solidFill>
+                  <a:schemeClr val="tx1"/>
+                </a:solidFill>
+              </a:ln>
+            </p:spPr>
+            <p:style>
+              <a:lnRef idx="2">
+                <a:schemeClr val="accent1">
+                  <a:shade val="50000"/>
+                </a:schemeClr>
+              </a:lnRef>
+              <a:fillRef idx="1">
+                <a:schemeClr val="accent1"/>
+              </a:fillRef>
+              <a:effectRef idx="0">
+                <a:schemeClr val="accent1"/>
+              </a:effectRef>
+              <a:fontRef idx="minor">
+                <a:schemeClr val="lt1"/>
+              </a:fontRef>
+            </p:style>
+            <p:txBody>
+              <a:bodyPr rtlCol="0" anchor="ctr"/>
+              <a:lstStyle/>
+              <a:p>
+                <a:pPr algn="ctr"/>
+                <a:r>
+                  <a:rPr lang="en-US" sz="2400" dirty="0">
+                    <a:solidFill>
+                      <a:schemeClr val="tx1"/>
+                    </a:solidFill>
+                  </a:rPr>
+                  <a:t>G</a:t>
+                </a:r>
+              </a:p>
+            </p:txBody>
+          </p:sp>
+          <p:grpSp>
+            <p:nvGrpSpPr>
+              <p:cNvPr id="115" name="Group 114"/>
+              <p:cNvGrpSpPr/>
+              <p:nvPr/>
+            </p:nvGrpSpPr>
+            <p:grpSpPr>
+              <a:xfrm>
+                <a:off x="4267200" y="4318000"/>
+                <a:ext cx="1752600" cy="635000"/>
+                <a:chOff x="3962400" y="4419600"/>
+                <a:chExt cx="1752600" cy="635000"/>
+              </a:xfrm>
+            </p:grpSpPr>
+            <p:sp>
+              <p:nvSpPr>
+                <p:cNvPr id="129" name="Oval 128"/>
+                <p:cNvSpPr/>
+                <p:nvPr/>
+              </p:nvSpPr>
+              <p:spPr>
+                <a:xfrm>
+                  <a:off x="5105400" y="4419600"/>
+                  <a:ext cx="609600" cy="609600"/>
+                </a:xfrm>
+                <a:prstGeom prst="ellipse">
+                  <a:avLst/>
+                </a:prstGeom>
+                <a:solidFill>
+                  <a:schemeClr val="accent2">
+                    <a:lumMod val="60000"/>
+                    <a:lumOff val="40000"/>
+                  </a:schemeClr>
+                </a:solidFill>
+                <a:ln w="12700">
+                  <a:solidFill>
+                    <a:schemeClr val="tx1"/>
+                  </a:solidFill>
+                </a:ln>
+              </p:spPr>
+              <p:style>
+                <a:lnRef idx="2">
+                  <a:schemeClr val="accent1">
+                    <a:shade val="50000"/>
+                  </a:schemeClr>
+                </a:lnRef>
+                <a:fillRef idx="1">
+                  <a:schemeClr val="accent1"/>
+                </a:fillRef>
+                <a:effectRef idx="0">
+                  <a:schemeClr val="accent1"/>
+                </a:effectRef>
+                <a:fontRef idx="minor">
+                  <a:schemeClr val="lt1"/>
+                </a:fontRef>
+              </p:style>
+              <p:txBody>
+                <a:bodyPr rtlCol="0" anchor="ctr"/>
+                <a:lstStyle/>
+                <a:p>
+                  <a:pPr algn="ctr"/>
+                  <a:r>
+                    <a:rPr lang="en-US" sz="2400" dirty="0">
+                      <a:solidFill>
+                        <a:schemeClr val="tx1"/>
+                      </a:solidFill>
+                    </a:rPr>
+                    <a:t>F</a:t>
+                  </a:r>
+                </a:p>
+              </p:txBody>
+            </p:sp>
+            <p:sp>
+              <p:nvSpPr>
+                <p:cNvPr id="130" name="Oval 129"/>
+                <p:cNvSpPr/>
+                <p:nvPr/>
+              </p:nvSpPr>
+              <p:spPr>
+                <a:xfrm>
+                  <a:off x="3962400" y="4445000"/>
+                  <a:ext cx="609600" cy="609600"/>
+                </a:xfrm>
+                <a:prstGeom prst="ellipse">
+                  <a:avLst/>
+                </a:prstGeom>
+                <a:solidFill>
+                  <a:schemeClr val="accent3"/>
+                </a:solidFill>
+                <a:ln w="12700">
+                  <a:solidFill>
+                    <a:schemeClr val="tx1"/>
+                  </a:solidFill>
+                </a:ln>
+              </p:spPr>
+              <p:style>
+                <a:lnRef idx="2">
+                  <a:schemeClr val="accent1">
+                    <a:shade val="50000"/>
+                  </a:schemeClr>
+                </a:lnRef>
+                <a:fillRef idx="1">
+                  <a:schemeClr val="accent1"/>
+                </a:fillRef>
+                <a:effectRef idx="0">
+                  <a:schemeClr val="accent1"/>
+                </a:effectRef>
+                <a:fontRef idx="minor">
+                  <a:schemeClr val="lt1"/>
+                </a:fontRef>
+              </p:style>
+              <p:txBody>
+                <a:bodyPr rtlCol="0" anchor="ctr"/>
+                <a:lstStyle/>
+                <a:p>
+                  <a:pPr algn="ctr"/>
+                  <a:r>
+                    <a:rPr lang="en-US" sz="2400" dirty="0">
+                      <a:solidFill>
+                        <a:schemeClr val="tx1"/>
+                      </a:solidFill>
+                    </a:rPr>
+                    <a:t>E</a:t>
+                  </a:r>
+                </a:p>
+              </p:txBody>
+            </p:sp>
+          </p:grpSp>
+          <p:grpSp>
+            <p:nvGrpSpPr>
+              <p:cNvPr id="116" name="Group 115"/>
+              <p:cNvGrpSpPr/>
+              <p:nvPr/>
+            </p:nvGrpSpPr>
+            <p:grpSpPr>
+              <a:xfrm>
+                <a:off x="3124200" y="3073400"/>
+                <a:ext cx="2895600" cy="609600"/>
+                <a:chOff x="3048000" y="3238500"/>
+                <a:chExt cx="2895600" cy="609600"/>
+              </a:xfrm>
+            </p:grpSpPr>
+            <p:sp>
+              <p:nvSpPr>
+                <p:cNvPr id="126" name="Oval 125"/>
+                <p:cNvSpPr/>
+                <p:nvPr/>
+              </p:nvSpPr>
+              <p:spPr>
+                <a:xfrm>
+                  <a:off x="5334000" y="3238500"/>
+                  <a:ext cx="609600" cy="609600"/>
+                </a:xfrm>
+                <a:prstGeom prst="ellipse">
+                  <a:avLst/>
+                </a:prstGeom>
+                <a:solidFill>
+                  <a:schemeClr val="accent2">
+                    <a:lumMod val="60000"/>
+                    <a:lumOff val="40000"/>
+                  </a:schemeClr>
+                </a:solidFill>
+                <a:ln w="12700">
+                  <a:solidFill>
+                    <a:schemeClr val="tx1"/>
+                  </a:solidFill>
+                </a:ln>
+              </p:spPr>
+              <p:style>
+                <a:lnRef idx="2">
+                  <a:schemeClr val="accent1">
+                    <a:shade val="50000"/>
+                  </a:schemeClr>
+                </a:lnRef>
+                <a:fillRef idx="1">
+                  <a:schemeClr val="accent1"/>
+                </a:fillRef>
+                <a:effectRef idx="0">
+                  <a:schemeClr val="accent1"/>
+                </a:effectRef>
+                <a:fontRef idx="minor">
+                  <a:schemeClr val="lt1"/>
+                </a:fontRef>
+              </p:style>
+              <p:txBody>
+                <a:bodyPr rtlCol="0" anchor="ctr"/>
+                <a:lstStyle/>
+                <a:p>
+                  <a:pPr algn="ctr"/>
+                  <a:r>
+                    <a:rPr lang="en-US" sz="2400" dirty="0">
+                      <a:solidFill>
+                        <a:schemeClr val="tx1"/>
+                      </a:solidFill>
+                    </a:rPr>
+                    <a:t>D</a:t>
+                  </a:r>
+                </a:p>
+              </p:txBody>
+            </p:sp>
+            <p:sp>
+              <p:nvSpPr>
+                <p:cNvPr id="127" name="Oval 126"/>
+                <p:cNvSpPr/>
+                <p:nvPr/>
+              </p:nvSpPr>
+              <p:spPr>
+                <a:xfrm>
+                  <a:off x="4191000" y="3238500"/>
+                  <a:ext cx="609600" cy="609600"/>
+                </a:xfrm>
+                <a:prstGeom prst="ellipse">
+                  <a:avLst/>
+                </a:prstGeom>
+                <a:solidFill>
+                  <a:schemeClr val="accent2">
+                    <a:lumMod val="60000"/>
+                    <a:lumOff val="40000"/>
+                  </a:schemeClr>
+                </a:solidFill>
+                <a:ln w="12700">
+                  <a:solidFill>
+                    <a:schemeClr val="tx1"/>
+                  </a:solidFill>
+                </a:ln>
+              </p:spPr>
+              <p:style>
+                <a:lnRef idx="2">
+                  <a:schemeClr val="accent1">
+                    <a:shade val="50000"/>
+                  </a:schemeClr>
+                </a:lnRef>
+                <a:fillRef idx="1">
+                  <a:schemeClr val="accent1"/>
+                </a:fillRef>
+                <a:effectRef idx="0">
+                  <a:schemeClr val="accent1"/>
+                </a:effectRef>
+                <a:fontRef idx="minor">
+                  <a:schemeClr val="lt1"/>
+                </a:fontRef>
+              </p:style>
+              <p:txBody>
+                <a:bodyPr rtlCol="0" anchor="ctr"/>
+                <a:lstStyle/>
+                <a:p>
+                  <a:pPr algn="ctr"/>
+                  <a:r>
+                    <a:rPr lang="en-US" sz="2400" dirty="0">
+                      <a:solidFill>
+                        <a:schemeClr val="tx1"/>
+                      </a:solidFill>
+                    </a:rPr>
+                    <a:t>C</a:t>
+                  </a:r>
+                </a:p>
+              </p:txBody>
+            </p:sp>
+            <p:sp>
+              <p:nvSpPr>
+                <p:cNvPr id="128" name="Oval 127"/>
+                <p:cNvSpPr/>
+                <p:nvPr/>
+              </p:nvSpPr>
+              <p:spPr>
+                <a:xfrm>
+                  <a:off x="3048000" y="3238500"/>
+                  <a:ext cx="609600" cy="609600"/>
+                </a:xfrm>
+                <a:prstGeom prst="ellipse">
+                  <a:avLst/>
+                </a:prstGeom>
+                <a:solidFill>
+                  <a:schemeClr val="bg1"/>
+                </a:solidFill>
+                <a:ln w="12700">
+                  <a:solidFill>
+                    <a:schemeClr val="tx1"/>
+                  </a:solidFill>
+                </a:ln>
+              </p:spPr>
+              <p:style>
+                <a:lnRef idx="2">
+                  <a:schemeClr val="accent1">
+                    <a:shade val="50000"/>
+                  </a:schemeClr>
+                </a:lnRef>
+                <a:fillRef idx="1">
+                  <a:schemeClr val="accent1"/>
+                </a:fillRef>
+                <a:effectRef idx="0">
+                  <a:schemeClr val="accent1"/>
+                </a:effectRef>
+                <a:fontRef idx="minor">
+                  <a:schemeClr val="lt1"/>
+                </a:fontRef>
+              </p:style>
+              <p:txBody>
+                <a:bodyPr rtlCol="0" anchor="ctr"/>
+                <a:lstStyle/>
+                <a:p>
+                  <a:pPr algn="ctr"/>
+                  <a:r>
+                    <a:rPr lang="en-US" sz="2400" dirty="0">
+                      <a:solidFill>
+                        <a:schemeClr val="tx1"/>
+                      </a:solidFill>
+                    </a:rPr>
+                    <a:t>B</a:t>
+                  </a:r>
+                </a:p>
+              </p:txBody>
+            </p:sp>
+          </p:grpSp>
+          <p:cxnSp>
+            <p:nvCxnSpPr>
+              <p:cNvPr id="117" name="Straight Arrow Connector 116"/>
+              <p:cNvCxnSpPr>
+                <a:stCxn id="113" idx="3"/>
+                <a:endCxn id="128" idx="7"/>
+              </p:cNvCxnSpPr>
+              <p:nvPr/>
+            </p:nvCxnSpPr>
+            <p:spPr>
+              <a:xfrm rot="5400000">
+                <a:off x="3593726" y="2399926"/>
+                <a:ext cx="813548" cy="711948"/>
+              </a:xfrm>
+              <a:prstGeom prst="straightConnector1">
+                <a:avLst/>
+              </a:prstGeom>
+              <a:ln w="12700">
+                <a:solidFill>
+                  <a:schemeClr val="tx1"/>
+                </a:solidFill>
+                <a:tailEnd type="arrow"/>
+              </a:ln>
+            </p:spPr>
+            <p:style>
+              <a:lnRef idx="1">
+                <a:schemeClr val="accent1"/>
+              </a:lnRef>
+              <a:fillRef idx="0">
+                <a:schemeClr val="accent1"/>
+              </a:fillRef>
+              <a:effectRef idx="0">
+                <a:schemeClr val="accent1"/>
+              </a:effectRef>
+              <a:fontRef idx="minor">
+                <a:schemeClr val="tx1"/>
+              </a:fontRef>
+            </p:style>
+          </p:cxnSp>
+          <p:cxnSp>
+            <p:nvCxnSpPr>
+              <p:cNvPr id="118" name="Straight Arrow Connector 117"/>
+              <p:cNvCxnSpPr>
+                <a:stCxn id="113" idx="5"/>
+                <a:endCxn id="126" idx="1"/>
+              </p:cNvCxnSpPr>
+              <p:nvPr/>
+            </p:nvCxnSpPr>
+            <p:spPr>
+              <a:xfrm rot="16200000" flipH="1">
+                <a:off x="4736726" y="2399926"/>
+                <a:ext cx="813548" cy="711948"/>
+              </a:xfrm>
+              <a:prstGeom prst="straightConnector1">
+                <a:avLst/>
+              </a:prstGeom>
+              <a:ln w="12700">
+                <a:solidFill>
+                  <a:schemeClr val="tx1"/>
+                </a:solidFill>
+                <a:tailEnd type="arrow"/>
+              </a:ln>
+            </p:spPr>
+            <p:style>
+              <a:lnRef idx="1">
+                <a:schemeClr val="accent1"/>
+              </a:lnRef>
+              <a:fillRef idx="0">
+                <a:schemeClr val="accent1"/>
+              </a:fillRef>
+              <a:effectRef idx="0">
+                <a:schemeClr val="accent1"/>
+              </a:effectRef>
+              <a:fontRef idx="minor">
+                <a:schemeClr val="tx1"/>
+              </a:fontRef>
+            </p:style>
+          </p:cxnSp>
+          <p:cxnSp>
+            <p:nvCxnSpPr>
+              <p:cNvPr id="119" name="Straight Arrow Connector 118"/>
+              <p:cNvCxnSpPr>
+                <a:stCxn id="113" idx="4"/>
+                <a:endCxn id="127" idx="0"/>
+              </p:cNvCxnSpPr>
+              <p:nvPr/>
+            </p:nvCxnSpPr>
+            <p:spPr>
+              <a:xfrm rot="5400000">
+                <a:off x="4254500" y="2755900"/>
+                <a:ext cx="635000" cy="1588"/>
+              </a:xfrm>
+              <a:prstGeom prst="straightConnector1">
+                <a:avLst/>
+              </a:prstGeom>
+              <a:ln w="12700">
+                <a:solidFill>
+                  <a:schemeClr val="tx1"/>
+                </a:solidFill>
+                <a:tailEnd type="arrow"/>
+              </a:ln>
+            </p:spPr>
+            <p:style>
+              <a:lnRef idx="1">
+                <a:schemeClr val="accent1"/>
+              </a:lnRef>
+              <a:fillRef idx="0">
+                <a:schemeClr val="accent1"/>
+              </a:fillRef>
+              <a:effectRef idx="0">
+                <a:schemeClr val="accent1"/>
+              </a:effectRef>
+              <a:fontRef idx="minor">
+                <a:schemeClr val="tx1"/>
+              </a:fontRef>
+            </p:style>
+          </p:cxnSp>
+          <p:cxnSp>
+            <p:nvCxnSpPr>
+              <p:cNvPr id="120" name="Straight Arrow Connector 119"/>
+              <p:cNvCxnSpPr>
+                <a:stCxn id="128" idx="6"/>
+                <a:endCxn id="127" idx="2"/>
+              </p:cNvCxnSpPr>
+              <p:nvPr/>
+            </p:nvCxnSpPr>
+            <p:spPr>
+              <a:xfrm>
+                <a:off x="3733800" y="3378200"/>
+                <a:ext cx="533400" cy="1588"/>
+              </a:xfrm>
+              <a:prstGeom prst="straightConnector1">
+                <a:avLst/>
+              </a:prstGeom>
+              <a:ln w="12700">
+                <a:solidFill>
+                  <a:schemeClr val="tx1"/>
+                </a:solidFill>
+                <a:tailEnd type="arrow"/>
+              </a:ln>
+            </p:spPr>
+            <p:style>
+              <a:lnRef idx="1">
+                <a:schemeClr val="accent1"/>
+              </a:lnRef>
+              <a:fillRef idx="0">
+                <a:schemeClr val="accent1"/>
+              </a:fillRef>
+              <a:effectRef idx="0">
+                <a:schemeClr val="accent1"/>
+              </a:effectRef>
+              <a:fontRef idx="minor">
+                <a:schemeClr val="tx1"/>
+              </a:fontRef>
+            </p:style>
+          </p:cxnSp>
+          <p:cxnSp>
+            <p:nvCxnSpPr>
+              <p:cNvPr id="121" name="Straight Arrow Connector 120"/>
+              <p:cNvCxnSpPr>
+                <a:stCxn id="126" idx="2"/>
+                <a:endCxn id="127" idx="6"/>
+              </p:cNvCxnSpPr>
+              <p:nvPr/>
+            </p:nvCxnSpPr>
+            <p:spPr>
+              <a:xfrm rot="10800000">
+                <a:off x="4876800" y="3378200"/>
+                <a:ext cx="533400" cy="1588"/>
+              </a:xfrm>
+              <a:prstGeom prst="straightConnector1">
+                <a:avLst/>
+              </a:prstGeom>
+              <a:ln w="12700">
+                <a:solidFill>
+                  <a:schemeClr val="tx1"/>
+                </a:solidFill>
+                <a:tailEnd type="arrow"/>
+              </a:ln>
+            </p:spPr>
+            <p:style>
+              <a:lnRef idx="1">
+                <a:schemeClr val="accent1"/>
+              </a:lnRef>
+              <a:fillRef idx="0">
+                <a:schemeClr val="accent1"/>
+              </a:fillRef>
+              <a:effectRef idx="0">
+                <a:schemeClr val="accent1"/>
+              </a:effectRef>
+              <a:fontRef idx="minor">
+                <a:schemeClr val="tx1"/>
+              </a:fontRef>
+            </p:style>
+          </p:cxnSp>
+          <p:cxnSp>
+            <p:nvCxnSpPr>
+              <p:cNvPr id="122" name="Straight Arrow Connector 121"/>
+              <p:cNvCxnSpPr>
+                <a:stCxn id="127" idx="4"/>
+                <a:endCxn id="130" idx="0"/>
+              </p:cNvCxnSpPr>
+              <p:nvPr/>
+            </p:nvCxnSpPr>
+            <p:spPr>
+              <a:xfrm rot="5400000">
+                <a:off x="4241800" y="4013200"/>
+                <a:ext cx="660400" cy="1588"/>
+              </a:xfrm>
+              <a:prstGeom prst="straightConnector1">
+                <a:avLst/>
+              </a:prstGeom>
+              <a:ln w="12700">
+                <a:solidFill>
+                  <a:schemeClr val="tx1"/>
+                </a:solidFill>
+                <a:tailEnd type="arrow"/>
+              </a:ln>
+            </p:spPr>
+            <p:style>
+              <a:lnRef idx="1">
+                <a:schemeClr val="accent1"/>
+              </a:lnRef>
+              <a:fillRef idx="0">
+                <a:schemeClr val="accent1"/>
+              </a:fillRef>
+              <a:effectRef idx="0">
+                <a:schemeClr val="accent1"/>
+              </a:effectRef>
+              <a:fontRef idx="minor">
+                <a:schemeClr val="tx1"/>
+              </a:fontRef>
+            </p:style>
+          </p:cxnSp>
+          <p:cxnSp>
+            <p:nvCxnSpPr>
+              <p:cNvPr id="123" name="Straight Arrow Connector 122"/>
+              <p:cNvCxnSpPr>
+                <a:stCxn id="126" idx="4"/>
+                <a:endCxn id="129" idx="0"/>
+              </p:cNvCxnSpPr>
+              <p:nvPr/>
+            </p:nvCxnSpPr>
+            <p:spPr>
+              <a:xfrm rot="5400000">
+                <a:off x="5397500" y="4000500"/>
+                <a:ext cx="635000" cy="1588"/>
+              </a:xfrm>
+              <a:prstGeom prst="straightConnector1">
+                <a:avLst/>
+              </a:prstGeom>
+              <a:ln w="12700">
+                <a:solidFill>
+                  <a:schemeClr val="tx1"/>
+                </a:solidFill>
+                <a:tailEnd type="arrow"/>
+              </a:ln>
+            </p:spPr>
+            <p:style>
+              <a:lnRef idx="1">
+                <a:schemeClr val="accent1"/>
+              </a:lnRef>
+              <a:fillRef idx="0">
+                <a:schemeClr val="accent1"/>
+              </a:fillRef>
+              <a:effectRef idx="0">
+                <a:schemeClr val="accent1"/>
+              </a:effectRef>
+              <a:fontRef idx="minor">
+                <a:schemeClr val="tx1"/>
+              </a:fontRef>
+            </p:style>
+          </p:cxnSp>
+          <p:cxnSp>
+            <p:nvCxnSpPr>
+              <p:cNvPr id="124" name="Straight Arrow Connector 123"/>
+              <p:cNvCxnSpPr>
+                <a:stCxn id="130" idx="4"/>
+                <a:endCxn id="114" idx="1"/>
+              </p:cNvCxnSpPr>
+              <p:nvPr/>
+            </p:nvCxnSpPr>
+            <p:spPr>
+              <a:xfrm rot="16200000" flipH="1">
+                <a:off x="4419600" y="5105400"/>
+                <a:ext cx="698874" cy="394074"/>
+              </a:xfrm>
+              <a:prstGeom prst="straightConnector1">
+                <a:avLst/>
+              </a:prstGeom>
+              <a:ln w="12700">
+                <a:solidFill>
+                  <a:schemeClr val="tx1"/>
+                </a:solidFill>
+                <a:tailEnd type="arrow"/>
+              </a:ln>
+            </p:spPr>
+            <p:style>
+              <a:lnRef idx="1">
+                <a:schemeClr val="accent1"/>
+              </a:lnRef>
+              <a:fillRef idx="0">
+                <a:schemeClr val="accent1"/>
+              </a:fillRef>
+              <a:effectRef idx="0">
+                <a:schemeClr val="accent1"/>
+              </a:effectRef>
+              <a:fontRef idx="minor">
+                <a:schemeClr val="tx1"/>
+              </a:fontRef>
+            </p:style>
+          </p:cxnSp>
+          <p:cxnSp>
+            <p:nvCxnSpPr>
+              <p:cNvPr id="125" name="Straight Arrow Connector 124"/>
+              <p:cNvCxnSpPr>
+                <a:stCxn id="129" idx="4"/>
+                <a:endCxn id="114" idx="7"/>
+              </p:cNvCxnSpPr>
+              <p:nvPr/>
+            </p:nvCxnSpPr>
+            <p:spPr>
+              <a:xfrm rot="5400000">
+                <a:off x="5193926" y="5130800"/>
+                <a:ext cx="724274" cy="317874"/>
+              </a:xfrm>
+              <a:prstGeom prst="straightConnector1">
+                <a:avLst/>
+              </a:prstGeom>
+              <a:ln w="12700">
+                <a:solidFill>
+                  <a:schemeClr val="tx1"/>
+                </a:solidFill>
+                <a:tailEnd type="arrow"/>
+              </a:ln>
+            </p:spPr>
+            <p:style>
+              <a:lnRef idx="1">
+                <a:schemeClr val="accent1"/>
+              </a:lnRef>
+              <a:fillRef idx="0">
+                <a:schemeClr val="accent1"/>
+              </a:fillRef>
+              <a:effectRef idx="0">
+                <a:schemeClr val="accent1"/>
+              </a:effectRef>
+              <a:fontRef idx="minor">
+                <a:schemeClr val="tx1"/>
+              </a:fontRef>
+            </p:style>
+          </p:cxnSp>
+        </p:grpSp>
+        <p:cxnSp>
+          <p:nvCxnSpPr>
+            <p:cNvPr id="112" name="Elbow Connector 111"/>
+            <p:cNvCxnSpPr>
+              <a:stCxn id="114" idx="2"/>
+              <a:endCxn id="128" idx="4"/>
+            </p:cNvCxnSpPr>
+            <p:nvPr/>
+          </p:nvCxnSpPr>
+          <p:spPr>
+            <a:xfrm rot="10800000">
+              <a:off x="4661274" y="3683000"/>
+              <a:ext cx="1447800" cy="2184400"/>
+            </a:xfrm>
+            <a:prstGeom prst="bentConnector2">
+              <a:avLst/>
+            </a:prstGeom>
+            <a:ln w="12700">
+              <a:solidFill>
+                <a:schemeClr val="tx1"/>
+              </a:solidFill>
+              <a:tailEnd type="arrow" w="lg" len="lg"/>
+            </a:ln>
+          </p:spPr>
+          <p:style>
+            <a:lnRef idx="1">
+              <a:schemeClr val="accent1"/>
+            </a:lnRef>
+            <a:fillRef idx="0">
+              <a:schemeClr val="accent1"/>
+            </a:fillRef>
+            <a:effectRef idx="0">
+              <a:schemeClr val="accent1"/>
+            </a:effectRef>
+            <a:fontRef idx="minor">
+              <a:schemeClr val="tx1"/>
+            </a:fontRef>
+          </p:style>
+        </p:cxnSp>
+      </p:grpSp>
+      <p:grpSp>
+        <p:nvGrpSpPr>
+          <p:cNvPr id="131" name="Group 130"/>
+          <p:cNvGrpSpPr/>
+          <p:nvPr/>
+        </p:nvGrpSpPr>
+        <p:grpSpPr>
+          <a:xfrm>
+            <a:off x="6475603" y="1681747"/>
+            <a:ext cx="1434726" cy="2133600"/>
+            <a:chOff x="4356474" y="1828800"/>
+            <a:chExt cx="2895600" cy="4343400"/>
+          </a:xfrm>
+        </p:grpSpPr>
+        <p:grpSp>
+          <p:nvGrpSpPr>
+            <p:cNvPr id="132" name="Group 131"/>
+            <p:cNvGrpSpPr/>
+            <p:nvPr/>
+          </p:nvGrpSpPr>
+          <p:grpSpPr>
+            <a:xfrm>
+              <a:off x="4356474" y="1828800"/>
+              <a:ext cx="2895600" cy="4343400"/>
+              <a:chOff x="3124200" y="1828800"/>
+              <a:chExt cx="2895600" cy="4343400"/>
+            </a:xfrm>
+          </p:grpSpPr>
+          <p:sp>
+            <p:nvSpPr>
+              <p:cNvPr id="134" name="Oval 133"/>
+              <p:cNvSpPr/>
+              <p:nvPr/>
+            </p:nvSpPr>
+            <p:spPr>
+              <a:xfrm>
+                <a:off x="4267200" y="1828800"/>
+                <a:ext cx="609600" cy="609600"/>
+              </a:xfrm>
+              <a:prstGeom prst="ellipse">
+                <a:avLst/>
+              </a:prstGeom>
+              <a:solidFill>
+                <a:schemeClr val="bg1"/>
+              </a:solidFill>
+              <a:ln w="12700">
+                <a:solidFill>
+                  <a:schemeClr val="tx1"/>
+                </a:solidFill>
+              </a:ln>
+            </p:spPr>
+            <p:style>
+              <a:lnRef idx="2">
+                <a:schemeClr val="accent1">
+                  <a:shade val="50000"/>
+                </a:schemeClr>
+              </a:lnRef>
+              <a:fillRef idx="1">
+                <a:schemeClr val="accent1"/>
+              </a:fillRef>
+              <a:effectRef idx="0">
+                <a:schemeClr val="accent1"/>
+              </a:effectRef>
+              <a:fontRef idx="minor">
+                <a:schemeClr val="lt1"/>
+              </a:fontRef>
+            </p:style>
+            <p:txBody>
+              <a:bodyPr rtlCol="0" anchor="ctr"/>
+              <a:lstStyle/>
+              <a:p>
+                <a:pPr algn="ctr"/>
+                <a:r>
+                  <a:rPr lang="en-US" sz="2400" dirty="0">
+                    <a:solidFill>
+                      <a:schemeClr val="tx1"/>
+                    </a:solidFill>
+                  </a:rPr>
+                  <a:t>A</a:t>
+                </a:r>
+              </a:p>
+            </p:txBody>
+          </p:sp>
+          <p:sp>
+            <p:nvSpPr>
+              <p:cNvPr id="135" name="Oval 134"/>
+              <p:cNvSpPr/>
+              <p:nvPr/>
+            </p:nvSpPr>
+            <p:spPr>
+              <a:xfrm>
+                <a:off x="4876800" y="5562600"/>
+                <a:ext cx="609600" cy="609600"/>
+              </a:xfrm>
+              <a:prstGeom prst="ellipse">
+                <a:avLst/>
+              </a:prstGeom>
+              <a:solidFill>
+                <a:schemeClr val="accent2">
+                  <a:lumMod val="40000"/>
+                  <a:lumOff val="60000"/>
+                </a:schemeClr>
+              </a:solidFill>
+              <a:ln w="12700">
+                <a:solidFill>
+                  <a:schemeClr val="tx1"/>
+                </a:solidFill>
+              </a:ln>
+            </p:spPr>
+            <p:style>
+              <a:lnRef idx="2">
+                <a:schemeClr val="accent1">
+                  <a:shade val="50000"/>
+                </a:schemeClr>
+              </a:lnRef>
+              <a:fillRef idx="1">
+                <a:schemeClr val="accent1"/>
+              </a:fillRef>
+              <a:effectRef idx="0">
+                <a:schemeClr val="accent1"/>
+              </a:effectRef>
+              <a:fontRef idx="minor">
+                <a:schemeClr val="lt1"/>
+              </a:fontRef>
+            </p:style>
+            <p:txBody>
+              <a:bodyPr rtlCol="0" anchor="ctr"/>
+              <a:lstStyle/>
+              <a:p>
+                <a:pPr algn="ctr"/>
+                <a:r>
+                  <a:rPr lang="en-US" sz="2400" dirty="0">
+                    <a:solidFill>
+                      <a:schemeClr val="tx1"/>
+                    </a:solidFill>
+                  </a:rPr>
+                  <a:t>G</a:t>
+                </a:r>
+              </a:p>
+            </p:txBody>
+          </p:sp>
+          <p:grpSp>
+            <p:nvGrpSpPr>
+              <p:cNvPr id="136" name="Group 135"/>
+              <p:cNvGrpSpPr/>
+              <p:nvPr/>
+            </p:nvGrpSpPr>
+            <p:grpSpPr>
+              <a:xfrm>
+                <a:off x="4267200" y="4318000"/>
+                <a:ext cx="1752600" cy="635000"/>
+                <a:chOff x="3962400" y="4419600"/>
+                <a:chExt cx="1752600" cy="635000"/>
+              </a:xfrm>
+            </p:grpSpPr>
+            <p:sp>
+              <p:nvSpPr>
+                <p:cNvPr id="150" name="Oval 149"/>
+                <p:cNvSpPr/>
+                <p:nvPr/>
+              </p:nvSpPr>
+              <p:spPr>
+                <a:xfrm>
+                  <a:off x="5105400" y="4419600"/>
+                  <a:ext cx="609600" cy="609600"/>
+                </a:xfrm>
+                <a:prstGeom prst="ellipse">
+                  <a:avLst/>
+                </a:prstGeom>
+                <a:solidFill>
+                  <a:schemeClr val="accent2">
+                    <a:lumMod val="40000"/>
+                    <a:lumOff val="60000"/>
+                  </a:schemeClr>
+                </a:solidFill>
+                <a:ln w="12700">
+                  <a:solidFill>
+                    <a:schemeClr val="tx1"/>
+                  </a:solidFill>
+                </a:ln>
+              </p:spPr>
+              <p:style>
+                <a:lnRef idx="2">
+                  <a:schemeClr val="accent1">
+                    <a:shade val="50000"/>
+                  </a:schemeClr>
+                </a:lnRef>
+                <a:fillRef idx="1">
+                  <a:schemeClr val="accent1"/>
+                </a:fillRef>
+                <a:effectRef idx="0">
+                  <a:schemeClr val="accent1"/>
+                </a:effectRef>
+                <a:fontRef idx="minor">
+                  <a:schemeClr val="lt1"/>
+                </a:fontRef>
+              </p:style>
+              <p:txBody>
+                <a:bodyPr rtlCol="0" anchor="ctr"/>
+                <a:lstStyle/>
+                <a:p>
+                  <a:pPr algn="ctr"/>
+                  <a:r>
+                    <a:rPr lang="en-US" sz="2400" dirty="0">
+                      <a:solidFill>
+                        <a:schemeClr val="tx1"/>
+                      </a:solidFill>
+                    </a:rPr>
+                    <a:t>F</a:t>
+                  </a:r>
+                </a:p>
+              </p:txBody>
+            </p:sp>
+            <p:sp>
+              <p:nvSpPr>
+                <p:cNvPr id="151" name="Oval 150"/>
+                <p:cNvSpPr/>
+                <p:nvPr/>
+              </p:nvSpPr>
+              <p:spPr>
+                <a:xfrm>
+                  <a:off x="3962400" y="4445000"/>
+                  <a:ext cx="609600" cy="609600"/>
+                </a:xfrm>
+                <a:prstGeom prst="ellipse">
+                  <a:avLst/>
+                </a:prstGeom>
+                <a:solidFill>
+                  <a:schemeClr val="accent2">
+                    <a:lumMod val="40000"/>
+                    <a:lumOff val="60000"/>
+                  </a:schemeClr>
+                </a:solidFill>
+                <a:ln w="12700">
+                  <a:solidFill>
+                    <a:schemeClr val="tx1"/>
+                  </a:solidFill>
+                </a:ln>
+              </p:spPr>
+              <p:style>
+                <a:lnRef idx="2">
+                  <a:schemeClr val="accent1">
+                    <a:shade val="50000"/>
+                  </a:schemeClr>
+                </a:lnRef>
+                <a:fillRef idx="1">
+                  <a:schemeClr val="accent1"/>
+                </a:fillRef>
+                <a:effectRef idx="0">
+                  <a:schemeClr val="accent1"/>
+                </a:effectRef>
+                <a:fontRef idx="minor">
+                  <a:schemeClr val="lt1"/>
+                </a:fontRef>
+              </p:style>
+              <p:txBody>
+                <a:bodyPr rtlCol="0" anchor="ctr"/>
+                <a:lstStyle/>
+                <a:p>
+                  <a:pPr algn="ctr"/>
+                  <a:r>
+                    <a:rPr lang="en-US" sz="2400" dirty="0">
+                      <a:solidFill>
+                        <a:schemeClr val="tx1"/>
+                      </a:solidFill>
+                    </a:rPr>
+                    <a:t>E</a:t>
+                  </a:r>
+                </a:p>
+              </p:txBody>
+            </p:sp>
+          </p:grpSp>
+          <p:grpSp>
+            <p:nvGrpSpPr>
+              <p:cNvPr id="137" name="Group 136"/>
+              <p:cNvGrpSpPr/>
+              <p:nvPr/>
+            </p:nvGrpSpPr>
+            <p:grpSpPr>
+              <a:xfrm>
+                <a:off x="3124200" y="3073400"/>
+                <a:ext cx="2895600" cy="609600"/>
+                <a:chOff x="3048000" y="3238500"/>
+                <a:chExt cx="2895600" cy="609600"/>
+              </a:xfrm>
+            </p:grpSpPr>
+            <p:sp>
+              <p:nvSpPr>
+                <p:cNvPr id="147" name="Oval 146"/>
+                <p:cNvSpPr/>
+                <p:nvPr/>
+              </p:nvSpPr>
+              <p:spPr>
+                <a:xfrm>
+                  <a:off x="5334000" y="3238500"/>
+                  <a:ext cx="609600" cy="609600"/>
+                </a:xfrm>
+                <a:prstGeom prst="ellipse">
+                  <a:avLst/>
+                </a:prstGeom>
+                <a:solidFill>
+                  <a:schemeClr val="accent2">
+                    <a:lumMod val="40000"/>
+                    <a:lumOff val="60000"/>
+                  </a:schemeClr>
+                </a:solidFill>
+                <a:ln w="12700">
+                  <a:solidFill>
+                    <a:schemeClr val="tx1"/>
+                  </a:solidFill>
+                </a:ln>
+              </p:spPr>
+              <p:style>
+                <a:lnRef idx="2">
+                  <a:schemeClr val="accent1">
+                    <a:shade val="50000"/>
+                  </a:schemeClr>
+                </a:lnRef>
+                <a:fillRef idx="1">
+                  <a:schemeClr val="accent1"/>
+                </a:fillRef>
+                <a:effectRef idx="0">
+                  <a:schemeClr val="accent1"/>
+                </a:effectRef>
+                <a:fontRef idx="minor">
+                  <a:schemeClr val="lt1"/>
+                </a:fontRef>
+              </p:style>
+              <p:txBody>
+                <a:bodyPr rtlCol="0" anchor="ctr"/>
+                <a:lstStyle/>
+                <a:p>
+                  <a:pPr algn="ctr"/>
+                  <a:r>
+                    <a:rPr lang="en-US" sz="2400" dirty="0">
+                      <a:solidFill>
+                        <a:schemeClr val="tx1"/>
+                      </a:solidFill>
+                    </a:rPr>
+                    <a:t>D</a:t>
+                  </a:r>
+                </a:p>
+              </p:txBody>
+            </p:sp>
+            <p:sp>
+              <p:nvSpPr>
+                <p:cNvPr id="148" name="Oval 147"/>
+                <p:cNvSpPr/>
+                <p:nvPr/>
+              </p:nvSpPr>
+              <p:spPr>
+                <a:xfrm>
+                  <a:off x="4191000" y="3238500"/>
+                  <a:ext cx="609600" cy="609600"/>
+                </a:xfrm>
+                <a:prstGeom prst="ellipse">
+                  <a:avLst/>
+                </a:prstGeom>
+                <a:solidFill>
+                  <a:schemeClr val="accent2">
+                    <a:lumMod val="40000"/>
+                    <a:lumOff val="60000"/>
+                  </a:schemeClr>
+                </a:solidFill>
+                <a:ln w="12700">
+                  <a:solidFill>
+                    <a:schemeClr val="tx1"/>
+                  </a:solidFill>
+                </a:ln>
+              </p:spPr>
+              <p:style>
+                <a:lnRef idx="2">
+                  <a:schemeClr val="accent1">
+                    <a:shade val="50000"/>
+                  </a:schemeClr>
+                </a:lnRef>
+                <a:fillRef idx="1">
+                  <a:schemeClr val="accent1"/>
+                </a:fillRef>
+                <a:effectRef idx="0">
+                  <a:schemeClr val="accent1"/>
+                </a:effectRef>
+                <a:fontRef idx="minor">
+                  <a:schemeClr val="lt1"/>
+                </a:fontRef>
+              </p:style>
+              <p:txBody>
+                <a:bodyPr rtlCol="0" anchor="ctr"/>
+                <a:lstStyle/>
+                <a:p>
+                  <a:pPr algn="ctr"/>
+                  <a:r>
+                    <a:rPr lang="en-US" sz="2400" dirty="0">
+                      <a:solidFill>
+                        <a:schemeClr val="tx1"/>
+                      </a:solidFill>
+                    </a:rPr>
+                    <a:t>C</a:t>
+                  </a:r>
+                </a:p>
+              </p:txBody>
+            </p:sp>
+            <p:sp>
+              <p:nvSpPr>
+                <p:cNvPr id="149" name="Oval 148"/>
+                <p:cNvSpPr/>
+                <p:nvPr/>
+              </p:nvSpPr>
+              <p:spPr>
+                <a:xfrm>
+                  <a:off x="3048000" y="3238500"/>
+                  <a:ext cx="609600" cy="609600"/>
+                </a:xfrm>
+                <a:prstGeom prst="ellipse">
+                  <a:avLst/>
+                </a:prstGeom>
+                <a:solidFill>
+                  <a:schemeClr val="accent3"/>
+                </a:solidFill>
+                <a:ln w="12700">
+                  <a:solidFill>
+                    <a:schemeClr val="tx1"/>
+                  </a:solidFill>
+                </a:ln>
+              </p:spPr>
+              <p:style>
+                <a:lnRef idx="2">
+                  <a:schemeClr val="accent1">
+                    <a:shade val="50000"/>
+                  </a:schemeClr>
+                </a:lnRef>
+                <a:fillRef idx="1">
+                  <a:schemeClr val="accent1"/>
+                </a:fillRef>
+                <a:effectRef idx="0">
+                  <a:schemeClr val="accent1"/>
+                </a:effectRef>
+                <a:fontRef idx="minor">
+                  <a:schemeClr val="lt1"/>
+                </a:fontRef>
+              </p:style>
+              <p:txBody>
+                <a:bodyPr rtlCol="0" anchor="ctr"/>
+                <a:lstStyle/>
+                <a:p>
+                  <a:pPr algn="ctr"/>
+                  <a:r>
+                    <a:rPr lang="en-US" sz="2400" dirty="0">
+                      <a:solidFill>
+                        <a:schemeClr val="tx1"/>
+                      </a:solidFill>
+                    </a:rPr>
+                    <a:t>B</a:t>
+                  </a:r>
+                </a:p>
+              </p:txBody>
+            </p:sp>
+          </p:grpSp>
+          <p:cxnSp>
+            <p:nvCxnSpPr>
+              <p:cNvPr id="138" name="Straight Arrow Connector 137"/>
+              <p:cNvCxnSpPr>
+                <a:stCxn id="134" idx="3"/>
+                <a:endCxn id="149" idx="7"/>
+              </p:cNvCxnSpPr>
+              <p:nvPr/>
+            </p:nvCxnSpPr>
+            <p:spPr>
+              <a:xfrm rot="5400000">
+                <a:off x="3593726" y="2399926"/>
+                <a:ext cx="813548" cy="711948"/>
+              </a:xfrm>
+              <a:prstGeom prst="straightConnector1">
+                <a:avLst/>
+              </a:prstGeom>
+              <a:ln w="12700">
+                <a:solidFill>
+                  <a:schemeClr val="tx1"/>
+                </a:solidFill>
+                <a:tailEnd type="arrow"/>
+              </a:ln>
+            </p:spPr>
+            <p:style>
+              <a:lnRef idx="1">
+                <a:schemeClr val="accent1"/>
+              </a:lnRef>
+              <a:fillRef idx="0">
+                <a:schemeClr val="accent1"/>
+              </a:fillRef>
+              <a:effectRef idx="0">
+                <a:schemeClr val="accent1"/>
+              </a:effectRef>
+              <a:fontRef idx="minor">
+                <a:schemeClr val="tx1"/>
+              </a:fontRef>
+            </p:style>
+          </p:cxnSp>
+          <p:cxnSp>
+            <p:nvCxnSpPr>
+              <p:cNvPr id="139" name="Straight Arrow Connector 138"/>
+              <p:cNvCxnSpPr>
+                <a:stCxn id="134" idx="5"/>
+                <a:endCxn id="147" idx="1"/>
+              </p:cNvCxnSpPr>
+              <p:nvPr/>
+            </p:nvCxnSpPr>
+            <p:spPr>
+              <a:xfrm rot="16200000" flipH="1">
+                <a:off x="4736726" y="2399926"/>
+                <a:ext cx="813548" cy="711948"/>
+              </a:xfrm>
+              <a:prstGeom prst="straightConnector1">
+                <a:avLst/>
+              </a:prstGeom>
+              <a:ln w="12700">
+                <a:solidFill>
+                  <a:schemeClr val="tx1"/>
+                </a:solidFill>
+                <a:tailEnd type="arrow"/>
+              </a:ln>
+            </p:spPr>
+            <p:style>
+              <a:lnRef idx="1">
+                <a:schemeClr val="accent1"/>
+              </a:lnRef>
+              <a:fillRef idx="0">
+                <a:schemeClr val="accent1"/>
+              </a:fillRef>
+              <a:effectRef idx="0">
+                <a:schemeClr val="accent1"/>
+              </a:effectRef>
+              <a:fontRef idx="minor">
+                <a:schemeClr val="tx1"/>
+              </a:fontRef>
+            </p:style>
+          </p:cxnSp>
+          <p:cxnSp>
+            <p:nvCxnSpPr>
+              <p:cNvPr id="140" name="Straight Arrow Connector 139"/>
+              <p:cNvCxnSpPr>
+                <a:stCxn id="134" idx="4"/>
+                <a:endCxn id="148" idx="0"/>
+              </p:cNvCxnSpPr>
+              <p:nvPr/>
+            </p:nvCxnSpPr>
+            <p:spPr>
+              <a:xfrm rot="5400000">
+                <a:off x="4254500" y="2755900"/>
+                <a:ext cx="635000" cy="1588"/>
+              </a:xfrm>
+              <a:prstGeom prst="straightConnector1">
+                <a:avLst/>
+              </a:prstGeom>
+              <a:ln w="12700">
+                <a:solidFill>
+                  <a:schemeClr val="tx1"/>
+                </a:solidFill>
+                <a:tailEnd type="arrow"/>
+              </a:ln>
+            </p:spPr>
+            <p:style>
+              <a:lnRef idx="1">
+                <a:schemeClr val="accent1"/>
+              </a:lnRef>
+              <a:fillRef idx="0">
+                <a:schemeClr val="accent1"/>
+              </a:fillRef>
+              <a:effectRef idx="0">
+                <a:schemeClr val="accent1"/>
+              </a:effectRef>
+              <a:fontRef idx="minor">
+                <a:schemeClr val="tx1"/>
+              </a:fontRef>
+            </p:style>
+          </p:cxnSp>
+          <p:cxnSp>
+            <p:nvCxnSpPr>
+              <p:cNvPr id="141" name="Straight Arrow Connector 140"/>
+              <p:cNvCxnSpPr>
+                <a:stCxn id="149" idx="6"/>
+                <a:endCxn id="148" idx="2"/>
+              </p:cNvCxnSpPr>
+              <p:nvPr/>
+            </p:nvCxnSpPr>
+            <p:spPr>
+              <a:xfrm>
+                <a:off x="3733800" y="3378200"/>
+                <a:ext cx="533400" cy="1588"/>
+              </a:xfrm>
+              <a:prstGeom prst="straightConnector1">
+                <a:avLst/>
+              </a:prstGeom>
+              <a:ln w="12700">
+                <a:solidFill>
+                  <a:schemeClr val="tx1"/>
+                </a:solidFill>
+                <a:tailEnd type="arrow"/>
+              </a:ln>
+            </p:spPr>
+            <p:style>
+              <a:lnRef idx="1">
+                <a:schemeClr val="accent1"/>
+              </a:lnRef>
+              <a:fillRef idx="0">
+                <a:schemeClr val="accent1"/>
+              </a:fillRef>
+              <a:effectRef idx="0">
+                <a:schemeClr val="accent1"/>
+              </a:effectRef>
+              <a:fontRef idx="minor">
+                <a:schemeClr val="tx1"/>
+              </a:fontRef>
+            </p:style>
+          </p:cxnSp>
+          <p:cxnSp>
+            <p:nvCxnSpPr>
+              <p:cNvPr id="142" name="Straight Arrow Connector 141"/>
+              <p:cNvCxnSpPr>
+                <a:stCxn id="147" idx="2"/>
+                <a:endCxn id="148" idx="6"/>
+              </p:cNvCxnSpPr>
+              <p:nvPr/>
+            </p:nvCxnSpPr>
+            <p:spPr>
+              <a:xfrm rot="10800000">
+                <a:off x="4876800" y="3378200"/>
+                <a:ext cx="533400" cy="1588"/>
+              </a:xfrm>
+              <a:prstGeom prst="straightConnector1">
+                <a:avLst/>
+              </a:prstGeom>
+              <a:ln w="12700">
+                <a:solidFill>
+                  <a:schemeClr val="tx1"/>
+                </a:solidFill>
+                <a:tailEnd type="arrow"/>
+              </a:ln>
+            </p:spPr>
+            <p:style>
+              <a:lnRef idx="1">
+                <a:schemeClr val="accent1"/>
+              </a:lnRef>
+              <a:fillRef idx="0">
+                <a:schemeClr val="accent1"/>
+              </a:fillRef>
+              <a:effectRef idx="0">
+                <a:schemeClr val="accent1"/>
+              </a:effectRef>
+              <a:fontRef idx="minor">
+                <a:schemeClr val="tx1"/>
+              </a:fontRef>
+            </p:style>
+          </p:cxnSp>
+          <p:cxnSp>
+            <p:nvCxnSpPr>
+              <p:cNvPr id="143" name="Straight Arrow Connector 142"/>
+              <p:cNvCxnSpPr>
+                <a:stCxn id="148" idx="4"/>
+                <a:endCxn id="151" idx="0"/>
+              </p:cNvCxnSpPr>
+              <p:nvPr/>
+            </p:nvCxnSpPr>
+            <p:spPr>
+              <a:xfrm rot="5400000">
+                <a:off x="4241800" y="4013200"/>
+                <a:ext cx="660400" cy="1588"/>
+              </a:xfrm>
+              <a:prstGeom prst="straightConnector1">
+                <a:avLst/>
+              </a:prstGeom>
+              <a:ln w="12700">
+                <a:solidFill>
+                  <a:schemeClr val="tx1"/>
+                </a:solidFill>
+                <a:tailEnd type="arrow"/>
+              </a:ln>
+            </p:spPr>
+            <p:style>
+              <a:lnRef idx="1">
+                <a:schemeClr val="accent1"/>
+              </a:lnRef>
+              <a:fillRef idx="0">
+                <a:schemeClr val="accent1"/>
+              </a:fillRef>
+              <a:effectRef idx="0">
+                <a:schemeClr val="accent1"/>
+              </a:effectRef>
+              <a:fontRef idx="minor">
+                <a:schemeClr val="tx1"/>
+              </a:fontRef>
+            </p:style>
+          </p:cxnSp>
+          <p:cxnSp>
+            <p:nvCxnSpPr>
+              <p:cNvPr id="144" name="Straight Arrow Connector 143"/>
+              <p:cNvCxnSpPr>
+                <a:stCxn id="147" idx="4"/>
+                <a:endCxn id="150" idx="0"/>
+              </p:cNvCxnSpPr>
+              <p:nvPr/>
+            </p:nvCxnSpPr>
+            <p:spPr>
+              <a:xfrm rot="5400000">
+                <a:off x="5397500" y="4000500"/>
+                <a:ext cx="635000" cy="1588"/>
+              </a:xfrm>
+              <a:prstGeom prst="straightConnector1">
+                <a:avLst/>
+              </a:prstGeom>
+              <a:ln w="12700">
+                <a:solidFill>
+                  <a:schemeClr val="tx1"/>
+                </a:solidFill>
+                <a:tailEnd type="arrow"/>
+              </a:ln>
+            </p:spPr>
+            <p:style>
+              <a:lnRef idx="1">
+                <a:schemeClr val="accent1"/>
+              </a:lnRef>
+              <a:fillRef idx="0">
+                <a:schemeClr val="accent1"/>
+              </a:fillRef>
+              <a:effectRef idx="0">
+                <a:schemeClr val="accent1"/>
+              </a:effectRef>
+              <a:fontRef idx="minor">
+                <a:schemeClr val="tx1"/>
+              </a:fontRef>
+            </p:style>
+          </p:cxnSp>
+          <p:cxnSp>
+            <p:nvCxnSpPr>
+              <p:cNvPr id="145" name="Straight Arrow Connector 144"/>
+              <p:cNvCxnSpPr>
+                <a:stCxn id="151" idx="4"/>
+                <a:endCxn id="135" idx="1"/>
+              </p:cNvCxnSpPr>
+              <p:nvPr/>
+            </p:nvCxnSpPr>
+            <p:spPr>
+              <a:xfrm rot="16200000" flipH="1">
+                <a:off x="4419600" y="5105400"/>
+                <a:ext cx="698874" cy="394074"/>
+              </a:xfrm>
+              <a:prstGeom prst="straightConnector1">
+                <a:avLst/>
+              </a:prstGeom>
+              <a:ln w="12700">
+                <a:solidFill>
+                  <a:schemeClr val="tx1"/>
+                </a:solidFill>
+                <a:tailEnd type="arrow"/>
+              </a:ln>
+            </p:spPr>
+            <p:style>
+              <a:lnRef idx="1">
+                <a:schemeClr val="accent1"/>
+              </a:lnRef>
+              <a:fillRef idx="0">
+                <a:schemeClr val="accent1"/>
+              </a:fillRef>
+              <a:effectRef idx="0">
+                <a:schemeClr val="accent1"/>
+              </a:effectRef>
+              <a:fontRef idx="minor">
+                <a:schemeClr val="tx1"/>
+              </a:fontRef>
+            </p:style>
+          </p:cxnSp>
+          <p:cxnSp>
+            <p:nvCxnSpPr>
+              <p:cNvPr id="146" name="Straight Arrow Connector 145"/>
+              <p:cNvCxnSpPr>
+                <a:stCxn id="150" idx="4"/>
+                <a:endCxn id="135" idx="7"/>
+              </p:cNvCxnSpPr>
+              <p:nvPr/>
+            </p:nvCxnSpPr>
+            <p:spPr>
+              <a:xfrm rot="5400000">
+                <a:off x="5193926" y="5130800"/>
+                <a:ext cx="724274" cy="317874"/>
+              </a:xfrm>
+              <a:prstGeom prst="straightConnector1">
+                <a:avLst/>
+              </a:prstGeom>
+              <a:ln w="12700">
+                <a:solidFill>
+                  <a:schemeClr val="tx1"/>
+                </a:solidFill>
+                <a:tailEnd type="arrow"/>
+              </a:ln>
+            </p:spPr>
+            <p:style>
+              <a:lnRef idx="1">
+                <a:schemeClr val="accent1"/>
+              </a:lnRef>
+              <a:fillRef idx="0">
+                <a:schemeClr val="accent1"/>
+              </a:fillRef>
+              <a:effectRef idx="0">
+                <a:schemeClr val="accent1"/>
+              </a:effectRef>
+              <a:fontRef idx="minor">
+                <a:schemeClr val="tx1"/>
+              </a:fontRef>
+            </p:style>
+          </p:cxnSp>
+        </p:grpSp>
+        <p:cxnSp>
+          <p:nvCxnSpPr>
+            <p:cNvPr id="133" name="Elbow Connector 132"/>
+            <p:cNvCxnSpPr>
+              <a:stCxn id="135" idx="2"/>
+              <a:endCxn id="149" idx="4"/>
+            </p:cNvCxnSpPr>
+            <p:nvPr/>
+          </p:nvCxnSpPr>
+          <p:spPr>
+            <a:xfrm rot="10800000">
+              <a:off x="4661274" y="3683000"/>
+              <a:ext cx="1447800" cy="2184400"/>
+            </a:xfrm>
+            <a:prstGeom prst="bentConnector2">
+              <a:avLst/>
+            </a:prstGeom>
+            <a:ln w="12700">
+              <a:solidFill>
+                <a:schemeClr val="tx1"/>
+              </a:solidFill>
+              <a:tailEnd type="arrow" w="lg" len="lg"/>
+            </a:ln>
+          </p:spPr>
+          <p:style>
+            <a:lnRef idx="1">
+              <a:schemeClr val="accent1"/>
+            </a:lnRef>
+            <a:fillRef idx="0">
+              <a:schemeClr val="accent1"/>
+            </a:fillRef>
+            <a:effectRef idx="0">
+              <a:schemeClr val="accent1"/>
+            </a:effectRef>
+            <a:fontRef idx="minor">
+              <a:schemeClr val="tx1"/>
+            </a:fontRef>
+          </p:style>
+        </p:cxnSp>
+      </p:grpSp>
+      <p:grpSp>
+        <p:nvGrpSpPr>
+          <p:cNvPr id="30" name="Group 29"/>
+          <p:cNvGrpSpPr/>
+          <p:nvPr/>
+        </p:nvGrpSpPr>
+        <p:grpSpPr>
+          <a:xfrm>
+            <a:off x="631596" y="5288167"/>
+            <a:ext cx="1933338" cy="299453"/>
+            <a:chOff x="631596" y="4948912"/>
+            <a:chExt cx="1933338" cy="299453"/>
+          </a:xfrm>
+        </p:grpSpPr>
+        <p:sp>
+          <p:nvSpPr>
+            <p:cNvPr id="95" name="Oval 94"/>
+            <p:cNvSpPr/>
+            <p:nvPr/>
+          </p:nvSpPr>
+          <p:spPr>
+            <a:xfrm>
+              <a:off x="631596" y="4948912"/>
+              <a:ext cx="302048" cy="299453"/>
+            </a:xfrm>
+            <a:prstGeom prst="ellipse">
+              <a:avLst/>
+            </a:prstGeom>
+            <a:solidFill>
+              <a:schemeClr val="accent3">
+                <a:alpha val="98000"/>
+              </a:schemeClr>
+            </a:solidFill>
+            <a:ln w="12700">
+              <a:solidFill>
+                <a:schemeClr val="tx1"/>
+              </a:solidFill>
+            </a:ln>
+          </p:spPr>
+          <p:style>
+            <a:lnRef idx="2">
+              <a:schemeClr val="accent1">
+                <a:shade val="50000"/>
+              </a:schemeClr>
+            </a:lnRef>
+            <a:fillRef idx="1">
+              <a:schemeClr val="accent1"/>
+            </a:fillRef>
+            <a:effectRef idx="0">
+              <a:schemeClr val="accent1"/>
+            </a:effectRef>
+            <a:fontRef idx="minor">
+              <a:schemeClr val="lt1"/>
+            </a:fontRef>
+          </p:style>
+          <p:txBody>
+            <a:bodyPr rtlCol="0" anchor="ctr"/>
+            <a:lstStyle/>
+            <a:p>
+              <a:pPr algn="ctr"/>
+              <a:endParaRPr lang="en-US" sz="2400" dirty="0">
+                <a:solidFill>
+                  <a:schemeClr val="tx1"/>
+                </a:solidFill>
+              </a:endParaRPr>
+            </a:p>
+          </p:txBody>
+        </p:sp>
+        <p:sp>
+          <p:nvSpPr>
+            <p:cNvPr id="27" name="Rectangle 26"/>
+            <p:cNvSpPr/>
+            <p:nvPr/>
+          </p:nvSpPr>
+          <p:spPr>
+            <a:xfrm>
+              <a:off x="1175939" y="4948912"/>
+              <a:ext cx="1388995" cy="299453"/>
+            </a:xfrm>
+            <a:prstGeom prst="rect">
+              <a:avLst/>
+            </a:prstGeom>
+            <a:solidFill>
+              <a:schemeClr val="accent1">
+                <a:lumMod val="20000"/>
+                <a:lumOff val="80000"/>
+              </a:schemeClr>
+            </a:solidFill>
+            <a:ln>
+              <a:noFill/>
+            </a:ln>
+          </p:spPr>
+          <p:style>
+            <a:lnRef idx="2">
+              <a:schemeClr val="accent1"/>
+            </a:lnRef>
+            <a:fillRef idx="1">
+              <a:schemeClr val="lt1"/>
+            </a:fillRef>
+            <a:effectRef idx="0">
+              <a:schemeClr val="accent1"/>
+            </a:effectRef>
+            <a:fontRef idx="minor">
+              <a:schemeClr val="dk1"/>
+            </a:fontRef>
+          </p:style>
+          <p:txBody>
+            <a:bodyPr rot="0" spcFirstLastPara="0" vertOverflow="overflow" horzOverflow="overflow" vert="horz" wrap="square" lIns="91440" tIns="45720" rIns="91440" bIns="45720" numCol="1" spcCol="0" rtlCol="0" fromWordArt="0" anchor="ctr" anchorCtr="0" forceAA="0" compatLnSpc="1">
+              <a:prstTxWarp prst="textNoShape">
+                <a:avLst/>
+              </a:prstTxWarp>
+              <a:noAutofit/>
+            </a:bodyPr>
+            <a:lstStyle/>
+            <a:p>
+              <a:pPr algn="ctr"/>
+              <a:r>
+                <a:rPr lang="en-US" dirty="0">
+                  <a:solidFill>
+                    <a:schemeClr val="tx1"/>
+                  </a:solidFill>
+                </a:rPr>
+                <a:t>in </a:t>
+              </a:r>
+              <a:r>
+                <a:rPr lang="en-US" b="1" dirty="0">
+                  <a:solidFill>
+                    <a:schemeClr val="tx1"/>
+                  </a:solidFill>
+                </a:rPr>
+                <a:t>recent</a:t>
+              </a:r>
+            </a:p>
+          </p:txBody>
+        </p:sp>
+      </p:grpSp>
+      <p:grpSp>
+        <p:nvGrpSpPr>
+          <p:cNvPr id="31" name="Group 30"/>
+          <p:cNvGrpSpPr/>
+          <p:nvPr/>
+        </p:nvGrpSpPr>
+        <p:grpSpPr>
+          <a:xfrm>
+            <a:off x="631596" y="6174097"/>
+            <a:ext cx="1933338" cy="323124"/>
+            <a:chOff x="631596" y="5553510"/>
+            <a:chExt cx="1933338" cy="323124"/>
+          </a:xfrm>
+        </p:grpSpPr>
+        <p:sp>
+          <p:nvSpPr>
+            <p:cNvPr id="96" name="Oval 95"/>
+            <p:cNvSpPr/>
+            <p:nvPr/>
+          </p:nvSpPr>
+          <p:spPr>
+            <a:xfrm>
+              <a:off x="631596" y="5553510"/>
+              <a:ext cx="302048" cy="299453"/>
+            </a:xfrm>
+            <a:prstGeom prst="ellipse">
+              <a:avLst/>
+            </a:prstGeom>
+            <a:solidFill>
+              <a:schemeClr val="accent2">
+                <a:lumMod val="60000"/>
+                <a:lumOff val="40000"/>
+                <a:alpha val="98000"/>
+              </a:schemeClr>
+            </a:solidFill>
+            <a:ln w="12700">
+              <a:solidFill>
+                <a:schemeClr val="tx1"/>
+              </a:solidFill>
+            </a:ln>
+          </p:spPr>
+          <p:style>
+            <a:lnRef idx="2">
+              <a:schemeClr val="accent1">
+                <a:shade val="50000"/>
+              </a:schemeClr>
+            </a:lnRef>
+            <a:fillRef idx="1">
+              <a:schemeClr val="accent1"/>
+            </a:fillRef>
+            <a:effectRef idx="0">
+              <a:schemeClr val="accent1"/>
+            </a:effectRef>
+            <a:fontRef idx="minor">
+              <a:schemeClr val="lt1"/>
+            </a:fontRef>
+          </p:style>
+          <p:txBody>
+            <a:bodyPr rtlCol="0" anchor="ctr"/>
+            <a:lstStyle/>
+            <a:p>
+              <a:pPr algn="ctr"/>
+              <a:endParaRPr lang="en-US" sz="2400" dirty="0">
+                <a:solidFill>
+                  <a:schemeClr val="tx1"/>
+                </a:solidFill>
+              </a:endParaRPr>
+            </a:p>
+          </p:txBody>
+        </p:sp>
+        <p:sp>
+          <p:nvSpPr>
+            <p:cNvPr id="101" name="Rectangle 100"/>
+            <p:cNvSpPr/>
+            <p:nvPr/>
+          </p:nvSpPr>
+          <p:spPr>
+            <a:xfrm>
+              <a:off x="1193382" y="5577181"/>
+              <a:ext cx="1371552" cy="299453"/>
+            </a:xfrm>
+            <a:prstGeom prst="rect">
+              <a:avLst/>
+            </a:prstGeom>
+            <a:solidFill>
+              <a:schemeClr val="accent1">
+                <a:lumMod val="20000"/>
+                <a:lumOff val="80000"/>
+              </a:schemeClr>
+            </a:solidFill>
+            <a:ln>
+              <a:noFill/>
+            </a:ln>
+          </p:spPr>
+          <p:style>
+            <a:lnRef idx="2">
+              <a:schemeClr val="accent1"/>
+            </a:lnRef>
+            <a:fillRef idx="1">
+              <a:schemeClr val="lt1"/>
+            </a:fillRef>
+            <a:effectRef idx="0">
+              <a:schemeClr val="accent1"/>
+            </a:effectRef>
+            <a:fontRef idx="minor">
+              <a:schemeClr val="dk1"/>
+            </a:fontRef>
+          </p:style>
+          <p:txBody>
+            <a:bodyPr rot="0" spcFirstLastPara="0" vertOverflow="overflow" horzOverflow="overflow" vert="horz" wrap="square" lIns="91440" tIns="45720" rIns="91440" bIns="45720" numCol="1" spcCol="0" rtlCol="0" fromWordArt="0" anchor="ctr" anchorCtr="0" forceAA="0" compatLnSpc="1">
+              <a:prstTxWarp prst="textNoShape">
+                <a:avLst/>
+              </a:prstTxWarp>
+              <a:noAutofit/>
+            </a:bodyPr>
+            <a:lstStyle/>
+            <a:p>
+              <a:pPr algn="ctr"/>
+              <a:r>
+                <a:rPr lang="en-US" dirty="0">
+                  <a:solidFill>
+                    <a:schemeClr val="tx1"/>
+                  </a:solidFill>
+                </a:rPr>
+                <a:t>in </a:t>
+              </a:r>
+              <a:r>
+                <a:rPr lang="en-US" b="1" dirty="0">
+                  <a:solidFill>
+                    <a:schemeClr val="tx1"/>
+                  </a:solidFill>
+                </a:rPr>
+                <a:t>reached</a:t>
+              </a:r>
+            </a:p>
+          </p:txBody>
+        </p:sp>
+      </p:grpSp>
+      <p:grpSp>
+        <p:nvGrpSpPr>
+          <p:cNvPr id="29" name="Group 28"/>
+          <p:cNvGrpSpPr/>
+          <p:nvPr/>
+        </p:nvGrpSpPr>
+        <p:grpSpPr>
+          <a:xfrm>
+            <a:off x="631596" y="4395175"/>
+            <a:ext cx="1933338" cy="306515"/>
+            <a:chOff x="631596" y="4395175"/>
+            <a:chExt cx="1933338" cy="306515"/>
+          </a:xfrm>
+        </p:grpSpPr>
+        <p:sp>
+          <p:nvSpPr>
+            <p:cNvPr id="100" name="Oval 99"/>
+            <p:cNvSpPr/>
+            <p:nvPr/>
+          </p:nvSpPr>
+          <p:spPr>
+            <a:xfrm>
+              <a:off x="631596" y="4395175"/>
+              <a:ext cx="302048" cy="299453"/>
+            </a:xfrm>
+            <a:prstGeom prst="ellipse">
+              <a:avLst/>
+            </a:prstGeom>
+            <a:solidFill>
+              <a:schemeClr val="bg1"/>
+            </a:solidFill>
+            <a:ln w="12700">
+              <a:solidFill>
+                <a:schemeClr val="tx1"/>
+              </a:solidFill>
+            </a:ln>
+          </p:spPr>
+          <p:style>
+            <a:lnRef idx="2">
+              <a:schemeClr val="accent1">
+                <a:shade val="50000"/>
+              </a:schemeClr>
+            </a:lnRef>
+            <a:fillRef idx="1">
+              <a:schemeClr val="accent1"/>
+            </a:fillRef>
+            <a:effectRef idx="0">
+              <a:schemeClr val="accent1"/>
+            </a:effectRef>
+            <a:fontRef idx="minor">
+              <a:schemeClr val="lt1"/>
+            </a:fontRef>
+          </p:style>
+          <p:txBody>
+            <a:bodyPr rtlCol="0" anchor="ctr"/>
+            <a:lstStyle/>
+            <a:p>
+              <a:pPr algn="ctr"/>
+              <a:endParaRPr lang="en-US" sz="2400" dirty="0">
+                <a:solidFill>
+                  <a:schemeClr val="tx1"/>
+                </a:solidFill>
+              </a:endParaRPr>
+            </a:p>
+          </p:txBody>
+        </p:sp>
+        <p:sp>
+          <p:nvSpPr>
+            <p:cNvPr id="102" name="Rectangle 101"/>
+            <p:cNvSpPr/>
+            <p:nvPr/>
+          </p:nvSpPr>
+          <p:spPr>
+            <a:xfrm>
+              <a:off x="1149147" y="4402237"/>
+              <a:ext cx="1415787" cy="299453"/>
+            </a:xfrm>
+            <a:prstGeom prst="rect">
+              <a:avLst/>
+            </a:prstGeom>
+            <a:solidFill>
+              <a:schemeClr val="accent1">
+                <a:lumMod val="20000"/>
+                <a:lumOff val="80000"/>
+              </a:schemeClr>
+            </a:solidFill>
+            <a:ln>
+              <a:noFill/>
+            </a:ln>
+          </p:spPr>
+          <p:style>
+            <a:lnRef idx="2">
+              <a:schemeClr val="accent1"/>
+            </a:lnRef>
+            <a:fillRef idx="1">
+              <a:schemeClr val="lt1"/>
+            </a:fillRef>
+            <a:effectRef idx="0">
+              <a:schemeClr val="accent1"/>
+            </a:effectRef>
+            <a:fontRef idx="minor">
+              <a:schemeClr val="dk1"/>
+            </a:fontRef>
+          </p:style>
+          <p:txBody>
+            <a:bodyPr rot="0" spcFirstLastPara="0" vertOverflow="overflow" horzOverflow="overflow" vert="horz" wrap="square" lIns="91440" tIns="45720" rIns="91440" bIns="45720" numCol="1" spcCol="0" rtlCol="0" fromWordArt="0" anchor="ctr" anchorCtr="0" forceAA="0" compatLnSpc="1">
+              <a:prstTxWarp prst="textNoShape">
+                <a:avLst/>
+              </a:prstTxWarp>
+              <a:noAutofit/>
+            </a:bodyPr>
+            <a:lstStyle/>
+            <a:p>
+              <a:pPr algn="ctr"/>
+              <a:r>
+                <a:rPr lang="en-US" dirty="0">
+                  <a:solidFill>
+                    <a:schemeClr val="tx1"/>
+                  </a:solidFill>
+                </a:rPr>
+                <a:t>unexplored</a:t>
+              </a:r>
+            </a:p>
+          </p:txBody>
+        </p:sp>
+      </p:grpSp>
+      <p:sp>
+        <p:nvSpPr>
+          <p:cNvPr id="28" name="Right Arrow 27"/>
+          <p:cNvSpPr/>
+          <p:nvPr/>
+        </p:nvSpPr>
+        <p:spPr>
+          <a:xfrm>
+            <a:off x="2165573" y="2585265"/>
+            <a:ext cx="457200" cy="628269"/>
+          </a:xfrm>
+          <a:prstGeom prst="rightArrow">
+            <a:avLst/>
+          </a:prstGeom>
+          <a:solidFill>
+            <a:schemeClr val="accent6">
+              <a:lumMod val="20000"/>
+              <a:lumOff val="80000"/>
+            </a:schemeClr>
+          </a:solidFill>
+          <a:ln w="12700">
+            <a:solidFill>
+              <a:schemeClr val="tx1"/>
+            </a:solidFill>
+          </a:ln>
+        </p:spPr>
+        <p:style>
+          <a:lnRef idx="2">
+            <a:schemeClr val="accent1"/>
+          </a:lnRef>
+          <a:fillRef idx="1">
+            <a:schemeClr val="lt1"/>
+          </a:fillRef>
+          <a:effectRef idx="0">
+            <a:schemeClr val="accent1"/>
+          </a:effectRef>
+          <a:fontRef idx="minor">
+            <a:schemeClr val="dk1"/>
+          </a:fontRef>
+        </p:style>
+        <p:txBody>
+          <a:bodyPr rot="0" spcFirstLastPara="0" vertOverflow="overflow" horzOverflow="overflow" vert="horz" wrap="square" lIns="91440" tIns="45720" rIns="91440" bIns="45720" numCol="1" spcCol="0" rtlCol="0" fromWordArt="0" anchor="ctr" anchorCtr="0" forceAA="0" compatLnSpc="1">
+            <a:prstTxWarp prst="textNoShape">
+              <a:avLst/>
+            </a:prstTxWarp>
+            <a:noAutofit/>
+          </a:bodyPr>
+          <a:lstStyle/>
+          <a:p>
+            <a:pPr algn="ctr"/>
+            <a:endParaRPr lang="en-US" dirty="0">
+              <a:solidFill>
+                <a:schemeClr val="tx1"/>
+              </a:solidFill>
+            </a:endParaRPr>
+          </a:p>
+        </p:txBody>
+      </p:sp>
+      <p:sp>
+        <p:nvSpPr>
+          <p:cNvPr id="104" name="Right Arrow 103"/>
+          <p:cNvSpPr/>
+          <p:nvPr/>
+        </p:nvSpPr>
+        <p:spPr>
+          <a:xfrm>
+            <a:off x="6056983" y="2575695"/>
+            <a:ext cx="457200" cy="628269"/>
+          </a:xfrm>
+          <a:prstGeom prst="rightArrow">
+            <a:avLst/>
+          </a:prstGeom>
+          <a:solidFill>
+            <a:schemeClr val="accent6">
+              <a:lumMod val="20000"/>
+              <a:lumOff val="80000"/>
+            </a:schemeClr>
+          </a:solidFill>
+          <a:ln w="12700">
+            <a:solidFill>
+              <a:schemeClr val="tx1"/>
+            </a:solidFill>
+          </a:ln>
+        </p:spPr>
+        <p:style>
+          <a:lnRef idx="2">
+            <a:schemeClr val="accent1"/>
+          </a:lnRef>
+          <a:fillRef idx="1">
+            <a:schemeClr val="lt1"/>
+          </a:fillRef>
+          <a:effectRef idx="0">
+            <a:schemeClr val="accent1"/>
+          </a:effectRef>
+          <a:fontRef idx="minor">
+            <a:schemeClr val="dk1"/>
+          </a:fontRef>
+        </p:style>
+        <p:txBody>
+          <a:bodyPr rot="0" spcFirstLastPara="0" vertOverflow="overflow" horzOverflow="overflow" vert="horz" wrap="square" lIns="91440" tIns="45720" rIns="91440" bIns="45720" numCol="1" spcCol="0" rtlCol="0" fromWordArt="0" anchor="ctr" anchorCtr="0" forceAA="0" compatLnSpc="1">
+            <a:prstTxWarp prst="textNoShape">
+              <a:avLst/>
+            </a:prstTxWarp>
+            <a:noAutofit/>
+          </a:bodyPr>
+          <a:lstStyle/>
+          <a:p>
+            <a:pPr algn="ctr"/>
+            <a:endParaRPr lang="en-US" dirty="0">
+              <a:solidFill>
+                <a:schemeClr val="tx1"/>
+              </a:solidFill>
+            </a:endParaRPr>
+          </a:p>
+        </p:txBody>
+      </p:sp>
+      <p:sp>
+        <p:nvSpPr>
+          <p:cNvPr id="105" name="Right Arrow 104"/>
+          <p:cNvSpPr/>
+          <p:nvPr/>
+        </p:nvSpPr>
+        <p:spPr>
+          <a:xfrm>
+            <a:off x="4136517" y="2575696"/>
+            <a:ext cx="457200" cy="628269"/>
+          </a:xfrm>
+          <a:prstGeom prst="rightArrow">
+            <a:avLst/>
+          </a:prstGeom>
+          <a:solidFill>
+            <a:schemeClr val="accent6">
+              <a:lumMod val="20000"/>
+              <a:lumOff val="80000"/>
+            </a:schemeClr>
+          </a:solidFill>
+          <a:ln w="12700">
+            <a:solidFill>
+              <a:schemeClr val="tx1"/>
+            </a:solidFill>
+          </a:ln>
+        </p:spPr>
+        <p:style>
+          <a:lnRef idx="2">
+            <a:schemeClr val="accent1"/>
+          </a:lnRef>
+          <a:fillRef idx="1">
+            <a:schemeClr val="lt1"/>
+          </a:fillRef>
+          <a:effectRef idx="0">
+            <a:schemeClr val="accent1"/>
+          </a:effectRef>
+          <a:fontRef idx="minor">
+            <a:schemeClr val="dk1"/>
+          </a:fontRef>
+        </p:style>
+        <p:txBody>
+          <a:bodyPr rot="0" spcFirstLastPara="0" vertOverflow="overflow" horzOverflow="overflow" vert="horz" wrap="square" lIns="91440" tIns="45720" rIns="91440" bIns="45720" numCol="1" spcCol="0" rtlCol="0" fromWordArt="0" anchor="ctr" anchorCtr="0" forceAA="0" compatLnSpc="1">
+            <a:prstTxWarp prst="textNoShape">
+              <a:avLst/>
+            </a:prstTxWarp>
+            <a:noAutofit/>
+          </a:bodyPr>
+          <a:lstStyle/>
+          <a:p>
+            <a:pPr algn="ctr"/>
+            <a:endParaRPr lang="en-US" dirty="0">
+              <a:solidFill>
+                <a:schemeClr val="tx1"/>
+              </a:solidFill>
+            </a:endParaRPr>
+          </a:p>
+        </p:txBody>
+      </p:sp>
+      <p:sp>
+        <p:nvSpPr>
+          <p:cNvPr id="109" name="Right Arrow 108"/>
+          <p:cNvSpPr/>
+          <p:nvPr/>
+        </p:nvSpPr>
+        <p:spPr>
+          <a:xfrm rot="5400000">
+            <a:off x="1510126" y="4680524"/>
+            <a:ext cx="457200" cy="628269"/>
+          </a:xfrm>
+          <a:prstGeom prst="rightArrow">
+            <a:avLst/>
+          </a:prstGeom>
+          <a:solidFill>
+            <a:schemeClr val="accent6">
+              <a:lumMod val="20000"/>
+              <a:lumOff val="80000"/>
+            </a:schemeClr>
+          </a:solidFill>
+          <a:ln w="12700">
+            <a:solidFill>
+              <a:schemeClr val="tx1"/>
+            </a:solidFill>
+          </a:ln>
+        </p:spPr>
+        <p:style>
+          <a:lnRef idx="2">
+            <a:schemeClr val="accent1"/>
+          </a:lnRef>
+          <a:fillRef idx="1">
+            <a:schemeClr val="lt1"/>
+          </a:fillRef>
+          <a:effectRef idx="0">
+            <a:schemeClr val="accent1"/>
+          </a:effectRef>
+          <a:fontRef idx="minor">
+            <a:schemeClr val="dk1"/>
+          </a:fontRef>
+        </p:style>
+        <p:txBody>
+          <a:bodyPr rot="0" spcFirstLastPara="0" vertOverflow="overflow" horzOverflow="overflow" vert="horz" wrap="square" lIns="91440" tIns="45720" rIns="91440" bIns="45720" numCol="1" spcCol="0" rtlCol="0" fromWordArt="0" anchor="ctr" anchorCtr="0" forceAA="0" compatLnSpc="1">
+            <a:prstTxWarp prst="textNoShape">
+              <a:avLst/>
+            </a:prstTxWarp>
+            <a:noAutofit/>
+          </a:bodyPr>
+          <a:lstStyle/>
+          <a:p>
+            <a:pPr algn="ctr"/>
+            <a:endParaRPr lang="en-US" dirty="0">
+              <a:solidFill>
+                <a:schemeClr val="tx1"/>
+              </a:solidFill>
+            </a:endParaRPr>
+          </a:p>
+        </p:txBody>
+      </p:sp>
+      <p:sp>
+        <p:nvSpPr>
+          <p:cNvPr id="153" name="Right Arrow 152"/>
+          <p:cNvSpPr/>
+          <p:nvPr/>
+        </p:nvSpPr>
+        <p:spPr>
+          <a:xfrm rot="5400000">
+            <a:off x="1501591" y="5578560"/>
+            <a:ext cx="457200" cy="628269"/>
+          </a:xfrm>
+          <a:prstGeom prst="rightArrow">
+            <a:avLst/>
+          </a:prstGeom>
+          <a:solidFill>
+            <a:schemeClr val="accent6">
+              <a:lumMod val="20000"/>
+              <a:lumOff val="80000"/>
+            </a:schemeClr>
+          </a:solidFill>
+          <a:ln w="12700">
+            <a:solidFill>
+              <a:schemeClr val="tx1"/>
+            </a:solidFill>
+          </a:ln>
+        </p:spPr>
+        <p:style>
+          <a:lnRef idx="2">
+            <a:schemeClr val="accent1"/>
+          </a:lnRef>
+          <a:fillRef idx="1">
+            <a:schemeClr val="lt1"/>
+          </a:fillRef>
+          <a:effectRef idx="0">
+            <a:schemeClr val="accent1"/>
+          </a:effectRef>
+          <a:fontRef idx="minor">
+            <a:schemeClr val="dk1"/>
+          </a:fontRef>
+        </p:style>
+        <p:txBody>
+          <a:bodyPr rot="0" spcFirstLastPara="0" vertOverflow="overflow" horzOverflow="overflow" vert="horz" wrap="square" lIns="91440" tIns="45720" rIns="91440" bIns="45720" numCol="1" spcCol="0" rtlCol="0" fromWordArt="0" anchor="ctr" anchorCtr="0" forceAA="0" compatLnSpc="1">
+            <a:prstTxWarp prst="textNoShape">
+              <a:avLst/>
+            </a:prstTxWarp>
+            <a:noAutofit/>
+          </a:bodyPr>
+          <a:lstStyle/>
+          <a:p>
+            <a:pPr algn="ctr"/>
+            <a:endParaRPr lang="en-US" dirty="0">
+              <a:solidFill>
+                <a:schemeClr val="tx1"/>
+              </a:solidFill>
+            </a:endParaRPr>
+          </a:p>
+        </p:txBody>
+      </p:sp>
+    </p:spTree>
+    <p:extLst>
+      <p:ext uri="{BB962C8B-B14F-4D97-AF65-F5344CB8AC3E}">
+        <p14:creationId xmlns:p14="http://schemas.microsoft.com/office/powerpoint/2010/main" val="153231444"/>
+      </p:ext>
+    </p:extLst>
+  </p:cSld>
+  <p:clrMapOvr>
+    <a:masterClrMapping/>
+  </p:clrMapOvr>
+</p:sld>
+</file>
+
+<file path=ppt/slides/slide27.xml><?xml version="1.0" encoding="utf-8"?>
+<p:sld xmlns:a="http://schemas.openxmlformats.org/drawingml/2006/main" xmlns:r="http://schemas.openxmlformats.org/officeDocument/2006/relationships" xmlns:p="http://schemas.openxmlformats.org/presentationml/2006/main">
+  <p:cSld>
+    <p:spTree>
+      <p:nvGrpSpPr>
+        <p:cNvPr id="1" name=""/>
+        <p:cNvGrpSpPr/>
+        <p:nvPr/>
+      </p:nvGrpSpPr>
+      <p:grpSpPr>
+        <a:xfrm>
+          <a:off x="0" y="0"/>
+          <a:ext cx="0" cy="0"/>
+          <a:chOff x="0" y="0"/>
+          <a:chExt cx="0" cy="0"/>
+        </a:xfrm>
+      </p:grpSpPr>
+      <p:sp>
+        <p:nvSpPr>
+          <p:cNvPr id="2" name="Title 1"/>
+          <p:cNvSpPr>
+            <a:spLocks noGrp="1"/>
+          </p:cNvSpPr>
+          <p:nvPr>
+            <p:ph type="title"/>
+          </p:nvPr>
+        </p:nvSpPr>
+        <p:spPr/>
+        <p:txBody>
+          <a:bodyPr/>
+          <a:lstStyle/>
+          <a:p>
+            <a:r>
+              <a:rPr lang="en-US" dirty="0"/>
+              <a:t>Correctness Reasoning</a:t>
+            </a:r>
+          </a:p>
+        </p:txBody>
+      </p:sp>
+      <mc:AlternateContent xmlns:mc="http://schemas.openxmlformats.org/markup-compatibility/2006">
+        <mc:Choice xmlns:a14="http://schemas.microsoft.com/office/drawing/2010/main" Requires="a14">
+          <p:sp>
+            <p:nvSpPr>
+              <p:cNvPr id="5" name="Content Placeholder 4"/>
+              <p:cNvSpPr>
+                <a:spLocks noGrp="1"/>
+              </p:cNvSpPr>
+              <p:nvPr>
+                <p:ph idx="1"/>
+              </p:nvPr>
+            </p:nvSpPr>
+            <p:spPr/>
+            <p:txBody>
+              <a:bodyPr>
+                <a:normAutofit fontScale="85000" lnSpcReduction="10000"/>
+              </a:bodyPr>
+              <a:lstStyle/>
+              <a:p>
+                <a:r>
+                  <a:rPr lang="en-US" dirty="0"/>
+                  <a:t>If the invariant is true, then </a:t>
+                </a:r>
+                <a:r>
+                  <a:rPr lang="en-US" b="1" dirty="0"/>
+                  <a:t>next</a:t>
+                </a:r>
+                <a:r>
+                  <a:rPr lang="en-US" dirty="0"/>
+                  <a:t> is the set of the nodes reachable from </a:t>
+                </a:r>
+                <a14:m>
+                  <m:oMath xmlns:m="http://schemas.openxmlformats.org/officeDocument/2006/math">
+                    <m:r>
+                      <a:rPr lang="en-US" i="1" dirty="0" smtClean="0">
+                        <a:latin typeface="Cambria Math" panose="02040503050406030204" pitchFamily="18" charset="0"/>
+                      </a:rPr>
+                      <m:t>𝑆</m:t>
+                    </m:r>
+                  </m:oMath>
+                </a14:m>
+                <a:r>
+                  <a:rPr lang="en-US" dirty="0"/>
+                  <a:t> in fewer than </a:t>
+                </a:r>
+                <a14:m>
+                  <m:oMath xmlns:m="http://schemas.openxmlformats.org/officeDocument/2006/math">
+                    <m:r>
+                      <a:rPr lang="en-US" i="1" dirty="0" smtClean="0">
+                        <a:latin typeface="Cambria Math" panose="02040503050406030204" pitchFamily="18" charset="0"/>
+                      </a:rPr>
+                      <m:t>𝑛</m:t>
+                    </m:r>
+                    <m:r>
+                      <a:rPr lang="en-US" i="1" dirty="0" smtClean="0">
+                        <a:latin typeface="Cambria Math" panose="02040503050406030204" pitchFamily="18" charset="0"/>
+                      </a:rPr>
+                      <m:t>+1</m:t>
+                    </m:r>
+                  </m:oMath>
+                </a14:m>
+                <a:r>
+                  <a:rPr lang="en-US" dirty="0"/>
+                  <a:t> steps but not in fewer than </a:t>
+                </a:r>
+                <a14:m>
+                  <m:oMath xmlns:m="http://schemas.openxmlformats.org/officeDocument/2006/math">
+                    <m:r>
+                      <a:rPr lang="en-US" i="1" dirty="0" smtClean="0">
+                        <a:latin typeface="Cambria Math" panose="02040503050406030204" pitchFamily="18" charset="0"/>
+                      </a:rPr>
+                      <m:t>𝑛</m:t>
+                    </m:r>
+                  </m:oMath>
+                </a14:m>
+                <a:r>
+                  <a:rPr lang="en-US" dirty="0"/>
+                  <a:t> steps.   </a:t>
+                </a:r>
+              </a:p>
+              <a:p>
+                <a:r>
+                  <a:rPr lang="en-US" dirty="0"/>
+                  <a:t>If there are no more nodes reachable in </a:t>
+                </a:r>
+                <a14:m>
+                  <m:oMath xmlns:m="http://schemas.openxmlformats.org/officeDocument/2006/math">
+                    <m:r>
+                      <a:rPr lang="en-US" i="1" dirty="0" smtClean="0">
+                        <a:latin typeface="Cambria Math" panose="02040503050406030204" pitchFamily="18" charset="0"/>
+                      </a:rPr>
+                      <m:t>𝑛</m:t>
+                    </m:r>
+                    <m:r>
+                      <a:rPr lang="en-US" i="1" dirty="0" smtClean="0">
+                        <a:latin typeface="Cambria Math" panose="02040503050406030204" pitchFamily="18" charset="0"/>
+                      </a:rPr>
+                      <m:t>+1 </m:t>
+                    </m:r>
+                  </m:oMath>
+                </a14:m>
+                <a:r>
+                  <a:rPr lang="en-US" dirty="0"/>
+                  <a:t>steps than in </a:t>
+                </a:r>
+                <a14:m>
+                  <m:oMath xmlns:m="http://schemas.openxmlformats.org/officeDocument/2006/math">
+                    <m:r>
+                      <a:rPr lang="en-US" i="1" dirty="0" smtClean="0">
+                        <a:latin typeface="Cambria Math" panose="02040503050406030204" pitchFamily="18" charset="0"/>
+                      </a:rPr>
+                      <m:t>𝑛</m:t>
+                    </m:r>
+                  </m:oMath>
+                </a14:m>
+                <a:r>
+                  <a:rPr lang="en-US" dirty="0"/>
+                  <a:t> steps, then we have found all the reachable nodes.</a:t>
+                </a:r>
+              </a:p>
+              <a:p>
+                <a:r>
+                  <a:rPr lang="en-US" dirty="0"/>
+                  <a:t>Otherwise, since </a:t>
+                </a:r>
+                <a:r>
+                  <a:rPr lang="en-US" b="1" dirty="0"/>
+                  <a:t>next</a:t>
+                </a:r>
+                <a:r>
+                  <a:rPr lang="en-US" dirty="0"/>
+                  <a:t> and </a:t>
+                </a:r>
+                <a:r>
+                  <a:rPr lang="en-US" b="1" dirty="0"/>
+                  <a:t>reachable</a:t>
+                </a:r>
+                <a:r>
+                  <a:rPr lang="en-US" dirty="0"/>
+                  <a:t> are disjoint, then </a:t>
+                </a:r>
+                <a:r>
+                  <a:rPr lang="en-US" b="1" dirty="0"/>
+                  <a:t>(append next reachable)</a:t>
+                </a:r>
+                <a:r>
+                  <a:rPr lang="en-US" dirty="0"/>
+                  <a:t> is a set (that is, no duplications), and is the set of nodes reachable from </a:t>
+                </a:r>
+                <a14:m>
+                  <m:oMath xmlns:m="http://schemas.openxmlformats.org/officeDocument/2006/math">
+                    <m:r>
+                      <a:rPr lang="en-US" i="1" dirty="0" smtClean="0">
+                        <a:latin typeface="Cambria Math" panose="02040503050406030204" pitchFamily="18" charset="0"/>
+                      </a:rPr>
+                      <m:t>𝑆</m:t>
+                    </m:r>
+                  </m:oMath>
+                </a14:m>
+                <a:r>
+                  <a:rPr lang="en-US" dirty="0"/>
+                  <a:t> in fewer than </a:t>
+                </a:r>
+                <a14:m>
+                  <m:oMath xmlns:m="http://schemas.openxmlformats.org/officeDocument/2006/math">
+                    <m:r>
+                      <a:rPr lang="en-US" i="1" dirty="0" smtClean="0">
+                        <a:latin typeface="Cambria Math" panose="02040503050406030204" pitchFamily="18" charset="0"/>
+                      </a:rPr>
+                      <m:t>𝑛</m:t>
+                    </m:r>
+                    <m:r>
+                      <a:rPr lang="en-US" i="1" dirty="0" smtClean="0">
+                        <a:latin typeface="Cambria Math" panose="02040503050406030204" pitchFamily="18" charset="0"/>
+                      </a:rPr>
+                      <m:t>+1</m:t>
+                    </m:r>
+                  </m:oMath>
+                </a14:m>
+                <a:r>
+                  <a:rPr lang="en-US" dirty="0"/>
+                  <a:t> steps.  So the recursive call to </a:t>
+                </a:r>
+                <a:r>
+                  <a:rPr lang="en-US" b="1" dirty="0"/>
+                  <a:t>reachables1</a:t>
+                </a:r>
+                <a:r>
+                  <a:rPr lang="en-US" dirty="0"/>
+                  <a:t> satisfies the invariant.</a:t>
+                </a:r>
+              </a:p>
+            </p:txBody>
+          </p:sp>
+        </mc:Choice>
+        <mc:Fallback>
+          <p:sp>
+            <p:nvSpPr>
+              <p:cNvPr id="5" name="Content Placeholder 4"/>
+              <p:cNvSpPr>
+                <a:spLocks noGrp="1" noRot="1" noChangeAspect="1" noMove="1" noResize="1" noEditPoints="1" noAdjustHandles="1" noChangeArrowheads="1" noChangeShapeType="1" noTextEdit="1"/>
+              </p:cNvSpPr>
+              <p:nvPr>
+                <p:ph idx="1"/>
+              </p:nvPr>
+            </p:nvSpPr>
+            <p:spPr>
+              <a:blipFill>
+                <a:blip r:embed="rId2"/>
+                <a:stretch>
+                  <a:fillRect l="-1259" t="-2156" r="-1630"/>
+                </a:stretch>
+              </a:blipFill>
+            </p:spPr>
+            <p:txBody>
+              <a:bodyPr/>
+              <a:lstStyle/>
+              <a:p>
+                <a:r>
+                  <a:rPr lang="en-US">
+                    <a:noFill/>
+                  </a:rPr>
+                  <a:t> </a:t>
+                </a:r>
+              </a:p>
+            </p:txBody>
+          </p:sp>
+        </mc:Fallback>
+      </mc:AlternateContent>
+      <p:sp>
+        <p:nvSpPr>
+          <p:cNvPr id="4" name="Slide Number Placeholder 3"/>
+          <p:cNvSpPr>
+            <a:spLocks noGrp="1"/>
+          </p:cNvSpPr>
+          <p:nvPr>
+            <p:ph type="sldNum" sz="quarter" idx="12"/>
+          </p:nvPr>
+        </p:nvSpPr>
+        <p:spPr/>
+        <p:txBody>
+          <a:bodyPr/>
+          <a:lstStyle/>
+          <a:p>
+            <a:fld id="{2AF3B5EA-18B6-4040-9F78-6052AF49C681}" type="slidenum">
+              <a:rPr lang="en-US" smtClean="0"/>
+              <a:t>27</a:t>
+            </a:fld>
+            <a:endParaRPr lang="en-US"/>
+          </a:p>
+        </p:txBody>
+      </p:sp>
+    </p:spTree>
+    <p:extLst>
+      <p:ext uri="{BB962C8B-B14F-4D97-AF65-F5344CB8AC3E}">
+        <p14:creationId xmlns:p14="http://schemas.microsoft.com/office/powerpoint/2010/main" val="3209472938"/>
+      </p:ext>
+    </p:extLst>
+  </p:cSld>
+  <p:clrMapOvr>
+    <a:masterClrMapping/>
+  </p:clrMapOvr>
+</p:sld>
+</file>
+
+<file path=ppt/slides/slide28.xml><?xml version="1.0" encoding="utf-8"?>
+<p:sld xmlns:a="http://schemas.openxmlformats.org/drawingml/2006/main" xmlns:r="http://schemas.openxmlformats.org/officeDocument/2006/relationships" xmlns:p="http://schemas.openxmlformats.org/presentationml/2006/main">
+  <p:cSld>
+    <p:spTree>
+      <p:nvGrpSpPr>
+        <p:cNvPr id="1" name=""/>
+        <p:cNvGrpSpPr/>
+        <p:nvPr/>
+      </p:nvGrpSpPr>
+      <p:grpSpPr>
+        <a:xfrm>
+          <a:off x="0" y="0"/>
+          <a:ext cx="0" cy="0"/>
+          <a:chOff x="0" y="0"/>
+          <a:chExt cx="0" cy="0"/>
+        </a:xfrm>
+      </p:grpSpPr>
+      <p:sp>
+        <p:nvSpPr>
+          <p:cNvPr id="2" name="Title 1"/>
+          <p:cNvSpPr>
+            <a:spLocks noGrp="1"/>
+          </p:cNvSpPr>
+          <p:nvPr>
+            <p:ph type="title"/>
+          </p:nvPr>
+        </p:nvSpPr>
+        <p:spPr/>
+        <p:txBody>
+          <a:bodyPr/>
+          <a:lstStyle/>
+          <a:p>
+            <a:r>
+              <a:rPr lang="en-US" dirty="0"/>
+              <a:t>Termination Reasoning</a:t>
             </a:r>
           </a:p>
         </p:txBody>
@@ -16736,90 +22218,78 @@
           </a:bodyPr>
           <a:lstStyle/>
           <a:p>
-            <a:pPr>
-              <a:spcBef>
-                <a:spcPts val="0"/>
-              </a:spcBef>
-            </a:pPr>
-            <a:r>
-              <a:rPr lang="en-US" sz="2800" dirty="0"/>
-              <a:t>;; we initialize newest to nodes since</a:t>
-            </a:r>
-          </a:p>
-          <a:p>
-            <a:pPr>
-              <a:spcBef>
-                <a:spcPts val="0"/>
-              </a:spcBef>
-            </a:pPr>
-            <a:r>
-              <a:rPr lang="en-US" sz="2800" dirty="0"/>
-              <a:t>;; initially all the nodes are new.</a:t>
-            </a:r>
-          </a:p>
-          <a:p>
-            <a:pPr>
-              <a:spcBef>
-                <a:spcPts val="0"/>
-              </a:spcBef>
-            </a:pPr>
-            <a:endParaRPr lang="en-US" sz="2800" dirty="0"/>
-          </a:p>
-          <a:p>
-            <a:pPr>
-              <a:spcBef>
-                <a:spcPts val="0"/>
-              </a:spcBef>
-            </a:pPr>
-            <a:r>
-              <a:rPr lang="en-US" sz="2800" dirty="0"/>
-              <a:t>;; STRATEGY: Call more general function</a:t>
-            </a:r>
-          </a:p>
-          <a:p>
-            <a:pPr>
-              <a:spcBef>
-                <a:spcPts val="0"/>
-              </a:spcBef>
-            </a:pPr>
-            <a:endParaRPr lang="en-US" sz="2800" dirty="0"/>
-          </a:p>
-          <a:p>
-            <a:pPr>
-              <a:spcBef>
-                <a:spcPts val="0"/>
-              </a:spcBef>
-            </a:pPr>
-            <a:r>
-              <a:rPr lang="en-US" sz="2800" dirty="0"/>
-              <a:t>(define (</a:t>
-            </a:r>
-            <a:r>
-              <a:rPr lang="en-US" sz="2800" dirty="0" err="1"/>
-              <a:t>reachables</a:t>
-            </a:r>
-            <a:r>
-              <a:rPr lang="en-US" sz="2800" dirty="0"/>
-              <a:t> nodes graph)</a:t>
-            </a:r>
-          </a:p>
-          <a:p>
-            <a:pPr>
-              <a:spcBef>
-                <a:spcPts val="0"/>
-              </a:spcBef>
-            </a:pPr>
-            <a:r>
-              <a:rPr lang="en-US" sz="2800" dirty="0"/>
-              <a:t>  (reachables1 nodes </a:t>
-            </a:r>
-            <a:r>
-              <a:rPr lang="en-US" sz="2800" dirty="0" err="1"/>
-              <a:t>nodes</a:t>
-            </a:r>
-            <a:r>
-              <a:rPr lang="en-US" sz="2800" dirty="0"/>
-              <a:t> graph))</a:t>
+            <a:r>
+              <a:rPr lang="en-US" dirty="0"/>
+              <a:t>At the recursive call, the new value of reachable is </a:t>
+            </a:r>
+            <a:r>
+              <a:rPr lang="en-US" b="1" dirty="0"/>
+              <a:t>(append next reachable)</a:t>
+            </a:r>
+            <a:r>
+              <a:rPr lang="en-US" dirty="0"/>
+              <a:t>.</a:t>
+            </a:r>
+          </a:p>
+          <a:p>
+            <a:r>
+              <a:rPr lang="en-US" dirty="0"/>
+              <a:t>Since </a:t>
+            </a:r>
+            <a:r>
+              <a:rPr lang="en-US" b="1" dirty="0"/>
+              <a:t>next</a:t>
+            </a:r>
+            <a:r>
+              <a:rPr lang="en-US" dirty="0"/>
+              <a:t> is non-empty, </a:t>
+            </a:r>
+            <a:r>
+              <a:rPr lang="en-US" b="1" dirty="0"/>
+              <a:t>(append next reachable) </a:t>
+            </a:r>
+            <a:r>
+              <a:rPr lang="en-US" dirty="0"/>
+              <a:t>is longer than </a:t>
+            </a:r>
+            <a:r>
+              <a:rPr lang="en-US" b="1" dirty="0"/>
+              <a:t>reachable</a:t>
+            </a:r>
+            <a:r>
+              <a:rPr lang="en-US" dirty="0"/>
+              <a:t>.</a:t>
+            </a:r>
+            <a:endParaRPr lang="en-US" b="1" dirty="0"/>
+          </a:p>
+          <a:p>
+            <a:r>
+              <a:rPr lang="en-US" dirty="0"/>
+              <a:t>So at the recursive call the </a:t>
+            </a:r>
+            <a:r>
+              <a:rPr lang="en-US" dirty="0" err="1"/>
+              <a:t>the</a:t>
+            </a:r>
+            <a:r>
+              <a:rPr lang="en-US" dirty="0"/>
+              <a:t> number of nodes </a:t>
+            </a:r>
+            <a:r>
+              <a:rPr lang="en-US" i="1" dirty="0"/>
+              <a:t>not </a:t>
+            </a:r>
+            <a:r>
+              <a:rPr lang="en-US" dirty="0"/>
+              <a:t>in the new value of </a:t>
+            </a:r>
+            <a:r>
+              <a:rPr lang="en-US" b="1" dirty="0"/>
+              <a:t>reachable</a:t>
+            </a:r>
+            <a:r>
+              <a:rPr lang="en-US" dirty="0"/>
+              <a:t> is smaller than the old value.</a:t>
             </a:r>
           </a:p>
         </p:txBody>
@@ -16839,10 +22309,198 @@
           <a:bodyPr/>
           <a:lstStyle/>
           <a:p>
+            <a:fld id="{2AF3B5EA-18B6-4040-9F78-6052AF49C681}" type="slidenum">
+              <a:rPr lang="en-US" smtClean="0"/>
+              <a:t>28</a:t>
+            </a:fld>
+            <a:endParaRPr lang="en-US"/>
+          </a:p>
+        </p:txBody>
+      </p:sp>
+    </p:spTree>
+    <p:extLst>
+      <p:ext uri="{BB962C8B-B14F-4D97-AF65-F5344CB8AC3E}">
+        <p14:creationId xmlns:p14="http://schemas.microsoft.com/office/powerpoint/2010/main" val="4098643532"/>
+      </p:ext>
+    </p:extLst>
+  </p:cSld>
+  <p:clrMapOvr>
+    <a:masterClrMapping/>
+  </p:clrMapOvr>
+</p:sld>
+</file>
+
+<file path=ppt/slides/slide29.xml><?xml version="1.0" encoding="utf-8"?>
+<p:sld xmlns:a="http://schemas.openxmlformats.org/drawingml/2006/main" xmlns:r="http://schemas.openxmlformats.org/officeDocument/2006/relationships" xmlns:p="http://schemas.openxmlformats.org/presentationml/2006/main">
+  <p:cSld>
+    <p:spTree>
+      <p:nvGrpSpPr>
+        <p:cNvPr id="1" name=""/>
+        <p:cNvGrpSpPr/>
+        <p:nvPr/>
+      </p:nvGrpSpPr>
+      <p:grpSpPr>
+        <a:xfrm>
+          <a:off x="0" y="0"/>
+          <a:ext cx="0" cy="0"/>
+          <a:chOff x="0" y="0"/>
+          <a:chExt cx="0" cy="0"/>
+        </a:xfrm>
+      </p:grpSpPr>
+      <p:sp>
+        <p:nvSpPr>
+          <p:cNvPr id="2" name="Title 1"/>
+          <p:cNvSpPr>
+            <a:spLocks noGrp="1"/>
+          </p:cNvSpPr>
+          <p:nvPr>
+            <p:ph type="title"/>
+          </p:nvPr>
+        </p:nvSpPr>
+        <p:spPr/>
+        <p:txBody>
+          <a:bodyPr/>
+          <a:lstStyle/>
+          <a:p>
+            <a:r>
+              <a:rPr lang="en-US" dirty="0"/>
+              <a:t>Initializing the invariant</a:t>
+            </a:r>
+          </a:p>
+        </p:txBody>
+      </p:sp>
+      <p:sp>
+        <p:nvSpPr>
+          <p:cNvPr id="3" name="Content Placeholder 2"/>
+          <p:cNvSpPr>
+            <a:spLocks noGrp="1"/>
+          </p:cNvSpPr>
+          <p:nvPr>
+            <p:ph idx="1"/>
+          </p:nvPr>
+        </p:nvSpPr>
+        <p:spPr/>
+        <p:txBody>
+          <a:bodyPr>
+            <a:normAutofit/>
+          </a:bodyPr>
+          <a:lstStyle/>
+          <a:p>
+            <a:pPr>
+              <a:spcBef>
+                <a:spcPts val="0"/>
+              </a:spcBef>
+            </a:pPr>
+            <a:r>
+              <a:rPr lang="en-US" sz="2400" dirty="0"/>
+              <a:t>;; reachables.v2 : </a:t>
+            </a:r>
+            <a:r>
+              <a:rPr lang="en-US" sz="2400" dirty="0" err="1"/>
+              <a:t>SetOfNode</a:t>
+            </a:r>
+            <a:r>
+              <a:rPr lang="en-US" sz="2400" dirty="0"/>
+              <a:t> Graph -&gt; </a:t>
+            </a:r>
+            <a:r>
+              <a:rPr lang="en-US" sz="2400" dirty="0" err="1"/>
+              <a:t>SetOfNode</a:t>
+            </a:r>
+            <a:endParaRPr lang="en-US" sz="2400" dirty="0"/>
+          </a:p>
+          <a:p>
+            <a:pPr>
+              <a:spcBef>
+                <a:spcPts val="0"/>
+              </a:spcBef>
+            </a:pPr>
+            <a:r>
+              <a:rPr lang="en-US" sz="2400" dirty="0"/>
+              <a:t>;; GIVEN: A set of nodes in a finite graph</a:t>
+            </a:r>
+          </a:p>
+          <a:p>
+            <a:pPr>
+              <a:spcBef>
+                <a:spcPts val="0"/>
+              </a:spcBef>
+            </a:pPr>
+            <a:r>
+              <a:rPr lang="en-US" sz="2400" dirty="0"/>
+              <a:t>;; RETURNS: the set of nodes reachable from S.</a:t>
+            </a:r>
+          </a:p>
+          <a:p>
+            <a:pPr>
+              <a:spcBef>
+                <a:spcPts val="0"/>
+              </a:spcBef>
+            </a:pPr>
+            <a:r>
+              <a:rPr lang="en-US" sz="2400" dirty="0"/>
+              <a:t>;; STRATEGY: Call a more general function</a:t>
+            </a:r>
+          </a:p>
+          <a:p>
+            <a:pPr>
+              <a:spcBef>
+                <a:spcPts val="0"/>
+              </a:spcBef>
+            </a:pPr>
+            <a:endParaRPr lang="en-US" sz="2400" dirty="0"/>
+          </a:p>
+          <a:p>
+            <a:pPr>
+              <a:spcBef>
+                <a:spcPts val="0"/>
+              </a:spcBef>
+            </a:pPr>
+            <a:r>
+              <a:rPr lang="en-US" sz="2400" dirty="0"/>
+              <a:t>(define (reachables.v2 nodes g)</a:t>
+            </a:r>
+          </a:p>
+          <a:p>
+            <a:pPr>
+              <a:spcBef>
+                <a:spcPts val="0"/>
+              </a:spcBef>
+            </a:pPr>
+            <a:r>
+              <a:rPr lang="en-US" sz="2400" dirty="0"/>
+              <a:t>  (reachables1 empty nodes g))</a:t>
+            </a:r>
+          </a:p>
+          <a:p>
+            <a:pPr>
+              <a:spcBef>
+                <a:spcPts val="0"/>
+              </a:spcBef>
+            </a:pPr>
+            <a:endParaRPr lang="en-US" sz="2400" dirty="0"/>
+          </a:p>
+        </p:txBody>
+      </p:sp>
+      <p:sp>
+        <p:nvSpPr>
+          <p:cNvPr id="4" name="Slide Number Placeholder 3"/>
+          <p:cNvSpPr>
+            <a:spLocks noGrp="1"/>
+          </p:cNvSpPr>
+          <p:nvPr>
+            <p:ph type="sldNum" sz="quarter" idx="12"/>
+          </p:nvPr>
+        </p:nvSpPr>
+        <p:spPr/>
+        <p:txBody>
+          <a:bodyPr/>
+          <a:lstStyle/>
+          <a:p>
             <a:fld id="{9F4492BD-6A9C-48FC-AC76-0B4FE11194A1}" type="slidenum">
               <a:rPr lang="en-US" smtClean="0"/>
               <a:pPr/>
-              <a:t>22</a:t>
+              <a:t>29</a:t>
             </a:fld>
             <a:endParaRPr lang="en-US"/>
           </a:p>
@@ -16861,7 +22519,396 @@
 </p:sld>
 </file>
 
-<file path=ppt/slides/slide23.xml><?xml version="1.0" encoding="utf-8"?>
+<file path=ppt/slides/slide3.xml><?xml version="1.0" encoding="utf-8"?>
+<p:sld xmlns:a="http://schemas.openxmlformats.org/drawingml/2006/main" xmlns:r="http://schemas.openxmlformats.org/officeDocument/2006/relationships" xmlns:p="http://schemas.openxmlformats.org/presentationml/2006/main">
+  <p:cSld>
+    <p:spTree>
+      <p:nvGrpSpPr>
+        <p:cNvPr id="1" name=""/>
+        <p:cNvGrpSpPr/>
+        <p:nvPr/>
+      </p:nvGrpSpPr>
+      <p:grpSpPr>
+        <a:xfrm>
+          <a:off x="0" y="0"/>
+          <a:ext cx="0" cy="0"/>
+          <a:chOff x="0" y="0"/>
+          <a:chExt cx="0" cy="0"/>
+        </a:xfrm>
+      </p:grpSpPr>
+      <p:sp>
+        <p:nvSpPr>
+          <p:cNvPr id="2" name="Title 1"/>
+          <p:cNvSpPr>
+            <a:spLocks noGrp="1"/>
+          </p:cNvSpPr>
+          <p:nvPr>
+            <p:ph type="title"/>
+          </p:nvPr>
+        </p:nvSpPr>
+        <p:spPr/>
+        <p:txBody>
+          <a:bodyPr/>
+          <a:lstStyle/>
+          <a:p>
+            <a:r>
+              <a:rPr lang="en-US" dirty="0"/>
+              <a:t>Learning Objectives</a:t>
+            </a:r>
+          </a:p>
+        </p:txBody>
+      </p:sp>
+      <p:sp>
+        <p:nvSpPr>
+          <p:cNvPr id="3" name="Content Placeholder 2"/>
+          <p:cNvSpPr>
+            <a:spLocks noGrp="1"/>
+          </p:cNvSpPr>
+          <p:nvPr>
+            <p:ph idx="1"/>
+          </p:nvPr>
+        </p:nvSpPr>
+        <p:spPr>
+          <a:xfrm>
+            <a:off x="457200" y="1676400"/>
+            <a:ext cx="8229600" cy="4525963"/>
+          </a:xfrm>
+        </p:spPr>
+        <p:txBody>
+          <a:bodyPr/>
+          <a:lstStyle/>
+          <a:p>
+            <a:r>
+              <a:rPr lang="en-US" dirty="0"/>
+              <a:t>At the end of this lesson you should be able to:</a:t>
+            </a:r>
+          </a:p>
+          <a:p>
+            <a:pPr lvl="1"/>
+            <a:r>
+              <a:rPr lang="en-US" dirty="0"/>
+              <a:t>explain what a directed graph is, and what  it means for one node to be reachable from another</a:t>
+            </a:r>
+          </a:p>
+          <a:p>
+            <a:pPr lvl="1"/>
+            <a:r>
+              <a:rPr lang="en-US" dirty="0"/>
+              <a:t>explain what a closure problem is</a:t>
+            </a:r>
+          </a:p>
+          <a:p>
+            <a:pPr lvl="1"/>
+            <a:r>
+              <a:rPr lang="en-US" dirty="0"/>
+              <a:t>explain the </a:t>
+            </a:r>
+            <a:r>
+              <a:rPr lang="en-US" dirty="0" err="1"/>
+              <a:t>worklist</a:t>
+            </a:r>
+            <a:r>
+              <a:rPr lang="en-US" dirty="0"/>
+              <a:t> algorithm</a:t>
+            </a:r>
+          </a:p>
+          <a:p>
+            <a:pPr lvl="1"/>
+            <a:r>
+              <a:rPr lang="en-US" dirty="0"/>
+              <a:t>write similar programs for searching in graphs.</a:t>
+            </a:r>
+          </a:p>
+        </p:txBody>
+      </p:sp>
+      <p:sp>
+        <p:nvSpPr>
+          <p:cNvPr id="4" name="Slide Number Placeholder 3"/>
+          <p:cNvSpPr>
+            <a:spLocks noGrp="1"/>
+          </p:cNvSpPr>
+          <p:nvPr>
+            <p:ph type="sldNum" sz="quarter" idx="12"/>
+          </p:nvPr>
+        </p:nvSpPr>
+        <p:spPr/>
+        <p:txBody>
+          <a:bodyPr/>
+          <a:lstStyle/>
+          <a:p>
+            <a:fld id="{9F4492BD-6A9C-48FC-AC76-0B4FE11194A1}" type="slidenum">
+              <a:rPr lang="en-US" smtClean="0"/>
+              <a:pPr/>
+              <a:t>3</a:t>
+            </a:fld>
+            <a:endParaRPr lang="en-US"/>
+          </a:p>
+        </p:txBody>
+      </p:sp>
+    </p:spTree>
+    <p:extLst>
+      <p:ext uri="{BB962C8B-B14F-4D97-AF65-F5344CB8AC3E}">
+        <p14:creationId xmlns:p14="http://schemas.microsoft.com/office/powerpoint/2010/main" val="3294254051"/>
+      </p:ext>
+    </p:extLst>
+  </p:cSld>
+  <p:clrMapOvr>
+    <a:masterClrMapping/>
+  </p:clrMapOvr>
+</p:sld>
+</file>
+
+<file path=ppt/slides/slide30.xml><?xml version="1.0" encoding="utf-8"?>
+<p:sld xmlns:a="http://schemas.openxmlformats.org/drawingml/2006/main" xmlns:r="http://schemas.openxmlformats.org/officeDocument/2006/relationships" xmlns:p="http://schemas.openxmlformats.org/presentationml/2006/main">
+  <p:cSld>
+    <p:spTree>
+      <p:nvGrpSpPr>
+        <p:cNvPr id="1" name=""/>
+        <p:cNvGrpSpPr/>
+        <p:nvPr/>
+      </p:nvGrpSpPr>
+      <p:grpSpPr>
+        <a:xfrm>
+          <a:off x="0" y="0"/>
+          <a:ext cx="0" cy="0"/>
+          <a:chOff x="0" y="0"/>
+          <a:chExt cx="0" cy="0"/>
+        </a:xfrm>
+      </p:grpSpPr>
+      <p:sp>
+        <p:nvSpPr>
+          <p:cNvPr id="5" name="Title 4"/>
+          <p:cNvSpPr>
+            <a:spLocks noGrp="1"/>
+          </p:cNvSpPr>
+          <p:nvPr>
+            <p:ph type="title"/>
+          </p:nvPr>
+        </p:nvSpPr>
+        <p:spPr/>
+        <p:txBody>
+          <a:bodyPr/>
+          <a:lstStyle/>
+          <a:p>
+            <a:r>
+              <a:rPr lang="en-US" dirty="0"/>
+              <a:t>Correctness Reasoning</a:t>
+            </a:r>
+          </a:p>
+        </p:txBody>
+      </p:sp>
+      <p:sp>
+        <p:nvSpPr>
+          <p:cNvPr id="6" name="Content Placeholder 5"/>
+          <p:cNvSpPr>
+            <a:spLocks noGrp="1"/>
+          </p:cNvSpPr>
+          <p:nvPr>
+            <p:ph idx="1"/>
+          </p:nvPr>
+        </p:nvSpPr>
+        <p:spPr/>
+        <p:txBody>
+          <a:bodyPr/>
+          <a:lstStyle/>
+          <a:p>
+            <a:r>
+              <a:rPr lang="en-US" dirty="0"/>
+              <a:t>There are no nodes reachable from </a:t>
+            </a:r>
+            <a:r>
+              <a:rPr lang="en-US" b="1" dirty="0"/>
+              <a:t>nodes</a:t>
+            </a:r>
+            <a:r>
+              <a:rPr lang="en-US" dirty="0"/>
+              <a:t> in fewer than 0 steps.  The set of nodes reachable from </a:t>
+            </a:r>
+            <a:r>
+              <a:rPr lang="en-US" b="1" dirty="0"/>
+              <a:t>nodes</a:t>
+            </a:r>
+            <a:r>
+              <a:rPr lang="en-US" dirty="0"/>
+              <a:t> in at most 0 steps is just </a:t>
+            </a:r>
+            <a:r>
+              <a:rPr lang="en-US" b="1" dirty="0"/>
+              <a:t>nodes</a:t>
+            </a:r>
+            <a:r>
+              <a:rPr lang="en-US" dirty="0"/>
+              <a:t>.  So the call to </a:t>
+            </a:r>
+            <a:r>
+              <a:rPr lang="en-US" b="1" dirty="0"/>
+              <a:t>reachables1</a:t>
+            </a:r>
+            <a:r>
+              <a:rPr lang="en-US" dirty="0"/>
+              <a:t>  satisfies </a:t>
+            </a:r>
+            <a:r>
+              <a:rPr lang="en-US" b="1" dirty="0"/>
+              <a:t>reachable1</a:t>
+            </a:r>
+            <a:r>
+              <a:rPr lang="en-US" dirty="0"/>
+              <a:t>'s invariant.</a:t>
+            </a:r>
+          </a:p>
+        </p:txBody>
+      </p:sp>
+      <p:sp>
+        <p:nvSpPr>
+          <p:cNvPr id="4" name="Slide Number Placeholder 3"/>
+          <p:cNvSpPr>
+            <a:spLocks noGrp="1"/>
+          </p:cNvSpPr>
+          <p:nvPr>
+            <p:ph type="sldNum" sz="quarter" idx="12"/>
+          </p:nvPr>
+        </p:nvSpPr>
+        <p:spPr/>
+        <p:txBody>
+          <a:bodyPr/>
+          <a:lstStyle/>
+          <a:p>
+            <a:fld id="{2AF3B5EA-18B6-4040-9F78-6052AF49C681}" type="slidenum">
+              <a:rPr lang="en-US" smtClean="0"/>
+              <a:t>30</a:t>
+            </a:fld>
+            <a:endParaRPr lang="en-US"/>
+          </a:p>
+        </p:txBody>
+      </p:sp>
+    </p:spTree>
+    <p:extLst>
+      <p:ext uri="{BB962C8B-B14F-4D97-AF65-F5344CB8AC3E}">
+        <p14:creationId xmlns:p14="http://schemas.microsoft.com/office/powerpoint/2010/main" val="3144911748"/>
+      </p:ext>
+    </p:extLst>
+  </p:cSld>
+  <p:clrMapOvr>
+    <a:masterClrMapping/>
+  </p:clrMapOvr>
+</p:sld>
+</file>
+
+<file path=ppt/slides/slide31.xml><?xml version="1.0" encoding="utf-8"?>
+<p:sld xmlns:a="http://schemas.openxmlformats.org/drawingml/2006/main" xmlns:r="http://schemas.openxmlformats.org/officeDocument/2006/relationships" xmlns:p="http://schemas.openxmlformats.org/presentationml/2006/main">
+  <p:cSld>
+    <p:spTree>
+      <p:nvGrpSpPr>
+        <p:cNvPr id="1" name=""/>
+        <p:cNvGrpSpPr/>
+        <p:nvPr/>
+      </p:nvGrpSpPr>
+      <p:grpSpPr>
+        <a:xfrm>
+          <a:off x="0" y="0"/>
+          <a:ext cx="0" cy="0"/>
+          <a:chOff x="0" y="0"/>
+          <a:chExt cx="0" cy="0"/>
+        </a:xfrm>
+      </p:grpSpPr>
+      <p:sp>
+        <p:nvSpPr>
+          <p:cNvPr id="2" name="Title 1"/>
+          <p:cNvSpPr>
+            <a:spLocks noGrp="1"/>
+          </p:cNvSpPr>
+          <p:nvPr>
+            <p:ph type="title"/>
+          </p:nvPr>
+        </p:nvSpPr>
+        <p:spPr/>
+        <p:txBody>
+          <a:bodyPr/>
+          <a:lstStyle/>
+          <a:p>
+            <a:r>
+              <a:rPr lang="en-US" dirty="0"/>
+              <a:t>Termination Reasoning</a:t>
+            </a:r>
+          </a:p>
+        </p:txBody>
+      </p:sp>
+      <p:sp>
+        <p:nvSpPr>
+          <p:cNvPr id="3" name="Content Placeholder 2"/>
+          <p:cNvSpPr>
+            <a:spLocks noGrp="1"/>
+          </p:cNvSpPr>
+          <p:nvPr>
+            <p:ph idx="1"/>
+          </p:nvPr>
+        </p:nvSpPr>
+        <p:spPr/>
+        <p:txBody>
+          <a:bodyPr/>
+          <a:lstStyle/>
+          <a:p>
+            <a:r>
+              <a:rPr lang="en-US" dirty="0"/>
+              <a:t> No termination reasoning is necessary here because this function simply calls </a:t>
+            </a:r>
+            <a:r>
+              <a:rPr lang="en-US" b="1" dirty="0"/>
+              <a:t>reachables1</a:t>
+            </a:r>
+            <a:r>
+              <a:rPr lang="en-US" dirty="0"/>
+              <a:t>, and we already know </a:t>
+            </a:r>
+            <a:r>
+              <a:rPr lang="en-US" b="1" dirty="0"/>
+              <a:t>reachables1</a:t>
+            </a:r>
+            <a:r>
+              <a:rPr lang="en-US" dirty="0"/>
+              <a:t> terminates.</a:t>
+            </a:r>
+          </a:p>
+        </p:txBody>
+      </p:sp>
+      <p:sp>
+        <p:nvSpPr>
+          <p:cNvPr id="4" name="Slide Number Placeholder 3"/>
+          <p:cNvSpPr>
+            <a:spLocks noGrp="1"/>
+          </p:cNvSpPr>
+          <p:nvPr>
+            <p:ph type="sldNum" sz="quarter" idx="12"/>
+          </p:nvPr>
+        </p:nvSpPr>
+        <p:spPr/>
+        <p:txBody>
+          <a:bodyPr/>
+          <a:lstStyle/>
+          <a:p>
+            <a:fld id="{2AF3B5EA-18B6-4040-9F78-6052AF49C681}" type="slidenum">
+              <a:rPr lang="en-US" smtClean="0"/>
+              <a:t>31</a:t>
+            </a:fld>
+            <a:endParaRPr lang="en-US"/>
+          </a:p>
+        </p:txBody>
+      </p:sp>
+    </p:spTree>
+    <p:extLst>
+      <p:ext uri="{BB962C8B-B14F-4D97-AF65-F5344CB8AC3E}">
+        <p14:creationId xmlns:p14="http://schemas.microsoft.com/office/powerpoint/2010/main" val="3824132673"/>
+      </p:ext>
+    </p:extLst>
+  </p:cSld>
+  <p:clrMapOvr>
+    <a:masterClrMapping/>
+  </p:clrMapOvr>
+</p:sld>
+</file>
+
+<file path=ppt/slides/slide32.xml><?xml version="1.0" encoding="utf-8"?>
 <p:sld xmlns:a="http://schemas.openxmlformats.org/drawingml/2006/main" xmlns:r="http://schemas.openxmlformats.org/officeDocument/2006/relationships" xmlns:p="http://schemas.openxmlformats.org/presentationml/2006/main">
   <p:cSld>
     <p:spTree>
@@ -16927,6 +22974,12 @@
           <a:p>
             <a:r>
               <a:rPr lang="en-US" dirty="0"/>
+              <a:t>This is the simplest example of what's called a "worklist" algorithm.</a:t>
+            </a:r>
+          </a:p>
+          <a:p>
+            <a:r>
+              <a:rPr lang="en-US" dirty="0"/>
               <a:t>It is used in many applications</a:t>
             </a:r>
           </a:p>
@@ -16964,7 +23017,7 @@
             <a:fld id="{9F4492BD-6A9C-48FC-AC76-0B4FE11194A1}" type="slidenum">
               <a:rPr lang="en-US" smtClean="0"/>
               <a:pPr/>
-              <a:t>23</a:t>
+              <a:t>32</a:t>
             </a:fld>
             <a:endParaRPr lang="en-US"/>
           </a:p>
@@ -16983,231 +23036,7 @@
 </p:sld>
 </file>
 
-<file path=ppt/slides/slide24.xml><?xml version="1.0" encoding="utf-8"?>
-<p:sld xmlns:a="http://schemas.openxmlformats.org/drawingml/2006/main" xmlns:r="http://schemas.openxmlformats.org/officeDocument/2006/relationships" xmlns:p="http://schemas.openxmlformats.org/presentationml/2006/main">
-  <p:cSld>
-    <p:spTree>
-      <p:nvGrpSpPr>
-        <p:cNvPr id="1" name=""/>
-        <p:cNvGrpSpPr/>
-        <p:nvPr/>
-      </p:nvGrpSpPr>
-      <p:grpSpPr>
-        <a:xfrm>
-          <a:off x="0" y="0"/>
-          <a:ext cx="0" cy="0"/>
-          <a:chOff x="0" y="0"/>
-          <a:chExt cx="0" cy="0"/>
-        </a:xfrm>
-      </p:grpSpPr>
-      <p:sp>
-        <p:nvSpPr>
-          <p:cNvPr id="2" name="Title 1"/>
-          <p:cNvSpPr>
-            <a:spLocks noGrp="1"/>
-          </p:cNvSpPr>
-          <p:nvPr>
-            <p:ph type="title"/>
-          </p:nvPr>
-        </p:nvSpPr>
-        <p:spPr/>
-        <p:txBody>
-          <a:bodyPr/>
-          <a:lstStyle/>
-          <a:p>
-            <a:r>
-              <a:rPr lang="en-US" dirty="0"/>
-              <a:t>You could use this to define </a:t>
-            </a:r>
-            <a:r>
-              <a:rPr lang="en-US" b="1" dirty="0">
-                <a:latin typeface="Consolas" pitchFamily="49" charset="0"/>
-                <a:cs typeface="Consolas" pitchFamily="49" charset="0"/>
-              </a:rPr>
-              <a:t>path?</a:t>
-            </a:r>
-          </a:p>
-        </p:txBody>
-      </p:sp>
-      <p:sp>
-        <p:nvSpPr>
-          <p:cNvPr id="4" name="Content Placeholder 3"/>
-          <p:cNvSpPr>
-            <a:spLocks noGrp="1"/>
-          </p:cNvSpPr>
-          <p:nvPr>
-            <p:ph idx="1"/>
-          </p:nvPr>
-        </p:nvSpPr>
-        <p:spPr/>
-        <p:txBody>
-          <a:bodyPr>
-            <a:normAutofit/>
-          </a:bodyPr>
-          <a:lstStyle/>
-          <a:p>
-            <a:r>
-              <a:rPr lang="en-US" sz="2400" dirty="0"/>
-              <a:t>;; path? : Graph Node </a:t>
-            </a:r>
-            <a:r>
-              <a:rPr lang="en-US" sz="2400" dirty="0" err="1"/>
-              <a:t>Node</a:t>
-            </a:r>
-            <a:r>
-              <a:rPr lang="en-US" sz="2400" dirty="0"/>
-              <a:t> -&gt; Boolean</a:t>
-            </a:r>
-          </a:p>
-          <a:p>
-            <a:r>
-              <a:rPr lang="en-US" sz="2400" dirty="0"/>
-              <a:t>;; GIVEN: a graph and a source and a </a:t>
-            </a:r>
-          </a:p>
-          <a:p>
-            <a:r>
-              <a:rPr lang="en-US" sz="2400" dirty="0"/>
-              <a:t>;; target node in the graph</a:t>
-            </a:r>
-          </a:p>
-          <a:p>
-            <a:r>
-              <a:rPr lang="en-US" sz="2400" dirty="0"/>
-              <a:t>;; RETURNS: true </a:t>
-            </a:r>
-            <a:r>
-              <a:rPr lang="en-US" sz="2400" dirty="0" err="1"/>
-              <a:t>iff</a:t>
-            </a:r>
-            <a:r>
-              <a:rPr lang="en-US" sz="2400" dirty="0"/>
-              <a:t> there is a path in g</a:t>
-            </a:r>
-          </a:p>
-          <a:p>
-            <a:r>
-              <a:rPr lang="en-US" sz="2400" dirty="0"/>
-              <a:t>;; from </a:t>
-            </a:r>
-            <a:r>
-              <a:rPr lang="en-US" sz="2400" dirty="0" err="1"/>
-              <a:t>src</a:t>
-            </a:r>
-            <a:r>
-              <a:rPr lang="en-US" sz="2400" dirty="0"/>
-              <a:t> to </a:t>
-            </a:r>
-            <a:r>
-              <a:rPr lang="en-US" sz="2400" dirty="0" err="1"/>
-              <a:t>tgt</a:t>
-            </a:r>
-            <a:endParaRPr lang="en-US" sz="2400" dirty="0"/>
-          </a:p>
-          <a:p>
-            <a:r>
-              <a:rPr lang="en-US" sz="2400" dirty="0"/>
-              <a:t>;; STRATEGY: call more general function</a:t>
-            </a:r>
-          </a:p>
-          <a:p>
-            <a:r>
-              <a:rPr lang="en-US" sz="2400" dirty="0"/>
-              <a:t>(define (path? graph </a:t>
-            </a:r>
-            <a:r>
-              <a:rPr lang="en-US" sz="2400" dirty="0" err="1"/>
-              <a:t>src</a:t>
-            </a:r>
-            <a:r>
-              <a:rPr lang="en-US" sz="2400" dirty="0"/>
-              <a:t> </a:t>
-            </a:r>
-            <a:r>
-              <a:rPr lang="en-US" sz="2400" dirty="0" err="1"/>
-              <a:t>tgt</a:t>
-            </a:r>
-            <a:r>
-              <a:rPr lang="en-US" sz="2400" dirty="0"/>
-              <a:t>)</a:t>
-            </a:r>
-          </a:p>
-          <a:p>
-            <a:r>
-              <a:rPr lang="en-US" sz="2400" dirty="0"/>
-              <a:t>  (member </a:t>
-            </a:r>
-            <a:r>
-              <a:rPr lang="en-US" sz="2400" dirty="0" err="1"/>
-              <a:t>tgt</a:t>
-            </a:r>
-            <a:r>
-              <a:rPr lang="en-US" sz="2400" dirty="0"/>
-              <a:t> (</a:t>
-            </a:r>
-            <a:r>
-              <a:rPr lang="en-US" sz="2400" dirty="0" err="1"/>
-              <a:t>reachables</a:t>
-            </a:r>
-            <a:r>
-              <a:rPr lang="en-US" sz="2400" dirty="0"/>
-              <a:t> (list </a:t>
-            </a:r>
-            <a:r>
-              <a:rPr lang="en-US" sz="2400" dirty="0" err="1"/>
-              <a:t>src</a:t>
-            </a:r>
-            <a:r>
-              <a:rPr lang="en-US" sz="2400" dirty="0"/>
-              <a:t>) graph)))</a:t>
-            </a:r>
-          </a:p>
-          <a:p>
-            <a:r>
-              <a:rPr lang="en-US" sz="2400" dirty="0"/>
-              <a:t> </a:t>
-            </a:r>
-          </a:p>
-        </p:txBody>
-      </p:sp>
-      <p:sp>
-        <p:nvSpPr>
-          <p:cNvPr id="3" name="Slide Number Placeholder 2"/>
-          <p:cNvSpPr>
-            <a:spLocks noGrp="1"/>
-          </p:cNvSpPr>
-          <p:nvPr>
-            <p:ph type="sldNum" sz="quarter" idx="12"/>
-          </p:nvPr>
-        </p:nvSpPr>
-        <p:spPr/>
-        <p:txBody>
-          <a:bodyPr/>
-          <a:lstStyle/>
-          <a:p>
-            <a:fld id="{9F4492BD-6A9C-48FC-AC76-0B4FE11194A1}" type="slidenum">
-              <a:rPr lang="en-US" smtClean="0"/>
-              <a:pPr/>
-              <a:t>24</a:t>
-            </a:fld>
-            <a:endParaRPr lang="en-US"/>
-          </a:p>
-        </p:txBody>
-      </p:sp>
-    </p:spTree>
-    <p:extLst>
-      <p:ext uri="{BB962C8B-B14F-4D97-AF65-F5344CB8AC3E}">
-        <p14:creationId xmlns:p14="http://schemas.microsoft.com/office/powerpoint/2010/main" val="229685978"/>
-      </p:ext>
-    </p:extLst>
-  </p:cSld>
-  <p:clrMapOvr>
-    <a:masterClrMapping/>
-  </p:clrMapOvr>
-</p:sld>
-</file>
-
-<file path=ppt/slides/slide25.xml><?xml version="1.0" encoding="utf-8"?>
+<file path=ppt/slides/slide33.xml><?xml version="1.0" encoding="utf-8"?>
 <p:sld xmlns:a="http://schemas.openxmlformats.org/drawingml/2006/main" xmlns:r="http://schemas.openxmlformats.org/officeDocument/2006/relationships" xmlns:p="http://schemas.openxmlformats.org/presentationml/2006/main">
   <p:cSld>
     <p:spTree>
@@ -17243,6 +23072,238 @@
           <a:p>
             <a:r>
               <a:rPr lang="en-US" dirty="0"/>
+              <a:t>You could use this to define </a:t>
+            </a:r>
+            <a:r>
+              <a:rPr lang="en-US" b="1" dirty="0">
+                <a:latin typeface="Consolas" pitchFamily="49" charset="0"/>
+              </a:rPr>
+              <a:t>reachable</a:t>
+            </a:r>
+            <a:r>
+              <a:rPr lang="en-US" b="1" dirty="0">
+                <a:latin typeface="Consolas" pitchFamily="49" charset="0"/>
+                <a:cs typeface="Consolas" pitchFamily="49" charset="0"/>
+              </a:rPr>
+              <a:t>?</a:t>
+            </a:r>
+          </a:p>
+        </p:txBody>
+      </p:sp>
+      <p:sp>
+        <p:nvSpPr>
+          <p:cNvPr id="4" name="Content Placeholder 3"/>
+          <p:cNvSpPr>
+            <a:spLocks noGrp="1"/>
+          </p:cNvSpPr>
+          <p:nvPr>
+            <p:ph idx="1"/>
+          </p:nvPr>
+        </p:nvSpPr>
+        <p:spPr/>
+        <p:txBody>
+          <a:bodyPr>
+            <a:normAutofit/>
+          </a:bodyPr>
+          <a:lstStyle/>
+          <a:p>
+            <a:r>
+              <a:rPr lang="en-US" sz="2400" dirty="0"/>
+              <a:t>;; reachable? : Graph Node </a:t>
+            </a:r>
+            <a:r>
+              <a:rPr lang="en-US" sz="2400" dirty="0" err="1"/>
+              <a:t>Node</a:t>
+            </a:r>
+            <a:r>
+              <a:rPr lang="en-US" sz="2400" dirty="0"/>
+              <a:t> -&gt; Boolean</a:t>
+            </a:r>
+          </a:p>
+          <a:p>
+            <a:r>
+              <a:rPr lang="en-US" sz="2400" dirty="0"/>
+              <a:t>;; GIVEN: a graph and a source and a </a:t>
+            </a:r>
+          </a:p>
+          <a:p>
+            <a:r>
+              <a:rPr lang="en-US" sz="2400" dirty="0"/>
+              <a:t>;; target node in the graph</a:t>
+            </a:r>
+          </a:p>
+          <a:p>
+            <a:r>
+              <a:rPr lang="en-US" sz="2400" dirty="0"/>
+              <a:t>;; RETURNS: true </a:t>
+            </a:r>
+            <a:r>
+              <a:rPr lang="en-US" sz="2400" dirty="0" err="1"/>
+              <a:t>iff</a:t>
+            </a:r>
+            <a:r>
+              <a:rPr lang="en-US" sz="2400" dirty="0"/>
+              <a:t> there is a path in g</a:t>
+            </a:r>
+          </a:p>
+          <a:p>
+            <a:r>
+              <a:rPr lang="en-US" sz="2400" dirty="0"/>
+              <a:t>;; from </a:t>
+            </a:r>
+            <a:r>
+              <a:rPr lang="en-US" sz="2400" dirty="0" err="1"/>
+              <a:t>src</a:t>
+            </a:r>
+            <a:r>
+              <a:rPr lang="en-US" sz="2400" dirty="0"/>
+              <a:t> to </a:t>
+            </a:r>
+            <a:r>
+              <a:rPr lang="en-US" sz="2400" dirty="0" err="1"/>
+              <a:t>tgt</a:t>
+            </a:r>
+            <a:endParaRPr lang="en-US" sz="2400" dirty="0"/>
+          </a:p>
+          <a:p>
+            <a:r>
+              <a:rPr lang="en-US" sz="2400" dirty="0"/>
+              <a:t>;; STRATEGY: call more general function</a:t>
+            </a:r>
+          </a:p>
+          <a:p>
+            <a:r>
+              <a:rPr lang="en-US" sz="2400" dirty="0"/>
+              <a:t>(define (path? graph </a:t>
+            </a:r>
+            <a:r>
+              <a:rPr lang="en-US" sz="2400" dirty="0" err="1"/>
+              <a:t>src</a:t>
+            </a:r>
+            <a:r>
+              <a:rPr lang="en-US" sz="2400" dirty="0"/>
+              <a:t> </a:t>
+            </a:r>
+            <a:r>
+              <a:rPr lang="en-US" sz="2400" dirty="0" err="1"/>
+              <a:t>tgt</a:t>
+            </a:r>
+            <a:r>
+              <a:rPr lang="en-US" sz="2400" dirty="0"/>
+              <a:t>)</a:t>
+            </a:r>
+          </a:p>
+          <a:p>
+            <a:r>
+              <a:rPr lang="en-US" sz="2400" dirty="0"/>
+              <a:t>  (member </a:t>
+            </a:r>
+            <a:r>
+              <a:rPr lang="en-US" sz="2400" dirty="0" err="1"/>
+              <a:t>tgt</a:t>
+            </a:r>
+            <a:r>
+              <a:rPr lang="en-US" sz="2400" dirty="0"/>
+              <a:t> (</a:t>
+            </a:r>
+            <a:r>
+              <a:rPr lang="en-US" sz="2400" dirty="0" err="1"/>
+              <a:t>reachables</a:t>
+            </a:r>
+            <a:r>
+              <a:rPr lang="en-US" sz="2400" dirty="0"/>
+              <a:t> (list </a:t>
+            </a:r>
+            <a:r>
+              <a:rPr lang="en-US" sz="2400" dirty="0" err="1"/>
+              <a:t>src</a:t>
+            </a:r>
+            <a:r>
+              <a:rPr lang="en-US" sz="2400" dirty="0"/>
+              <a:t>) graph)))</a:t>
+            </a:r>
+          </a:p>
+          <a:p>
+            <a:r>
+              <a:rPr lang="en-US" sz="2400" dirty="0"/>
+              <a:t> </a:t>
+            </a:r>
+          </a:p>
+        </p:txBody>
+      </p:sp>
+      <p:sp>
+        <p:nvSpPr>
+          <p:cNvPr id="3" name="Slide Number Placeholder 2"/>
+          <p:cNvSpPr>
+            <a:spLocks noGrp="1"/>
+          </p:cNvSpPr>
+          <p:nvPr>
+            <p:ph type="sldNum" sz="quarter" idx="12"/>
+          </p:nvPr>
+        </p:nvSpPr>
+        <p:spPr/>
+        <p:txBody>
+          <a:bodyPr/>
+          <a:lstStyle/>
+          <a:p>
+            <a:fld id="{9F4492BD-6A9C-48FC-AC76-0B4FE11194A1}" type="slidenum">
+              <a:rPr lang="en-US" smtClean="0"/>
+              <a:pPr/>
+              <a:t>33</a:t>
+            </a:fld>
+            <a:endParaRPr lang="en-US"/>
+          </a:p>
+        </p:txBody>
+      </p:sp>
+    </p:spTree>
+    <p:extLst>
+      <p:ext uri="{BB962C8B-B14F-4D97-AF65-F5344CB8AC3E}">
+        <p14:creationId xmlns:p14="http://schemas.microsoft.com/office/powerpoint/2010/main" val="229685978"/>
+      </p:ext>
+    </p:extLst>
+  </p:cSld>
+  <p:clrMapOvr>
+    <a:masterClrMapping/>
+  </p:clrMapOvr>
+</p:sld>
+</file>
+
+<file path=ppt/slides/slide34.xml><?xml version="1.0" encoding="utf-8"?>
+<p:sld xmlns:a="http://schemas.openxmlformats.org/drawingml/2006/main" xmlns:r="http://schemas.openxmlformats.org/officeDocument/2006/relationships" xmlns:p="http://schemas.openxmlformats.org/presentationml/2006/main">
+  <p:cSld>
+    <p:spTree>
+      <p:nvGrpSpPr>
+        <p:cNvPr id="1" name=""/>
+        <p:cNvGrpSpPr/>
+        <p:nvPr/>
+      </p:nvGrpSpPr>
+      <p:grpSpPr>
+        <a:xfrm>
+          <a:off x="0" y="0"/>
+          <a:ext cx="0" cy="0"/>
+          <a:chOff x="0" y="0"/>
+          <a:chExt cx="0" cy="0"/>
+        </a:xfrm>
+      </p:grpSpPr>
+      <p:sp>
+        <p:nvSpPr>
+          <p:cNvPr id="2" name="Title 1"/>
+          <p:cNvSpPr>
+            <a:spLocks noGrp="1"/>
+          </p:cNvSpPr>
+          <p:nvPr>
+            <p:ph type="title"/>
+          </p:nvPr>
+        </p:nvSpPr>
+        <p:spPr/>
+        <p:txBody>
+          <a:bodyPr>
+            <a:normAutofit fontScale="90000"/>
+          </a:bodyPr>
+          <a:lstStyle/>
+          <a:p>
+            <a:r>
+              <a:rPr lang="en-US" dirty="0"/>
               <a:t>But for that, you don't need to build the whole set</a:t>
             </a:r>
           </a:p>
@@ -17546,7 +23607,7 @@
             <a:fld id="{9F4492BD-6A9C-48FC-AC76-0B4FE11194A1}" type="slidenum">
               <a:rPr lang="en-US" smtClean="0"/>
               <a:pPr/>
-              <a:t>25</a:t>
+              <a:t>34</a:t>
             </a:fld>
             <a:endParaRPr lang="en-US"/>
           </a:p>
@@ -18210,7 +24271,7 @@
 </p:sld>
 </file>
 
-<file path=ppt/slides/slide26.xml><?xml version="1.0" encoding="utf-8"?>
+<file path=ppt/slides/slide35.xml><?xml version="1.0" encoding="utf-8"?>
 <p:sld xmlns:a="http://schemas.openxmlformats.org/drawingml/2006/main" xmlns:r="http://schemas.openxmlformats.org/officeDocument/2006/relationships" xmlns:p="http://schemas.openxmlformats.org/presentationml/2006/main">
   <p:cSld>
     <p:spTree>
@@ -18395,7 +24456,7 @@
             <a:fld id="{9F4492BD-6A9C-48FC-AC76-0B4FE11194A1}" type="slidenum">
               <a:rPr lang="en-US" smtClean="0"/>
               <a:pPr/>
-              <a:t>26</a:t>
+              <a:t>35</a:t>
             </a:fld>
             <a:endParaRPr lang="en-US"/>
           </a:p>
@@ -18504,7 +24565,7 @@
 </p:sld>
 </file>
 
-<file path=ppt/slides/slide27.xml><?xml version="1.0" encoding="utf-8"?>
+<file path=ppt/slides/slide36.xml><?xml version="1.0" encoding="utf-8"?>
 <p:sld xmlns:a="http://schemas.openxmlformats.org/drawingml/2006/main" xmlns:r="http://schemas.openxmlformats.org/officeDocument/2006/relationships" xmlns:p="http://schemas.openxmlformats.org/presentationml/2006/main">
   <p:cSld>
     <p:spTree>
@@ -18723,7 +24784,7 @@
             <a:fld id="{9F4492BD-6A9C-48FC-AC76-0B4FE11194A1}" type="slidenum">
               <a:rPr lang="en-US" smtClean="0"/>
               <a:pPr/>
-              <a:t>27</a:t>
+              <a:t>36</a:t>
             </a:fld>
             <a:endParaRPr lang="en-US"/>
           </a:p>
@@ -18742,7 +24803,7 @@
 </p:sld>
 </file>
 
-<file path=ppt/slides/slide28.xml><?xml version="1.0" encoding="utf-8"?>
+<file path=ppt/slides/slide37.xml><?xml version="1.0" encoding="utf-8"?>
 <p:sld xmlns:a="http://schemas.openxmlformats.org/drawingml/2006/main" xmlns:r="http://schemas.openxmlformats.org/officeDocument/2006/relationships" xmlns:p="http://schemas.openxmlformats.org/presentationml/2006/main">
   <p:cSld>
     <p:spTree>
@@ -18892,7 +24953,7 @@
             <a:fld id="{9F4492BD-6A9C-48FC-AC76-0B4FE11194A1}" type="slidenum">
               <a:rPr lang="en-US" smtClean="0"/>
               <a:pPr/>
-              <a:t>28</a:t>
+              <a:t>37</a:t>
             </a:fld>
             <a:endParaRPr lang="en-US"/>
           </a:p>
@@ -18911,7 +24972,7 @@
 </p:sld>
 </file>
 
-<file path=ppt/slides/slide29.xml><?xml version="1.0" encoding="utf-8"?>
+<file path=ppt/slides/slide38.xml><?xml version="1.0" encoding="utf-8"?>
 <p:sld xmlns:a="http://schemas.openxmlformats.org/drawingml/2006/main" xmlns:r="http://schemas.openxmlformats.org/officeDocument/2006/relationships" xmlns:p="http://schemas.openxmlformats.org/presentationml/2006/main">
   <p:cSld>
     <p:spTree>
@@ -18998,7 +25059,7 @@
             <a:fld id="{9F4492BD-6A9C-48FC-AC76-0B4FE11194A1}" type="slidenum">
               <a:rPr lang="en-US" smtClean="0"/>
               <a:pPr/>
-              <a:t>29</a:t>
+              <a:t>38</a:t>
             </a:fld>
             <a:endParaRPr lang="en-US"/>
           </a:p>
@@ -19017,146 +25078,7 @@
 </p:sld>
 </file>
 
-<file path=ppt/slides/slide3.xml><?xml version="1.0" encoding="utf-8"?>
-<p:sld xmlns:a="http://schemas.openxmlformats.org/drawingml/2006/main" xmlns:r="http://schemas.openxmlformats.org/officeDocument/2006/relationships" xmlns:p="http://schemas.openxmlformats.org/presentationml/2006/main">
-  <p:cSld>
-    <p:spTree>
-      <p:nvGrpSpPr>
-        <p:cNvPr id="1" name=""/>
-        <p:cNvGrpSpPr/>
-        <p:nvPr/>
-      </p:nvGrpSpPr>
-      <p:grpSpPr>
-        <a:xfrm>
-          <a:off x="0" y="0"/>
-          <a:ext cx="0" cy="0"/>
-          <a:chOff x="0" y="0"/>
-          <a:chExt cx="0" cy="0"/>
-        </a:xfrm>
-      </p:grpSpPr>
-      <p:sp>
-        <p:nvSpPr>
-          <p:cNvPr id="2" name="Title 1"/>
-          <p:cNvSpPr>
-            <a:spLocks noGrp="1"/>
-          </p:cNvSpPr>
-          <p:nvPr>
-            <p:ph type="title"/>
-          </p:nvPr>
-        </p:nvSpPr>
-        <p:spPr/>
-        <p:txBody>
-          <a:bodyPr/>
-          <a:lstStyle/>
-          <a:p>
-            <a:r>
-              <a:rPr lang="en-US" dirty="0"/>
-              <a:t>Learning Objectives</a:t>
-            </a:r>
-          </a:p>
-        </p:txBody>
-      </p:sp>
-      <p:sp>
-        <p:nvSpPr>
-          <p:cNvPr id="3" name="Content Placeholder 2"/>
-          <p:cNvSpPr>
-            <a:spLocks noGrp="1"/>
-          </p:cNvSpPr>
-          <p:nvPr>
-            <p:ph idx="1"/>
-          </p:nvPr>
-        </p:nvSpPr>
-        <p:spPr>
-          <a:xfrm>
-            <a:off x="457200" y="1676400"/>
-            <a:ext cx="8229600" cy="4525963"/>
-          </a:xfrm>
-        </p:spPr>
-        <p:txBody>
-          <a:bodyPr/>
-          <a:lstStyle/>
-          <a:p>
-            <a:r>
-              <a:rPr lang="en-US" dirty="0"/>
-              <a:t>At the end of this lesson you should be able to:</a:t>
-            </a:r>
-          </a:p>
-          <a:p>
-            <a:pPr lvl="1"/>
-            <a:r>
-              <a:rPr lang="en-US" dirty="0"/>
-              <a:t>explain what a directed graph is, and what  it means for one node to be reachable from another</a:t>
-            </a:r>
-          </a:p>
-          <a:p>
-            <a:pPr lvl="1"/>
-            <a:r>
-              <a:rPr lang="en-US" dirty="0"/>
-              <a:t>explain what a closure problem is</a:t>
-            </a:r>
-          </a:p>
-          <a:p>
-            <a:pPr lvl="1"/>
-            <a:r>
-              <a:rPr lang="en-US" dirty="0"/>
-              <a:t>explain the </a:t>
-            </a:r>
-            <a:r>
-              <a:rPr lang="en-US" dirty="0" err="1"/>
-              <a:t>worklist</a:t>
-            </a:r>
-            <a:r>
-              <a:rPr lang="en-US" dirty="0"/>
-              <a:t> algorithm</a:t>
-            </a:r>
-          </a:p>
-          <a:p>
-            <a:pPr lvl="1"/>
-            <a:r>
-              <a:rPr lang="en-US" dirty="0"/>
-              <a:t>write similar programs for searching in graphs.</a:t>
-            </a:r>
-          </a:p>
-        </p:txBody>
-      </p:sp>
-      <p:sp>
-        <p:nvSpPr>
-          <p:cNvPr id="4" name="Slide Number Placeholder 3"/>
-          <p:cNvSpPr>
-            <a:spLocks noGrp="1"/>
-          </p:cNvSpPr>
-          <p:nvPr>
-            <p:ph type="sldNum" sz="quarter" idx="12"/>
-          </p:nvPr>
-        </p:nvSpPr>
-        <p:spPr/>
-        <p:txBody>
-          <a:bodyPr/>
-          <a:lstStyle/>
-          <a:p>
-            <a:fld id="{9F4492BD-6A9C-48FC-AC76-0B4FE11194A1}" type="slidenum">
-              <a:rPr lang="en-US" smtClean="0"/>
-              <a:pPr/>
-              <a:t>3</a:t>
-            </a:fld>
-            <a:endParaRPr lang="en-US"/>
-          </a:p>
-        </p:txBody>
-      </p:sp>
-    </p:spTree>
-    <p:extLst>
-      <p:ext uri="{BB962C8B-B14F-4D97-AF65-F5344CB8AC3E}">
-        <p14:creationId xmlns:p14="http://schemas.microsoft.com/office/powerpoint/2010/main" val="3294254051"/>
-      </p:ext>
-    </p:extLst>
-  </p:cSld>
-  <p:clrMapOvr>
-    <a:masterClrMapping/>
-  </p:clrMapOvr>
-</p:sld>
-</file>
-
-<file path=ppt/slides/slide30.xml><?xml version="1.0" encoding="utf-8"?>
+<file path=ppt/slides/slide39.xml><?xml version="1.0" encoding="utf-8"?>
 <p:sld xmlns:a="http://schemas.openxmlformats.org/drawingml/2006/main" xmlns:r="http://schemas.openxmlformats.org/officeDocument/2006/relationships" xmlns:p="http://schemas.openxmlformats.org/presentationml/2006/main">
   <p:cSld>
     <p:spTree>
@@ -19304,7 +25226,7 @@
             <a:fld id="{9F4492BD-6A9C-48FC-AC76-0B4FE11194A1}" type="slidenum">
               <a:rPr lang="en-US" smtClean="0"/>
               <a:pPr/>
-              <a:t>30</a:t>
+              <a:t>39</a:t>
             </a:fld>
             <a:endParaRPr lang="en-US"/>
           </a:p>
@@ -20591,7 +26513,120 @@
 </p:sld>
 </file>
 
-<file path=ppt/slides/slide31.xml><?xml version="1.0" encoding="utf-8"?>
+<file path=ppt/slides/slide4.xml><?xml version="1.0" encoding="utf-8"?>
+<p:sld xmlns:a="http://schemas.openxmlformats.org/drawingml/2006/main" xmlns:r="http://schemas.openxmlformats.org/officeDocument/2006/relationships" xmlns:p="http://schemas.openxmlformats.org/presentationml/2006/main">
+  <p:cSld>
+    <p:spTree>
+      <p:nvGrpSpPr>
+        <p:cNvPr id="1" name=""/>
+        <p:cNvGrpSpPr/>
+        <p:nvPr/>
+      </p:nvGrpSpPr>
+      <p:grpSpPr>
+        <a:xfrm>
+          <a:off x="0" y="0"/>
+          <a:ext cx="0" cy="0"/>
+          <a:chOff x="0" y="0"/>
+          <a:chExt cx="0" cy="0"/>
+        </a:xfrm>
+      </p:grpSpPr>
+      <p:sp>
+        <p:nvSpPr>
+          <p:cNvPr id="2" name="Title 1"/>
+          <p:cNvSpPr>
+            <a:spLocks noGrp="1"/>
+          </p:cNvSpPr>
+          <p:nvPr>
+            <p:ph type="title"/>
+          </p:nvPr>
+        </p:nvSpPr>
+        <p:spPr/>
+        <p:txBody>
+          <a:bodyPr/>
+          <a:lstStyle/>
+          <a:p>
+            <a:r>
+              <a:rPr lang="en-US" dirty="0"/>
+              <a:t>What's a graph?</a:t>
+            </a:r>
+          </a:p>
+        </p:txBody>
+      </p:sp>
+      <p:sp>
+        <p:nvSpPr>
+          <p:cNvPr id="3" name="Content Placeholder 2"/>
+          <p:cNvSpPr>
+            <a:spLocks noGrp="1"/>
+          </p:cNvSpPr>
+          <p:nvPr>
+            <p:ph idx="1"/>
+          </p:nvPr>
+        </p:nvSpPr>
+        <p:spPr/>
+        <p:txBody>
+          <a:bodyPr/>
+          <a:lstStyle/>
+          <a:p>
+            <a:r>
+              <a:rPr lang="en-US" dirty="0"/>
+              <a:t>You should be familiar with the notion of a graph from your previous courses.  </a:t>
+            </a:r>
+          </a:p>
+          <a:p>
+            <a:r>
+              <a:rPr lang="en-US" dirty="0"/>
+              <a:t>A graph consists of some nodes and some edges. </a:t>
+            </a:r>
+          </a:p>
+          <a:p>
+            <a:r>
+              <a:rPr lang="en-US" dirty="0"/>
+              <a:t>We will be dealing with directed graphs, in which each edge has a direction.  We will indicate the direction with an arrow.</a:t>
+            </a:r>
+          </a:p>
+          <a:p>
+            <a:endParaRPr lang="en-US" dirty="0"/>
+          </a:p>
+        </p:txBody>
+      </p:sp>
+      <p:sp>
+        <p:nvSpPr>
+          <p:cNvPr id="4" name="Slide Number Placeholder 3"/>
+          <p:cNvSpPr>
+            <a:spLocks noGrp="1"/>
+          </p:cNvSpPr>
+          <p:nvPr>
+            <p:ph type="sldNum" sz="quarter" idx="12"/>
+          </p:nvPr>
+        </p:nvSpPr>
+        <p:spPr/>
+        <p:txBody>
+          <a:bodyPr/>
+          <a:lstStyle/>
+          <a:p>
+            <a:fld id="{9F4492BD-6A9C-48FC-AC76-0B4FE11194A1}" type="slidenum">
+              <a:rPr lang="en-US" smtClean="0"/>
+              <a:pPr/>
+              <a:t>4</a:t>
+            </a:fld>
+            <a:endParaRPr lang="en-US"/>
+          </a:p>
+        </p:txBody>
+      </p:sp>
+    </p:spTree>
+    <p:extLst>
+      <p:ext uri="{BB962C8B-B14F-4D97-AF65-F5344CB8AC3E}">
+        <p14:creationId xmlns:p14="http://schemas.microsoft.com/office/powerpoint/2010/main" val="3274178972"/>
+      </p:ext>
+    </p:extLst>
+  </p:cSld>
+  <p:clrMapOvr>
+    <a:masterClrMapping/>
+  </p:clrMapOvr>
+</p:sld>
+</file>
+
+<file path=ppt/slides/slide40.xml><?xml version="1.0" encoding="utf-8"?>
 <p:sld xmlns:a="http://schemas.openxmlformats.org/drawingml/2006/main" xmlns:r="http://schemas.openxmlformats.org/officeDocument/2006/relationships" xmlns:p="http://schemas.openxmlformats.org/presentationml/2006/main">
   <p:cSld>
     <p:spTree>
@@ -20728,7 +26763,7 @@
             <a:fld id="{9F4492BD-6A9C-48FC-AC76-0B4FE11194A1}" type="slidenum">
               <a:rPr lang="en-US" smtClean="0"/>
               <a:pPr/>
-              <a:t>31</a:t>
+              <a:t>40</a:t>
             </a:fld>
             <a:endParaRPr lang="en-US" dirty="0"/>
           </a:p>
@@ -20742,7 +26777,7 @@
         </p:nvSpPr>
         <p:spPr>
           <a:xfrm>
-            <a:off x="4114800" y="4994761"/>
+            <a:off x="4343400" y="5710664"/>
             <a:ext cx="3631695" cy="830997"/>
           </a:xfrm>
           <a:prstGeom prst="rect">
@@ -20807,7 +26842,7 @@
 </p:sld>
 </file>
 
-<file path=ppt/slides/slide32.xml><?xml version="1.0" encoding="utf-8"?>
+<file path=ppt/slides/slide41.xml><?xml version="1.0" encoding="utf-8"?>
 <p:sld xmlns:a="http://schemas.openxmlformats.org/drawingml/2006/main" xmlns:r="http://schemas.openxmlformats.org/officeDocument/2006/relationships" xmlns:p="http://schemas.openxmlformats.org/presentationml/2006/main">
   <p:cSld>
     <p:spTree>
@@ -20902,7 +26937,7 @@
             <a:fld id="{9F4492BD-6A9C-48FC-AC76-0B4FE11194A1}" type="slidenum">
               <a:rPr lang="en-US" smtClean="0"/>
               <a:pPr/>
-              <a:t>32</a:t>
+              <a:t>41</a:t>
             </a:fld>
             <a:endParaRPr lang="en-US"/>
           </a:p>
@@ -20921,7 +26956,7 @@
 </p:sld>
 </file>
 
-<file path=ppt/slides/slide33.xml><?xml version="1.0" encoding="utf-8"?>
+<file path=ppt/slides/slide42.xml><?xml version="1.0" encoding="utf-8"?>
 <p:sld xmlns:a="http://schemas.openxmlformats.org/drawingml/2006/main" xmlns:r="http://schemas.openxmlformats.org/officeDocument/2006/relationships" xmlns:p="http://schemas.openxmlformats.org/presentationml/2006/main">
   <p:cSld>
     <p:spTree>
@@ -21056,7 +27091,7 @@
             <a:fld id="{9F4492BD-6A9C-48FC-AC76-0B4FE11194A1}" type="slidenum">
               <a:rPr lang="en-US" smtClean="0"/>
               <a:pPr/>
-              <a:t>33</a:t>
+              <a:t>42</a:t>
             </a:fld>
             <a:endParaRPr lang="en-US"/>
           </a:p>
@@ -21075,7 +27110,7 @@
 </p:sld>
 </file>
 
-<file path=ppt/slides/slide34.xml><?xml version="1.0" encoding="utf-8"?>
+<file path=ppt/slides/slide43.xml><?xml version="1.0" encoding="utf-8"?>
 <p:sld xmlns:a="http://schemas.openxmlformats.org/drawingml/2006/main" xmlns:r="http://schemas.openxmlformats.org/officeDocument/2006/relationships" xmlns:p="http://schemas.openxmlformats.org/presentationml/2006/main">
   <p:cSld>
     <p:spTree>
@@ -21174,7 +27209,7 @@
             <a:fld id="{9F4492BD-6A9C-48FC-AC76-0B4FE11194A1}" type="slidenum">
               <a:rPr lang="en-US" smtClean="0"/>
               <a:pPr/>
-              <a:t>34</a:t>
+              <a:t>43</a:t>
             </a:fld>
             <a:endParaRPr lang="en-US"/>
           </a:p>
@@ -21184,119 +27219,6 @@
     <p:extLst>
       <p:ext uri="{BB962C8B-B14F-4D97-AF65-F5344CB8AC3E}">
         <p14:creationId xmlns:p14="http://schemas.microsoft.com/office/powerpoint/2010/main" val="1480087643"/>
-      </p:ext>
-    </p:extLst>
-  </p:cSld>
-  <p:clrMapOvr>
-    <a:masterClrMapping/>
-  </p:clrMapOvr>
-</p:sld>
-</file>
-
-<file path=ppt/slides/slide4.xml><?xml version="1.0" encoding="utf-8"?>
-<p:sld xmlns:a="http://schemas.openxmlformats.org/drawingml/2006/main" xmlns:r="http://schemas.openxmlformats.org/officeDocument/2006/relationships" xmlns:p="http://schemas.openxmlformats.org/presentationml/2006/main">
-  <p:cSld>
-    <p:spTree>
-      <p:nvGrpSpPr>
-        <p:cNvPr id="1" name=""/>
-        <p:cNvGrpSpPr/>
-        <p:nvPr/>
-      </p:nvGrpSpPr>
-      <p:grpSpPr>
-        <a:xfrm>
-          <a:off x="0" y="0"/>
-          <a:ext cx="0" cy="0"/>
-          <a:chOff x="0" y="0"/>
-          <a:chExt cx="0" cy="0"/>
-        </a:xfrm>
-      </p:grpSpPr>
-      <p:sp>
-        <p:nvSpPr>
-          <p:cNvPr id="2" name="Title 1"/>
-          <p:cNvSpPr>
-            <a:spLocks noGrp="1"/>
-          </p:cNvSpPr>
-          <p:nvPr>
-            <p:ph type="title"/>
-          </p:nvPr>
-        </p:nvSpPr>
-        <p:spPr/>
-        <p:txBody>
-          <a:bodyPr/>
-          <a:lstStyle/>
-          <a:p>
-            <a:r>
-              <a:rPr lang="en-US" dirty="0"/>
-              <a:t>What's a graph?</a:t>
-            </a:r>
-          </a:p>
-        </p:txBody>
-      </p:sp>
-      <p:sp>
-        <p:nvSpPr>
-          <p:cNvPr id="3" name="Content Placeholder 2"/>
-          <p:cNvSpPr>
-            <a:spLocks noGrp="1"/>
-          </p:cNvSpPr>
-          <p:nvPr>
-            <p:ph idx="1"/>
-          </p:nvPr>
-        </p:nvSpPr>
-        <p:spPr/>
-        <p:txBody>
-          <a:bodyPr/>
-          <a:lstStyle/>
-          <a:p>
-            <a:r>
-              <a:rPr lang="en-US" dirty="0"/>
-              <a:t>You should be familiar with the notion of a graph from your previous courses.  </a:t>
-            </a:r>
-          </a:p>
-          <a:p>
-            <a:r>
-              <a:rPr lang="en-US" dirty="0"/>
-              <a:t>A graph consists of some nodes and some edges. </a:t>
-            </a:r>
-          </a:p>
-          <a:p>
-            <a:r>
-              <a:rPr lang="en-US" dirty="0"/>
-              <a:t>We will be dealing with directed graphs, in which each edge has a direction.  We will indicate the direction with an arrow.</a:t>
-            </a:r>
-          </a:p>
-          <a:p>
-            <a:endParaRPr lang="en-US" dirty="0"/>
-          </a:p>
-        </p:txBody>
-      </p:sp>
-      <p:sp>
-        <p:nvSpPr>
-          <p:cNvPr id="4" name="Slide Number Placeholder 3"/>
-          <p:cNvSpPr>
-            <a:spLocks noGrp="1"/>
-          </p:cNvSpPr>
-          <p:nvPr>
-            <p:ph type="sldNum" sz="quarter" idx="12"/>
-          </p:nvPr>
-        </p:nvSpPr>
-        <p:spPr/>
-        <p:txBody>
-          <a:bodyPr/>
-          <a:lstStyle/>
-          <a:p>
-            <a:fld id="{9F4492BD-6A9C-48FC-AC76-0B4FE11194A1}" type="slidenum">
-              <a:rPr lang="en-US" smtClean="0"/>
-              <a:pPr/>
-              <a:t>4</a:t>
-            </a:fld>
-            <a:endParaRPr lang="en-US"/>
-          </a:p>
-        </p:txBody>
-      </p:sp>
-    </p:spTree>
-    <p:extLst>
-      <p:ext uri="{BB962C8B-B14F-4D97-AF65-F5344CB8AC3E}">
-        <p14:creationId xmlns:p14="http://schemas.microsoft.com/office/powerpoint/2010/main" val="3274178972"/>
       </p:ext>
     </p:extLst>
   </p:cSld>
@@ -22291,8 +28213,12 @@
           <a:lstStyle/>
           <a:p>
             <a:r>
+              <a:rPr lang="en-US" b="1" dirty="0"/>
+              <a:t>successors</a:t>
+            </a:r>
+            <a:r>
               <a:rPr lang="en-US" dirty="0"/>
-              <a:t>successors of a node</a:t>
+              <a:t> of a node</a:t>
             </a:r>
           </a:p>
         </p:txBody>
@@ -26612,12 +32538,14 @@
     <a:spDef>
       <a:spPr>
         <a:solidFill>
-          <a:schemeClr val="accent3">
-            <a:lumMod val="40000"/>
-            <a:lumOff val="60000"/>
+          <a:schemeClr val="accent1">
+            <a:lumMod val="20000"/>
+            <a:lumOff val="80000"/>
           </a:schemeClr>
         </a:solidFill>
-        <a:ln/>
+        <a:ln>
+          <a:noFill/>
+        </a:ln>
       </a:spPr>
       <a:bodyPr rot="0" spcFirstLastPara="0" vertOverflow="overflow" horzOverflow="overflow" vert="horz" wrap="square" lIns="91440" tIns="45720" rIns="91440" bIns="45720" numCol="1" spcCol="0" rtlCol="0" fromWordArt="0" anchor="ctr" anchorCtr="0" forceAA="0" compatLnSpc="1">
         <a:prstTxWarp prst="textNoShape">
@@ -26626,8 +32554,8 @@
         <a:noAutofit/>
       </a:bodyPr>
       <a:lstStyle>
-        <a:defPPr>
-          <a:defRPr dirty="0">
+        <a:defPPr algn="ctr">
+          <a:defRPr dirty="0" smtClean="0">
             <a:solidFill>
               <a:schemeClr val="tx1"/>
             </a:solidFill>

--- a/Slides/Lesson 8.5 Searching in a Graph.pptx
+++ b/Slides/Lesson 8.5 Searching in a Graph.pptx
@@ -268,7 +268,7 @@
             <a:fld id="{CF8F25F6-E1EF-4065-8525-42EDEBD9BD22}" type="datetimeFigureOut">
               <a:rPr lang="en-US" smtClean="0"/>
               <a:pPr/>
-              <a:t>10/24/2016</a:t>
+              <a:t>10/25/2016</a:t>
             </a:fld>
             <a:endParaRPr lang="en-US"/>
           </a:p>
@@ -1314,7 +1314,7 @@
           <a:p>
             <a:fld id="{2F1F79F5-7BEC-496A-AFC7-876E38F64D71}" type="datetime1">
               <a:rPr lang="en-US" smtClean="0"/>
-              <a:t>10/24/2016</a:t>
+              <a:t>10/25/2016</a:t>
             </a:fld>
             <a:endParaRPr lang="en-US"/>
           </a:p>
@@ -1409,7 +1409,7 @@
           <a:p>
             <a:fld id="{0A05703A-7669-4FEA-9056-25299B4D29D4}" type="datetime1">
               <a:rPr lang="en-US" smtClean="0"/>
-              <a:t>10/24/2016</a:t>
+              <a:t>10/25/2016</a:t>
             </a:fld>
             <a:endParaRPr lang="en-US"/>
           </a:p>
@@ -1684,7 +1684,7 @@
           <a:p>
             <a:fld id="{6E5077B5-BB57-49DB-88CA-226A139E5C01}" type="datetime1">
               <a:rPr lang="en-US" smtClean="0"/>
-              <a:t>10/24/2016</a:t>
+              <a:t>10/25/2016</a:t>
             </a:fld>
             <a:endParaRPr lang="en-US"/>
           </a:p>
@@ -1936,7 +1936,7 @@
           <a:p>
             <a:fld id="{C48D9447-CBD6-49A1-89FD-8512A8CF8999}" type="datetime1">
               <a:rPr lang="en-US" smtClean="0"/>
-              <a:t>10/24/2016</a:t>
+              <a:t>10/25/2016</a:t>
             </a:fld>
             <a:endParaRPr lang="en-US"/>
           </a:p>
@@ -2104,7 +2104,7 @@
           <a:p>
             <a:fld id="{A3639A2A-823D-48B7-9ACE-7FAF42870BA9}" type="datetime1">
               <a:rPr lang="en-US" smtClean="0"/>
-              <a:t>10/24/2016</a:t>
+              <a:t>10/25/2016</a:t>
             </a:fld>
             <a:endParaRPr lang="en-US"/>
           </a:p>
@@ -2282,7 +2282,7 @@
           <a:p>
             <a:fld id="{ED1B6996-82E9-463C-972C-7B56056E426C}" type="datetime1">
               <a:rPr lang="en-US" smtClean="0"/>
-              <a:t>10/24/2016</a:t>
+              <a:t>10/25/2016</a:t>
             </a:fld>
             <a:endParaRPr lang="en-US"/>
           </a:p>
@@ -2456,7 +2456,7 @@
           <a:p>
             <a:fld id="{E22ED4DA-448D-4BB1-B935-CC112220207B}" type="datetime1">
               <a:rPr lang="en-US" smtClean="0"/>
-              <a:t>10/24/2016</a:t>
+              <a:t>10/25/2016</a:t>
             </a:fld>
             <a:endParaRPr lang="en-US"/>
           </a:p>
@@ -2629,7 +2629,7 @@
           <a:p>
             <a:fld id="{E22ED4DA-448D-4BB1-B935-CC112220207B}" type="datetime1">
               <a:rPr lang="en-US" smtClean="0"/>
-              <a:t>10/24/2016</a:t>
+              <a:t>10/25/2016</a:t>
             </a:fld>
             <a:endParaRPr lang="en-US"/>
           </a:p>
@@ -2889,7 +2889,7 @@
           <a:p>
             <a:fld id="{FF5D65A6-AB94-4435-B0B7-3743215FA46C}" type="datetime1">
               <a:rPr lang="en-US" smtClean="0"/>
-              <a:t>10/24/2016</a:t>
+              <a:t>10/25/2016</a:t>
             </a:fld>
             <a:endParaRPr lang="en-US"/>
           </a:p>
@@ -3065,7 +3065,7 @@
           <a:p>
             <a:fld id="{FF5D65A6-AB94-4435-B0B7-3743215FA46C}" type="datetime1">
               <a:rPr lang="en-US" smtClean="0"/>
-              <a:t>10/24/2016</a:t>
+              <a:t>10/25/2016</a:t>
             </a:fld>
             <a:endParaRPr lang="en-US"/>
           </a:p>
@@ -3359,7 +3359,7 @@
           <a:p>
             <a:fld id="{7C193DC4-6EF0-48C9-B29C-616106A645E1}" type="datetime1">
               <a:rPr lang="en-US" smtClean="0"/>
-              <a:t>10/24/2016</a:t>
+              <a:t>10/25/2016</a:t>
             </a:fld>
             <a:endParaRPr lang="en-US"/>
           </a:p>
@@ -3644,7 +3644,7 @@
           <a:p>
             <a:fld id="{5D1846AD-9252-4647-9435-4C2AC365653A}" type="datetime1">
               <a:rPr lang="en-US" smtClean="0"/>
-              <a:t>10/24/2016</a:t>
+              <a:t>10/25/2016</a:t>
             </a:fld>
             <a:endParaRPr lang="en-US"/>
           </a:p>
@@ -4063,7 +4063,7 @@
           <a:p>
             <a:fld id="{CE56DC10-3561-4063-A6AF-C1CC7A41040A}" type="datetime1">
               <a:rPr lang="en-US" smtClean="0"/>
-              <a:t>10/24/2016</a:t>
+              <a:t>10/25/2016</a:t>
             </a:fld>
             <a:endParaRPr lang="en-US"/>
           </a:p>
@@ -4180,7 +4180,7 @@
           <a:p>
             <a:fld id="{2F7B77F5-1464-4F6B-92A8-64FC8A508293}" type="datetime1">
               <a:rPr lang="en-US" smtClean="0"/>
-              <a:t>10/24/2016</a:t>
+              <a:t>10/25/2016</a:t>
             </a:fld>
             <a:endParaRPr lang="en-US"/>
           </a:p>
@@ -4403,7 +4403,7 @@
           <a:p>
             <a:fld id="{02B3F677-983B-48DB-ADFD-63FE6CBC7FB2}" type="datetime1">
               <a:rPr lang="en-US" smtClean="0"/>
-              <a:t>10/24/2016</a:t>
+              <a:t>10/25/2016</a:t>
             </a:fld>
             <a:endParaRPr lang="en-US"/>
           </a:p>
@@ -6589,8 +6589,8 @@
           </a:p>
         </p:txBody>
       </p:sp>
-      <mc:AlternateContent xmlns:mc="http://schemas.openxmlformats.org/markup-compatibility/2006" xmlns:a14="http://schemas.microsoft.com/office/drawing/2010/main">
-        <mc:Choice Requires="a14">
+      <mc:AlternateContent xmlns:mc="http://schemas.openxmlformats.org/markup-compatibility/2006">
+        <mc:Choice xmlns:a14="http://schemas.microsoft.com/office/drawing/2010/main" Requires="a14">
           <p:sp>
             <p:nvSpPr>
               <p:cNvPr id="3" name="Content Placeholder 2"/>
@@ -6604,7 +6604,7 @@
             <p:spPr/>
             <p:txBody>
               <a:bodyPr>
-                <a:normAutofit fontScale="92500" lnSpcReduction="10000"/>
+                <a:normAutofit fontScale="92500" lnSpcReduction="20000"/>
               </a:bodyPr>
               <a:lstStyle/>
               <a:p>
@@ -6624,7 +6624,7 @@
                 </a14:m>
                 <a:r>
                   <a:rPr lang="en-US" dirty="0"/>
-                  <a:t> be a set of nodes in our graph.</a:t>
+                  <a:t> be a set of nodes in our finite graph.</a:t>
                 </a:r>
               </a:p>
               <a:p>
@@ -6650,15 +6650,75 @@
               <a:p>
                 <a:r>
                   <a:rPr lang="en-US" dirty="0"/>
-                  <a:t>Naïve algorithm:</a:t>
+                  <a:t>Let's build sets </a:t>
+                </a:r>
+                <a14:m>
+                  <m:oMath xmlns:m="http://schemas.openxmlformats.org/officeDocument/2006/math">
+                    <m:sSub>
+                      <m:sSubPr>
+                        <m:ctrlPr>
+                          <a:rPr lang="en-US" b="0" i="1" smtClean="0">
+                            <a:latin typeface="Cambria Math" panose="02040503050406030204" pitchFamily="18" charset="0"/>
+                          </a:rPr>
+                        </m:ctrlPr>
+                      </m:sSubPr>
+                      <m:e>
+                        <m:r>
+                          <a:rPr lang="en-US" b="0" i="1" smtClean="0">
+                            <a:latin typeface="Cambria Math" panose="02040503050406030204" pitchFamily="18" charset="0"/>
+                          </a:rPr>
+                          <m:t>𝑅</m:t>
+                        </m:r>
+                      </m:e>
+                      <m:sub>
+                        <m:r>
+                          <a:rPr lang="en-US" b="0" i="1" smtClean="0">
+                            <a:latin typeface="Cambria Math" panose="02040503050406030204" pitchFamily="18" charset="0"/>
+                          </a:rPr>
+                          <m:t>𝑛</m:t>
+                        </m:r>
+                      </m:sub>
+                    </m:sSub>
+                    <m:d>
+                      <m:dPr>
+                        <m:ctrlPr>
+                          <a:rPr lang="en-US" b="0" i="1" smtClean="0">
+                            <a:latin typeface="Cambria Math" panose="02040503050406030204" pitchFamily="18" charset="0"/>
+                          </a:rPr>
+                        </m:ctrlPr>
+                      </m:dPr>
+                      <m:e>
+                        <m:r>
+                          <a:rPr lang="en-US" b="0" i="1" smtClean="0">
+                            <a:latin typeface="Cambria Math" panose="02040503050406030204" pitchFamily="18" charset="0"/>
+                          </a:rPr>
+                          <m:t>𝑆</m:t>
+                        </m:r>
+                      </m:e>
+                    </m:d>
+                  </m:oMath>
+                </a14:m>
+                <a:r>
+                  <a:rPr lang="en-US" dirty="0"/>
+                  <a:t> = the set of nodes reachable in at most </a:t>
+                </a:r>
+                <a14:m>
+                  <m:oMath xmlns:m="http://schemas.openxmlformats.org/officeDocument/2006/math">
+                    <m:r>
+                      <a:rPr lang="en-US" b="0" i="1" smtClean="0">
+                        <a:latin typeface="Cambria Math" panose="02040503050406030204" pitchFamily="18" charset="0"/>
+                      </a:rPr>
+                      <m:t>𝑛</m:t>
+                    </m:r>
+                  </m:oMath>
+                </a14:m>
+                <a:r>
+                  <a:rPr lang="en-US" dirty="0"/>
+                  <a:t> steps.  We can do this as follows:</a:t>
                 </a:r>
               </a:p>
               <a:p>
                 <a:pPr lvl="1"/>
-                <a:r>
-                  <a:rPr lang="en-US" dirty="0"/>
-                  <a:t>Let </a:t>
-                </a:r>
                 <a14:m>
                   <m:oMath xmlns:m="http://schemas.openxmlformats.org/officeDocument/2006/math">
                     <m:sSub>
@@ -6722,10 +6782,6 @@
               </a:p>
               <a:p>
                 <a:pPr lvl="1"/>
-                <a:r>
-                  <a:rPr lang="en-US" dirty="0"/>
-                  <a:t>Let </a:t>
-                </a:r>
                 <a14:m>
                   <m:oMath xmlns:m="http://schemas.openxmlformats.org/officeDocument/2006/math">
                     <m:sSub>
@@ -6893,124 +6949,9 @@
                 <a:endParaRPr lang="en-US" dirty="0"/>
               </a:p>
               <a:p>
-                <a:pPr lvl="1"/>
                 <a:r>
                   <a:rPr lang="en-US" dirty="0"/>
-                  <a:t>If </a:t>
-                </a:r>
-                <a14:m>
-                  <m:oMath xmlns:m="http://schemas.openxmlformats.org/officeDocument/2006/math">
-                    <m:sSub>
-                      <m:sSubPr>
-                        <m:ctrlPr>
-                          <a:rPr lang="en-US" i="1">
-                            <a:latin typeface="Cambria Math" panose="02040503050406030204" pitchFamily="18" charset="0"/>
-                          </a:rPr>
-                        </m:ctrlPr>
-                      </m:sSubPr>
-                      <m:e>
-                        <m:r>
-                          <a:rPr lang="en-US" i="1">
-                            <a:latin typeface="Cambria Math" panose="02040503050406030204" pitchFamily="18" charset="0"/>
-                          </a:rPr>
-                          <m:t>𝑅</m:t>
-                        </m:r>
-                      </m:e>
-                      <m:sub>
-                        <m:r>
-                          <a:rPr lang="en-US" i="1">
-                            <a:latin typeface="Cambria Math" panose="02040503050406030204" pitchFamily="18" charset="0"/>
-                          </a:rPr>
-                          <m:t>𝑛</m:t>
-                        </m:r>
-                        <m:r>
-                          <a:rPr lang="en-US" i="1">
-                            <a:latin typeface="Cambria Math" panose="02040503050406030204" pitchFamily="18" charset="0"/>
-                          </a:rPr>
-                          <m:t>+1</m:t>
-                        </m:r>
-                      </m:sub>
-                    </m:sSub>
-                    <m:d>
-                      <m:dPr>
-                        <m:ctrlPr>
-                          <a:rPr lang="en-US" i="1">
-                            <a:latin typeface="Cambria Math" panose="02040503050406030204" pitchFamily="18" charset="0"/>
-                          </a:rPr>
-                        </m:ctrlPr>
-                      </m:dPr>
-                      <m:e>
-                        <m:r>
-                          <a:rPr lang="en-US" i="1">
-                            <a:latin typeface="Cambria Math" panose="02040503050406030204" pitchFamily="18" charset="0"/>
-                          </a:rPr>
-                          <m:t>𝑆</m:t>
-                        </m:r>
-                      </m:e>
-                    </m:d>
-                    <m:r>
-                      <a:rPr lang="en-US" i="1">
-                        <a:latin typeface="Cambria Math" panose="02040503050406030204" pitchFamily="18" charset="0"/>
-                      </a:rPr>
-                      <m:t>=</m:t>
-                    </m:r>
-                    <m:sSub>
-                      <m:sSubPr>
-                        <m:ctrlPr>
-                          <a:rPr lang="en-US" i="1">
-                            <a:latin typeface="Cambria Math" panose="02040503050406030204" pitchFamily="18" charset="0"/>
-                          </a:rPr>
-                        </m:ctrlPr>
-                      </m:sSubPr>
-                      <m:e>
-                        <m:r>
-                          <a:rPr lang="en-US" i="1">
-                            <a:latin typeface="Cambria Math" panose="02040503050406030204" pitchFamily="18" charset="0"/>
-                          </a:rPr>
-                          <m:t>𝑅</m:t>
-                        </m:r>
-                      </m:e>
-                      <m:sub>
-                        <m:r>
-                          <a:rPr lang="en-US" i="1">
-                            <a:latin typeface="Cambria Math" panose="02040503050406030204" pitchFamily="18" charset="0"/>
-                          </a:rPr>
-                          <m:t>𝑛</m:t>
-                        </m:r>
-                      </m:sub>
-                    </m:sSub>
-                    <m:d>
-                      <m:dPr>
-                        <m:ctrlPr>
-                          <a:rPr lang="en-US" i="1">
-                            <a:latin typeface="Cambria Math" panose="02040503050406030204" pitchFamily="18" charset="0"/>
-                          </a:rPr>
-                        </m:ctrlPr>
-                      </m:dPr>
-                      <m:e>
-                        <m:r>
-                          <a:rPr lang="en-US" i="1">
-                            <a:latin typeface="Cambria Math" panose="02040503050406030204" pitchFamily="18" charset="0"/>
-                          </a:rPr>
-                          <m:t>𝑆</m:t>
-                        </m:r>
-                      </m:e>
-                    </m:d>
-                  </m:oMath>
-                </a14:m>
-                <a:r>
-                  <a:rPr lang="en-US" dirty="0"/>
-                  <a:t> then halt.</a:t>
-                </a:r>
-              </a:p>
-              <a:p>
-                <a:r>
-                  <a:rPr lang="en-US"/>
-                  <a:t>If </a:t>
-                </a:r>
-                <a:r>
-                  <a:rPr lang="en-US" dirty="0"/>
-                  <a:t>we ever have </a:t>
+                  <a:t>If we ever have </a:t>
                 </a:r>
                 <a14:m>
                   <m:oMath xmlns:m="http://schemas.openxmlformats.org/officeDocument/2006/math">
@@ -7110,127 +7051,7 @@
                 </a14:m>
                 <a:r>
                   <a:rPr lang="en-US" dirty="0"/>
-                  <a:t>, then </a:t>
-                </a:r>
-                <a14:m>
-                  <m:oMath xmlns:m="http://schemas.openxmlformats.org/officeDocument/2006/math">
-                    <m:sSub>
-                      <m:sSubPr>
-                        <m:ctrlPr>
-                          <a:rPr lang="en-US" b="0" i="1" smtClean="0">
-                            <a:latin typeface="Cambria Math" panose="02040503050406030204" pitchFamily="18" charset="0"/>
-                          </a:rPr>
-                        </m:ctrlPr>
-                      </m:sSubPr>
-                      <m:e>
-                        <m:r>
-                          <a:rPr lang="en-US" b="0" i="1" smtClean="0">
-                            <a:latin typeface="Cambria Math" panose="02040503050406030204" pitchFamily="18" charset="0"/>
-                          </a:rPr>
-                          <m:t>𝑅</m:t>
-                        </m:r>
-                      </m:e>
-                      <m:sub>
-                        <m:r>
-                          <a:rPr lang="en-US" b="0" i="1" smtClean="0">
-                            <a:latin typeface="Cambria Math" panose="02040503050406030204" pitchFamily="18" charset="0"/>
-                          </a:rPr>
-                          <m:t>𝑚</m:t>
-                        </m:r>
-                      </m:sub>
-                    </m:sSub>
-                    <m:r>
-                      <a:rPr lang="en-US" b="0" i="1" smtClean="0">
-                        <a:latin typeface="Cambria Math" panose="02040503050406030204" pitchFamily="18" charset="0"/>
-                      </a:rPr>
-                      <m:t>(</m:t>
-                    </m:r>
-                    <m:r>
-                      <a:rPr lang="en-US" b="0" i="1" smtClean="0">
-                        <a:latin typeface="Cambria Math" panose="02040503050406030204" pitchFamily="18" charset="0"/>
-                      </a:rPr>
-                      <m:t>𝑆</m:t>
-                    </m:r>
-                    <m:r>
-                      <a:rPr lang="en-US" b="0" i="1" smtClean="0">
-                        <a:latin typeface="Cambria Math" panose="02040503050406030204" pitchFamily="18" charset="0"/>
-                      </a:rPr>
-                      <m:t>)=</m:t>
-                    </m:r>
-                    <m:sSub>
-                      <m:sSubPr>
-                        <m:ctrlPr>
-                          <a:rPr lang="en-US" b="0" i="1" smtClean="0">
-                            <a:latin typeface="Cambria Math" panose="02040503050406030204" pitchFamily="18" charset="0"/>
-                          </a:rPr>
-                        </m:ctrlPr>
-                      </m:sSubPr>
-                      <m:e>
-                        <m:r>
-                          <a:rPr lang="en-US" b="0" i="1" smtClean="0">
-                            <a:latin typeface="Cambria Math" panose="02040503050406030204" pitchFamily="18" charset="0"/>
-                          </a:rPr>
-                          <m:t>𝑅</m:t>
-                        </m:r>
-                      </m:e>
-                      <m:sub>
-                        <m:r>
-                          <a:rPr lang="en-US" b="0" i="1" smtClean="0">
-                            <a:latin typeface="Cambria Math" panose="02040503050406030204" pitchFamily="18" charset="0"/>
-                          </a:rPr>
-                          <m:t>𝑛</m:t>
-                        </m:r>
-                      </m:sub>
-                    </m:sSub>
-                    <m:r>
-                      <a:rPr lang="en-US" b="0" i="1" smtClean="0">
-                        <a:latin typeface="Cambria Math" panose="02040503050406030204" pitchFamily="18" charset="0"/>
-                      </a:rPr>
-                      <m:t>(</m:t>
-                    </m:r>
-                    <m:r>
-                      <a:rPr lang="en-US" b="0" i="1" smtClean="0">
-                        <a:latin typeface="Cambria Math" panose="02040503050406030204" pitchFamily="18" charset="0"/>
-                      </a:rPr>
-                      <m:t>𝑆</m:t>
-                    </m:r>
-                    <m:r>
-                      <a:rPr lang="en-US" b="0" i="1" smtClean="0">
-                        <a:latin typeface="Cambria Math" panose="02040503050406030204" pitchFamily="18" charset="0"/>
-                      </a:rPr>
-                      <m:t>)</m:t>
-                    </m:r>
-                  </m:oMath>
-                </a14:m>
-                <a:r>
-                  <a:rPr lang="en-US" dirty="0"/>
-                  <a:t> for all </a:t>
-                </a:r>
-                <a14:m>
-                  <m:oMath xmlns:m="http://schemas.openxmlformats.org/officeDocument/2006/math">
-                    <m:r>
-                      <a:rPr lang="en-US" b="0" i="1" smtClean="0">
-                        <a:latin typeface="Cambria Math" panose="02040503050406030204" pitchFamily="18" charset="0"/>
-                      </a:rPr>
-                      <m:t>𝑚</m:t>
-                    </m:r>
-                    <m:r>
-                      <a:rPr lang="en-US" b="0" i="1" smtClean="0">
-                        <a:latin typeface="Cambria Math" panose="02040503050406030204" pitchFamily="18" charset="0"/>
-                      </a:rPr>
-                      <m:t>≥</m:t>
-                    </m:r>
-                    <m:r>
-                      <a:rPr lang="en-US" b="0" i="1" smtClean="0">
-                        <a:latin typeface="Cambria Math" panose="02040503050406030204" pitchFamily="18" charset="0"/>
-                      </a:rPr>
-                      <m:t>𝑛</m:t>
-                    </m:r>
-                  </m:oMath>
-                </a14:m>
-                <a:r>
-                  <a:rPr lang="en-US" dirty="0"/>
-                  <a:t>, and </a:t>
+                  <a:t>, then there are no more nodes to find, and </a:t>
                 </a:r>
                 <a14:m>
                   <m:oMath xmlns:m="http://schemas.openxmlformats.org/officeDocument/2006/math">
@@ -7301,7 +7122,7 @@
             </p:txBody>
           </p:sp>
         </mc:Choice>
-        <mc:Fallback xmlns="">
+        <mc:Fallback>
           <p:sp>
             <p:nvSpPr>
               <p:cNvPr id="3" name="Content Placeholder 2"/>
@@ -7316,7 +7137,7 @@
               <a:blipFill>
                 <a:blip r:embed="rId2"/>
                 <a:stretch>
-                  <a:fillRect l="-1481" t="-2695"/>
+                  <a:fillRect l="-1481" t="-3504" r="-1556"/>
                 </a:stretch>
               </a:blipFill>
             </p:spPr>
@@ -10775,8 +10596,8 @@
           </p:style>
         </p:cxnSp>
       </p:grpSp>
-      <mc:AlternateContent xmlns:mc="http://schemas.openxmlformats.org/markup-compatibility/2006">
-        <mc:Choice xmlns:a14="http://schemas.microsoft.com/office/drawing/2010/main" Requires="a14">
+      <mc:AlternateContent xmlns:mc="http://schemas.openxmlformats.org/markup-compatibility/2006" xmlns:a14="http://schemas.microsoft.com/office/drawing/2010/main">
+        <mc:Choice Requires="a14">
           <p:sp>
             <p:nvSpPr>
               <p:cNvPr id="152" name="TextBox 151"/>
@@ -10869,7 +10690,7 @@
             </p:txBody>
           </p:sp>
         </mc:Choice>
-        <mc:Fallback>
+        <mc:Fallback xmlns="">
           <p:sp>
             <p:nvSpPr>
               <p:cNvPr id="152" name="TextBox 151"/>
@@ -10908,8 +10729,8 @@
           </p:sp>
         </mc:Fallback>
       </mc:AlternateContent>
-      <mc:AlternateContent xmlns:mc="http://schemas.openxmlformats.org/markup-compatibility/2006">
-        <mc:Choice xmlns:a14="http://schemas.microsoft.com/office/drawing/2010/main" Requires="a14">
+      <mc:AlternateContent xmlns:mc="http://schemas.openxmlformats.org/markup-compatibility/2006" xmlns:a14="http://schemas.microsoft.com/office/drawing/2010/main">
+        <mc:Choice Requires="a14">
           <p:sp>
             <p:nvSpPr>
               <p:cNvPr id="154" name="TextBox 153"/>
@@ -11026,7 +10847,7 @@
             </p:txBody>
           </p:sp>
         </mc:Choice>
-        <mc:Fallback>
+        <mc:Fallback xmlns="">
           <p:sp>
             <p:nvSpPr>
               <p:cNvPr id="154" name="TextBox 153"/>
@@ -11065,8 +10886,8 @@
           </p:sp>
         </mc:Fallback>
       </mc:AlternateContent>
-      <mc:AlternateContent xmlns:mc="http://schemas.openxmlformats.org/markup-compatibility/2006">
-        <mc:Choice xmlns:a14="http://schemas.microsoft.com/office/drawing/2010/main" Requires="a14">
+      <mc:AlternateContent xmlns:mc="http://schemas.openxmlformats.org/markup-compatibility/2006" xmlns:a14="http://schemas.microsoft.com/office/drawing/2010/main">
+        <mc:Choice Requires="a14">
           <p:sp>
             <p:nvSpPr>
               <p:cNvPr id="155" name="TextBox 154"/>
@@ -11207,7 +11028,7 @@
             </p:txBody>
           </p:sp>
         </mc:Choice>
-        <mc:Fallback>
+        <mc:Fallback xmlns="">
           <p:sp>
             <p:nvSpPr>
               <p:cNvPr id="155" name="TextBox 154"/>
@@ -11246,8 +11067,8 @@
           </p:sp>
         </mc:Fallback>
       </mc:AlternateContent>
-      <mc:AlternateContent xmlns:mc="http://schemas.openxmlformats.org/markup-compatibility/2006">
-        <mc:Choice xmlns:a14="http://schemas.microsoft.com/office/drawing/2010/main" Requires="a14">
+      <mc:AlternateContent xmlns:mc="http://schemas.openxmlformats.org/markup-compatibility/2006" xmlns:a14="http://schemas.microsoft.com/office/drawing/2010/main">
+        <mc:Choice Requires="a14">
           <p:sp>
             <p:nvSpPr>
               <p:cNvPr id="156" name="TextBox 155"/>
@@ -11400,7 +11221,7 @@
             </p:txBody>
           </p:sp>
         </mc:Choice>
-        <mc:Fallback>
+        <mc:Fallback xmlns="">
           <p:sp>
             <p:nvSpPr>
               <p:cNvPr id="156" name="TextBox 155"/>
@@ -11439,8 +11260,8 @@
           </p:sp>
         </mc:Fallback>
       </mc:AlternateContent>
-      <mc:AlternateContent xmlns:mc="http://schemas.openxmlformats.org/markup-compatibility/2006">
-        <mc:Choice xmlns:a14="http://schemas.microsoft.com/office/drawing/2010/main" Requires="a14">
+      <mc:AlternateContent xmlns:mc="http://schemas.openxmlformats.org/markup-compatibility/2006" xmlns:a14="http://schemas.microsoft.com/office/drawing/2010/main">
+        <mc:Choice Requires="a14">
           <p:sp>
             <p:nvSpPr>
               <p:cNvPr id="159" name="TextBox 158"/>
@@ -11593,7 +11414,7 @@
             </p:txBody>
           </p:sp>
         </mc:Choice>
-        <mc:Fallback>
+        <mc:Fallback xmlns="">
           <p:sp>
             <p:nvSpPr>
               <p:cNvPr id="159" name="TextBox 158"/>
@@ -11632,8 +11453,8 @@
           </p:sp>
         </mc:Fallback>
       </mc:AlternateContent>
-      <mc:AlternateContent xmlns:mc="http://schemas.openxmlformats.org/markup-compatibility/2006">
-        <mc:Choice xmlns:a14="http://schemas.microsoft.com/office/drawing/2010/main" Requires="a14">
+      <mc:AlternateContent xmlns:mc="http://schemas.openxmlformats.org/markup-compatibility/2006" xmlns:a14="http://schemas.microsoft.com/office/drawing/2010/main">
+        <mc:Choice Requires="a14">
           <p:sp>
             <p:nvSpPr>
               <p:cNvPr id="160" name="TextBox 159"/>
@@ -11858,7 +11679,7 @@
             </p:txBody>
           </p:sp>
         </mc:Choice>
-        <mc:Fallback>
+        <mc:Fallback xmlns="">
           <p:sp>
             <p:nvSpPr>
               <p:cNvPr id="160" name="TextBox 159"/>
@@ -11956,8 +11777,8 @@
           </a:p>
         </p:txBody>
       </p:sp>
-      <mc:AlternateContent xmlns:mc="http://schemas.openxmlformats.org/markup-compatibility/2006">
-        <mc:Choice xmlns:a14="http://schemas.microsoft.com/office/drawing/2010/main" Requires="a14">
+      <mc:AlternateContent xmlns:mc="http://schemas.openxmlformats.org/markup-compatibility/2006" xmlns:a14="http://schemas.microsoft.com/office/drawing/2010/main">
+        <mc:Choice Requires="a14">
           <p:sp>
             <p:nvSpPr>
               <p:cNvPr id="95" name="TextBox 94"/>
@@ -12019,7 +11840,7 @@
             </p:txBody>
           </p:sp>
         </mc:Choice>
-        <mc:Fallback>
+        <mc:Fallback xmlns="">
           <p:sp>
             <p:nvSpPr>
               <p:cNvPr id="95" name="TextBox 94"/>
@@ -13130,8 +12951,8 @@
           </a:p>
         </p:txBody>
       </p:sp>
-      <mc:AlternateContent xmlns:mc="http://schemas.openxmlformats.org/markup-compatibility/2006">
-        <mc:Choice xmlns:a14="http://schemas.microsoft.com/office/drawing/2010/main" Requires="a14">
+      <mc:AlternateContent xmlns:mc="http://schemas.openxmlformats.org/markup-compatibility/2006" xmlns:a14="http://schemas.microsoft.com/office/drawing/2010/main">
+        <mc:Choice Requires="a14">
           <p:sp>
             <p:nvSpPr>
               <p:cNvPr id="3" name="Content Placeholder 2"/>
@@ -13303,7 +13124,7 @@
             </p:txBody>
           </p:sp>
         </mc:Choice>
-        <mc:Fallback>
+        <mc:Fallback xmlns="">
           <p:sp>
             <p:nvSpPr>
               <p:cNvPr id="3" name="Content Placeholder 2"/>
@@ -21897,8 +21718,8 @@
           </a:p>
         </p:txBody>
       </p:sp>
-      <mc:AlternateContent xmlns:mc="http://schemas.openxmlformats.org/markup-compatibility/2006">
-        <mc:Choice xmlns:a14="http://schemas.microsoft.com/office/drawing/2010/main" Requires="a14">
+      <mc:AlternateContent xmlns:mc="http://schemas.openxmlformats.org/markup-compatibility/2006" xmlns:a14="http://schemas.microsoft.com/office/drawing/2010/main">
+        <mc:Choice Requires="a14">
           <p:sp>
             <p:nvSpPr>
               <p:cNvPr id="5" name="Content Placeholder 4"/>
@@ -22092,7 +21913,7 @@
             </p:txBody>
           </p:sp>
         </mc:Choice>
-        <mc:Fallback>
+        <mc:Fallback xmlns="">
           <p:sp>
             <p:nvSpPr>
               <p:cNvPr id="5" name="Content Placeholder 4"/>
